--- a/CaroGame/HDSD.pptx
+++ b/CaroGame/HDSD.pptx
@@ -9491,13 +9491,6 @@
   <p:clrMapOvr>
     <a:masterClrMapping/>
   </p:clrMapOvr>
-  <p:timing>
-    <p:tnLst>
-      <p:par>
-        <p:cTn id="1" dur="indefinite" restart="never" nodeType="tmRoot"/>
-      </p:par>
-    </p:tnLst>
-  </p:timing>
 </p:sldLayout>
 </file>
 
@@ -9748,7 +9741,7 @@
           <a:p>
             <a:pPr algn="r"/>
             <a:r>
-              <a:rPr lang="en-US" sz="600" b="1" spc="300" dirty="0" err="1" smtClean="0">
+              <a:rPr lang="en-US" sz="600" b="1" spc="300" dirty="0" err="1">
                 <a:solidFill>
                   <a:schemeClr val="bg1"/>
                 </a:solidFill>
@@ -9765,7 +9758,7 @@
               <a:t>Đặng</a:t>
             </a:r>
             <a:r>
-              <a:rPr lang="en-US" sz="600" b="1" spc="300" baseline="0" dirty="0" smtClean="0">
+              <a:rPr lang="en-US" sz="600" b="1" spc="300" baseline="0" dirty="0">
                 <a:solidFill>
                   <a:schemeClr val="bg1"/>
                 </a:solidFill>
@@ -9782,7 +9775,7 @@
               <a:t> </a:t>
             </a:r>
             <a:r>
-              <a:rPr lang="en-US" sz="600" b="1" spc="300" baseline="0" dirty="0" err="1" smtClean="0">
+              <a:rPr lang="en-US" sz="600" b="1" spc="300" baseline="0" dirty="0" err="1">
                 <a:solidFill>
                   <a:schemeClr val="bg1"/>
                 </a:solidFill>
@@ -9799,7 +9792,7 @@
               <a:t>Quang</a:t>
             </a:r>
             <a:r>
-              <a:rPr lang="en-US" sz="600" b="1" spc="300" baseline="0" dirty="0" smtClean="0">
+              <a:rPr lang="en-US" sz="600" b="1" spc="300" baseline="0" dirty="0">
                 <a:solidFill>
                   <a:schemeClr val="bg1"/>
                 </a:solidFill>
@@ -9816,7 +9809,7 @@
               <a:t> </a:t>
             </a:r>
             <a:r>
-              <a:rPr lang="en-US" sz="600" b="1" spc="300" baseline="0" dirty="0" err="1" smtClean="0">
+              <a:rPr lang="en-US" sz="600" b="1" spc="300" baseline="0" dirty="0" err="1">
                 <a:solidFill>
                   <a:schemeClr val="bg1"/>
                 </a:solidFill>
@@ -9833,7 +9826,7 @@
               <a:t>sáng</a:t>
             </a:r>
             <a:r>
-              <a:rPr lang="en-US" sz="600" b="1" spc="300" dirty="0" smtClean="0">
+              <a:rPr lang="en-US" sz="600" b="1" spc="300" dirty="0">
                 <a:solidFill>
                   <a:schemeClr val="bg1"/>
                 </a:solidFill>
@@ -9849,20 +9842,6 @@
               </a:rPr>
               <a:t>	 | 10.2022</a:t>
             </a:r>
-            <a:endParaRPr lang="en-US" sz="600" b="1" spc="300" dirty="0">
-              <a:solidFill>
-                <a:schemeClr val="bg1"/>
-              </a:solidFill>
-              <a:effectLst>
-                <a:outerShdw blurRad="38100" dist="38100" dir="2700000" algn="tl">
-                  <a:srgbClr val="000000">
-                    <a:alpha val="43137"/>
-                  </a:srgbClr>
-                </a:outerShdw>
-              </a:effectLst>
-              <a:latin typeface="Arial" panose="020B0604020202020204" pitchFamily="34" charset="0"/>
-              <a:cs typeface="Arial" panose="020B0604020202020204" pitchFamily="34" charset="0"/>
-            </a:endParaRPr>
           </a:p>
         </p:txBody>
       </p:sp>
@@ -10214,13 +10193,6 @@
   <p:clrMapOvr>
     <a:masterClrMapping/>
   </p:clrMapOvr>
-  <p:timing>
-    <p:tnLst>
-      <p:par>
-        <p:cTn id="1" dur="indefinite" restart="never" nodeType="tmRoot"/>
-      </p:par>
-    </p:tnLst>
-  </p:timing>
   <p:hf hdr="0" ftr="0" dt="0"/>
 </p:sldLayout>
 </file>
@@ -10511,13 +10483,6 @@
     <p:sldLayoutId id="2147483649" r:id="rId1"/>
     <p:sldLayoutId id="2147483650" r:id="rId2"/>
   </p:sldLayoutIdLst>
-  <p:timing>
-    <p:tnLst>
-      <p:par>
-        <p:cTn id="1" dur="indefinite" restart="never" nodeType="tmRoot"/>
-      </p:par>
-    </p:tnLst>
-  </p:timing>
   <p:txStyles>
     <p:titleStyle>
       <a:lvl1pPr algn="l" defTabSz="914400" rtl="0" eaLnBrk="1" latinLnBrk="0" hangingPunct="1">
@@ -10927,13 +10892,6 @@
   <p:clrMapOvr>
     <a:masterClrMapping/>
   </p:clrMapOvr>
-  <p:timing>
-    <p:tnLst>
-      <p:par>
-        <p:cTn id="1" dur="indefinite" restart="never" nodeType="tmRoot"/>
-      </p:par>
-    </p:tnLst>
-  </p:timing>
 </p:sld>
 </file>
 
@@ -10970,40 +10928,8 @@
           <a:lstStyle/>
           <a:p>
             <a:r>
-              <a:rPr lang="en-US" dirty="0" err="1" smtClean="0"/>
-              <a:t>Mô</a:t>
-            </a:r>
-            <a:r>
-              <a:rPr lang="en-US" dirty="0" smtClean="0"/>
-              <a:t> </a:t>
-            </a:r>
-            <a:r>
-              <a:rPr lang="en-US" dirty="0" err="1" smtClean="0"/>
-              <a:t>tả</a:t>
-            </a:r>
-            <a:r>
-              <a:rPr lang="en-US" dirty="0" smtClean="0"/>
-              <a:t> </a:t>
-            </a:r>
-            <a:r>
-              <a:rPr lang="en-US" dirty="0" err="1" smtClean="0"/>
-              <a:t>các</a:t>
-            </a:r>
-            <a:r>
-              <a:rPr lang="en-US" dirty="0" smtClean="0"/>
-              <a:t> </a:t>
-            </a:r>
-            <a:r>
-              <a:rPr lang="en-US" dirty="0" err="1" smtClean="0"/>
-              <a:t>chức</a:t>
-            </a:r>
-            <a:r>
-              <a:rPr lang="en-US" dirty="0" smtClean="0"/>
-              <a:t> </a:t>
-            </a:r>
-            <a:r>
-              <a:rPr lang="en-US" dirty="0" err="1" smtClean="0"/>
-              <a:t>năng</a:t>
+              <a:rPr lang="en-US"/>
+              <a:t>Giới thiệu sơ bộ</a:t>
             </a:r>
             <a:endParaRPr lang="en-US" dirty="0"/>
           </a:p>
@@ -11056,56 +10982,56 @@
           <a:lstStyle/>
           <a:p>
             <a:r>
-              <a:rPr lang="en-US" dirty="0" err="1" smtClean="0">
+              <a:rPr lang="en-US" dirty="0" err="1">
                 <a:latin typeface="Arial" panose="020B0604020202020204" pitchFamily="34" charset="0"/>
                 <a:cs typeface="Arial" panose="020B0604020202020204" pitchFamily="34" charset="0"/>
               </a:rPr>
               <a:t>Cài</a:t>
             </a:r>
             <a:r>
-              <a:rPr lang="en-US" dirty="0" smtClean="0">
-                <a:latin typeface="Arial" panose="020B0604020202020204" pitchFamily="34" charset="0"/>
-                <a:cs typeface="Arial" panose="020B0604020202020204" pitchFamily="34" charset="0"/>
-              </a:rPr>
-              <a:t> </a:t>
-            </a:r>
-            <a:r>
-              <a:rPr lang="en-US" dirty="0" err="1" smtClean="0">
+              <a:rPr lang="en-US" dirty="0">
+                <a:latin typeface="Arial" panose="020B0604020202020204" pitchFamily="34" charset="0"/>
+                <a:cs typeface="Arial" panose="020B0604020202020204" pitchFamily="34" charset="0"/>
+              </a:rPr>
+              <a:t> </a:t>
+            </a:r>
+            <a:r>
+              <a:rPr lang="en-US" dirty="0" err="1">
                 <a:latin typeface="Arial" panose="020B0604020202020204" pitchFamily="34" charset="0"/>
                 <a:cs typeface="Arial" panose="020B0604020202020204" pitchFamily="34" charset="0"/>
               </a:rPr>
               <a:t>đặt</a:t>
             </a:r>
             <a:r>
-              <a:rPr lang="en-US" dirty="0" smtClean="0">
-                <a:latin typeface="Arial" panose="020B0604020202020204" pitchFamily="34" charset="0"/>
-                <a:cs typeface="Arial" panose="020B0604020202020204" pitchFamily="34" charset="0"/>
-              </a:rPr>
-              <a:t> </a:t>
-            </a:r>
-            <a:r>
-              <a:rPr lang="en-US" dirty="0" err="1" smtClean="0">
+              <a:rPr lang="en-US" dirty="0">
+                <a:latin typeface="Arial" panose="020B0604020202020204" pitchFamily="34" charset="0"/>
+                <a:cs typeface="Arial" panose="020B0604020202020204" pitchFamily="34" charset="0"/>
+              </a:rPr>
+              <a:t> </a:t>
+            </a:r>
+            <a:r>
+              <a:rPr lang="en-US" dirty="0" err="1">
                 <a:latin typeface="Arial" panose="020B0604020202020204" pitchFamily="34" charset="0"/>
                 <a:cs typeface="Arial" panose="020B0604020202020204" pitchFamily="34" charset="0"/>
               </a:rPr>
               <a:t>luật</a:t>
             </a:r>
             <a:r>
-              <a:rPr lang="en-US" dirty="0" smtClean="0">
-                <a:latin typeface="Arial" panose="020B0604020202020204" pitchFamily="34" charset="0"/>
-                <a:cs typeface="Arial" panose="020B0604020202020204" pitchFamily="34" charset="0"/>
-              </a:rPr>
-              <a:t> </a:t>
-            </a:r>
-            <a:r>
-              <a:rPr lang="en-US" dirty="0" err="1" smtClean="0">
+              <a:rPr lang="en-US" dirty="0">
+                <a:latin typeface="Arial" panose="020B0604020202020204" pitchFamily="34" charset="0"/>
+                <a:cs typeface="Arial" panose="020B0604020202020204" pitchFamily="34" charset="0"/>
+              </a:rPr>
+              <a:t> </a:t>
+            </a:r>
+            <a:r>
+              <a:rPr lang="en-US" dirty="0" err="1">
                 <a:latin typeface="Arial" panose="020B0604020202020204" pitchFamily="34" charset="0"/>
                 <a:cs typeface="Arial" panose="020B0604020202020204" pitchFamily="34" charset="0"/>
               </a:rPr>
               <a:t>chơi</a:t>
             </a:r>
             <a:r>
-              <a:rPr lang="en-US" dirty="0" smtClean="0">
+              <a:rPr lang="en-US" dirty="0">
                 <a:latin typeface="Arial" panose="020B0604020202020204" pitchFamily="34" charset="0"/>
                 <a:cs typeface="Arial" panose="020B0604020202020204" pitchFamily="34" charset="0"/>
               </a:rPr>
@@ -11118,140 +11044,140 @@
               <a:buChar char="•"/>
             </a:pPr>
             <a:r>
-              <a:rPr lang="en-US" dirty="0" err="1" smtClean="0">
+              <a:rPr lang="en-US" dirty="0" err="1">
                 <a:latin typeface="Arial" panose="020B0604020202020204" pitchFamily="34" charset="0"/>
                 <a:cs typeface="Arial" panose="020B0604020202020204" pitchFamily="34" charset="0"/>
               </a:rPr>
               <a:t>Thời</a:t>
             </a:r>
             <a:r>
-              <a:rPr lang="en-US" dirty="0" smtClean="0">
-                <a:latin typeface="Arial" panose="020B0604020202020204" pitchFamily="34" charset="0"/>
-                <a:cs typeface="Arial" panose="020B0604020202020204" pitchFamily="34" charset="0"/>
-              </a:rPr>
-              <a:t> </a:t>
-            </a:r>
-            <a:r>
-              <a:rPr lang="en-US" dirty="0" err="1" smtClean="0">
+              <a:rPr lang="en-US" dirty="0">
+                <a:latin typeface="Arial" panose="020B0604020202020204" pitchFamily="34" charset="0"/>
+                <a:cs typeface="Arial" panose="020B0604020202020204" pitchFamily="34" charset="0"/>
+              </a:rPr>
+              <a:t> </a:t>
+            </a:r>
+            <a:r>
+              <a:rPr lang="en-US" dirty="0" err="1">
                 <a:latin typeface="Arial" panose="020B0604020202020204" pitchFamily="34" charset="0"/>
                 <a:cs typeface="Arial" panose="020B0604020202020204" pitchFamily="34" charset="0"/>
               </a:rPr>
               <a:t>gian</a:t>
             </a:r>
             <a:r>
-              <a:rPr lang="en-US" dirty="0" smtClean="0">
-                <a:latin typeface="Arial" panose="020B0604020202020204" pitchFamily="34" charset="0"/>
-                <a:cs typeface="Arial" panose="020B0604020202020204" pitchFamily="34" charset="0"/>
-              </a:rPr>
-              <a:t> </a:t>
-            </a:r>
-            <a:r>
-              <a:rPr lang="en-US" dirty="0" err="1" smtClean="0">
+              <a:rPr lang="en-US" dirty="0">
+                <a:latin typeface="Arial" panose="020B0604020202020204" pitchFamily="34" charset="0"/>
+                <a:cs typeface="Arial" panose="020B0604020202020204" pitchFamily="34" charset="0"/>
+              </a:rPr>
+              <a:t> </a:t>
+            </a:r>
+            <a:r>
+              <a:rPr lang="en-US" dirty="0" err="1">
                 <a:latin typeface="Arial" panose="020B0604020202020204" pitchFamily="34" charset="0"/>
                 <a:cs typeface="Arial" panose="020B0604020202020204" pitchFamily="34" charset="0"/>
               </a:rPr>
               <a:t>chơi</a:t>
             </a:r>
             <a:r>
-              <a:rPr lang="en-US" dirty="0" smtClean="0">
-                <a:latin typeface="Arial" panose="020B0604020202020204" pitchFamily="34" charset="0"/>
-                <a:cs typeface="Arial" panose="020B0604020202020204" pitchFamily="34" charset="0"/>
-              </a:rPr>
-              <a:t> </a:t>
-            </a:r>
-            <a:r>
-              <a:rPr lang="en-US" dirty="0" err="1" smtClean="0">
+              <a:rPr lang="en-US" dirty="0">
+                <a:latin typeface="Arial" panose="020B0604020202020204" pitchFamily="34" charset="0"/>
+                <a:cs typeface="Arial" panose="020B0604020202020204" pitchFamily="34" charset="0"/>
+              </a:rPr>
+              <a:t> </a:t>
+            </a:r>
+            <a:r>
+              <a:rPr lang="en-US" dirty="0" err="1">
                 <a:latin typeface="Arial" panose="020B0604020202020204" pitchFamily="34" charset="0"/>
                 <a:cs typeface="Arial" panose="020B0604020202020204" pitchFamily="34" charset="0"/>
               </a:rPr>
               <a:t>mỗi</a:t>
             </a:r>
             <a:r>
-              <a:rPr lang="en-US" dirty="0" smtClean="0">
-                <a:latin typeface="Arial" panose="020B0604020202020204" pitchFamily="34" charset="0"/>
-                <a:cs typeface="Arial" panose="020B0604020202020204" pitchFamily="34" charset="0"/>
-              </a:rPr>
-              <a:t> </a:t>
-            </a:r>
-            <a:r>
-              <a:rPr lang="en-US" dirty="0" err="1" smtClean="0">
+              <a:rPr lang="en-US" dirty="0">
+                <a:latin typeface="Arial" panose="020B0604020202020204" pitchFamily="34" charset="0"/>
+                <a:cs typeface="Arial" panose="020B0604020202020204" pitchFamily="34" charset="0"/>
+              </a:rPr>
+              <a:t> </a:t>
+            </a:r>
+            <a:r>
+              <a:rPr lang="en-US" dirty="0" err="1">
                 <a:latin typeface="Arial" panose="020B0604020202020204" pitchFamily="34" charset="0"/>
                 <a:cs typeface="Arial" panose="020B0604020202020204" pitchFamily="34" charset="0"/>
               </a:rPr>
               <a:t>lượt</a:t>
             </a:r>
             <a:r>
-              <a:rPr lang="en-US" dirty="0" smtClean="0">
-                <a:latin typeface="Arial" panose="020B0604020202020204" pitchFamily="34" charset="0"/>
-                <a:cs typeface="Arial" panose="020B0604020202020204" pitchFamily="34" charset="0"/>
-              </a:rPr>
-              <a:t> </a:t>
-            </a:r>
-            <a:r>
-              <a:rPr lang="en-US" dirty="0" err="1" smtClean="0">
+              <a:rPr lang="en-US" dirty="0">
+                <a:latin typeface="Arial" panose="020B0604020202020204" pitchFamily="34" charset="0"/>
+                <a:cs typeface="Arial" panose="020B0604020202020204" pitchFamily="34" charset="0"/>
+              </a:rPr>
+              <a:t> </a:t>
+            </a:r>
+            <a:r>
+              <a:rPr lang="en-US" dirty="0" err="1">
                 <a:latin typeface="Arial" panose="020B0604020202020204" pitchFamily="34" charset="0"/>
                 <a:cs typeface="Arial" panose="020B0604020202020204" pitchFamily="34" charset="0"/>
               </a:rPr>
               <a:t>tối</a:t>
             </a:r>
             <a:r>
-              <a:rPr lang="en-US" dirty="0" smtClean="0">
-                <a:latin typeface="Arial" panose="020B0604020202020204" pitchFamily="34" charset="0"/>
-                <a:cs typeface="Arial" panose="020B0604020202020204" pitchFamily="34" charset="0"/>
-              </a:rPr>
-              <a:t> </a:t>
-            </a:r>
-            <a:r>
-              <a:rPr lang="en-US" dirty="0" err="1" smtClean="0">
+              <a:rPr lang="en-US" dirty="0">
+                <a:latin typeface="Arial" panose="020B0604020202020204" pitchFamily="34" charset="0"/>
+                <a:cs typeface="Arial" panose="020B0604020202020204" pitchFamily="34" charset="0"/>
+              </a:rPr>
+              <a:t> </a:t>
+            </a:r>
+            <a:r>
+              <a:rPr lang="en-US" dirty="0" err="1">
                 <a:latin typeface="Arial" panose="020B0604020202020204" pitchFamily="34" charset="0"/>
                 <a:cs typeface="Arial" panose="020B0604020202020204" pitchFamily="34" charset="0"/>
               </a:rPr>
               <a:t>đa</a:t>
             </a:r>
             <a:r>
-              <a:rPr lang="en-US" dirty="0" smtClean="0">
-                <a:latin typeface="Arial" panose="020B0604020202020204" pitchFamily="34" charset="0"/>
-                <a:cs typeface="Arial" panose="020B0604020202020204" pitchFamily="34" charset="0"/>
-              </a:rPr>
-              <a:t> </a:t>
-            </a:r>
-            <a:r>
-              <a:rPr lang="en-US" dirty="0" err="1" smtClean="0">
+              <a:rPr lang="en-US" dirty="0">
+                <a:latin typeface="Arial" panose="020B0604020202020204" pitchFamily="34" charset="0"/>
+                <a:cs typeface="Arial" panose="020B0604020202020204" pitchFamily="34" charset="0"/>
+              </a:rPr>
+              <a:t> </a:t>
+            </a:r>
+            <a:r>
+              <a:rPr lang="en-US" dirty="0" err="1">
                 <a:latin typeface="Arial" panose="020B0604020202020204" pitchFamily="34" charset="0"/>
                 <a:cs typeface="Arial" panose="020B0604020202020204" pitchFamily="34" charset="0"/>
               </a:rPr>
               <a:t>bao</a:t>
             </a:r>
             <a:r>
-              <a:rPr lang="en-US" dirty="0" smtClean="0">
-                <a:latin typeface="Arial" panose="020B0604020202020204" pitchFamily="34" charset="0"/>
-                <a:cs typeface="Arial" panose="020B0604020202020204" pitchFamily="34" charset="0"/>
-              </a:rPr>
-              <a:t> </a:t>
-            </a:r>
-            <a:r>
-              <a:rPr lang="en-US" dirty="0" err="1" smtClean="0">
+              <a:rPr lang="en-US" dirty="0">
+                <a:latin typeface="Arial" panose="020B0604020202020204" pitchFamily="34" charset="0"/>
+                <a:cs typeface="Arial" panose="020B0604020202020204" pitchFamily="34" charset="0"/>
+              </a:rPr>
+              <a:t> </a:t>
+            </a:r>
+            <a:r>
+              <a:rPr lang="en-US" dirty="0" err="1">
                 <a:latin typeface="Arial" panose="020B0604020202020204" pitchFamily="34" charset="0"/>
                 <a:cs typeface="Arial" panose="020B0604020202020204" pitchFamily="34" charset="0"/>
               </a:rPr>
               <a:t>nhiêu</a:t>
             </a:r>
             <a:r>
-              <a:rPr lang="en-US" dirty="0" smtClean="0">
-                <a:latin typeface="Arial" panose="020B0604020202020204" pitchFamily="34" charset="0"/>
-                <a:cs typeface="Arial" panose="020B0604020202020204" pitchFamily="34" charset="0"/>
-              </a:rPr>
-              <a:t> </a:t>
-            </a:r>
-            <a:r>
-              <a:rPr lang="en-US" dirty="0" err="1" smtClean="0">
+              <a:rPr lang="en-US" dirty="0">
+                <a:latin typeface="Arial" panose="020B0604020202020204" pitchFamily="34" charset="0"/>
+                <a:cs typeface="Arial" panose="020B0604020202020204" pitchFamily="34" charset="0"/>
+              </a:rPr>
+              <a:t> </a:t>
+            </a:r>
+            <a:r>
+              <a:rPr lang="en-US" dirty="0" err="1">
                 <a:latin typeface="Arial" panose="020B0604020202020204" pitchFamily="34" charset="0"/>
                 <a:cs typeface="Arial" panose="020B0604020202020204" pitchFamily="34" charset="0"/>
               </a:rPr>
               <a:t>giây</a:t>
             </a:r>
             <a:r>
-              <a:rPr lang="en-US" dirty="0" smtClean="0">
+              <a:rPr lang="en-US" dirty="0">
                 <a:latin typeface="Arial" panose="020B0604020202020204" pitchFamily="34" charset="0"/>
                 <a:cs typeface="Arial" panose="020B0604020202020204" pitchFamily="34" charset="0"/>
               </a:rPr>
@@ -11264,224 +11190,224 @@
               <a:buChar char="•"/>
             </a:pPr>
             <a:r>
-              <a:rPr lang="en-US" dirty="0" err="1" smtClean="0">
+              <a:rPr lang="en-US" dirty="0" err="1">
                 <a:latin typeface="Arial" panose="020B0604020202020204" pitchFamily="34" charset="0"/>
                 <a:cs typeface="Arial" panose="020B0604020202020204" pitchFamily="34" charset="0"/>
               </a:rPr>
               <a:t>Được</a:t>
             </a:r>
             <a:r>
-              <a:rPr lang="en-US" dirty="0" smtClean="0">
-                <a:latin typeface="Arial" panose="020B0604020202020204" pitchFamily="34" charset="0"/>
-                <a:cs typeface="Arial" panose="020B0604020202020204" pitchFamily="34" charset="0"/>
-              </a:rPr>
-              <a:t> </a:t>
-            </a:r>
-            <a:r>
-              <a:rPr lang="en-US" dirty="0" err="1" smtClean="0">
+              <a:rPr lang="en-US" dirty="0">
+                <a:latin typeface="Arial" panose="020B0604020202020204" pitchFamily="34" charset="0"/>
+                <a:cs typeface="Arial" panose="020B0604020202020204" pitchFamily="34" charset="0"/>
+              </a:rPr>
+              <a:t> </a:t>
+            </a:r>
+            <a:r>
+              <a:rPr lang="en-US" dirty="0" err="1">
                 <a:latin typeface="Arial" panose="020B0604020202020204" pitchFamily="34" charset="0"/>
                 <a:cs typeface="Arial" panose="020B0604020202020204" pitchFamily="34" charset="0"/>
               </a:rPr>
               <a:t>xem</a:t>
             </a:r>
             <a:r>
-              <a:rPr lang="en-US" dirty="0" smtClean="0">
-                <a:latin typeface="Arial" panose="020B0604020202020204" pitchFamily="34" charset="0"/>
-                <a:cs typeface="Arial" panose="020B0604020202020204" pitchFamily="34" charset="0"/>
-              </a:rPr>
-              <a:t> </a:t>
-            </a:r>
-            <a:r>
-              <a:rPr lang="en-US" dirty="0" err="1" smtClean="0">
+              <a:rPr lang="en-US" dirty="0">
+                <a:latin typeface="Arial" panose="020B0604020202020204" pitchFamily="34" charset="0"/>
+                <a:cs typeface="Arial" panose="020B0604020202020204" pitchFamily="34" charset="0"/>
+              </a:rPr>
+              <a:t> </a:t>
+            </a:r>
+            <a:r>
+              <a:rPr lang="en-US" dirty="0" err="1">
                 <a:latin typeface="Arial" panose="020B0604020202020204" pitchFamily="34" charset="0"/>
                 <a:cs typeface="Arial" panose="020B0604020202020204" pitchFamily="34" charset="0"/>
               </a:rPr>
               <a:t>là</a:t>
             </a:r>
             <a:r>
-              <a:rPr lang="en-US" dirty="0" smtClean="0">
-                <a:latin typeface="Arial" panose="020B0604020202020204" pitchFamily="34" charset="0"/>
-                <a:cs typeface="Arial" panose="020B0604020202020204" pitchFamily="34" charset="0"/>
-              </a:rPr>
-              <a:t> </a:t>
-            </a:r>
-            <a:r>
-              <a:rPr lang="en-US" dirty="0" err="1" smtClean="0">
+              <a:rPr lang="en-US" dirty="0">
+                <a:latin typeface="Arial" panose="020B0604020202020204" pitchFamily="34" charset="0"/>
+                <a:cs typeface="Arial" panose="020B0604020202020204" pitchFamily="34" charset="0"/>
+              </a:rPr>
+              <a:t> </a:t>
+            </a:r>
+            <a:r>
+              <a:rPr lang="en-US" dirty="0" err="1">
                 <a:latin typeface="Arial" panose="020B0604020202020204" pitchFamily="34" charset="0"/>
                 <a:cs typeface="Arial" panose="020B0604020202020204" pitchFamily="34" charset="0"/>
               </a:rPr>
               <a:t>thắng</a:t>
             </a:r>
             <a:r>
-              <a:rPr lang="en-US" dirty="0" smtClean="0">
-                <a:latin typeface="Arial" panose="020B0604020202020204" pitchFamily="34" charset="0"/>
-                <a:cs typeface="Arial" panose="020B0604020202020204" pitchFamily="34" charset="0"/>
-              </a:rPr>
-              <a:t> </a:t>
-            </a:r>
-            <a:r>
-              <a:rPr lang="en-US" dirty="0" err="1" smtClean="0">
+              <a:rPr lang="en-US" dirty="0">
+                <a:latin typeface="Arial" panose="020B0604020202020204" pitchFamily="34" charset="0"/>
+                <a:cs typeface="Arial" panose="020B0604020202020204" pitchFamily="34" charset="0"/>
+              </a:rPr>
+              <a:t> </a:t>
+            </a:r>
+            <a:r>
+              <a:rPr lang="en-US" dirty="0" err="1">
                 <a:latin typeface="Arial" panose="020B0604020202020204" pitchFamily="34" charset="0"/>
                 <a:cs typeface="Arial" panose="020B0604020202020204" pitchFamily="34" charset="0"/>
               </a:rPr>
               <a:t>khi</a:t>
             </a:r>
             <a:r>
-              <a:rPr lang="en-US" dirty="0" smtClean="0">
-                <a:latin typeface="Arial" panose="020B0604020202020204" pitchFamily="34" charset="0"/>
-                <a:cs typeface="Arial" panose="020B0604020202020204" pitchFamily="34" charset="0"/>
-              </a:rPr>
-              <a:t> </a:t>
-            </a:r>
-            <a:r>
-              <a:rPr lang="en-US" dirty="0" err="1" smtClean="0">
+              <a:rPr lang="en-US" dirty="0">
+                <a:latin typeface="Arial" panose="020B0604020202020204" pitchFamily="34" charset="0"/>
+                <a:cs typeface="Arial" panose="020B0604020202020204" pitchFamily="34" charset="0"/>
+              </a:rPr>
+              <a:t> </a:t>
+            </a:r>
+            <a:r>
+              <a:rPr lang="en-US" dirty="0" err="1">
                 <a:latin typeface="Arial" panose="020B0604020202020204" pitchFamily="34" charset="0"/>
                 <a:cs typeface="Arial" panose="020B0604020202020204" pitchFamily="34" charset="0"/>
               </a:rPr>
               <a:t>các</a:t>
             </a:r>
             <a:r>
-              <a:rPr lang="en-US" dirty="0" smtClean="0">
-                <a:latin typeface="Arial" panose="020B0604020202020204" pitchFamily="34" charset="0"/>
-                <a:cs typeface="Arial" panose="020B0604020202020204" pitchFamily="34" charset="0"/>
-              </a:rPr>
-              <a:t> </a:t>
-            </a:r>
-            <a:r>
-              <a:rPr lang="en-US" dirty="0" err="1" smtClean="0">
+              <a:rPr lang="en-US" dirty="0">
+                <a:latin typeface="Arial" panose="020B0604020202020204" pitchFamily="34" charset="0"/>
+                <a:cs typeface="Arial" panose="020B0604020202020204" pitchFamily="34" charset="0"/>
+              </a:rPr>
+              <a:t> </a:t>
+            </a:r>
+            <a:r>
+              <a:rPr lang="en-US" dirty="0" err="1">
                 <a:latin typeface="Arial" panose="020B0604020202020204" pitchFamily="34" charset="0"/>
                 <a:cs typeface="Arial" panose="020B0604020202020204" pitchFamily="34" charset="0"/>
               </a:rPr>
               <a:t>quân</a:t>
             </a:r>
             <a:r>
-              <a:rPr lang="en-US" dirty="0" smtClean="0">
-                <a:latin typeface="Arial" panose="020B0604020202020204" pitchFamily="34" charset="0"/>
-                <a:cs typeface="Arial" panose="020B0604020202020204" pitchFamily="34" charset="0"/>
-              </a:rPr>
-              <a:t> </a:t>
-            </a:r>
-            <a:r>
-              <a:rPr lang="en-US" dirty="0" err="1" smtClean="0">
+              <a:rPr lang="en-US" dirty="0">
+                <a:latin typeface="Arial" panose="020B0604020202020204" pitchFamily="34" charset="0"/>
+                <a:cs typeface="Arial" panose="020B0604020202020204" pitchFamily="34" charset="0"/>
+              </a:rPr>
+              <a:t> </a:t>
+            </a:r>
+            <a:r>
+              <a:rPr lang="en-US" dirty="0" err="1">
                 <a:latin typeface="Arial" panose="020B0604020202020204" pitchFamily="34" charset="0"/>
                 <a:cs typeface="Arial" panose="020B0604020202020204" pitchFamily="34" charset="0"/>
               </a:rPr>
               <a:t>cờ</a:t>
             </a:r>
             <a:r>
-              <a:rPr lang="en-US" dirty="0" smtClean="0">
-                <a:latin typeface="Arial" panose="020B0604020202020204" pitchFamily="34" charset="0"/>
-                <a:cs typeface="Arial" panose="020B0604020202020204" pitchFamily="34" charset="0"/>
-              </a:rPr>
-              <a:t> </a:t>
-            </a:r>
-            <a:r>
-              <a:rPr lang="en-US" dirty="0" err="1" smtClean="0">
+              <a:rPr lang="en-US" dirty="0">
+                <a:latin typeface="Arial" panose="020B0604020202020204" pitchFamily="34" charset="0"/>
+                <a:cs typeface="Arial" panose="020B0604020202020204" pitchFamily="34" charset="0"/>
+              </a:rPr>
+              <a:t> </a:t>
+            </a:r>
+            <a:r>
+              <a:rPr lang="en-US" dirty="0" err="1">
                 <a:latin typeface="Arial" panose="020B0604020202020204" pitchFamily="34" charset="0"/>
                 <a:cs typeface="Arial" panose="020B0604020202020204" pitchFamily="34" charset="0"/>
               </a:rPr>
               <a:t>đạt</a:t>
             </a:r>
             <a:r>
-              <a:rPr lang="en-US" dirty="0" smtClean="0">
-                <a:latin typeface="Arial" panose="020B0604020202020204" pitchFamily="34" charset="0"/>
-                <a:cs typeface="Arial" panose="020B0604020202020204" pitchFamily="34" charset="0"/>
-              </a:rPr>
-              <a:t> </a:t>
-            </a:r>
-            <a:r>
-              <a:rPr lang="en-US" dirty="0" err="1" smtClean="0">
+              <a:rPr lang="en-US" dirty="0">
+                <a:latin typeface="Arial" panose="020B0604020202020204" pitchFamily="34" charset="0"/>
+                <a:cs typeface="Arial" panose="020B0604020202020204" pitchFamily="34" charset="0"/>
+              </a:rPr>
+              <a:t> </a:t>
+            </a:r>
+            <a:r>
+              <a:rPr lang="en-US" dirty="0" err="1">
                 <a:latin typeface="Arial" panose="020B0604020202020204" pitchFamily="34" charset="0"/>
                 <a:cs typeface="Arial" panose="020B0604020202020204" pitchFamily="34" charset="0"/>
               </a:rPr>
               <a:t>được</a:t>
             </a:r>
             <a:r>
-              <a:rPr lang="en-US" dirty="0" smtClean="0">
-                <a:latin typeface="Arial" panose="020B0604020202020204" pitchFamily="34" charset="0"/>
-                <a:cs typeface="Arial" panose="020B0604020202020204" pitchFamily="34" charset="0"/>
-              </a:rPr>
-              <a:t> </a:t>
-            </a:r>
-            <a:r>
-              <a:rPr lang="en-US" dirty="0" err="1" smtClean="0">
+              <a:rPr lang="en-US" dirty="0">
+                <a:latin typeface="Arial" panose="020B0604020202020204" pitchFamily="34" charset="0"/>
+                <a:cs typeface="Arial" panose="020B0604020202020204" pitchFamily="34" charset="0"/>
+              </a:rPr>
+              <a:t> </a:t>
+            </a:r>
+            <a:r>
+              <a:rPr lang="en-US" dirty="0" err="1">
                 <a:latin typeface="Arial" panose="020B0604020202020204" pitchFamily="34" charset="0"/>
                 <a:cs typeface="Arial" panose="020B0604020202020204" pitchFamily="34" charset="0"/>
               </a:rPr>
               <a:t>đường</a:t>
             </a:r>
             <a:r>
-              <a:rPr lang="en-US" dirty="0" smtClean="0">
-                <a:latin typeface="Arial" panose="020B0604020202020204" pitchFamily="34" charset="0"/>
-                <a:cs typeface="Arial" panose="020B0604020202020204" pitchFamily="34" charset="0"/>
-              </a:rPr>
-              <a:t> </a:t>
-            </a:r>
-            <a:r>
-              <a:rPr lang="en-US" dirty="0" err="1" smtClean="0">
+              <a:rPr lang="en-US" dirty="0">
+                <a:latin typeface="Arial" panose="020B0604020202020204" pitchFamily="34" charset="0"/>
+                <a:cs typeface="Arial" panose="020B0604020202020204" pitchFamily="34" charset="0"/>
+              </a:rPr>
+              <a:t> </a:t>
+            </a:r>
+            <a:r>
+              <a:rPr lang="en-US" dirty="0" err="1">
                 <a:latin typeface="Arial" panose="020B0604020202020204" pitchFamily="34" charset="0"/>
                 <a:cs typeface="Arial" panose="020B0604020202020204" pitchFamily="34" charset="0"/>
               </a:rPr>
               <a:t>thẳng</a:t>
             </a:r>
             <a:r>
-              <a:rPr lang="en-US" dirty="0" smtClean="0">
-                <a:latin typeface="Arial" panose="020B0604020202020204" pitchFamily="34" charset="0"/>
-                <a:cs typeface="Arial" panose="020B0604020202020204" pitchFamily="34" charset="0"/>
-              </a:rPr>
-              <a:t> </a:t>
-            </a:r>
-            <a:r>
-              <a:rPr lang="en-US" dirty="0" err="1" smtClean="0">
+              <a:rPr lang="en-US" dirty="0">
+                <a:latin typeface="Arial" panose="020B0604020202020204" pitchFamily="34" charset="0"/>
+                <a:cs typeface="Arial" panose="020B0604020202020204" pitchFamily="34" charset="0"/>
+              </a:rPr>
+              <a:t> </a:t>
+            </a:r>
+            <a:r>
+              <a:rPr lang="en-US" dirty="0" err="1">
                 <a:latin typeface="Arial" panose="020B0604020202020204" pitchFamily="34" charset="0"/>
                 <a:cs typeface="Arial" panose="020B0604020202020204" pitchFamily="34" charset="0"/>
               </a:rPr>
               <a:t>có</a:t>
             </a:r>
             <a:r>
-              <a:rPr lang="en-US" dirty="0" smtClean="0">
-                <a:latin typeface="Arial" panose="020B0604020202020204" pitchFamily="34" charset="0"/>
-                <a:cs typeface="Arial" panose="020B0604020202020204" pitchFamily="34" charset="0"/>
-              </a:rPr>
-              <a:t> </a:t>
-            </a:r>
-            <a:r>
-              <a:rPr lang="en-US" dirty="0" err="1" smtClean="0">
+              <a:rPr lang="en-US" dirty="0">
+                <a:latin typeface="Arial" panose="020B0604020202020204" pitchFamily="34" charset="0"/>
+                <a:cs typeface="Arial" panose="020B0604020202020204" pitchFamily="34" charset="0"/>
+              </a:rPr>
+              <a:t> </a:t>
+            </a:r>
+            <a:r>
+              <a:rPr lang="en-US" dirty="0" err="1">
                 <a:latin typeface="Arial" panose="020B0604020202020204" pitchFamily="34" charset="0"/>
                 <a:cs typeface="Arial" panose="020B0604020202020204" pitchFamily="34" charset="0"/>
               </a:rPr>
               <a:t>độ</a:t>
             </a:r>
             <a:r>
-              <a:rPr lang="en-US" dirty="0" smtClean="0">
-                <a:latin typeface="Arial" panose="020B0604020202020204" pitchFamily="34" charset="0"/>
-                <a:cs typeface="Arial" panose="020B0604020202020204" pitchFamily="34" charset="0"/>
-              </a:rPr>
-              <a:t> </a:t>
-            </a:r>
-            <a:r>
-              <a:rPr lang="en-US" dirty="0" err="1" smtClean="0">
+              <a:rPr lang="en-US" dirty="0">
+                <a:latin typeface="Arial" panose="020B0604020202020204" pitchFamily="34" charset="0"/>
+                <a:cs typeface="Arial" panose="020B0604020202020204" pitchFamily="34" charset="0"/>
+              </a:rPr>
+              <a:t> </a:t>
+            </a:r>
+            <a:r>
+              <a:rPr lang="en-US" dirty="0" err="1">
                 <a:latin typeface="Arial" panose="020B0604020202020204" pitchFamily="34" charset="0"/>
                 <a:cs typeface="Arial" panose="020B0604020202020204" pitchFamily="34" charset="0"/>
               </a:rPr>
               <a:t>dài</a:t>
             </a:r>
             <a:r>
-              <a:rPr lang="en-US" dirty="0" smtClean="0">
-                <a:latin typeface="Arial" panose="020B0604020202020204" pitchFamily="34" charset="0"/>
-                <a:cs typeface="Arial" panose="020B0604020202020204" pitchFamily="34" charset="0"/>
-              </a:rPr>
-              <a:t> </a:t>
-            </a:r>
-            <a:r>
-              <a:rPr lang="en-US" dirty="0" err="1" smtClean="0">
+              <a:rPr lang="en-US" dirty="0">
+                <a:latin typeface="Arial" panose="020B0604020202020204" pitchFamily="34" charset="0"/>
+                <a:cs typeface="Arial" panose="020B0604020202020204" pitchFamily="34" charset="0"/>
+              </a:rPr>
+              <a:t> </a:t>
+            </a:r>
+            <a:r>
+              <a:rPr lang="en-US" dirty="0" err="1">
                 <a:latin typeface="Arial" panose="020B0604020202020204" pitchFamily="34" charset="0"/>
                 <a:cs typeface="Arial" panose="020B0604020202020204" pitchFamily="34" charset="0"/>
               </a:rPr>
               <a:t>là</a:t>
             </a:r>
             <a:r>
-              <a:rPr lang="en-US" dirty="0" smtClean="0">
+              <a:rPr lang="en-US" dirty="0">
                 <a:latin typeface="Arial" panose="020B0604020202020204" pitchFamily="34" charset="0"/>
                 <a:cs typeface="Arial" panose="020B0604020202020204" pitchFamily="34" charset="0"/>
               </a:rPr>
@@ -11543,139 +11469,139 @@
           <a:lstStyle/>
           <a:p>
             <a:r>
-              <a:rPr lang="en-US" dirty="0" err="1" smtClean="0">
+              <a:rPr lang="en-US" dirty="0" err="1">
                 <a:latin typeface="Arial" panose="020B0604020202020204" pitchFamily="34" charset="0"/>
                 <a:cs typeface="Arial" panose="020B0604020202020204" pitchFamily="34" charset="0"/>
               </a:rPr>
               <a:t>Tính</a:t>
             </a:r>
             <a:r>
-              <a:rPr lang="en-US" dirty="0" smtClean="0">
-                <a:latin typeface="Arial" panose="020B0604020202020204" pitchFamily="34" charset="0"/>
-                <a:cs typeface="Arial" panose="020B0604020202020204" pitchFamily="34" charset="0"/>
-              </a:rPr>
-              <a:t> </a:t>
-            </a:r>
-            <a:r>
-              <a:rPr lang="en-US" dirty="0" err="1" smtClean="0">
+              <a:rPr lang="en-US" dirty="0">
+                <a:latin typeface="Arial" panose="020B0604020202020204" pitchFamily="34" charset="0"/>
+                <a:cs typeface="Arial" panose="020B0604020202020204" pitchFamily="34" charset="0"/>
+              </a:rPr>
+              <a:t> </a:t>
+            </a:r>
+            <a:r>
+              <a:rPr lang="en-US" dirty="0" err="1">
                 <a:latin typeface="Arial" panose="020B0604020202020204" pitchFamily="34" charset="0"/>
                 <a:cs typeface="Arial" panose="020B0604020202020204" pitchFamily="34" charset="0"/>
               </a:rPr>
               <a:t>điểm</a:t>
             </a:r>
             <a:r>
-              <a:rPr lang="en-US" dirty="0" smtClean="0">
-                <a:latin typeface="Arial" panose="020B0604020202020204" pitchFamily="34" charset="0"/>
-                <a:cs typeface="Arial" panose="020B0604020202020204" pitchFamily="34" charset="0"/>
-              </a:rPr>
-              <a:t> </a:t>
-            </a:r>
-            <a:r>
-              <a:rPr lang="en-US" dirty="0" err="1" smtClean="0">
+              <a:rPr lang="en-US" dirty="0">
+                <a:latin typeface="Arial" panose="020B0604020202020204" pitchFamily="34" charset="0"/>
+                <a:cs typeface="Arial" panose="020B0604020202020204" pitchFamily="34" charset="0"/>
+              </a:rPr>
+              <a:t> </a:t>
+            </a:r>
+            <a:r>
+              <a:rPr lang="en-US" dirty="0" err="1">
                 <a:latin typeface="Arial" panose="020B0604020202020204" pitchFamily="34" charset="0"/>
                 <a:cs typeface="Arial" panose="020B0604020202020204" pitchFamily="34" charset="0"/>
               </a:rPr>
               <a:t>và</a:t>
             </a:r>
             <a:r>
-              <a:rPr lang="en-US" dirty="0" smtClean="0">
-                <a:latin typeface="Arial" panose="020B0604020202020204" pitchFamily="34" charset="0"/>
-                <a:cs typeface="Arial" panose="020B0604020202020204" pitchFamily="34" charset="0"/>
-              </a:rPr>
-              <a:t> </a:t>
-            </a:r>
-            <a:r>
-              <a:rPr lang="en-US" dirty="0" err="1" smtClean="0">
+              <a:rPr lang="en-US" dirty="0">
+                <a:latin typeface="Arial" panose="020B0604020202020204" pitchFamily="34" charset="0"/>
+                <a:cs typeface="Arial" panose="020B0604020202020204" pitchFamily="34" charset="0"/>
+              </a:rPr>
+              <a:t> </a:t>
+            </a:r>
+            <a:r>
+              <a:rPr lang="en-US" dirty="0" err="1">
                 <a:latin typeface="Arial" panose="020B0604020202020204" pitchFamily="34" charset="0"/>
                 <a:cs typeface="Arial" panose="020B0604020202020204" pitchFamily="34" charset="0"/>
               </a:rPr>
               <a:t>thời</a:t>
             </a:r>
             <a:r>
-              <a:rPr lang="en-US" dirty="0" smtClean="0">
-                <a:latin typeface="Arial" panose="020B0604020202020204" pitchFamily="34" charset="0"/>
-                <a:cs typeface="Arial" panose="020B0604020202020204" pitchFamily="34" charset="0"/>
-              </a:rPr>
-              <a:t> </a:t>
-            </a:r>
-            <a:r>
-              <a:rPr lang="en-US" dirty="0" err="1" smtClean="0">
+              <a:rPr lang="en-US" dirty="0">
+                <a:latin typeface="Arial" panose="020B0604020202020204" pitchFamily="34" charset="0"/>
+                <a:cs typeface="Arial" panose="020B0604020202020204" pitchFamily="34" charset="0"/>
+              </a:rPr>
+              <a:t> </a:t>
+            </a:r>
+            <a:r>
+              <a:rPr lang="en-US" dirty="0" err="1">
                 <a:latin typeface="Arial" panose="020B0604020202020204" pitchFamily="34" charset="0"/>
                 <a:cs typeface="Arial" panose="020B0604020202020204" pitchFamily="34" charset="0"/>
               </a:rPr>
               <a:t>gian</a:t>
             </a:r>
             <a:r>
-              <a:rPr lang="en-US" dirty="0" smtClean="0">
-                <a:latin typeface="Arial" panose="020B0604020202020204" pitchFamily="34" charset="0"/>
-                <a:cs typeface="Arial" panose="020B0604020202020204" pitchFamily="34" charset="0"/>
-              </a:rPr>
-              <a:t> </a:t>
-            </a:r>
-            <a:r>
-              <a:rPr lang="en-US" dirty="0" err="1" smtClean="0">
+              <a:rPr lang="en-US" dirty="0">
+                <a:latin typeface="Arial" panose="020B0604020202020204" pitchFamily="34" charset="0"/>
+                <a:cs typeface="Arial" panose="020B0604020202020204" pitchFamily="34" charset="0"/>
+              </a:rPr>
+              <a:t> </a:t>
+            </a:r>
+            <a:r>
+              <a:rPr lang="en-US" dirty="0" err="1">
                 <a:latin typeface="Arial" panose="020B0604020202020204" pitchFamily="34" charset="0"/>
                 <a:cs typeface="Arial" panose="020B0604020202020204" pitchFamily="34" charset="0"/>
               </a:rPr>
               <a:t>giới</a:t>
             </a:r>
             <a:r>
-              <a:rPr lang="en-US" dirty="0" smtClean="0">
-                <a:latin typeface="Arial" panose="020B0604020202020204" pitchFamily="34" charset="0"/>
-                <a:cs typeface="Arial" panose="020B0604020202020204" pitchFamily="34" charset="0"/>
-              </a:rPr>
-              <a:t> </a:t>
-            </a:r>
-            <a:r>
-              <a:rPr lang="en-US" dirty="0" err="1" smtClean="0">
+              <a:rPr lang="en-US" dirty="0">
+                <a:latin typeface="Arial" panose="020B0604020202020204" pitchFamily="34" charset="0"/>
+                <a:cs typeface="Arial" panose="020B0604020202020204" pitchFamily="34" charset="0"/>
+              </a:rPr>
+              <a:t> </a:t>
+            </a:r>
+            <a:r>
+              <a:rPr lang="en-US" dirty="0" err="1">
                 <a:latin typeface="Arial" panose="020B0604020202020204" pitchFamily="34" charset="0"/>
                 <a:cs typeface="Arial" panose="020B0604020202020204" pitchFamily="34" charset="0"/>
               </a:rPr>
               <a:t>hạn</a:t>
             </a:r>
             <a:r>
-              <a:rPr lang="en-US" dirty="0" smtClean="0">
-                <a:latin typeface="Arial" panose="020B0604020202020204" pitchFamily="34" charset="0"/>
-                <a:cs typeface="Arial" panose="020B0604020202020204" pitchFamily="34" charset="0"/>
-              </a:rPr>
-              <a:t> </a:t>
-            </a:r>
-            <a:r>
-              <a:rPr lang="en-US" dirty="0" err="1" smtClean="0">
+              <a:rPr lang="en-US" dirty="0">
+                <a:latin typeface="Arial" panose="020B0604020202020204" pitchFamily="34" charset="0"/>
+                <a:cs typeface="Arial" panose="020B0604020202020204" pitchFamily="34" charset="0"/>
+              </a:rPr>
+              <a:t> </a:t>
+            </a:r>
+            <a:r>
+              <a:rPr lang="en-US" dirty="0" err="1">
                 <a:latin typeface="Arial" panose="020B0604020202020204" pitchFamily="34" charset="0"/>
                 <a:cs typeface="Arial" panose="020B0604020202020204" pitchFamily="34" charset="0"/>
               </a:rPr>
               <a:t>mỗi</a:t>
             </a:r>
             <a:r>
-              <a:rPr lang="en-US" dirty="0" smtClean="0">
-                <a:latin typeface="Arial" panose="020B0604020202020204" pitchFamily="34" charset="0"/>
-                <a:cs typeface="Arial" panose="020B0604020202020204" pitchFamily="34" charset="0"/>
-              </a:rPr>
-              <a:t> </a:t>
-            </a:r>
-            <a:r>
-              <a:rPr lang="en-US" dirty="0" err="1" smtClean="0">
+              <a:rPr lang="en-US" dirty="0">
+                <a:latin typeface="Arial" panose="020B0604020202020204" pitchFamily="34" charset="0"/>
+                <a:cs typeface="Arial" panose="020B0604020202020204" pitchFamily="34" charset="0"/>
+              </a:rPr>
+              <a:t> </a:t>
+            </a:r>
+            <a:r>
+              <a:rPr lang="en-US" dirty="0" err="1">
                 <a:latin typeface="Arial" panose="020B0604020202020204" pitchFamily="34" charset="0"/>
                 <a:cs typeface="Arial" panose="020B0604020202020204" pitchFamily="34" charset="0"/>
               </a:rPr>
               <a:t>lượt</a:t>
             </a:r>
             <a:r>
-              <a:rPr lang="en-US" dirty="0" smtClean="0">
-                <a:latin typeface="Arial" panose="020B0604020202020204" pitchFamily="34" charset="0"/>
-                <a:cs typeface="Arial" panose="020B0604020202020204" pitchFamily="34" charset="0"/>
-              </a:rPr>
-              <a:t> </a:t>
-            </a:r>
-            <a:r>
-              <a:rPr lang="en-US" dirty="0" err="1" smtClean="0">
+              <a:rPr lang="en-US" dirty="0">
+                <a:latin typeface="Arial" panose="020B0604020202020204" pitchFamily="34" charset="0"/>
+                <a:cs typeface="Arial" panose="020B0604020202020204" pitchFamily="34" charset="0"/>
+              </a:rPr>
+              <a:t> </a:t>
+            </a:r>
+            <a:r>
+              <a:rPr lang="en-US" dirty="0" err="1">
                 <a:latin typeface="Arial" panose="020B0604020202020204" pitchFamily="34" charset="0"/>
                 <a:cs typeface="Arial" panose="020B0604020202020204" pitchFamily="34" charset="0"/>
               </a:rPr>
               <a:t>đánh</a:t>
             </a:r>
-            <a:endParaRPr lang="en-US" dirty="0" smtClean="0">
+            <a:endParaRPr lang="en-US" dirty="0">
               <a:latin typeface="Arial" panose="020B0604020202020204" pitchFamily="34" charset="0"/>
               <a:cs typeface="Arial" panose="020B0604020202020204" pitchFamily="34" charset="0"/>
             </a:endParaRPr>
@@ -11711,28 +11637,28 @@
           <a:lstStyle/>
           <a:p>
             <a:r>
-              <a:rPr lang="en-US" dirty="0" err="1" smtClean="0">
+              <a:rPr lang="en-US" dirty="0" err="1">
                 <a:latin typeface="Arial" panose="020B0604020202020204" pitchFamily="34" charset="0"/>
                 <a:cs typeface="Arial" panose="020B0604020202020204" pitchFamily="34" charset="0"/>
               </a:rPr>
               <a:t>Bàn</a:t>
             </a:r>
             <a:r>
-              <a:rPr lang="en-US" dirty="0" smtClean="0">
-                <a:latin typeface="Arial" panose="020B0604020202020204" pitchFamily="34" charset="0"/>
-                <a:cs typeface="Arial" panose="020B0604020202020204" pitchFamily="34" charset="0"/>
-              </a:rPr>
-              <a:t> </a:t>
-            </a:r>
-            <a:r>
-              <a:rPr lang="en-US" dirty="0" err="1" smtClean="0">
+              <a:rPr lang="en-US" dirty="0">
+                <a:latin typeface="Arial" panose="020B0604020202020204" pitchFamily="34" charset="0"/>
+                <a:cs typeface="Arial" panose="020B0604020202020204" pitchFamily="34" charset="0"/>
+              </a:rPr>
+              <a:t> </a:t>
+            </a:r>
+            <a:r>
+              <a:rPr lang="en-US" dirty="0" err="1">
                 <a:latin typeface="Arial" panose="020B0604020202020204" pitchFamily="34" charset="0"/>
                 <a:cs typeface="Arial" panose="020B0604020202020204" pitchFamily="34" charset="0"/>
               </a:rPr>
               <a:t>cờ</a:t>
             </a:r>
             <a:r>
-              <a:rPr lang="en-US" dirty="0" smtClean="0">
+              <a:rPr lang="en-US" dirty="0">
                 <a:latin typeface="Arial" panose="020B0604020202020204" pitchFamily="34" charset="0"/>
                 <a:cs typeface="Arial" panose="020B0604020202020204" pitchFamily="34" charset="0"/>
               </a:rPr>
@@ -11745,461 +11671,461 @@
               <a:buChar char="•"/>
             </a:pPr>
             <a:r>
-              <a:rPr lang="en-US" dirty="0" err="1" smtClean="0">
+              <a:rPr lang="en-US" dirty="0" err="1">
                 <a:latin typeface="Arial" panose="020B0604020202020204" pitchFamily="34" charset="0"/>
                 <a:cs typeface="Arial" panose="020B0604020202020204" pitchFamily="34" charset="0"/>
               </a:rPr>
               <a:t>Có</a:t>
             </a:r>
             <a:r>
-              <a:rPr lang="en-US" dirty="0" smtClean="0">
+              <a:rPr lang="en-US" dirty="0">
                 <a:latin typeface="Arial" panose="020B0604020202020204" pitchFamily="34" charset="0"/>
                 <a:cs typeface="Arial" panose="020B0604020202020204" pitchFamily="34" charset="0"/>
               </a:rPr>
               <a:t> 2 </a:t>
             </a:r>
             <a:r>
-              <a:rPr lang="en-US" dirty="0" err="1" smtClean="0">
+              <a:rPr lang="en-US" dirty="0" err="1">
                 <a:latin typeface="Arial" panose="020B0604020202020204" pitchFamily="34" charset="0"/>
                 <a:cs typeface="Arial" panose="020B0604020202020204" pitchFamily="34" charset="0"/>
               </a:rPr>
               <a:t>bên</a:t>
             </a:r>
             <a:r>
-              <a:rPr lang="en-US" dirty="0" smtClean="0">
-                <a:latin typeface="Arial" panose="020B0604020202020204" pitchFamily="34" charset="0"/>
-                <a:cs typeface="Arial" panose="020B0604020202020204" pitchFamily="34" charset="0"/>
-              </a:rPr>
-              <a:t> </a:t>
-            </a:r>
-            <a:r>
-              <a:rPr lang="en-US" dirty="0" err="1" smtClean="0">
+              <a:rPr lang="en-US" dirty="0">
+                <a:latin typeface="Arial" panose="020B0604020202020204" pitchFamily="34" charset="0"/>
+                <a:cs typeface="Arial" panose="020B0604020202020204" pitchFamily="34" charset="0"/>
+              </a:rPr>
+              <a:t> </a:t>
+            </a:r>
+            <a:r>
+              <a:rPr lang="en-US" dirty="0" err="1">
                 <a:latin typeface="Arial" panose="020B0604020202020204" pitchFamily="34" charset="0"/>
                 <a:cs typeface="Arial" panose="020B0604020202020204" pitchFamily="34" charset="0"/>
               </a:rPr>
               <a:t>là</a:t>
             </a:r>
             <a:r>
-              <a:rPr lang="en-US" dirty="0" smtClean="0">
-                <a:latin typeface="Arial" panose="020B0604020202020204" pitchFamily="34" charset="0"/>
-                <a:cs typeface="Arial" panose="020B0604020202020204" pitchFamily="34" charset="0"/>
-              </a:rPr>
-              <a:t> </a:t>
-            </a:r>
-            <a:r>
-              <a:rPr lang="en-US" dirty="0" err="1" smtClean="0">
+              <a:rPr lang="en-US" dirty="0">
+                <a:latin typeface="Arial" panose="020B0604020202020204" pitchFamily="34" charset="0"/>
+                <a:cs typeface="Arial" panose="020B0604020202020204" pitchFamily="34" charset="0"/>
+              </a:rPr>
+              <a:t> </a:t>
+            </a:r>
+            <a:r>
+              <a:rPr lang="en-US" dirty="0" err="1">
                 <a:latin typeface="Arial" panose="020B0604020202020204" pitchFamily="34" charset="0"/>
                 <a:cs typeface="Arial" panose="020B0604020202020204" pitchFamily="34" charset="0"/>
               </a:rPr>
               <a:t>xanh</a:t>
             </a:r>
             <a:r>
-              <a:rPr lang="en-US" dirty="0" smtClean="0">
-                <a:latin typeface="Arial" panose="020B0604020202020204" pitchFamily="34" charset="0"/>
-                <a:cs typeface="Arial" panose="020B0604020202020204" pitchFamily="34" charset="0"/>
-              </a:rPr>
-              <a:t> </a:t>
-            </a:r>
-            <a:r>
-              <a:rPr lang="en-US" dirty="0" err="1" smtClean="0">
+              <a:rPr lang="en-US" dirty="0">
+                <a:latin typeface="Arial" panose="020B0604020202020204" pitchFamily="34" charset="0"/>
+                <a:cs typeface="Arial" panose="020B0604020202020204" pitchFamily="34" charset="0"/>
+              </a:rPr>
+              <a:t> </a:t>
+            </a:r>
+            <a:r>
+              <a:rPr lang="en-US" dirty="0" err="1">
                 <a:latin typeface="Arial" panose="020B0604020202020204" pitchFamily="34" charset="0"/>
                 <a:cs typeface="Arial" panose="020B0604020202020204" pitchFamily="34" charset="0"/>
               </a:rPr>
               <a:t>và</a:t>
             </a:r>
             <a:r>
-              <a:rPr lang="en-US" dirty="0" smtClean="0">
-                <a:latin typeface="Arial" panose="020B0604020202020204" pitchFamily="34" charset="0"/>
-                <a:cs typeface="Arial" panose="020B0604020202020204" pitchFamily="34" charset="0"/>
-              </a:rPr>
-              <a:t> </a:t>
-            </a:r>
-            <a:r>
-              <a:rPr lang="en-US" dirty="0" err="1" smtClean="0">
+              <a:rPr lang="en-US" dirty="0">
+                <a:latin typeface="Arial" panose="020B0604020202020204" pitchFamily="34" charset="0"/>
+                <a:cs typeface="Arial" panose="020B0604020202020204" pitchFamily="34" charset="0"/>
+              </a:rPr>
+              <a:t> </a:t>
+            </a:r>
+            <a:r>
+              <a:rPr lang="en-US" dirty="0" err="1">
                 <a:latin typeface="Arial" panose="020B0604020202020204" pitchFamily="34" charset="0"/>
                 <a:cs typeface="Arial" panose="020B0604020202020204" pitchFamily="34" charset="0"/>
               </a:rPr>
               <a:t>đỏ</a:t>
             </a:r>
             <a:r>
-              <a:rPr lang="en-US" dirty="0" smtClean="0">
+              <a:rPr lang="en-US" dirty="0">
                 <a:latin typeface="Arial" panose="020B0604020202020204" pitchFamily="34" charset="0"/>
                 <a:cs typeface="Arial" panose="020B0604020202020204" pitchFamily="34" charset="0"/>
               </a:rPr>
               <a:t>, </a:t>
             </a:r>
             <a:r>
-              <a:rPr lang="en-US" dirty="0" err="1" smtClean="0">
+              <a:rPr lang="en-US" dirty="0" err="1">
                 <a:latin typeface="Arial" panose="020B0604020202020204" pitchFamily="34" charset="0"/>
                 <a:cs typeface="Arial" panose="020B0604020202020204" pitchFamily="34" charset="0"/>
               </a:rPr>
               <a:t>mỗi</a:t>
             </a:r>
             <a:r>
-              <a:rPr lang="en-US" dirty="0" smtClean="0">
-                <a:latin typeface="Arial" panose="020B0604020202020204" pitchFamily="34" charset="0"/>
-                <a:cs typeface="Arial" panose="020B0604020202020204" pitchFamily="34" charset="0"/>
-              </a:rPr>
-              <a:t> </a:t>
-            </a:r>
-            <a:r>
-              <a:rPr lang="en-US" dirty="0" err="1" smtClean="0">
+              <a:rPr lang="en-US" dirty="0">
+                <a:latin typeface="Arial" panose="020B0604020202020204" pitchFamily="34" charset="0"/>
+                <a:cs typeface="Arial" panose="020B0604020202020204" pitchFamily="34" charset="0"/>
+              </a:rPr>
+              <a:t> </a:t>
+            </a:r>
+            <a:r>
+              <a:rPr lang="en-US" dirty="0" err="1">
                 <a:latin typeface="Arial" panose="020B0604020202020204" pitchFamily="34" charset="0"/>
                 <a:cs typeface="Arial" panose="020B0604020202020204" pitchFamily="34" charset="0"/>
               </a:rPr>
               <a:t>bên</a:t>
             </a:r>
             <a:r>
-              <a:rPr lang="en-US" dirty="0" smtClean="0">
-                <a:latin typeface="Arial" panose="020B0604020202020204" pitchFamily="34" charset="0"/>
-                <a:cs typeface="Arial" panose="020B0604020202020204" pitchFamily="34" charset="0"/>
-              </a:rPr>
-              <a:t> </a:t>
-            </a:r>
-            <a:r>
-              <a:rPr lang="en-US" dirty="0" err="1" smtClean="0">
+              <a:rPr lang="en-US" dirty="0">
+                <a:latin typeface="Arial" panose="020B0604020202020204" pitchFamily="34" charset="0"/>
+                <a:cs typeface="Arial" panose="020B0604020202020204" pitchFamily="34" charset="0"/>
+              </a:rPr>
+              <a:t> </a:t>
+            </a:r>
+            <a:r>
+              <a:rPr lang="en-US" dirty="0" err="1">
                 <a:latin typeface="Arial" panose="020B0604020202020204" pitchFamily="34" charset="0"/>
                 <a:cs typeface="Arial" panose="020B0604020202020204" pitchFamily="34" charset="0"/>
               </a:rPr>
               <a:t>lần</a:t>
             </a:r>
             <a:r>
-              <a:rPr lang="en-US" dirty="0" smtClean="0">
-                <a:latin typeface="Arial" panose="020B0604020202020204" pitchFamily="34" charset="0"/>
-                <a:cs typeface="Arial" panose="020B0604020202020204" pitchFamily="34" charset="0"/>
-              </a:rPr>
-              <a:t> </a:t>
-            </a:r>
-            <a:r>
-              <a:rPr lang="en-US" dirty="0" err="1" smtClean="0">
+              <a:rPr lang="en-US" dirty="0">
+                <a:latin typeface="Arial" panose="020B0604020202020204" pitchFamily="34" charset="0"/>
+                <a:cs typeface="Arial" panose="020B0604020202020204" pitchFamily="34" charset="0"/>
+              </a:rPr>
+              <a:t> </a:t>
+            </a:r>
+            <a:r>
+              <a:rPr lang="en-US" dirty="0" err="1">
                 <a:latin typeface="Arial" panose="020B0604020202020204" pitchFamily="34" charset="0"/>
                 <a:cs typeface="Arial" panose="020B0604020202020204" pitchFamily="34" charset="0"/>
               </a:rPr>
               <a:t>lượt</a:t>
             </a:r>
             <a:r>
-              <a:rPr lang="en-US" dirty="0" smtClean="0">
-                <a:latin typeface="Arial" panose="020B0604020202020204" pitchFamily="34" charset="0"/>
-                <a:cs typeface="Arial" panose="020B0604020202020204" pitchFamily="34" charset="0"/>
-              </a:rPr>
-              <a:t> </a:t>
-            </a:r>
-            <a:r>
-              <a:rPr lang="en-US" dirty="0" err="1" smtClean="0">
+              <a:rPr lang="en-US" dirty="0">
+                <a:latin typeface="Arial" panose="020B0604020202020204" pitchFamily="34" charset="0"/>
+                <a:cs typeface="Arial" panose="020B0604020202020204" pitchFamily="34" charset="0"/>
+              </a:rPr>
+              <a:t> </a:t>
+            </a:r>
+            <a:r>
+              <a:rPr lang="en-US" dirty="0" err="1">
                 <a:latin typeface="Arial" panose="020B0604020202020204" pitchFamily="34" charset="0"/>
                 <a:cs typeface="Arial" panose="020B0604020202020204" pitchFamily="34" charset="0"/>
               </a:rPr>
               <a:t>đánh</a:t>
             </a:r>
             <a:r>
-              <a:rPr lang="en-US" dirty="0" smtClean="0">
-                <a:latin typeface="Arial" panose="020B0604020202020204" pitchFamily="34" charset="0"/>
-                <a:cs typeface="Arial" panose="020B0604020202020204" pitchFamily="34" charset="0"/>
-              </a:rPr>
-              <a:t> </a:t>
-            </a:r>
-            <a:r>
-              <a:rPr lang="en-US" dirty="0" err="1" smtClean="0">
+              <a:rPr lang="en-US" dirty="0">
+                <a:latin typeface="Arial" panose="020B0604020202020204" pitchFamily="34" charset="0"/>
+                <a:cs typeface="Arial" panose="020B0604020202020204" pitchFamily="34" charset="0"/>
+              </a:rPr>
+              <a:t> </a:t>
+            </a:r>
+            <a:r>
+              <a:rPr lang="en-US" dirty="0" err="1">
                 <a:latin typeface="Arial" panose="020B0604020202020204" pitchFamily="34" charset="0"/>
                 <a:cs typeface="Arial" panose="020B0604020202020204" pitchFamily="34" charset="0"/>
               </a:rPr>
               <a:t>cho</a:t>
             </a:r>
             <a:r>
-              <a:rPr lang="en-US" dirty="0" smtClean="0">
-                <a:latin typeface="Arial" panose="020B0604020202020204" pitchFamily="34" charset="0"/>
-                <a:cs typeface="Arial" panose="020B0604020202020204" pitchFamily="34" charset="0"/>
-              </a:rPr>
-              <a:t> </a:t>
-            </a:r>
-            <a:r>
-              <a:rPr lang="en-US" dirty="0" err="1" smtClean="0">
+              <a:rPr lang="en-US" dirty="0">
+                <a:latin typeface="Arial" panose="020B0604020202020204" pitchFamily="34" charset="0"/>
+                <a:cs typeface="Arial" panose="020B0604020202020204" pitchFamily="34" charset="0"/>
+              </a:rPr>
+              <a:t> </a:t>
+            </a:r>
+            <a:r>
+              <a:rPr lang="en-US" dirty="0" err="1">
                 <a:latin typeface="Arial" panose="020B0604020202020204" pitchFamily="34" charset="0"/>
                 <a:cs typeface="Arial" panose="020B0604020202020204" pitchFamily="34" charset="0"/>
               </a:rPr>
               <a:t>đến</a:t>
             </a:r>
             <a:r>
-              <a:rPr lang="en-US" dirty="0" smtClean="0">
-                <a:latin typeface="Arial" panose="020B0604020202020204" pitchFamily="34" charset="0"/>
-                <a:cs typeface="Arial" panose="020B0604020202020204" pitchFamily="34" charset="0"/>
-              </a:rPr>
-              <a:t> </a:t>
-            </a:r>
-            <a:r>
-              <a:rPr lang="en-US" dirty="0" err="1" smtClean="0">
+              <a:rPr lang="en-US" dirty="0">
+                <a:latin typeface="Arial" panose="020B0604020202020204" pitchFamily="34" charset="0"/>
+                <a:cs typeface="Arial" panose="020B0604020202020204" pitchFamily="34" charset="0"/>
+              </a:rPr>
+              <a:t> </a:t>
+            </a:r>
+            <a:r>
+              <a:rPr lang="en-US" dirty="0" err="1">
                 <a:latin typeface="Arial" panose="020B0604020202020204" pitchFamily="34" charset="0"/>
                 <a:cs typeface="Arial" panose="020B0604020202020204" pitchFamily="34" charset="0"/>
               </a:rPr>
               <a:t>khi</a:t>
             </a:r>
             <a:r>
-              <a:rPr lang="en-US" dirty="0" smtClean="0">
-                <a:latin typeface="Arial" panose="020B0604020202020204" pitchFamily="34" charset="0"/>
-                <a:cs typeface="Arial" panose="020B0604020202020204" pitchFamily="34" charset="0"/>
-              </a:rPr>
-              <a:t> </a:t>
-            </a:r>
-            <a:r>
-              <a:rPr lang="en-US" dirty="0" err="1" smtClean="0">
+              <a:rPr lang="en-US" dirty="0">
+                <a:latin typeface="Arial" panose="020B0604020202020204" pitchFamily="34" charset="0"/>
+                <a:cs typeface="Arial" panose="020B0604020202020204" pitchFamily="34" charset="0"/>
+              </a:rPr>
+              <a:t> </a:t>
+            </a:r>
+            <a:r>
+              <a:rPr lang="en-US" dirty="0" err="1">
                 <a:latin typeface="Arial" panose="020B0604020202020204" pitchFamily="34" charset="0"/>
                 <a:cs typeface="Arial" panose="020B0604020202020204" pitchFamily="34" charset="0"/>
               </a:rPr>
               <a:t>bên</a:t>
             </a:r>
             <a:r>
-              <a:rPr lang="en-US" dirty="0" smtClean="0">
-                <a:latin typeface="Arial" panose="020B0604020202020204" pitchFamily="34" charset="0"/>
-                <a:cs typeface="Arial" panose="020B0604020202020204" pitchFamily="34" charset="0"/>
-              </a:rPr>
-              <a:t> </a:t>
-            </a:r>
-            <a:r>
-              <a:rPr lang="en-US" dirty="0" err="1" smtClean="0">
+              <a:rPr lang="en-US" dirty="0">
+                <a:latin typeface="Arial" panose="020B0604020202020204" pitchFamily="34" charset="0"/>
+                <a:cs typeface="Arial" panose="020B0604020202020204" pitchFamily="34" charset="0"/>
+              </a:rPr>
+              <a:t> </a:t>
+            </a:r>
+            <a:r>
+              <a:rPr lang="en-US" dirty="0" err="1">
                 <a:latin typeface="Arial" panose="020B0604020202020204" pitchFamily="34" charset="0"/>
                 <a:cs typeface="Arial" panose="020B0604020202020204" pitchFamily="34" charset="0"/>
               </a:rPr>
               <a:t>nào</a:t>
             </a:r>
             <a:r>
-              <a:rPr lang="en-US" dirty="0" smtClean="0">
-                <a:latin typeface="Arial" panose="020B0604020202020204" pitchFamily="34" charset="0"/>
-                <a:cs typeface="Arial" panose="020B0604020202020204" pitchFamily="34" charset="0"/>
-              </a:rPr>
-              <a:t> </a:t>
-            </a:r>
-            <a:r>
-              <a:rPr lang="en-US" dirty="0" err="1" smtClean="0">
+              <a:rPr lang="en-US" dirty="0">
+                <a:latin typeface="Arial" panose="020B0604020202020204" pitchFamily="34" charset="0"/>
+                <a:cs typeface="Arial" panose="020B0604020202020204" pitchFamily="34" charset="0"/>
+              </a:rPr>
+              <a:t> </a:t>
+            </a:r>
+            <a:r>
+              <a:rPr lang="en-US" dirty="0" err="1">
                 <a:latin typeface="Arial" panose="020B0604020202020204" pitchFamily="34" charset="0"/>
                 <a:cs typeface="Arial" panose="020B0604020202020204" pitchFamily="34" charset="0"/>
               </a:rPr>
               <a:t>có</a:t>
             </a:r>
             <a:r>
-              <a:rPr lang="en-US" dirty="0" smtClean="0">
-                <a:latin typeface="Arial" panose="020B0604020202020204" pitchFamily="34" charset="0"/>
-                <a:cs typeface="Arial" panose="020B0604020202020204" pitchFamily="34" charset="0"/>
-              </a:rPr>
-              <a:t> </a:t>
-            </a:r>
-            <a:r>
-              <a:rPr lang="en-US" dirty="0" err="1" smtClean="0">
+              <a:rPr lang="en-US" dirty="0">
+                <a:latin typeface="Arial" panose="020B0604020202020204" pitchFamily="34" charset="0"/>
+                <a:cs typeface="Arial" panose="020B0604020202020204" pitchFamily="34" charset="0"/>
+              </a:rPr>
+              <a:t> </a:t>
+            </a:r>
+            <a:r>
+              <a:rPr lang="en-US" dirty="0" err="1">
                 <a:latin typeface="Arial" panose="020B0604020202020204" pitchFamily="34" charset="0"/>
                 <a:cs typeface="Arial" panose="020B0604020202020204" pitchFamily="34" charset="0"/>
               </a:rPr>
               <a:t>các</a:t>
             </a:r>
             <a:r>
-              <a:rPr lang="en-US" dirty="0" smtClean="0">
-                <a:latin typeface="Arial" panose="020B0604020202020204" pitchFamily="34" charset="0"/>
-                <a:cs typeface="Arial" panose="020B0604020202020204" pitchFamily="34" charset="0"/>
-              </a:rPr>
-              <a:t> </a:t>
-            </a:r>
-            <a:r>
-              <a:rPr lang="en-US" dirty="0" err="1" smtClean="0">
+              <a:rPr lang="en-US" dirty="0">
+                <a:latin typeface="Arial" panose="020B0604020202020204" pitchFamily="34" charset="0"/>
+                <a:cs typeface="Arial" panose="020B0604020202020204" pitchFamily="34" charset="0"/>
+              </a:rPr>
+              <a:t> </a:t>
+            </a:r>
+            <a:r>
+              <a:rPr lang="en-US" dirty="0" err="1">
                 <a:latin typeface="Arial" panose="020B0604020202020204" pitchFamily="34" charset="0"/>
                 <a:cs typeface="Arial" panose="020B0604020202020204" pitchFamily="34" charset="0"/>
               </a:rPr>
               <a:t>quân</a:t>
             </a:r>
             <a:r>
-              <a:rPr lang="en-US" dirty="0" smtClean="0">
-                <a:latin typeface="Arial" panose="020B0604020202020204" pitchFamily="34" charset="0"/>
-                <a:cs typeface="Arial" panose="020B0604020202020204" pitchFamily="34" charset="0"/>
-              </a:rPr>
-              <a:t> </a:t>
-            </a:r>
-            <a:r>
-              <a:rPr lang="en-US" dirty="0" err="1" smtClean="0">
+              <a:rPr lang="en-US" dirty="0">
+                <a:latin typeface="Arial" panose="020B0604020202020204" pitchFamily="34" charset="0"/>
+                <a:cs typeface="Arial" panose="020B0604020202020204" pitchFamily="34" charset="0"/>
+              </a:rPr>
+              <a:t> </a:t>
+            </a:r>
+            <a:r>
+              <a:rPr lang="en-US" dirty="0" err="1">
                 <a:latin typeface="Arial" panose="020B0604020202020204" pitchFamily="34" charset="0"/>
                 <a:cs typeface="Arial" panose="020B0604020202020204" pitchFamily="34" charset="0"/>
               </a:rPr>
               <a:t>cờ</a:t>
             </a:r>
             <a:r>
-              <a:rPr lang="en-US" dirty="0" smtClean="0">
-                <a:latin typeface="Arial" panose="020B0604020202020204" pitchFamily="34" charset="0"/>
-                <a:cs typeface="Arial" panose="020B0604020202020204" pitchFamily="34" charset="0"/>
-              </a:rPr>
-              <a:t> </a:t>
-            </a:r>
-            <a:r>
-              <a:rPr lang="en-US" dirty="0" err="1" smtClean="0">
+              <a:rPr lang="en-US" dirty="0">
+                <a:latin typeface="Arial" panose="020B0604020202020204" pitchFamily="34" charset="0"/>
+                <a:cs typeface="Arial" panose="020B0604020202020204" pitchFamily="34" charset="0"/>
+              </a:rPr>
+              <a:t> </a:t>
+            </a:r>
+            <a:r>
+              <a:rPr lang="en-US" dirty="0" err="1">
                 <a:latin typeface="Arial" panose="020B0604020202020204" pitchFamily="34" charset="0"/>
                 <a:cs typeface="Arial" panose="020B0604020202020204" pitchFamily="34" charset="0"/>
               </a:rPr>
               <a:t>sắp</a:t>
             </a:r>
             <a:r>
-              <a:rPr lang="en-US" dirty="0" smtClean="0">
-                <a:latin typeface="Arial" panose="020B0604020202020204" pitchFamily="34" charset="0"/>
-                <a:cs typeface="Arial" panose="020B0604020202020204" pitchFamily="34" charset="0"/>
-              </a:rPr>
-              <a:t> </a:t>
-            </a:r>
-            <a:r>
-              <a:rPr lang="en-US" dirty="0" err="1" smtClean="0">
+              <a:rPr lang="en-US" dirty="0">
+                <a:latin typeface="Arial" panose="020B0604020202020204" pitchFamily="34" charset="0"/>
+                <a:cs typeface="Arial" panose="020B0604020202020204" pitchFamily="34" charset="0"/>
+              </a:rPr>
+              <a:t> </a:t>
+            </a:r>
+            <a:r>
+              <a:rPr lang="en-US" dirty="0" err="1">
                 <a:latin typeface="Arial" panose="020B0604020202020204" pitchFamily="34" charset="0"/>
                 <a:cs typeface="Arial" panose="020B0604020202020204" pitchFamily="34" charset="0"/>
               </a:rPr>
               <a:t>xếp</a:t>
             </a:r>
             <a:r>
-              <a:rPr lang="en-US" dirty="0" smtClean="0">
-                <a:latin typeface="Arial" panose="020B0604020202020204" pitchFamily="34" charset="0"/>
-                <a:cs typeface="Arial" panose="020B0604020202020204" pitchFamily="34" charset="0"/>
-              </a:rPr>
-              <a:t> </a:t>
-            </a:r>
-            <a:r>
-              <a:rPr lang="en-US" dirty="0" err="1" smtClean="0">
+              <a:rPr lang="en-US" dirty="0">
+                <a:latin typeface="Arial" panose="020B0604020202020204" pitchFamily="34" charset="0"/>
+                <a:cs typeface="Arial" panose="020B0604020202020204" pitchFamily="34" charset="0"/>
+              </a:rPr>
+              <a:t> </a:t>
+            </a:r>
+            <a:r>
+              <a:rPr lang="en-US" dirty="0" err="1">
                 <a:latin typeface="Arial" panose="020B0604020202020204" pitchFamily="34" charset="0"/>
                 <a:cs typeface="Arial" panose="020B0604020202020204" pitchFamily="34" charset="0"/>
               </a:rPr>
               <a:t>thành</a:t>
             </a:r>
             <a:r>
-              <a:rPr lang="en-US" dirty="0" smtClean="0">
+              <a:rPr lang="en-US" dirty="0">
                 <a:latin typeface="Arial" panose="020B0604020202020204" pitchFamily="34" charset="0"/>
                 <a:cs typeface="Arial" panose="020B0604020202020204" pitchFamily="34" charset="0"/>
               </a:rPr>
               <a:t> 1 </a:t>
             </a:r>
             <a:r>
-              <a:rPr lang="en-US" dirty="0" err="1" smtClean="0">
+              <a:rPr lang="en-US" dirty="0" err="1">
                 <a:latin typeface="Arial" panose="020B0604020202020204" pitchFamily="34" charset="0"/>
                 <a:cs typeface="Arial" panose="020B0604020202020204" pitchFamily="34" charset="0"/>
               </a:rPr>
               <a:t>đường</a:t>
             </a:r>
             <a:r>
-              <a:rPr lang="en-US" dirty="0" smtClean="0">
-                <a:latin typeface="Arial" panose="020B0604020202020204" pitchFamily="34" charset="0"/>
-                <a:cs typeface="Arial" panose="020B0604020202020204" pitchFamily="34" charset="0"/>
-              </a:rPr>
-              <a:t> </a:t>
-            </a:r>
-            <a:r>
-              <a:rPr lang="en-US" dirty="0" err="1" smtClean="0">
+              <a:rPr lang="en-US" dirty="0">
+                <a:latin typeface="Arial" panose="020B0604020202020204" pitchFamily="34" charset="0"/>
+                <a:cs typeface="Arial" panose="020B0604020202020204" pitchFamily="34" charset="0"/>
+              </a:rPr>
+              <a:t> </a:t>
+            </a:r>
+            <a:r>
+              <a:rPr lang="en-US" dirty="0" err="1">
                 <a:latin typeface="Arial" panose="020B0604020202020204" pitchFamily="34" charset="0"/>
                 <a:cs typeface="Arial" panose="020B0604020202020204" pitchFamily="34" charset="0"/>
               </a:rPr>
               <a:t>thẳng</a:t>
             </a:r>
             <a:r>
-              <a:rPr lang="en-US" dirty="0" smtClean="0">
-                <a:latin typeface="Arial" panose="020B0604020202020204" pitchFamily="34" charset="0"/>
-                <a:cs typeface="Arial" panose="020B0604020202020204" pitchFamily="34" charset="0"/>
-              </a:rPr>
-              <a:t> </a:t>
-            </a:r>
-            <a:r>
-              <a:rPr lang="en-US" dirty="0" err="1" smtClean="0">
+              <a:rPr lang="en-US" dirty="0">
+                <a:latin typeface="Arial" panose="020B0604020202020204" pitchFamily="34" charset="0"/>
+                <a:cs typeface="Arial" panose="020B0604020202020204" pitchFamily="34" charset="0"/>
+              </a:rPr>
+              <a:t> </a:t>
+            </a:r>
+            <a:r>
+              <a:rPr lang="en-US" dirty="0" err="1">
                 <a:latin typeface="Arial" panose="020B0604020202020204" pitchFamily="34" charset="0"/>
                 <a:cs typeface="Arial" panose="020B0604020202020204" pitchFamily="34" charset="0"/>
               </a:rPr>
               <a:t>hoặc</a:t>
             </a:r>
             <a:r>
-              <a:rPr lang="en-US" dirty="0" smtClean="0">
-                <a:latin typeface="Arial" panose="020B0604020202020204" pitchFamily="34" charset="0"/>
-                <a:cs typeface="Arial" panose="020B0604020202020204" pitchFamily="34" charset="0"/>
-              </a:rPr>
-              <a:t> </a:t>
-            </a:r>
-            <a:r>
-              <a:rPr lang="en-US" dirty="0" err="1" smtClean="0">
+              <a:rPr lang="en-US" dirty="0">
+                <a:latin typeface="Arial" panose="020B0604020202020204" pitchFamily="34" charset="0"/>
+                <a:cs typeface="Arial" panose="020B0604020202020204" pitchFamily="34" charset="0"/>
+              </a:rPr>
+              <a:t> </a:t>
+            </a:r>
+            <a:r>
+              <a:rPr lang="en-US" dirty="0" err="1">
                 <a:latin typeface="Arial" panose="020B0604020202020204" pitchFamily="34" charset="0"/>
                 <a:cs typeface="Arial" panose="020B0604020202020204" pitchFamily="34" charset="0"/>
               </a:rPr>
               <a:t>chéo</a:t>
             </a:r>
             <a:r>
-              <a:rPr lang="en-US" dirty="0" smtClean="0">
-                <a:latin typeface="Arial" panose="020B0604020202020204" pitchFamily="34" charset="0"/>
-                <a:cs typeface="Arial" panose="020B0604020202020204" pitchFamily="34" charset="0"/>
-              </a:rPr>
-              <a:t> </a:t>
-            </a:r>
-            <a:r>
-              <a:rPr lang="en-US" dirty="0" err="1" smtClean="0">
+              <a:rPr lang="en-US" dirty="0">
+                <a:latin typeface="Arial" panose="020B0604020202020204" pitchFamily="34" charset="0"/>
+                <a:cs typeface="Arial" panose="020B0604020202020204" pitchFamily="34" charset="0"/>
+              </a:rPr>
+              <a:t> </a:t>
+            </a:r>
+            <a:r>
+              <a:rPr lang="en-US" dirty="0" err="1">
                 <a:latin typeface="Arial" panose="020B0604020202020204" pitchFamily="34" charset="0"/>
                 <a:cs typeface="Arial" panose="020B0604020202020204" pitchFamily="34" charset="0"/>
               </a:rPr>
               <a:t>liên</a:t>
             </a:r>
             <a:r>
-              <a:rPr lang="en-US" dirty="0" smtClean="0">
-                <a:latin typeface="Arial" panose="020B0604020202020204" pitchFamily="34" charset="0"/>
-                <a:cs typeface="Arial" panose="020B0604020202020204" pitchFamily="34" charset="0"/>
-              </a:rPr>
-              <a:t> </a:t>
-            </a:r>
-            <a:r>
-              <a:rPr lang="en-US" dirty="0" err="1" smtClean="0">
+              <a:rPr lang="en-US" dirty="0">
+                <a:latin typeface="Arial" panose="020B0604020202020204" pitchFamily="34" charset="0"/>
+                <a:cs typeface="Arial" panose="020B0604020202020204" pitchFamily="34" charset="0"/>
+              </a:rPr>
+              <a:t> </a:t>
+            </a:r>
+            <a:r>
+              <a:rPr lang="en-US" dirty="0" err="1">
                 <a:latin typeface="Arial" panose="020B0604020202020204" pitchFamily="34" charset="0"/>
                 <a:cs typeface="Arial" panose="020B0604020202020204" pitchFamily="34" charset="0"/>
               </a:rPr>
               <a:t>tục</a:t>
             </a:r>
             <a:r>
-              <a:rPr lang="en-US" dirty="0" smtClean="0">
+              <a:rPr lang="en-US" dirty="0">
                 <a:latin typeface="Arial" panose="020B0604020202020204" pitchFamily="34" charset="0"/>
                 <a:cs typeface="Arial" panose="020B0604020202020204" pitchFamily="34" charset="0"/>
               </a:rPr>
               <a:t> 5 ô </a:t>
             </a:r>
             <a:r>
-              <a:rPr lang="en-US" dirty="0" err="1" smtClean="0">
+              <a:rPr lang="en-US" dirty="0" err="1">
                 <a:latin typeface="Arial" panose="020B0604020202020204" pitchFamily="34" charset="0"/>
                 <a:cs typeface="Arial" panose="020B0604020202020204" pitchFamily="34" charset="0"/>
               </a:rPr>
               <a:t>được</a:t>
             </a:r>
             <a:r>
-              <a:rPr lang="en-US" dirty="0" smtClean="0">
-                <a:latin typeface="Arial" panose="020B0604020202020204" pitchFamily="34" charset="0"/>
-                <a:cs typeface="Arial" panose="020B0604020202020204" pitchFamily="34" charset="0"/>
-              </a:rPr>
-              <a:t> </a:t>
-            </a:r>
-            <a:r>
-              <a:rPr lang="en-US" dirty="0" err="1" smtClean="0">
+              <a:rPr lang="en-US" dirty="0">
+                <a:latin typeface="Arial" panose="020B0604020202020204" pitchFamily="34" charset="0"/>
+                <a:cs typeface="Arial" panose="020B0604020202020204" pitchFamily="34" charset="0"/>
+              </a:rPr>
+              <a:t> </a:t>
+            </a:r>
+            <a:r>
+              <a:rPr lang="en-US" dirty="0" err="1">
                 <a:latin typeface="Arial" panose="020B0604020202020204" pitchFamily="34" charset="0"/>
                 <a:cs typeface="Arial" panose="020B0604020202020204" pitchFamily="34" charset="0"/>
               </a:rPr>
               <a:t>tính</a:t>
             </a:r>
             <a:r>
-              <a:rPr lang="en-US" dirty="0" smtClean="0">
-                <a:latin typeface="Arial" panose="020B0604020202020204" pitchFamily="34" charset="0"/>
-                <a:cs typeface="Arial" panose="020B0604020202020204" pitchFamily="34" charset="0"/>
-              </a:rPr>
-              <a:t> </a:t>
-            </a:r>
-            <a:r>
-              <a:rPr lang="en-US" dirty="0" err="1" smtClean="0">
+              <a:rPr lang="en-US" dirty="0">
+                <a:latin typeface="Arial" panose="020B0604020202020204" pitchFamily="34" charset="0"/>
+                <a:cs typeface="Arial" panose="020B0604020202020204" pitchFamily="34" charset="0"/>
+              </a:rPr>
+              <a:t> </a:t>
+            </a:r>
+            <a:r>
+              <a:rPr lang="en-US" dirty="0" err="1">
                 <a:latin typeface="Arial" panose="020B0604020202020204" pitchFamily="34" charset="0"/>
                 <a:cs typeface="Arial" panose="020B0604020202020204" pitchFamily="34" charset="0"/>
               </a:rPr>
               <a:t>là</a:t>
             </a:r>
             <a:r>
-              <a:rPr lang="en-US" dirty="0" smtClean="0">
-                <a:latin typeface="Arial" panose="020B0604020202020204" pitchFamily="34" charset="0"/>
-                <a:cs typeface="Arial" panose="020B0604020202020204" pitchFamily="34" charset="0"/>
-              </a:rPr>
-              <a:t> </a:t>
-            </a:r>
-            <a:r>
-              <a:rPr lang="en-US" dirty="0" err="1" smtClean="0">
+              <a:rPr lang="en-US" dirty="0">
+                <a:latin typeface="Arial" panose="020B0604020202020204" pitchFamily="34" charset="0"/>
+                <a:cs typeface="Arial" panose="020B0604020202020204" pitchFamily="34" charset="0"/>
+              </a:rPr>
+              <a:t> </a:t>
+            </a:r>
+            <a:r>
+              <a:rPr lang="en-US" dirty="0" err="1">
                 <a:latin typeface="Arial" panose="020B0604020202020204" pitchFamily="34" charset="0"/>
                 <a:cs typeface="Arial" panose="020B0604020202020204" pitchFamily="34" charset="0"/>
               </a:rPr>
               <a:t>thắng</a:t>
             </a:r>
-            <a:endParaRPr lang="en-US" dirty="0" smtClean="0">
+            <a:endParaRPr lang="en-US" dirty="0">
               <a:latin typeface="Arial" panose="020B0604020202020204" pitchFamily="34" charset="0"/>
               <a:cs typeface="Arial" panose="020B0604020202020204" pitchFamily="34" charset="0"/>
             </a:endParaRPr>
@@ -12210,322 +12136,322 @@
               <a:buChar char="•"/>
             </a:pPr>
             <a:r>
-              <a:rPr lang="en-US" dirty="0" err="1" smtClean="0">
+              <a:rPr lang="en-US" dirty="0" err="1">
                 <a:latin typeface="Arial" panose="020B0604020202020204" pitchFamily="34" charset="0"/>
                 <a:cs typeface="Arial" panose="020B0604020202020204" pitchFamily="34" charset="0"/>
               </a:rPr>
               <a:t>Mỗi</a:t>
             </a:r>
             <a:r>
-              <a:rPr lang="en-US" dirty="0" smtClean="0">
-                <a:latin typeface="Arial" panose="020B0604020202020204" pitchFamily="34" charset="0"/>
-                <a:cs typeface="Arial" panose="020B0604020202020204" pitchFamily="34" charset="0"/>
-              </a:rPr>
-              <a:t> </a:t>
-            </a:r>
-            <a:r>
-              <a:rPr lang="en-US" dirty="0" err="1" smtClean="0">
+              <a:rPr lang="en-US" dirty="0">
+                <a:latin typeface="Arial" panose="020B0604020202020204" pitchFamily="34" charset="0"/>
+                <a:cs typeface="Arial" panose="020B0604020202020204" pitchFamily="34" charset="0"/>
+              </a:rPr>
+              <a:t> </a:t>
+            </a:r>
+            <a:r>
+              <a:rPr lang="en-US" dirty="0" err="1">
                 <a:latin typeface="Arial" panose="020B0604020202020204" pitchFamily="34" charset="0"/>
                 <a:cs typeface="Arial" panose="020B0604020202020204" pitchFamily="34" charset="0"/>
               </a:rPr>
               <a:t>lượt</a:t>
             </a:r>
             <a:r>
-              <a:rPr lang="en-US" dirty="0" smtClean="0">
-                <a:latin typeface="Arial" panose="020B0604020202020204" pitchFamily="34" charset="0"/>
-                <a:cs typeface="Arial" panose="020B0604020202020204" pitchFamily="34" charset="0"/>
-              </a:rPr>
-              <a:t> </a:t>
-            </a:r>
-            <a:r>
-              <a:rPr lang="en-US" dirty="0" err="1" smtClean="0">
+              <a:rPr lang="en-US" dirty="0">
+                <a:latin typeface="Arial" panose="020B0604020202020204" pitchFamily="34" charset="0"/>
+                <a:cs typeface="Arial" panose="020B0604020202020204" pitchFamily="34" charset="0"/>
+              </a:rPr>
+              <a:t> </a:t>
+            </a:r>
+            <a:r>
+              <a:rPr lang="en-US" dirty="0" err="1">
                 <a:latin typeface="Arial" panose="020B0604020202020204" pitchFamily="34" charset="0"/>
                 <a:cs typeface="Arial" panose="020B0604020202020204" pitchFamily="34" charset="0"/>
               </a:rPr>
               <a:t>đánh</a:t>
             </a:r>
             <a:r>
-              <a:rPr lang="en-US" dirty="0" smtClean="0">
-                <a:latin typeface="Arial" panose="020B0604020202020204" pitchFamily="34" charset="0"/>
-                <a:cs typeface="Arial" panose="020B0604020202020204" pitchFamily="34" charset="0"/>
-              </a:rPr>
-              <a:t> </a:t>
-            </a:r>
-            <a:r>
-              <a:rPr lang="en-US" dirty="0" err="1" smtClean="0">
+              <a:rPr lang="en-US" dirty="0">
+                <a:latin typeface="Arial" panose="020B0604020202020204" pitchFamily="34" charset="0"/>
+                <a:cs typeface="Arial" panose="020B0604020202020204" pitchFamily="34" charset="0"/>
+              </a:rPr>
+              <a:t> </a:t>
+            </a:r>
+            <a:r>
+              <a:rPr lang="en-US" dirty="0" err="1">
                 <a:latin typeface="Arial" panose="020B0604020202020204" pitchFamily="34" charset="0"/>
                 <a:cs typeface="Arial" panose="020B0604020202020204" pitchFamily="34" charset="0"/>
               </a:rPr>
               <a:t>sẽ</a:t>
             </a:r>
             <a:r>
-              <a:rPr lang="en-US" dirty="0" smtClean="0">
-                <a:latin typeface="Arial" panose="020B0604020202020204" pitchFamily="34" charset="0"/>
-                <a:cs typeface="Arial" panose="020B0604020202020204" pitchFamily="34" charset="0"/>
-              </a:rPr>
-              <a:t> </a:t>
-            </a:r>
-            <a:r>
-              <a:rPr lang="en-US" dirty="0" err="1" smtClean="0">
+              <a:rPr lang="en-US" dirty="0">
+                <a:latin typeface="Arial" panose="020B0604020202020204" pitchFamily="34" charset="0"/>
+                <a:cs typeface="Arial" panose="020B0604020202020204" pitchFamily="34" charset="0"/>
+              </a:rPr>
+              <a:t> </a:t>
+            </a:r>
+            <a:r>
+              <a:rPr lang="en-US" dirty="0" err="1">
                 <a:latin typeface="Arial" panose="020B0604020202020204" pitchFamily="34" charset="0"/>
                 <a:cs typeface="Arial" panose="020B0604020202020204" pitchFamily="34" charset="0"/>
               </a:rPr>
               <a:t>được</a:t>
             </a:r>
             <a:r>
-              <a:rPr lang="en-US" dirty="0" smtClean="0">
-                <a:latin typeface="Arial" panose="020B0604020202020204" pitchFamily="34" charset="0"/>
-                <a:cs typeface="Arial" panose="020B0604020202020204" pitchFamily="34" charset="0"/>
-              </a:rPr>
-              <a:t> </a:t>
-            </a:r>
-            <a:r>
-              <a:rPr lang="en-US" dirty="0" err="1" smtClean="0">
+              <a:rPr lang="en-US" dirty="0">
+                <a:latin typeface="Arial" panose="020B0604020202020204" pitchFamily="34" charset="0"/>
+                <a:cs typeface="Arial" panose="020B0604020202020204" pitchFamily="34" charset="0"/>
+              </a:rPr>
+              <a:t> </a:t>
+            </a:r>
+            <a:r>
+              <a:rPr lang="en-US" dirty="0" err="1">
                 <a:latin typeface="Arial" panose="020B0604020202020204" pitchFamily="34" charset="0"/>
                 <a:cs typeface="Arial" panose="020B0604020202020204" pitchFamily="34" charset="0"/>
               </a:rPr>
               <a:t>tính</a:t>
             </a:r>
             <a:r>
-              <a:rPr lang="en-US" dirty="0" smtClean="0">
-                <a:latin typeface="Arial" panose="020B0604020202020204" pitchFamily="34" charset="0"/>
-                <a:cs typeface="Arial" panose="020B0604020202020204" pitchFamily="34" charset="0"/>
-              </a:rPr>
-              <a:t> </a:t>
-            </a:r>
-            <a:r>
-              <a:rPr lang="en-US" dirty="0" err="1" smtClean="0">
+              <a:rPr lang="en-US" dirty="0">
+                <a:latin typeface="Arial" panose="020B0604020202020204" pitchFamily="34" charset="0"/>
+                <a:cs typeface="Arial" panose="020B0604020202020204" pitchFamily="34" charset="0"/>
+              </a:rPr>
+              <a:t> </a:t>
+            </a:r>
+            <a:r>
+              <a:rPr lang="en-US" dirty="0" err="1">
                 <a:latin typeface="Arial" panose="020B0604020202020204" pitchFamily="34" charset="0"/>
                 <a:cs typeface="Arial" panose="020B0604020202020204" pitchFamily="34" charset="0"/>
               </a:rPr>
               <a:t>thời</a:t>
             </a:r>
             <a:r>
-              <a:rPr lang="en-US" dirty="0" smtClean="0">
-                <a:latin typeface="Arial" panose="020B0604020202020204" pitchFamily="34" charset="0"/>
-                <a:cs typeface="Arial" panose="020B0604020202020204" pitchFamily="34" charset="0"/>
-              </a:rPr>
-              <a:t> </a:t>
-            </a:r>
-            <a:r>
-              <a:rPr lang="en-US" dirty="0" err="1" smtClean="0">
+              <a:rPr lang="en-US" dirty="0">
+                <a:latin typeface="Arial" panose="020B0604020202020204" pitchFamily="34" charset="0"/>
+                <a:cs typeface="Arial" panose="020B0604020202020204" pitchFamily="34" charset="0"/>
+              </a:rPr>
+              <a:t> </a:t>
+            </a:r>
+            <a:r>
+              <a:rPr lang="en-US" dirty="0" err="1">
                 <a:latin typeface="Arial" panose="020B0604020202020204" pitchFamily="34" charset="0"/>
                 <a:cs typeface="Arial" panose="020B0604020202020204" pitchFamily="34" charset="0"/>
               </a:rPr>
               <a:t>gian</a:t>
             </a:r>
             <a:r>
-              <a:rPr lang="en-US" dirty="0" smtClean="0">
-                <a:latin typeface="Arial" panose="020B0604020202020204" pitchFamily="34" charset="0"/>
-                <a:cs typeface="Arial" panose="020B0604020202020204" pitchFamily="34" charset="0"/>
-              </a:rPr>
-              <a:t> </a:t>
-            </a:r>
-            <a:r>
-              <a:rPr lang="en-US" dirty="0" err="1" smtClean="0">
+              <a:rPr lang="en-US" dirty="0">
+                <a:latin typeface="Arial" panose="020B0604020202020204" pitchFamily="34" charset="0"/>
+                <a:cs typeface="Arial" panose="020B0604020202020204" pitchFamily="34" charset="0"/>
+              </a:rPr>
+              <a:t> </a:t>
+            </a:r>
+            <a:r>
+              <a:rPr lang="en-US" dirty="0" err="1">
                 <a:latin typeface="Arial" panose="020B0604020202020204" pitchFamily="34" charset="0"/>
                 <a:cs typeface="Arial" panose="020B0604020202020204" pitchFamily="34" charset="0"/>
               </a:rPr>
               <a:t>nếu</a:t>
             </a:r>
             <a:r>
-              <a:rPr lang="en-US" dirty="0" smtClean="0">
-                <a:latin typeface="Arial" panose="020B0604020202020204" pitchFamily="34" charset="0"/>
-                <a:cs typeface="Arial" panose="020B0604020202020204" pitchFamily="34" charset="0"/>
-              </a:rPr>
-              <a:t> </a:t>
-            </a:r>
-            <a:r>
-              <a:rPr lang="en-US" dirty="0" err="1" smtClean="0">
+              <a:rPr lang="en-US" dirty="0">
+                <a:latin typeface="Arial" panose="020B0604020202020204" pitchFamily="34" charset="0"/>
+                <a:cs typeface="Arial" panose="020B0604020202020204" pitchFamily="34" charset="0"/>
+              </a:rPr>
+              <a:t> </a:t>
+            </a:r>
+            <a:r>
+              <a:rPr lang="en-US" dirty="0" err="1">
                 <a:latin typeface="Arial" panose="020B0604020202020204" pitchFamily="34" charset="0"/>
                 <a:cs typeface="Arial" panose="020B0604020202020204" pitchFamily="34" charset="0"/>
               </a:rPr>
               <a:t>quá</a:t>
             </a:r>
             <a:r>
-              <a:rPr lang="en-US" dirty="0" smtClean="0">
-                <a:latin typeface="Arial" panose="020B0604020202020204" pitchFamily="34" charset="0"/>
-                <a:cs typeface="Arial" panose="020B0604020202020204" pitchFamily="34" charset="0"/>
-              </a:rPr>
-              <a:t> </a:t>
-            </a:r>
-            <a:r>
-              <a:rPr lang="en-US" dirty="0" err="1" smtClean="0">
+              <a:rPr lang="en-US" dirty="0">
+                <a:latin typeface="Arial" panose="020B0604020202020204" pitchFamily="34" charset="0"/>
+                <a:cs typeface="Arial" panose="020B0604020202020204" pitchFamily="34" charset="0"/>
+              </a:rPr>
+              <a:t> </a:t>
+            </a:r>
+            <a:r>
+              <a:rPr lang="en-US" dirty="0" err="1">
                 <a:latin typeface="Arial" panose="020B0604020202020204" pitchFamily="34" charset="0"/>
                 <a:cs typeface="Arial" panose="020B0604020202020204" pitchFamily="34" charset="0"/>
               </a:rPr>
               <a:t>thời</a:t>
             </a:r>
             <a:r>
-              <a:rPr lang="en-US" dirty="0" smtClean="0">
-                <a:latin typeface="Arial" panose="020B0604020202020204" pitchFamily="34" charset="0"/>
-                <a:cs typeface="Arial" panose="020B0604020202020204" pitchFamily="34" charset="0"/>
-              </a:rPr>
-              <a:t> </a:t>
-            </a:r>
-            <a:r>
-              <a:rPr lang="en-US" dirty="0" err="1" smtClean="0">
+              <a:rPr lang="en-US" dirty="0">
+                <a:latin typeface="Arial" panose="020B0604020202020204" pitchFamily="34" charset="0"/>
+                <a:cs typeface="Arial" panose="020B0604020202020204" pitchFamily="34" charset="0"/>
+              </a:rPr>
+              <a:t> </a:t>
+            </a:r>
+            <a:r>
+              <a:rPr lang="en-US" dirty="0" err="1">
                 <a:latin typeface="Arial" panose="020B0604020202020204" pitchFamily="34" charset="0"/>
                 <a:cs typeface="Arial" panose="020B0604020202020204" pitchFamily="34" charset="0"/>
               </a:rPr>
               <a:t>gian</a:t>
             </a:r>
             <a:r>
-              <a:rPr lang="en-US" dirty="0" smtClean="0">
-                <a:latin typeface="Arial" panose="020B0604020202020204" pitchFamily="34" charset="0"/>
-                <a:cs typeface="Arial" panose="020B0604020202020204" pitchFamily="34" charset="0"/>
-              </a:rPr>
-              <a:t> </a:t>
-            </a:r>
-            <a:r>
-              <a:rPr lang="en-US" dirty="0" err="1" smtClean="0">
+              <a:rPr lang="en-US" dirty="0">
+                <a:latin typeface="Arial" panose="020B0604020202020204" pitchFamily="34" charset="0"/>
+                <a:cs typeface="Arial" panose="020B0604020202020204" pitchFamily="34" charset="0"/>
+              </a:rPr>
+              <a:t> </a:t>
+            </a:r>
+            <a:r>
+              <a:rPr lang="en-US" dirty="0" err="1">
                 <a:latin typeface="Arial" panose="020B0604020202020204" pitchFamily="34" charset="0"/>
                 <a:cs typeface="Arial" panose="020B0604020202020204" pitchFamily="34" charset="0"/>
               </a:rPr>
               <a:t>quy</a:t>
             </a:r>
             <a:r>
-              <a:rPr lang="en-US" dirty="0" smtClean="0">
-                <a:latin typeface="Arial" panose="020B0604020202020204" pitchFamily="34" charset="0"/>
-                <a:cs typeface="Arial" panose="020B0604020202020204" pitchFamily="34" charset="0"/>
-              </a:rPr>
-              <a:t> </a:t>
-            </a:r>
-            <a:r>
-              <a:rPr lang="en-US" dirty="0" err="1" smtClean="0">
+              <a:rPr lang="en-US" dirty="0">
+                <a:latin typeface="Arial" panose="020B0604020202020204" pitchFamily="34" charset="0"/>
+                <a:cs typeface="Arial" panose="020B0604020202020204" pitchFamily="34" charset="0"/>
+              </a:rPr>
+              <a:t> </a:t>
+            </a:r>
+            <a:r>
+              <a:rPr lang="en-US" dirty="0" err="1">
                 <a:latin typeface="Arial" panose="020B0604020202020204" pitchFamily="34" charset="0"/>
                 <a:cs typeface="Arial" panose="020B0604020202020204" pitchFamily="34" charset="0"/>
               </a:rPr>
               <a:t>định</a:t>
             </a:r>
             <a:r>
-              <a:rPr lang="en-US" dirty="0" smtClean="0">
-                <a:latin typeface="Arial" panose="020B0604020202020204" pitchFamily="34" charset="0"/>
-                <a:cs typeface="Arial" panose="020B0604020202020204" pitchFamily="34" charset="0"/>
-              </a:rPr>
-              <a:t> </a:t>
-            </a:r>
-            <a:r>
-              <a:rPr lang="en-US" dirty="0" err="1" smtClean="0">
+              <a:rPr lang="en-US" dirty="0">
+                <a:latin typeface="Arial" panose="020B0604020202020204" pitchFamily="34" charset="0"/>
+                <a:cs typeface="Arial" panose="020B0604020202020204" pitchFamily="34" charset="0"/>
+              </a:rPr>
+              <a:t> </a:t>
+            </a:r>
+            <a:r>
+              <a:rPr lang="en-US" dirty="0" err="1">
                 <a:latin typeface="Arial" panose="020B0604020202020204" pitchFamily="34" charset="0"/>
                 <a:cs typeface="Arial" panose="020B0604020202020204" pitchFamily="34" charset="0"/>
               </a:rPr>
               <a:t>sẽ</a:t>
             </a:r>
             <a:r>
-              <a:rPr lang="en-US" dirty="0" smtClean="0">
-                <a:latin typeface="Arial" panose="020B0604020202020204" pitchFamily="34" charset="0"/>
-                <a:cs typeface="Arial" panose="020B0604020202020204" pitchFamily="34" charset="0"/>
-              </a:rPr>
-              <a:t> </a:t>
-            </a:r>
-            <a:r>
-              <a:rPr lang="en-US" dirty="0" err="1" smtClean="0">
+              <a:rPr lang="en-US" dirty="0">
+                <a:latin typeface="Arial" panose="020B0604020202020204" pitchFamily="34" charset="0"/>
+                <a:cs typeface="Arial" panose="020B0604020202020204" pitchFamily="34" charset="0"/>
+              </a:rPr>
+              <a:t> </a:t>
+            </a:r>
+            <a:r>
+              <a:rPr lang="en-US" dirty="0" err="1">
                 <a:latin typeface="Arial" panose="020B0604020202020204" pitchFamily="34" charset="0"/>
                 <a:cs typeface="Arial" panose="020B0604020202020204" pitchFamily="34" charset="0"/>
               </a:rPr>
               <a:t>mất</a:t>
             </a:r>
             <a:r>
-              <a:rPr lang="en-US" dirty="0" smtClean="0">
-                <a:latin typeface="Arial" panose="020B0604020202020204" pitchFamily="34" charset="0"/>
-                <a:cs typeface="Arial" panose="020B0604020202020204" pitchFamily="34" charset="0"/>
-              </a:rPr>
-              <a:t> </a:t>
-            </a:r>
-            <a:r>
-              <a:rPr lang="en-US" dirty="0" err="1" smtClean="0">
+              <a:rPr lang="en-US" dirty="0">
+                <a:latin typeface="Arial" panose="020B0604020202020204" pitchFamily="34" charset="0"/>
+                <a:cs typeface="Arial" panose="020B0604020202020204" pitchFamily="34" charset="0"/>
+              </a:rPr>
+              <a:t> </a:t>
+            </a:r>
+            <a:r>
+              <a:rPr lang="en-US" dirty="0" err="1">
                 <a:latin typeface="Arial" panose="020B0604020202020204" pitchFamily="34" charset="0"/>
                 <a:cs typeface="Arial" panose="020B0604020202020204" pitchFamily="34" charset="0"/>
               </a:rPr>
               <a:t>lượt</a:t>
             </a:r>
             <a:r>
-              <a:rPr lang="en-US" dirty="0" smtClean="0">
+              <a:rPr lang="en-US" dirty="0">
                 <a:latin typeface="Arial" panose="020B0604020202020204" pitchFamily="34" charset="0"/>
                 <a:cs typeface="Arial" panose="020B0604020202020204" pitchFamily="34" charset="0"/>
               </a:rPr>
               <a:t>, </a:t>
             </a:r>
             <a:r>
-              <a:rPr lang="en-US" dirty="0" err="1" smtClean="0">
+              <a:rPr lang="en-US" dirty="0" err="1">
                 <a:latin typeface="Arial" panose="020B0604020202020204" pitchFamily="34" charset="0"/>
                 <a:cs typeface="Arial" panose="020B0604020202020204" pitchFamily="34" charset="0"/>
               </a:rPr>
               <a:t>lượt</a:t>
             </a:r>
             <a:r>
-              <a:rPr lang="en-US" dirty="0" smtClean="0">
-                <a:latin typeface="Arial" panose="020B0604020202020204" pitchFamily="34" charset="0"/>
-                <a:cs typeface="Arial" panose="020B0604020202020204" pitchFamily="34" charset="0"/>
-              </a:rPr>
-              <a:t> </a:t>
-            </a:r>
-            <a:r>
-              <a:rPr lang="en-US" dirty="0" err="1" smtClean="0">
+              <a:rPr lang="en-US" dirty="0">
+                <a:latin typeface="Arial" panose="020B0604020202020204" pitchFamily="34" charset="0"/>
+                <a:cs typeface="Arial" panose="020B0604020202020204" pitchFamily="34" charset="0"/>
+              </a:rPr>
+              <a:t> </a:t>
+            </a:r>
+            <a:r>
+              <a:rPr lang="en-US" dirty="0" err="1">
                 <a:latin typeface="Arial" panose="020B0604020202020204" pitchFamily="34" charset="0"/>
                 <a:cs typeface="Arial" panose="020B0604020202020204" pitchFamily="34" charset="0"/>
               </a:rPr>
               <a:t>đánh</a:t>
             </a:r>
             <a:r>
-              <a:rPr lang="en-US" dirty="0" smtClean="0">
-                <a:latin typeface="Arial" panose="020B0604020202020204" pitchFamily="34" charset="0"/>
-                <a:cs typeface="Arial" panose="020B0604020202020204" pitchFamily="34" charset="0"/>
-              </a:rPr>
-              <a:t> </a:t>
-            </a:r>
-            <a:r>
-              <a:rPr lang="en-US" dirty="0" err="1" smtClean="0">
+              <a:rPr lang="en-US" dirty="0">
+                <a:latin typeface="Arial" panose="020B0604020202020204" pitchFamily="34" charset="0"/>
+                <a:cs typeface="Arial" panose="020B0604020202020204" pitchFamily="34" charset="0"/>
+              </a:rPr>
+              <a:t> </a:t>
+            </a:r>
+            <a:r>
+              <a:rPr lang="en-US" dirty="0" err="1">
                 <a:latin typeface="Arial" panose="020B0604020202020204" pitchFamily="34" charset="0"/>
                 <a:cs typeface="Arial" panose="020B0604020202020204" pitchFamily="34" charset="0"/>
               </a:rPr>
               <a:t>sẽ</a:t>
             </a:r>
             <a:r>
-              <a:rPr lang="en-US" dirty="0" smtClean="0">
+              <a:rPr lang="en-US" dirty="0">
                 <a:latin typeface="Arial" panose="020B0604020202020204" pitchFamily="34" charset="0"/>
                 <a:cs typeface="Arial" panose="020B0604020202020204" pitchFamily="34" charset="0"/>
               </a:rPr>
               <a:t> quay </a:t>
             </a:r>
             <a:r>
-              <a:rPr lang="en-US" dirty="0" err="1" smtClean="0">
+              <a:rPr lang="en-US" dirty="0" err="1">
                 <a:latin typeface="Arial" panose="020B0604020202020204" pitchFamily="34" charset="0"/>
                 <a:cs typeface="Arial" panose="020B0604020202020204" pitchFamily="34" charset="0"/>
               </a:rPr>
               <a:t>về</a:t>
             </a:r>
             <a:r>
-              <a:rPr lang="en-US" dirty="0" smtClean="0">
-                <a:latin typeface="Arial" panose="020B0604020202020204" pitchFamily="34" charset="0"/>
-                <a:cs typeface="Arial" panose="020B0604020202020204" pitchFamily="34" charset="0"/>
-              </a:rPr>
-              <a:t> </a:t>
-            </a:r>
-            <a:r>
-              <a:rPr lang="en-US" dirty="0" err="1" smtClean="0">
+              <a:rPr lang="en-US" dirty="0">
+                <a:latin typeface="Arial" panose="020B0604020202020204" pitchFamily="34" charset="0"/>
+                <a:cs typeface="Arial" panose="020B0604020202020204" pitchFamily="34" charset="0"/>
+              </a:rPr>
+              <a:t> </a:t>
+            </a:r>
+            <a:r>
+              <a:rPr lang="en-US" dirty="0" err="1">
                 <a:latin typeface="Arial" panose="020B0604020202020204" pitchFamily="34" charset="0"/>
                 <a:cs typeface="Arial" panose="020B0604020202020204" pitchFamily="34" charset="0"/>
               </a:rPr>
               <a:t>đối</a:t>
             </a:r>
             <a:r>
-              <a:rPr lang="en-US" dirty="0" smtClean="0">
-                <a:latin typeface="Arial" panose="020B0604020202020204" pitchFamily="34" charset="0"/>
-                <a:cs typeface="Arial" panose="020B0604020202020204" pitchFamily="34" charset="0"/>
-              </a:rPr>
-              <a:t> </a:t>
-            </a:r>
-            <a:r>
-              <a:rPr lang="en-US" dirty="0" err="1" smtClean="0">
+              <a:rPr lang="en-US" dirty="0">
+                <a:latin typeface="Arial" panose="020B0604020202020204" pitchFamily="34" charset="0"/>
+                <a:cs typeface="Arial" panose="020B0604020202020204" pitchFamily="34" charset="0"/>
+              </a:rPr>
+              <a:t> </a:t>
+            </a:r>
+            <a:r>
+              <a:rPr lang="en-US" dirty="0" err="1">
                 <a:latin typeface="Arial" panose="020B0604020202020204" pitchFamily="34" charset="0"/>
                 <a:cs typeface="Arial" panose="020B0604020202020204" pitchFamily="34" charset="0"/>
               </a:rPr>
               <a:t>thủ</a:t>
             </a:r>
             <a:r>
-              <a:rPr lang="en-US" dirty="0" smtClean="0">
+              <a:rPr lang="en-US" dirty="0">
                 <a:latin typeface="Arial" panose="020B0604020202020204" pitchFamily="34" charset="0"/>
                 <a:cs typeface="Arial" panose="020B0604020202020204" pitchFamily="34" charset="0"/>
               </a:rPr>
@@ -12538,217 +12464,217 @@
               <a:buChar char="•"/>
             </a:pPr>
             <a:r>
-              <a:rPr lang="en-US" dirty="0" smtClean="0">
+              <a:rPr lang="en-US" dirty="0">
                 <a:latin typeface="Arial" panose="020B0604020202020204" pitchFamily="34" charset="0"/>
                 <a:cs typeface="Arial" panose="020B0604020202020204" pitchFamily="34" charset="0"/>
               </a:rPr>
               <a:t>Background </a:t>
             </a:r>
             <a:r>
-              <a:rPr lang="en-US" dirty="0" err="1" smtClean="0">
+              <a:rPr lang="en-US" dirty="0" err="1">
                 <a:latin typeface="Arial" panose="020B0604020202020204" pitchFamily="34" charset="0"/>
                 <a:cs typeface="Arial" panose="020B0604020202020204" pitchFamily="34" charset="0"/>
               </a:rPr>
               <a:t>sẽ</a:t>
             </a:r>
             <a:r>
-              <a:rPr lang="en-US" dirty="0" smtClean="0">
-                <a:latin typeface="Arial" panose="020B0604020202020204" pitchFamily="34" charset="0"/>
-                <a:cs typeface="Arial" panose="020B0604020202020204" pitchFamily="34" charset="0"/>
-              </a:rPr>
-              <a:t> </a:t>
-            </a:r>
-            <a:r>
-              <a:rPr lang="en-US" dirty="0" err="1" smtClean="0">
+              <a:rPr lang="en-US" dirty="0">
+                <a:latin typeface="Arial" panose="020B0604020202020204" pitchFamily="34" charset="0"/>
+                <a:cs typeface="Arial" panose="020B0604020202020204" pitchFamily="34" charset="0"/>
+              </a:rPr>
+              <a:t> </a:t>
+            </a:r>
+            <a:r>
+              <a:rPr lang="en-US" dirty="0" err="1">
                 <a:latin typeface="Arial" panose="020B0604020202020204" pitchFamily="34" charset="0"/>
                 <a:cs typeface="Arial" panose="020B0604020202020204" pitchFamily="34" charset="0"/>
               </a:rPr>
               <a:t>đổi</a:t>
             </a:r>
             <a:r>
-              <a:rPr lang="en-US" dirty="0" smtClean="0">
-                <a:latin typeface="Arial" panose="020B0604020202020204" pitchFamily="34" charset="0"/>
-                <a:cs typeface="Arial" panose="020B0604020202020204" pitchFamily="34" charset="0"/>
-              </a:rPr>
-              <a:t> </a:t>
-            </a:r>
-            <a:r>
-              <a:rPr lang="en-US" dirty="0" err="1" smtClean="0">
+              <a:rPr lang="en-US" dirty="0">
+                <a:latin typeface="Arial" panose="020B0604020202020204" pitchFamily="34" charset="0"/>
+                <a:cs typeface="Arial" panose="020B0604020202020204" pitchFamily="34" charset="0"/>
+              </a:rPr>
+              <a:t> </a:t>
+            </a:r>
+            <a:r>
+              <a:rPr lang="en-US" dirty="0" err="1">
                 <a:latin typeface="Arial" panose="020B0604020202020204" pitchFamily="34" charset="0"/>
                 <a:cs typeface="Arial" panose="020B0604020202020204" pitchFamily="34" charset="0"/>
               </a:rPr>
               <a:t>màu</a:t>
             </a:r>
             <a:r>
-              <a:rPr lang="en-US" dirty="0" smtClean="0">
-                <a:latin typeface="Arial" panose="020B0604020202020204" pitchFamily="34" charset="0"/>
-                <a:cs typeface="Arial" panose="020B0604020202020204" pitchFamily="34" charset="0"/>
-              </a:rPr>
-              <a:t> </a:t>
-            </a:r>
-            <a:r>
-              <a:rPr lang="en-US" dirty="0" err="1" smtClean="0">
+              <a:rPr lang="en-US" dirty="0">
+                <a:latin typeface="Arial" panose="020B0604020202020204" pitchFamily="34" charset="0"/>
+                <a:cs typeface="Arial" panose="020B0604020202020204" pitchFamily="34" charset="0"/>
+              </a:rPr>
+              <a:t> </a:t>
+            </a:r>
+            <a:r>
+              <a:rPr lang="en-US" dirty="0" err="1">
                 <a:latin typeface="Arial" panose="020B0604020202020204" pitchFamily="34" charset="0"/>
                 <a:cs typeface="Arial" panose="020B0604020202020204" pitchFamily="34" charset="0"/>
               </a:rPr>
               <a:t>thành</a:t>
             </a:r>
             <a:r>
-              <a:rPr lang="en-US" dirty="0" smtClean="0">
-                <a:latin typeface="Arial" panose="020B0604020202020204" pitchFamily="34" charset="0"/>
-                <a:cs typeface="Arial" panose="020B0604020202020204" pitchFamily="34" charset="0"/>
-              </a:rPr>
-              <a:t> </a:t>
-            </a:r>
-            <a:r>
-              <a:rPr lang="en-US" dirty="0" err="1" smtClean="0">
+              <a:rPr lang="en-US" dirty="0">
+                <a:latin typeface="Arial" panose="020B0604020202020204" pitchFamily="34" charset="0"/>
+                <a:cs typeface="Arial" panose="020B0604020202020204" pitchFamily="34" charset="0"/>
+              </a:rPr>
+              <a:t> </a:t>
+            </a:r>
+            <a:r>
+              <a:rPr lang="en-US" dirty="0" err="1">
                 <a:latin typeface="Arial" panose="020B0604020202020204" pitchFamily="34" charset="0"/>
                 <a:cs typeface="Arial" panose="020B0604020202020204" pitchFamily="34" charset="0"/>
               </a:rPr>
               <a:t>xanh</a:t>
             </a:r>
             <a:r>
-              <a:rPr lang="en-US" dirty="0" smtClean="0">
-                <a:latin typeface="Arial" panose="020B0604020202020204" pitchFamily="34" charset="0"/>
-                <a:cs typeface="Arial" panose="020B0604020202020204" pitchFamily="34" charset="0"/>
-              </a:rPr>
-              <a:t> </a:t>
-            </a:r>
-            <a:r>
-              <a:rPr lang="en-US" dirty="0" err="1" smtClean="0">
+              <a:rPr lang="en-US" dirty="0">
+                <a:latin typeface="Arial" panose="020B0604020202020204" pitchFamily="34" charset="0"/>
+                <a:cs typeface="Arial" panose="020B0604020202020204" pitchFamily="34" charset="0"/>
+              </a:rPr>
+              <a:t> </a:t>
+            </a:r>
+            <a:r>
+              <a:rPr lang="en-US" dirty="0" err="1">
                 <a:latin typeface="Arial" panose="020B0604020202020204" pitchFamily="34" charset="0"/>
                 <a:cs typeface="Arial" panose="020B0604020202020204" pitchFamily="34" charset="0"/>
               </a:rPr>
               <a:t>nếu</a:t>
             </a:r>
             <a:r>
-              <a:rPr lang="en-US" dirty="0" smtClean="0">
-                <a:latin typeface="Arial" panose="020B0604020202020204" pitchFamily="34" charset="0"/>
-                <a:cs typeface="Arial" panose="020B0604020202020204" pitchFamily="34" charset="0"/>
-              </a:rPr>
-              <a:t> </a:t>
-            </a:r>
-            <a:r>
-              <a:rPr lang="en-US" dirty="0" err="1" smtClean="0">
+              <a:rPr lang="en-US" dirty="0">
+                <a:latin typeface="Arial" panose="020B0604020202020204" pitchFamily="34" charset="0"/>
+                <a:cs typeface="Arial" panose="020B0604020202020204" pitchFamily="34" charset="0"/>
+              </a:rPr>
+              <a:t> </a:t>
+            </a:r>
+            <a:r>
+              <a:rPr lang="en-US" dirty="0" err="1">
                 <a:latin typeface="Arial" panose="020B0604020202020204" pitchFamily="34" charset="0"/>
                 <a:cs typeface="Arial" panose="020B0604020202020204" pitchFamily="34" charset="0"/>
               </a:rPr>
               <a:t>đến</a:t>
             </a:r>
             <a:r>
-              <a:rPr lang="en-US" dirty="0" smtClean="0">
-                <a:latin typeface="Arial" panose="020B0604020202020204" pitchFamily="34" charset="0"/>
-                <a:cs typeface="Arial" panose="020B0604020202020204" pitchFamily="34" charset="0"/>
-              </a:rPr>
-              <a:t> </a:t>
-            </a:r>
-            <a:r>
-              <a:rPr lang="en-US" dirty="0" err="1" smtClean="0">
+              <a:rPr lang="en-US" dirty="0">
+                <a:latin typeface="Arial" panose="020B0604020202020204" pitchFamily="34" charset="0"/>
+                <a:cs typeface="Arial" panose="020B0604020202020204" pitchFamily="34" charset="0"/>
+              </a:rPr>
+              <a:t> </a:t>
+            </a:r>
+            <a:r>
+              <a:rPr lang="en-US" dirty="0" err="1">
                 <a:latin typeface="Arial" panose="020B0604020202020204" pitchFamily="34" charset="0"/>
                 <a:cs typeface="Arial" panose="020B0604020202020204" pitchFamily="34" charset="0"/>
               </a:rPr>
               <a:t>lượt</a:t>
             </a:r>
             <a:r>
-              <a:rPr lang="en-US" dirty="0" smtClean="0">
-                <a:latin typeface="Arial" panose="020B0604020202020204" pitchFamily="34" charset="0"/>
-                <a:cs typeface="Arial" panose="020B0604020202020204" pitchFamily="34" charset="0"/>
-              </a:rPr>
-              <a:t> </a:t>
-            </a:r>
-            <a:r>
-              <a:rPr lang="en-US" dirty="0" err="1" smtClean="0">
+              <a:rPr lang="en-US" dirty="0">
+                <a:latin typeface="Arial" panose="020B0604020202020204" pitchFamily="34" charset="0"/>
+                <a:cs typeface="Arial" panose="020B0604020202020204" pitchFamily="34" charset="0"/>
+              </a:rPr>
+              <a:t> </a:t>
+            </a:r>
+            <a:r>
+              <a:rPr lang="en-US" dirty="0" err="1">
                 <a:latin typeface="Arial" panose="020B0604020202020204" pitchFamily="34" charset="0"/>
                 <a:cs typeface="Arial" panose="020B0604020202020204" pitchFamily="34" charset="0"/>
               </a:rPr>
               <a:t>bên</a:t>
             </a:r>
             <a:r>
-              <a:rPr lang="en-US" dirty="0" smtClean="0">
+              <a:rPr lang="en-US" dirty="0">
                 <a:latin typeface="Arial" panose="020B0604020202020204" pitchFamily="34" charset="0"/>
                 <a:cs typeface="Arial" panose="020B0604020202020204" pitchFamily="34" charset="0"/>
               </a:rPr>
               <a:t> X </a:t>
             </a:r>
             <a:r>
-              <a:rPr lang="en-US" dirty="0" err="1" smtClean="0">
+              <a:rPr lang="en-US" dirty="0" err="1">
                 <a:latin typeface="Arial" panose="020B0604020202020204" pitchFamily="34" charset="0"/>
                 <a:cs typeface="Arial" panose="020B0604020202020204" pitchFamily="34" charset="0"/>
               </a:rPr>
               <a:t>đánh</a:t>
             </a:r>
             <a:r>
-              <a:rPr lang="en-US" dirty="0" smtClean="0">
-                <a:latin typeface="Arial" panose="020B0604020202020204" pitchFamily="34" charset="0"/>
-                <a:cs typeface="Arial" panose="020B0604020202020204" pitchFamily="34" charset="0"/>
-              </a:rPr>
-              <a:t> </a:t>
-            </a:r>
-            <a:r>
-              <a:rPr lang="en-US" dirty="0" err="1" smtClean="0">
+              <a:rPr lang="en-US" dirty="0">
+                <a:latin typeface="Arial" panose="020B0604020202020204" pitchFamily="34" charset="0"/>
+                <a:cs typeface="Arial" panose="020B0604020202020204" pitchFamily="34" charset="0"/>
+              </a:rPr>
+              <a:t> </a:t>
+            </a:r>
+            <a:r>
+              <a:rPr lang="en-US" dirty="0" err="1">
                 <a:latin typeface="Arial" panose="020B0604020202020204" pitchFamily="34" charset="0"/>
                 <a:cs typeface="Arial" panose="020B0604020202020204" pitchFamily="34" charset="0"/>
               </a:rPr>
               <a:t>và</a:t>
             </a:r>
             <a:r>
-              <a:rPr lang="en-US" dirty="0" smtClean="0">
-                <a:latin typeface="Arial" panose="020B0604020202020204" pitchFamily="34" charset="0"/>
-                <a:cs typeface="Arial" panose="020B0604020202020204" pitchFamily="34" charset="0"/>
-              </a:rPr>
-              <a:t> </a:t>
-            </a:r>
-            <a:r>
-              <a:rPr lang="en-US" dirty="0" err="1" smtClean="0">
+              <a:rPr lang="en-US" dirty="0">
+                <a:latin typeface="Arial" panose="020B0604020202020204" pitchFamily="34" charset="0"/>
+                <a:cs typeface="Arial" panose="020B0604020202020204" pitchFamily="34" charset="0"/>
+              </a:rPr>
+              <a:t> </a:t>
+            </a:r>
+            <a:r>
+              <a:rPr lang="en-US" dirty="0" err="1">
                 <a:latin typeface="Arial" panose="020B0604020202020204" pitchFamily="34" charset="0"/>
                 <a:cs typeface="Arial" panose="020B0604020202020204" pitchFamily="34" charset="0"/>
               </a:rPr>
               <a:t>đỏ</a:t>
             </a:r>
             <a:r>
-              <a:rPr lang="en-US" dirty="0" smtClean="0">
-                <a:latin typeface="Arial" panose="020B0604020202020204" pitchFamily="34" charset="0"/>
-                <a:cs typeface="Arial" panose="020B0604020202020204" pitchFamily="34" charset="0"/>
-              </a:rPr>
-              <a:t> </a:t>
-            </a:r>
-            <a:r>
-              <a:rPr lang="en-US" dirty="0" err="1" smtClean="0">
+              <a:rPr lang="en-US" dirty="0">
+                <a:latin typeface="Arial" panose="020B0604020202020204" pitchFamily="34" charset="0"/>
+                <a:cs typeface="Arial" panose="020B0604020202020204" pitchFamily="34" charset="0"/>
+              </a:rPr>
+              <a:t> </a:t>
+            </a:r>
+            <a:r>
+              <a:rPr lang="en-US" dirty="0" err="1">
                 <a:latin typeface="Arial" panose="020B0604020202020204" pitchFamily="34" charset="0"/>
                 <a:cs typeface="Arial" panose="020B0604020202020204" pitchFamily="34" charset="0"/>
               </a:rPr>
               <a:t>nếu</a:t>
             </a:r>
             <a:r>
-              <a:rPr lang="en-US" dirty="0" smtClean="0">
-                <a:latin typeface="Arial" panose="020B0604020202020204" pitchFamily="34" charset="0"/>
-                <a:cs typeface="Arial" panose="020B0604020202020204" pitchFamily="34" charset="0"/>
-              </a:rPr>
-              <a:t> </a:t>
-            </a:r>
-            <a:r>
-              <a:rPr lang="en-US" dirty="0" err="1" smtClean="0">
+              <a:rPr lang="en-US" dirty="0">
+                <a:latin typeface="Arial" panose="020B0604020202020204" pitchFamily="34" charset="0"/>
+                <a:cs typeface="Arial" panose="020B0604020202020204" pitchFamily="34" charset="0"/>
+              </a:rPr>
+              <a:t> </a:t>
+            </a:r>
+            <a:r>
+              <a:rPr lang="en-US" dirty="0" err="1">
                 <a:latin typeface="Arial" panose="020B0604020202020204" pitchFamily="34" charset="0"/>
                 <a:cs typeface="Arial" panose="020B0604020202020204" pitchFamily="34" charset="0"/>
               </a:rPr>
               <a:t>lượt</a:t>
             </a:r>
             <a:r>
-              <a:rPr lang="en-US" dirty="0" smtClean="0">
+              <a:rPr lang="en-US" dirty="0">
                 <a:latin typeface="Arial" panose="020B0604020202020204" pitchFamily="34" charset="0"/>
                 <a:cs typeface="Arial" panose="020B0604020202020204" pitchFamily="34" charset="0"/>
               </a:rPr>
               <a:t> O </a:t>
             </a:r>
             <a:r>
-              <a:rPr lang="en-US" dirty="0" err="1" smtClean="0">
+              <a:rPr lang="en-US" dirty="0" err="1">
                 <a:latin typeface="Arial" panose="020B0604020202020204" pitchFamily="34" charset="0"/>
                 <a:cs typeface="Arial" panose="020B0604020202020204" pitchFamily="34" charset="0"/>
               </a:rPr>
               <a:t>đánh</a:t>
             </a:r>
             <a:r>
-              <a:rPr lang="en-US" dirty="0" smtClean="0">
+              <a:rPr lang="en-US" dirty="0">
                 <a:latin typeface="Arial" panose="020B0604020202020204" pitchFamily="34" charset="0"/>
                 <a:cs typeface="Arial" panose="020B0604020202020204" pitchFamily="34" charset="0"/>
               </a:rPr>
@@ -12773,13 +12699,6 @@
   <p:clrMapOvr>
     <a:masterClrMapping/>
   </p:clrMapOvr>
-  <p:timing>
-    <p:tnLst>
-      <p:par>
-        <p:cTn id="1" dur="indefinite" restart="never" nodeType="tmRoot"/>
-      </p:par>
-    </p:tnLst>
-  </p:timing>
 </p:sld>
 </file>
 
@@ -12816,15 +12735,15 @@
           <a:lstStyle/>
           <a:p>
             <a:r>
-              <a:rPr lang="en-US" dirty="0" err="1" smtClean="0"/>
+              <a:rPr lang="en-US" dirty="0" err="1"/>
               <a:t>Tổng</a:t>
             </a:r>
             <a:r>
-              <a:rPr lang="en-US" dirty="0" smtClean="0"/>
-              <a:t> </a:t>
-            </a:r>
-            <a:r>
-              <a:rPr lang="en-US" dirty="0" err="1" smtClean="0"/>
+              <a:rPr lang="en-US" dirty="0"/>
+              <a:t> </a:t>
+            </a:r>
+            <a:r>
+              <a:rPr lang="en-US" dirty="0" err="1"/>
               <a:t>quan</a:t>
             </a:r>
             <a:endParaRPr lang="en-US" dirty="0"/>
@@ -12902,168 +12821,168 @@
           <a:lstStyle/>
           <a:p>
             <a:r>
-              <a:rPr lang="en-US" dirty="0" err="1" smtClean="0">
+              <a:rPr lang="en-US" dirty="0" err="1">
                 <a:latin typeface="Arial" panose="020B0604020202020204" pitchFamily="34" charset="0"/>
                 <a:cs typeface="Arial" panose="020B0604020202020204" pitchFamily="34" charset="0"/>
               </a:rPr>
               <a:t>Sử</a:t>
             </a:r>
             <a:r>
-              <a:rPr lang="en-US" dirty="0" smtClean="0">
-                <a:latin typeface="Arial" panose="020B0604020202020204" pitchFamily="34" charset="0"/>
-                <a:cs typeface="Arial" panose="020B0604020202020204" pitchFamily="34" charset="0"/>
-              </a:rPr>
-              <a:t> </a:t>
-            </a:r>
-            <a:r>
-              <a:rPr lang="en-US" dirty="0" err="1" smtClean="0">
+              <a:rPr lang="en-US" dirty="0">
+                <a:latin typeface="Arial" panose="020B0604020202020204" pitchFamily="34" charset="0"/>
+                <a:cs typeface="Arial" panose="020B0604020202020204" pitchFamily="34" charset="0"/>
+              </a:rPr>
+              <a:t> </a:t>
+            </a:r>
+            <a:r>
+              <a:rPr lang="en-US" dirty="0" err="1">
                 <a:latin typeface="Arial" panose="020B0604020202020204" pitchFamily="34" charset="0"/>
                 <a:cs typeface="Arial" panose="020B0604020202020204" pitchFamily="34" charset="0"/>
               </a:rPr>
               <a:t>dụng</a:t>
             </a:r>
             <a:r>
-              <a:rPr lang="en-US" dirty="0" smtClean="0">
-                <a:latin typeface="Arial" panose="020B0604020202020204" pitchFamily="34" charset="0"/>
-                <a:cs typeface="Arial" panose="020B0604020202020204" pitchFamily="34" charset="0"/>
-              </a:rPr>
-              <a:t> </a:t>
-            </a:r>
-            <a:r>
-              <a:rPr lang="en-US" dirty="0" err="1" smtClean="0">
+              <a:rPr lang="en-US" dirty="0">
+                <a:latin typeface="Arial" panose="020B0604020202020204" pitchFamily="34" charset="0"/>
+                <a:cs typeface="Arial" panose="020B0604020202020204" pitchFamily="34" charset="0"/>
+              </a:rPr>
+              <a:t> </a:t>
+            </a:r>
+            <a:r>
+              <a:rPr lang="en-US" dirty="0" err="1">
                 <a:latin typeface="Arial" panose="020B0604020202020204" pitchFamily="34" charset="0"/>
                 <a:cs typeface="Arial" panose="020B0604020202020204" pitchFamily="34" charset="0"/>
               </a:rPr>
               <a:t>widget.grid_info</a:t>
             </a:r>
             <a:r>
-              <a:rPr lang="en-US" dirty="0" smtClean="0">
+              <a:rPr lang="en-US" dirty="0">
                 <a:latin typeface="Arial" panose="020B0604020202020204" pitchFamily="34" charset="0"/>
                 <a:cs typeface="Arial" panose="020B0604020202020204" pitchFamily="34" charset="0"/>
               </a:rPr>
               <a:t>() </a:t>
             </a:r>
             <a:r>
-              <a:rPr lang="en-US" dirty="0" err="1" smtClean="0">
+              <a:rPr lang="en-US" dirty="0" err="1">
                 <a:latin typeface="Arial" panose="020B0604020202020204" pitchFamily="34" charset="0"/>
                 <a:cs typeface="Arial" panose="020B0604020202020204" pitchFamily="34" charset="0"/>
               </a:rPr>
               <a:t>để</a:t>
             </a:r>
             <a:r>
-              <a:rPr lang="en-US" dirty="0" smtClean="0">
-                <a:latin typeface="Arial" panose="020B0604020202020204" pitchFamily="34" charset="0"/>
-                <a:cs typeface="Arial" panose="020B0604020202020204" pitchFamily="34" charset="0"/>
-              </a:rPr>
-              <a:t> </a:t>
-            </a:r>
-            <a:r>
-              <a:rPr lang="en-US" dirty="0" err="1" smtClean="0">
+              <a:rPr lang="en-US" dirty="0">
+                <a:latin typeface="Arial" panose="020B0604020202020204" pitchFamily="34" charset="0"/>
+                <a:cs typeface="Arial" panose="020B0604020202020204" pitchFamily="34" charset="0"/>
+              </a:rPr>
+              <a:t> </a:t>
+            </a:r>
+            <a:r>
+              <a:rPr lang="en-US" dirty="0" err="1">
                 <a:latin typeface="Arial" panose="020B0604020202020204" pitchFamily="34" charset="0"/>
                 <a:cs typeface="Arial" panose="020B0604020202020204" pitchFamily="34" charset="0"/>
               </a:rPr>
               <a:t>xác</a:t>
             </a:r>
             <a:r>
-              <a:rPr lang="en-US" dirty="0" smtClean="0">
-                <a:latin typeface="Arial" panose="020B0604020202020204" pitchFamily="34" charset="0"/>
-                <a:cs typeface="Arial" panose="020B0604020202020204" pitchFamily="34" charset="0"/>
-              </a:rPr>
-              <a:t> </a:t>
-            </a:r>
-            <a:r>
-              <a:rPr lang="en-US" dirty="0" err="1" smtClean="0">
+              <a:rPr lang="en-US" dirty="0">
+                <a:latin typeface="Arial" panose="020B0604020202020204" pitchFamily="34" charset="0"/>
+                <a:cs typeface="Arial" panose="020B0604020202020204" pitchFamily="34" charset="0"/>
+              </a:rPr>
+              <a:t> </a:t>
+            </a:r>
+            <a:r>
+              <a:rPr lang="en-US" dirty="0" err="1">
                 <a:latin typeface="Arial" panose="020B0604020202020204" pitchFamily="34" charset="0"/>
                 <a:cs typeface="Arial" panose="020B0604020202020204" pitchFamily="34" charset="0"/>
               </a:rPr>
               <a:t>định</a:t>
             </a:r>
             <a:r>
-              <a:rPr lang="en-US" dirty="0" smtClean="0">
-                <a:latin typeface="Arial" panose="020B0604020202020204" pitchFamily="34" charset="0"/>
-                <a:cs typeface="Arial" panose="020B0604020202020204" pitchFamily="34" charset="0"/>
-              </a:rPr>
-              <a:t> </a:t>
-            </a:r>
-            <a:r>
-              <a:rPr lang="en-US" dirty="0" err="1" smtClean="0">
+              <a:rPr lang="en-US" dirty="0">
+                <a:latin typeface="Arial" panose="020B0604020202020204" pitchFamily="34" charset="0"/>
+                <a:cs typeface="Arial" panose="020B0604020202020204" pitchFamily="34" charset="0"/>
+              </a:rPr>
+              <a:t> </a:t>
+            </a:r>
+            <a:r>
+              <a:rPr lang="en-US" dirty="0" err="1">
                 <a:latin typeface="Arial" panose="020B0604020202020204" pitchFamily="34" charset="0"/>
                 <a:cs typeface="Arial" panose="020B0604020202020204" pitchFamily="34" charset="0"/>
               </a:rPr>
               <a:t>được</a:t>
             </a:r>
             <a:r>
-              <a:rPr lang="en-US" dirty="0" smtClean="0">
-                <a:latin typeface="Arial" panose="020B0604020202020204" pitchFamily="34" charset="0"/>
-                <a:cs typeface="Arial" panose="020B0604020202020204" pitchFamily="34" charset="0"/>
-              </a:rPr>
-              <a:t> </a:t>
-            </a:r>
-            <a:r>
-              <a:rPr lang="en-US" dirty="0" err="1" smtClean="0">
+              <a:rPr lang="en-US" dirty="0">
+                <a:latin typeface="Arial" panose="020B0604020202020204" pitchFamily="34" charset="0"/>
+                <a:cs typeface="Arial" panose="020B0604020202020204" pitchFamily="34" charset="0"/>
+              </a:rPr>
+              <a:t> </a:t>
+            </a:r>
+            <a:r>
+              <a:rPr lang="en-US" dirty="0" err="1">
                 <a:latin typeface="Arial" panose="020B0604020202020204" pitchFamily="34" charset="0"/>
                 <a:cs typeface="Arial" panose="020B0604020202020204" pitchFamily="34" charset="0"/>
               </a:rPr>
               <a:t>vị</a:t>
             </a:r>
             <a:r>
-              <a:rPr lang="en-US" dirty="0" smtClean="0">
-                <a:latin typeface="Arial" panose="020B0604020202020204" pitchFamily="34" charset="0"/>
-                <a:cs typeface="Arial" panose="020B0604020202020204" pitchFamily="34" charset="0"/>
-              </a:rPr>
-              <a:t> </a:t>
-            </a:r>
-            <a:r>
-              <a:rPr lang="en-US" dirty="0" err="1" smtClean="0">
+              <a:rPr lang="en-US" dirty="0">
+                <a:latin typeface="Arial" panose="020B0604020202020204" pitchFamily="34" charset="0"/>
+                <a:cs typeface="Arial" panose="020B0604020202020204" pitchFamily="34" charset="0"/>
+              </a:rPr>
+              <a:t> </a:t>
+            </a:r>
+            <a:r>
+              <a:rPr lang="en-US" dirty="0" err="1">
                 <a:latin typeface="Arial" panose="020B0604020202020204" pitchFamily="34" charset="0"/>
                 <a:cs typeface="Arial" panose="020B0604020202020204" pitchFamily="34" charset="0"/>
               </a:rPr>
               <a:t>trí</a:t>
             </a:r>
             <a:r>
-              <a:rPr lang="en-US" dirty="0" smtClean="0">
+              <a:rPr lang="en-US" dirty="0">
                 <a:latin typeface="Arial" panose="020B0604020202020204" pitchFamily="34" charset="0"/>
                 <a:cs typeface="Arial" panose="020B0604020202020204" pitchFamily="34" charset="0"/>
               </a:rPr>
               <a:t> button </a:t>
             </a:r>
             <a:r>
-              <a:rPr lang="en-US" dirty="0" err="1" smtClean="0">
+              <a:rPr lang="en-US" dirty="0" err="1">
                 <a:latin typeface="Arial" panose="020B0604020202020204" pitchFamily="34" charset="0"/>
                 <a:cs typeface="Arial" panose="020B0604020202020204" pitchFamily="34" charset="0"/>
               </a:rPr>
               <a:t>vừa</a:t>
             </a:r>
             <a:r>
-              <a:rPr lang="en-US" dirty="0" smtClean="0">
-                <a:latin typeface="Arial" panose="020B0604020202020204" pitchFamily="34" charset="0"/>
-                <a:cs typeface="Arial" panose="020B0604020202020204" pitchFamily="34" charset="0"/>
-              </a:rPr>
-              <a:t> </a:t>
-            </a:r>
-            <a:r>
-              <a:rPr lang="en-US" dirty="0" err="1" smtClean="0">
+              <a:rPr lang="en-US" dirty="0">
+                <a:latin typeface="Arial" panose="020B0604020202020204" pitchFamily="34" charset="0"/>
+                <a:cs typeface="Arial" panose="020B0604020202020204" pitchFamily="34" charset="0"/>
+              </a:rPr>
+              <a:t> </a:t>
+            </a:r>
+            <a:r>
+              <a:rPr lang="en-US" dirty="0" err="1">
                 <a:latin typeface="Arial" panose="020B0604020202020204" pitchFamily="34" charset="0"/>
                 <a:cs typeface="Arial" panose="020B0604020202020204" pitchFamily="34" charset="0"/>
               </a:rPr>
               <a:t>nhấp</a:t>
             </a:r>
             <a:r>
-              <a:rPr lang="en-US" dirty="0" smtClean="0">
-                <a:latin typeface="Arial" panose="020B0604020202020204" pitchFamily="34" charset="0"/>
-                <a:cs typeface="Arial" panose="020B0604020202020204" pitchFamily="34" charset="0"/>
-              </a:rPr>
-              <a:t> </a:t>
-            </a:r>
-            <a:r>
-              <a:rPr lang="en-US" dirty="0" err="1" smtClean="0">
+              <a:rPr lang="en-US" dirty="0">
+                <a:latin typeface="Arial" panose="020B0604020202020204" pitchFamily="34" charset="0"/>
+                <a:cs typeface="Arial" panose="020B0604020202020204" pitchFamily="34" charset="0"/>
+              </a:rPr>
+              <a:t> </a:t>
+            </a:r>
+            <a:r>
+              <a:rPr lang="en-US" dirty="0" err="1">
                 <a:latin typeface="Arial" panose="020B0604020202020204" pitchFamily="34" charset="0"/>
                 <a:cs typeface="Arial" panose="020B0604020202020204" pitchFamily="34" charset="0"/>
               </a:rPr>
               <a:t>vào</a:t>
             </a:r>
             <a:r>
-              <a:rPr lang="en-US" dirty="0" smtClean="0">
+              <a:rPr lang="en-US" dirty="0">
                 <a:latin typeface="Arial" panose="020B0604020202020204" pitchFamily="34" charset="0"/>
                 <a:cs typeface="Arial" panose="020B0604020202020204" pitchFamily="34" charset="0"/>
               </a:rPr>
@@ -13101,7 +13020,7 @@
           <a:lstStyle/>
           <a:p>
             <a:r>
-              <a:rPr lang="en-US" dirty="0" err="1" smtClean="0">
+              <a:rPr lang="en-US" dirty="0" err="1">
                 <a:latin typeface="Arial" panose="020B0604020202020204" pitchFamily="34" charset="0"/>
                 <a:cs typeface="Arial" panose="020B0604020202020204" pitchFamily="34" charset="0"/>
               </a:rPr>
@@ -13253,13 +13172,6 @@
   <p:clrMapOvr>
     <a:masterClrMapping/>
   </p:clrMapOvr>
-  <p:timing>
-    <p:tnLst>
-      <p:par>
-        <p:cTn id="1" dur="indefinite" restart="never" nodeType="tmRoot"/>
-      </p:par>
-    </p:tnLst>
-  </p:timing>
 </p:sld>
 </file>
 
@@ -13296,15 +13208,15 @@
           <a:lstStyle/>
           <a:p>
             <a:r>
-              <a:rPr lang="en-US" dirty="0" err="1" smtClean="0"/>
+              <a:rPr lang="en-US" dirty="0" err="1"/>
               <a:t>Tổng</a:t>
             </a:r>
             <a:r>
-              <a:rPr lang="en-US" dirty="0" smtClean="0"/>
-              <a:t> </a:t>
-            </a:r>
-            <a:r>
-              <a:rPr lang="en-US" dirty="0" err="1" smtClean="0"/>
+              <a:rPr lang="en-US" dirty="0"/>
+              <a:t> </a:t>
+            </a:r>
+            <a:r>
+              <a:rPr lang="en-US" dirty="0" err="1"/>
               <a:t>quan</a:t>
             </a:r>
             <a:endParaRPr lang="en-US" dirty="0"/>
@@ -13358,140 +13270,140 @@
           <a:lstStyle/>
           <a:p>
             <a:r>
-              <a:rPr lang="en-US" dirty="0" err="1" smtClean="0">
+              <a:rPr lang="en-US" dirty="0" err="1">
                 <a:latin typeface="Arial" panose="020B0604020202020204" pitchFamily="34" charset="0"/>
                 <a:cs typeface="Arial" panose="020B0604020202020204" pitchFamily="34" charset="0"/>
               </a:rPr>
               <a:t>Sử</a:t>
             </a:r>
             <a:r>
-              <a:rPr lang="en-US" dirty="0" smtClean="0">
-                <a:latin typeface="Arial" panose="020B0604020202020204" pitchFamily="34" charset="0"/>
-                <a:cs typeface="Arial" panose="020B0604020202020204" pitchFamily="34" charset="0"/>
-              </a:rPr>
-              <a:t> </a:t>
-            </a:r>
-            <a:r>
-              <a:rPr lang="en-US" dirty="0" err="1" smtClean="0">
+              <a:rPr lang="en-US" dirty="0">
+                <a:latin typeface="Arial" panose="020B0604020202020204" pitchFamily="34" charset="0"/>
+                <a:cs typeface="Arial" panose="020B0604020202020204" pitchFamily="34" charset="0"/>
+              </a:rPr>
+              <a:t> </a:t>
+            </a:r>
+            <a:r>
+              <a:rPr lang="en-US" dirty="0" err="1">
                 <a:latin typeface="Arial" panose="020B0604020202020204" pitchFamily="34" charset="0"/>
                 <a:cs typeface="Arial" panose="020B0604020202020204" pitchFamily="34" charset="0"/>
               </a:rPr>
               <a:t>dụng</a:t>
             </a:r>
             <a:r>
-              <a:rPr lang="en-US" dirty="0" smtClean="0">
+              <a:rPr lang="en-US" dirty="0">
                 <a:latin typeface="Arial" panose="020B0604020202020204" pitchFamily="34" charset="0"/>
                 <a:cs typeface="Arial" panose="020B0604020202020204" pitchFamily="34" charset="0"/>
               </a:rPr>
               <a:t> thread (</a:t>
             </a:r>
             <a:r>
-              <a:rPr lang="en-US" dirty="0" err="1" smtClean="0">
+              <a:rPr lang="en-US" dirty="0" err="1">
                 <a:latin typeface="Arial" panose="020B0604020202020204" pitchFamily="34" charset="0"/>
                 <a:cs typeface="Arial" panose="020B0604020202020204" pitchFamily="34" charset="0"/>
               </a:rPr>
               <a:t>luồng</a:t>
             </a:r>
             <a:r>
-              <a:rPr lang="en-US" dirty="0" smtClean="0">
+              <a:rPr lang="en-US" dirty="0">
                 <a:latin typeface="Arial" panose="020B0604020202020204" pitchFamily="34" charset="0"/>
                 <a:cs typeface="Arial" panose="020B0604020202020204" pitchFamily="34" charset="0"/>
               </a:rPr>
               <a:t>) </a:t>
             </a:r>
             <a:r>
-              <a:rPr lang="en-US" dirty="0" err="1" smtClean="0">
+              <a:rPr lang="en-US" dirty="0" err="1">
                 <a:latin typeface="Arial" panose="020B0604020202020204" pitchFamily="34" charset="0"/>
                 <a:cs typeface="Arial" panose="020B0604020202020204" pitchFamily="34" charset="0"/>
               </a:rPr>
               <a:t>để</a:t>
             </a:r>
             <a:r>
-              <a:rPr lang="en-US" dirty="0" smtClean="0">
-                <a:latin typeface="Arial" panose="020B0604020202020204" pitchFamily="34" charset="0"/>
-                <a:cs typeface="Arial" panose="020B0604020202020204" pitchFamily="34" charset="0"/>
-              </a:rPr>
-              <a:t> </a:t>
-            </a:r>
-            <a:r>
-              <a:rPr lang="en-US" dirty="0" err="1" smtClean="0">
+              <a:rPr lang="en-US" dirty="0">
+                <a:latin typeface="Arial" panose="020B0604020202020204" pitchFamily="34" charset="0"/>
+                <a:cs typeface="Arial" panose="020B0604020202020204" pitchFamily="34" charset="0"/>
+              </a:rPr>
+              <a:t> </a:t>
+            </a:r>
+            <a:r>
+              <a:rPr lang="en-US" dirty="0" err="1">
                 <a:latin typeface="Arial" panose="020B0604020202020204" pitchFamily="34" charset="0"/>
                 <a:cs typeface="Arial" panose="020B0604020202020204" pitchFamily="34" charset="0"/>
               </a:rPr>
               <a:t>tạo</a:t>
             </a:r>
             <a:r>
-              <a:rPr lang="en-US" dirty="0" smtClean="0">
-                <a:latin typeface="Arial" panose="020B0604020202020204" pitchFamily="34" charset="0"/>
-                <a:cs typeface="Arial" panose="020B0604020202020204" pitchFamily="34" charset="0"/>
-              </a:rPr>
-              <a:t> </a:t>
-            </a:r>
-            <a:r>
-              <a:rPr lang="en-US" dirty="0" err="1" smtClean="0">
+              <a:rPr lang="en-US" dirty="0">
+                <a:latin typeface="Arial" panose="020B0604020202020204" pitchFamily="34" charset="0"/>
+                <a:cs typeface="Arial" panose="020B0604020202020204" pitchFamily="34" charset="0"/>
+              </a:rPr>
+              <a:t> </a:t>
+            </a:r>
+            <a:r>
+              <a:rPr lang="en-US" dirty="0" err="1">
                 <a:latin typeface="Arial" panose="020B0604020202020204" pitchFamily="34" charset="0"/>
                 <a:cs typeface="Arial" panose="020B0604020202020204" pitchFamily="34" charset="0"/>
               </a:rPr>
               <a:t>bộ</a:t>
             </a:r>
             <a:r>
-              <a:rPr lang="en-US" dirty="0" smtClean="0">
-                <a:latin typeface="Arial" panose="020B0604020202020204" pitchFamily="34" charset="0"/>
-                <a:cs typeface="Arial" panose="020B0604020202020204" pitchFamily="34" charset="0"/>
-              </a:rPr>
-              <a:t> </a:t>
-            </a:r>
-            <a:r>
-              <a:rPr lang="en-US" dirty="0" err="1" smtClean="0">
+              <a:rPr lang="en-US" dirty="0">
+                <a:latin typeface="Arial" panose="020B0604020202020204" pitchFamily="34" charset="0"/>
+                <a:cs typeface="Arial" panose="020B0604020202020204" pitchFamily="34" charset="0"/>
+              </a:rPr>
+              <a:t> </a:t>
+            </a:r>
+            <a:r>
+              <a:rPr lang="en-US" dirty="0" err="1">
                 <a:latin typeface="Arial" panose="020B0604020202020204" pitchFamily="34" charset="0"/>
                 <a:cs typeface="Arial" panose="020B0604020202020204" pitchFamily="34" charset="0"/>
               </a:rPr>
               <a:t>đếm</a:t>
             </a:r>
             <a:r>
-              <a:rPr lang="en-US" dirty="0" smtClean="0">
-                <a:latin typeface="Arial" panose="020B0604020202020204" pitchFamily="34" charset="0"/>
-                <a:cs typeface="Arial" panose="020B0604020202020204" pitchFamily="34" charset="0"/>
-              </a:rPr>
-              <a:t> </a:t>
-            </a:r>
-            <a:r>
-              <a:rPr lang="en-US" dirty="0" err="1" smtClean="0">
+              <a:rPr lang="en-US" dirty="0">
+                <a:latin typeface="Arial" panose="020B0604020202020204" pitchFamily="34" charset="0"/>
+                <a:cs typeface="Arial" panose="020B0604020202020204" pitchFamily="34" charset="0"/>
+              </a:rPr>
+              <a:t> </a:t>
+            </a:r>
+            <a:r>
+              <a:rPr lang="en-US" dirty="0" err="1">
                 <a:latin typeface="Arial" panose="020B0604020202020204" pitchFamily="34" charset="0"/>
                 <a:cs typeface="Arial" panose="020B0604020202020204" pitchFamily="34" charset="0"/>
               </a:rPr>
               <a:t>ngược</a:t>
             </a:r>
             <a:r>
-              <a:rPr lang="en-US" dirty="0" smtClean="0">
-                <a:latin typeface="Arial" panose="020B0604020202020204" pitchFamily="34" charset="0"/>
-                <a:cs typeface="Arial" panose="020B0604020202020204" pitchFamily="34" charset="0"/>
-              </a:rPr>
-              <a:t> </a:t>
-            </a:r>
-            <a:r>
-              <a:rPr lang="en-US" dirty="0" err="1" smtClean="0">
+              <a:rPr lang="en-US" dirty="0">
+                <a:latin typeface="Arial" panose="020B0604020202020204" pitchFamily="34" charset="0"/>
+                <a:cs typeface="Arial" panose="020B0604020202020204" pitchFamily="34" charset="0"/>
+              </a:rPr>
+              <a:t> </a:t>
+            </a:r>
+            <a:r>
+              <a:rPr lang="en-US" dirty="0" err="1">
                 <a:latin typeface="Arial" panose="020B0604020202020204" pitchFamily="34" charset="0"/>
                 <a:cs typeface="Arial" panose="020B0604020202020204" pitchFamily="34" charset="0"/>
               </a:rPr>
               <a:t>thời</a:t>
             </a:r>
             <a:r>
-              <a:rPr lang="en-US" dirty="0" smtClean="0">
-                <a:latin typeface="Arial" panose="020B0604020202020204" pitchFamily="34" charset="0"/>
-                <a:cs typeface="Arial" panose="020B0604020202020204" pitchFamily="34" charset="0"/>
-              </a:rPr>
-              <a:t> </a:t>
-            </a:r>
-            <a:r>
-              <a:rPr lang="en-US" dirty="0" err="1" smtClean="0">
+              <a:rPr lang="en-US" dirty="0">
+                <a:latin typeface="Arial" panose="020B0604020202020204" pitchFamily="34" charset="0"/>
+                <a:cs typeface="Arial" panose="020B0604020202020204" pitchFamily="34" charset="0"/>
+              </a:rPr>
+              <a:t> </a:t>
+            </a:r>
+            <a:r>
+              <a:rPr lang="en-US" dirty="0" err="1">
                 <a:latin typeface="Arial" panose="020B0604020202020204" pitchFamily="34" charset="0"/>
                 <a:cs typeface="Arial" panose="020B0604020202020204" pitchFamily="34" charset="0"/>
               </a:rPr>
               <a:t>gian</a:t>
             </a:r>
             <a:r>
-              <a:rPr lang="en-US" dirty="0" smtClean="0">
+              <a:rPr lang="en-US" dirty="0">
                 <a:latin typeface="Arial" panose="020B0604020202020204" pitchFamily="34" charset="0"/>
                 <a:cs typeface="Arial" panose="020B0604020202020204" pitchFamily="34" charset="0"/>
               </a:rPr>
@@ -13506,98 +13418,98 @@
           </a:p>
           <a:p>
             <a:r>
-              <a:rPr lang="en-US" dirty="0" err="1" smtClean="0">
+              <a:rPr lang="en-US" dirty="0" err="1">
                 <a:latin typeface="Arial" panose="020B0604020202020204" pitchFamily="34" charset="0"/>
                 <a:cs typeface="Arial" panose="020B0604020202020204" pitchFamily="34" charset="0"/>
               </a:rPr>
               <a:t>Khi</a:t>
             </a:r>
             <a:r>
-              <a:rPr lang="en-US" dirty="0" smtClean="0">
-                <a:latin typeface="Arial" panose="020B0604020202020204" pitchFamily="34" charset="0"/>
-                <a:cs typeface="Arial" panose="020B0604020202020204" pitchFamily="34" charset="0"/>
-              </a:rPr>
-              <a:t> </a:t>
-            </a:r>
-            <a:r>
-              <a:rPr lang="en-US" dirty="0" err="1" smtClean="0">
+              <a:rPr lang="en-US" dirty="0">
+                <a:latin typeface="Arial" panose="020B0604020202020204" pitchFamily="34" charset="0"/>
+                <a:cs typeface="Arial" panose="020B0604020202020204" pitchFamily="34" charset="0"/>
+              </a:rPr>
+              <a:t> </a:t>
+            </a:r>
+            <a:r>
+              <a:rPr lang="en-US" dirty="0" err="1">
                 <a:latin typeface="Arial" panose="020B0604020202020204" pitchFamily="34" charset="0"/>
                 <a:cs typeface="Arial" panose="020B0604020202020204" pitchFamily="34" charset="0"/>
               </a:rPr>
               <a:t>đếm</a:t>
             </a:r>
             <a:r>
-              <a:rPr lang="en-US" dirty="0" smtClean="0">
-                <a:latin typeface="Arial" panose="020B0604020202020204" pitchFamily="34" charset="0"/>
-                <a:cs typeface="Arial" panose="020B0604020202020204" pitchFamily="34" charset="0"/>
-              </a:rPr>
-              <a:t> </a:t>
-            </a:r>
-            <a:r>
-              <a:rPr lang="en-US" dirty="0" err="1" smtClean="0">
+              <a:rPr lang="en-US" dirty="0">
+                <a:latin typeface="Arial" panose="020B0604020202020204" pitchFamily="34" charset="0"/>
+                <a:cs typeface="Arial" panose="020B0604020202020204" pitchFamily="34" charset="0"/>
+              </a:rPr>
+              <a:t> </a:t>
+            </a:r>
+            <a:r>
+              <a:rPr lang="en-US" dirty="0" err="1">
                 <a:latin typeface="Arial" panose="020B0604020202020204" pitchFamily="34" charset="0"/>
                 <a:cs typeface="Arial" panose="020B0604020202020204" pitchFamily="34" charset="0"/>
               </a:rPr>
               <a:t>ngược</a:t>
             </a:r>
             <a:r>
-              <a:rPr lang="en-US" dirty="0" smtClean="0">
-                <a:latin typeface="Arial" panose="020B0604020202020204" pitchFamily="34" charset="0"/>
-                <a:cs typeface="Arial" panose="020B0604020202020204" pitchFamily="34" charset="0"/>
-              </a:rPr>
-              <a:t> </a:t>
-            </a:r>
-            <a:r>
-              <a:rPr lang="en-US" dirty="0" err="1" smtClean="0">
+              <a:rPr lang="en-US" dirty="0">
+                <a:latin typeface="Arial" panose="020B0604020202020204" pitchFamily="34" charset="0"/>
+                <a:cs typeface="Arial" panose="020B0604020202020204" pitchFamily="34" charset="0"/>
+              </a:rPr>
+              <a:t> </a:t>
+            </a:r>
+            <a:r>
+              <a:rPr lang="en-US" dirty="0" err="1">
                 <a:latin typeface="Arial" panose="020B0604020202020204" pitchFamily="34" charset="0"/>
                 <a:cs typeface="Arial" panose="020B0604020202020204" pitchFamily="34" charset="0"/>
               </a:rPr>
               <a:t>về</a:t>
             </a:r>
             <a:r>
-              <a:rPr lang="en-US" dirty="0" smtClean="0">
+              <a:rPr lang="en-US" dirty="0">
                 <a:latin typeface="Arial" panose="020B0604020202020204" pitchFamily="34" charset="0"/>
                 <a:cs typeface="Arial" panose="020B0604020202020204" pitchFamily="34" charset="0"/>
               </a:rPr>
               <a:t> 0 </a:t>
             </a:r>
             <a:r>
-              <a:rPr lang="en-US" dirty="0" err="1" smtClean="0">
+              <a:rPr lang="en-US" dirty="0" err="1">
                 <a:latin typeface="Arial" panose="020B0604020202020204" pitchFamily="34" charset="0"/>
                 <a:cs typeface="Arial" panose="020B0604020202020204" pitchFamily="34" charset="0"/>
               </a:rPr>
               <a:t>sẽ</a:t>
             </a:r>
             <a:r>
-              <a:rPr lang="en-US" dirty="0" smtClean="0">
-                <a:latin typeface="Arial" panose="020B0604020202020204" pitchFamily="34" charset="0"/>
-                <a:cs typeface="Arial" panose="020B0604020202020204" pitchFamily="34" charset="0"/>
-              </a:rPr>
-              <a:t> </a:t>
-            </a:r>
-            <a:r>
-              <a:rPr lang="en-US" dirty="0" err="1" smtClean="0">
+              <a:rPr lang="en-US" dirty="0">
+                <a:latin typeface="Arial" panose="020B0604020202020204" pitchFamily="34" charset="0"/>
+                <a:cs typeface="Arial" panose="020B0604020202020204" pitchFamily="34" charset="0"/>
+              </a:rPr>
+              <a:t> </a:t>
+            </a:r>
+            <a:r>
+              <a:rPr lang="en-US" dirty="0" err="1">
                 <a:latin typeface="Arial" panose="020B0604020202020204" pitchFamily="34" charset="0"/>
                 <a:cs typeface="Arial" panose="020B0604020202020204" pitchFamily="34" charset="0"/>
               </a:rPr>
               <a:t>đổi</a:t>
             </a:r>
             <a:r>
-              <a:rPr lang="en-US" dirty="0" smtClean="0">
-                <a:latin typeface="Arial" panose="020B0604020202020204" pitchFamily="34" charset="0"/>
-                <a:cs typeface="Arial" panose="020B0604020202020204" pitchFamily="34" charset="0"/>
-              </a:rPr>
-              <a:t> </a:t>
-            </a:r>
-            <a:r>
-              <a:rPr lang="en-US" dirty="0" err="1" smtClean="0">
+              <a:rPr lang="en-US" dirty="0">
+                <a:latin typeface="Arial" panose="020B0604020202020204" pitchFamily="34" charset="0"/>
+                <a:cs typeface="Arial" panose="020B0604020202020204" pitchFamily="34" charset="0"/>
+              </a:rPr>
+              <a:t> </a:t>
+            </a:r>
+            <a:r>
+              <a:rPr lang="en-US" dirty="0" err="1">
                 <a:latin typeface="Arial" panose="020B0604020202020204" pitchFamily="34" charset="0"/>
                 <a:cs typeface="Arial" panose="020B0604020202020204" pitchFamily="34" charset="0"/>
               </a:rPr>
               <a:t>lượt</a:t>
             </a:r>
             <a:r>
-              <a:rPr lang="en-US" dirty="0" smtClean="0">
+              <a:rPr lang="en-US" dirty="0">
                 <a:latin typeface="Arial" panose="020B0604020202020204" pitchFamily="34" charset="0"/>
                 <a:cs typeface="Arial" panose="020B0604020202020204" pitchFamily="34" charset="0"/>
               </a:rPr>
@@ -13612,182 +13524,182 @@
           </a:p>
           <a:p>
             <a:r>
-              <a:rPr lang="en-US" dirty="0" err="1" smtClean="0">
+              <a:rPr lang="en-US" dirty="0" err="1">
                 <a:latin typeface="Arial" panose="020B0604020202020204" pitchFamily="34" charset="0"/>
                 <a:cs typeface="Arial" panose="020B0604020202020204" pitchFamily="34" charset="0"/>
               </a:rPr>
               <a:t>Sử</a:t>
             </a:r>
             <a:r>
-              <a:rPr lang="en-US" dirty="0" smtClean="0">
-                <a:latin typeface="Arial" panose="020B0604020202020204" pitchFamily="34" charset="0"/>
-                <a:cs typeface="Arial" panose="020B0604020202020204" pitchFamily="34" charset="0"/>
-              </a:rPr>
-              <a:t> </a:t>
-            </a:r>
-            <a:r>
-              <a:rPr lang="en-US" dirty="0" err="1" smtClean="0">
+              <a:rPr lang="en-US" dirty="0">
+                <a:latin typeface="Arial" panose="020B0604020202020204" pitchFamily="34" charset="0"/>
+                <a:cs typeface="Arial" panose="020B0604020202020204" pitchFamily="34" charset="0"/>
+              </a:rPr>
+              <a:t> </a:t>
+            </a:r>
+            <a:r>
+              <a:rPr lang="en-US" dirty="0" err="1">
                 <a:latin typeface="Arial" panose="020B0604020202020204" pitchFamily="34" charset="0"/>
                 <a:cs typeface="Arial" panose="020B0604020202020204" pitchFamily="34" charset="0"/>
               </a:rPr>
               <a:t>dụng</a:t>
             </a:r>
             <a:r>
-              <a:rPr lang="en-US" dirty="0" smtClean="0">
+              <a:rPr lang="en-US" dirty="0">
                 <a:latin typeface="Arial" panose="020B0604020202020204" pitchFamily="34" charset="0"/>
                 <a:cs typeface="Arial" panose="020B0604020202020204" pitchFamily="34" charset="0"/>
               </a:rPr>
               <a:t> while True </a:t>
             </a:r>
             <a:r>
-              <a:rPr lang="en-US" dirty="0" err="1" smtClean="0">
+              <a:rPr lang="en-US" dirty="0" err="1">
                 <a:latin typeface="Arial" panose="020B0604020202020204" pitchFamily="34" charset="0"/>
                 <a:cs typeface="Arial" panose="020B0604020202020204" pitchFamily="34" charset="0"/>
               </a:rPr>
               <a:t>để</a:t>
             </a:r>
             <a:r>
-              <a:rPr lang="en-US" dirty="0" smtClean="0">
-                <a:latin typeface="Arial" panose="020B0604020202020204" pitchFamily="34" charset="0"/>
-                <a:cs typeface="Arial" panose="020B0604020202020204" pitchFamily="34" charset="0"/>
-              </a:rPr>
-              <a:t> </a:t>
-            </a:r>
-            <a:r>
-              <a:rPr lang="en-US" dirty="0" err="1" smtClean="0">
+              <a:rPr lang="en-US" dirty="0">
+                <a:latin typeface="Arial" panose="020B0604020202020204" pitchFamily="34" charset="0"/>
+                <a:cs typeface="Arial" panose="020B0604020202020204" pitchFamily="34" charset="0"/>
+              </a:rPr>
+              <a:t> </a:t>
+            </a:r>
+            <a:r>
+              <a:rPr lang="en-US" dirty="0" err="1">
                 <a:latin typeface="Arial" panose="020B0604020202020204" pitchFamily="34" charset="0"/>
                 <a:cs typeface="Arial" panose="020B0604020202020204" pitchFamily="34" charset="0"/>
               </a:rPr>
               <a:t>bộ</a:t>
             </a:r>
             <a:r>
-              <a:rPr lang="en-US" dirty="0" smtClean="0">
-                <a:latin typeface="Arial" panose="020B0604020202020204" pitchFamily="34" charset="0"/>
-                <a:cs typeface="Arial" panose="020B0604020202020204" pitchFamily="34" charset="0"/>
-              </a:rPr>
-              <a:t> </a:t>
-            </a:r>
-            <a:r>
-              <a:rPr lang="en-US" dirty="0" err="1" smtClean="0">
+              <a:rPr lang="en-US" dirty="0">
+                <a:latin typeface="Arial" panose="020B0604020202020204" pitchFamily="34" charset="0"/>
+                <a:cs typeface="Arial" panose="020B0604020202020204" pitchFamily="34" charset="0"/>
+              </a:rPr>
+              <a:t> </a:t>
+            </a:r>
+            <a:r>
+              <a:rPr lang="en-US" dirty="0" err="1">
                 <a:latin typeface="Arial" panose="020B0604020202020204" pitchFamily="34" charset="0"/>
                 <a:cs typeface="Arial" panose="020B0604020202020204" pitchFamily="34" charset="0"/>
               </a:rPr>
               <a:t>đếm</a:t>
             </a:r>
             <a:r>
-              <a:rPr lang="en-US" dirty="0" smtClean="0">
-                <a:latin typeface="Arial" panose="020B0604020202020204" pitchFamily="34" charset="0"/>
-                <a:cs typeface="Arial" panose="020B0604020202020204" pitchFamily="34" charset="0"/>
-              </a:rPr>
-              <a:t> </a:t>
-            </a:r>
-            <a:r>
-              <a:rPr lang="en-US" dirty="0" err="1" smtClean="0">
+              <a:rPr lang="en-US" dirty="0">
+                <a:latin typeface="Arial" panose="020B0604020202020204" pitchFamily="34" charset="0"/>
+                <a:cs typeface="Arial" panose="020B0604020202020204" pitchFamily="34" charset="0"/>
+              </a:rPr>
+              <a:t> </a:t>
+            </a:r>
+            <a:r>
+              <a:rPr lang="en-US" dirty="0" err="1">
                 <a:latin typeface="Arial" panose="020B0604020202020204" pitchFamily="34" charset="0"/>
                 <a:cs typeface="Arial" panose="020B0604020202020204" pitchFamily="34" charset="0"/>
               </a:rPr>
               <a:t>được</a:t>
             </a:r>
             <a:r>
-              <a:rPr lang="en-US" dirty="0" smtClean="0">
-                <a:latin typeface="Arial" panose="020B0604020202020204" pitchFamily="34" charset="0"/>
-                <a:cs typeface="Arial" panose="020B0604020202020204" pitchFamily="34" charset="0"/>
-              </a:rPr>
-              <a:t> </a:t>
-            </a:r>
-            <a:r>
-              <a:rPr lang="en-US" dirty="0" err="1" smtClean="0">
+              <a:rPr lang="en-US" dirty="0">
+                <a:latin typeface="Arial" panose="020B0604020202020204" pitchFamily="34" charset="0"/>
+                <a:cs typeface="Arial" panose="020B0604020202020204" pitchFamily="34" charset="0"/>
+              </a:rPr>
+              <a:t> </a:t>
+            </a:r>
+            <a:r>
+              <a:rPr lang="en-US" dirty="0" err="1">
                 <a:latin typeface="Arial" panose="020B0604020202020204" pitchFamily="34" charset="0"/>
                 <a:cs typeface="Arial" panose="020B0604020202020204" pitchFamily="34" charset="0"/>
               </a:rPr>
               <a:t>hoạt</a:t>
             </a:r>
             <a:r>
-              <a:rPr lang="en-US" dirty="0" smtClean="0">
-                <a:latin typeface="Arial" panose="020B0604020202020204" pitchFamily="34" charset="0"/>
-                <a:cs typeface="Arial" panose="020B0604020202020204" pitchFamily="34" charset="0"/>
-              </a:rPr>
-              <a:t> </a:t>
-            </a:r>
-            <a:r>
-              <a:rPr lang="en-US" dirty="0" err="1" smtClean="0">
+              <a:rPr lang="en-US" dirty="0">
+                <a:latin typeface="Arial" panose="020B0604020202020204" pitchFamily="34" charset="0"/>
+                <a:cs typeface="Arial" panose="020B0604020202020204" pitchFamily="34" charset="0"/>
+              </a:rPr>
+              <a:t> </a:t>
+            </a:r>
+            <a:r>
+              <a:rPr lang="en-US" dirty="0" err="1">
                 <a:latin typeface="Arial" panose="020B0604020202020204" pitchFamily="34" charset="0"/>
                 <a:cs typeface="Arial" panose="020B0604020202020204" pitchFamily="34" charset="0"/>
               </a:rPr>
               <a:t>động</a:t>
             </a:r>
             <a:r>
-              <a:rPr lang="en-US" dirty="0" smtClean="0">
-                <a:latin typeface="Arial" panose="020B0604020202020204" pitchFamily="34" charset="0"/>
-                <a:cs typeface="Arial" panose="020B0604020202020204" pitchFamily="34" charset="0"/>
-              </a:rPr>
-              <a:t> </a:t>
-            </a:r>
-            <a:r>
-              <a:rPr lang="en-US" dirty="0" err="1" smtClean="0">
+              <a:rPr lang="en-US" dirty="0">
+                <a:latin typeface="Arial" panose="020B0604020202020204" pitchFamily="34" charset="0"/>
+                <a:cs typeface="Arial" panose="020B0604020202020204" pitchFamily="34" charset="0"/>
+              </a:rPr>
+              <a:t> </a:t>
+            </a:r>
+            <a:r>
+              <a:rPr lang="en-US" dirty="0" err="1">
                 <a:latin typeface="Arial" panose="020B0604020202020204" pitchFamily="34" charset="0"/>
                 <a:cs typeface="Arial" panose="020B0604020202020204" pitchFamily="34" charset="0"/>
               </a:rPr>
               <a:t>liên</a:t>
             </a:r>
             <a:r>
-              <a:rPr lang="en-US" dirty="0" smtClean="0">
-                <a:latin typeface="Arial" panose="020B0604020202020204" pitchFamily="34" charset="0"/>
-                <a:cs typeface="Arial" panose="020B0604020202020204" pitchFamily="34" charset="0"/>
-              </a:rPr>
-              <a:t> </a:t>
-            </a:r>
-            <a:r>
-              <a:rPr lang="en-US" dirty="0" err="1" smtClean="0">
+              <a:rPr lang="en-US" dirty="0">
+                <a:latin typeface="Arial" panose="020B0604020202020204" pitchFamily="34" charset="0"/>
+                <a:cs typeface="Arial" panose="020B0604020202020204" pitchFamily="34" charset="0"/>
+              </a:rPr>
+              <a:t> </a:t>
+            </a:r>
+            <a:r>
+              <a:rPr lang="en-US" dirty="0" err="1">
                 <a:latin typeface="Arial" panose="020B0604020202020204" pitchFamily="34" charset="0"/>
                 <a:cs typeface="Arial" panose="020B0604020202020204" pitchFamily="34" charset="0"/>
               </a:rPr>
               <a:t>tục</a:t>
             </a:r>
             <a:r>
-              <a:rPr lang="en-US" dirty="0" smtClean="0">
-                <a:latin typeface="Arial" panose="020B0604020202020204" pitchFamily="34" charset="0"/>
-                <a:cs typeface="Arial" panose="020B0604020202020204" pitchFamily="34" charset="0"/>
-              </a:rPr>
-              <a:t> </a:t>
-            </a:r>
-            <a:r>
-              <a:rPr lang="en-US" dirty="0" err="1" smtClean="0">
+              <a:rPr lang="en-US" dirty="0">
+                <a:latin typeface="Arial" panose="020B0604020202020204" pitchFamily="34" charset="0"/>
+                <a:cs typeface="Arial" panose="020B0604020202020204" pitchFamily="34" charset="0"/>
+              </a:rPr>
+              <a:t> </a:t>
+            </a:r>
+            <a:r>
+              <a:rPr lang="en-US" dirty="0" err="1">
                 <a:latin typeface="Arial" panose="020B0604020202020204" pitchFamily="34" charset="0"/>
                 <a:cs typeface="Arial" panose="020B0604020202020204" pitchFamily="34" charset="0"/>
               </a:rPr>
               <a:t>trong</a:t>
             </a:r>
             <a:r>
-              <a:rPr lang="en-US" dirty="0" smtClean="0">
-                <a:latin typeface="Arial" panose="020B0604020202020204" pitchFamily="34" charset="0"/>
-                <a:cs typeface="Arial" panose="020B0604020202020204" pitchFamily="34" charset="0"/>
-              </a:rPr>
-              <a:t> </a:t>
-            </a:r>
-            <a:r>
-              <a:rPr lang="en-US" dirty="0" err="1" smtClean="0">
+              <a:rPr lang="en-US" dirty="0">
+                <a:latin typeface="Arial" panose="020B0604020202020204" pitchFamily="34" charset="0"/>
+                <a:cs typeface="Arial" panose="020B0604020202020204" pitchFamily="34" charset="0"/>
+              </a:rPr>
+              <a:t> </a:t>
+            </a:r>
+            <a:r>
+              <a:rPr lang="en-US" dirty="0" err="1">
                 <a:latin typeface="Arial" panose="020B0604020202020204" pitchFamily="34" charset="0"/>
                 <a:cs typeface="Arial" panose="020B0604020202020204" pitchFamily="34" charset="0"/>
               </a:rPr>
               <a:t>ván</a:t>
             </a:r>
             <a:r>
-              <a:rPr lang="en-US" dirty="0" smtClean="0">
-                <a:latin typeface="Arial" panose="020B0604020202020204" pitchFamily="34" charset="0"/>
-                <a:cs typeface="Arial" panose="020B0604020202020204" pitchFamily="34" charset="0"/>
-              </a:rPr>
-              <a:t> </a:t>
-            </a:r>
-            <a:r>
-              <a:rPr lang="en-US" dirty="0" err="1" smtClean="0">
+              <a:rPr lang="en-US" dirty="0">
+                <a:latin typeface="Arial" panose="020B0604020202020204" pitchFamily="34" charset="0"/>
+                <a:cs typeface="Arial" panose="020B0604020202020204" pitchFamily="34" charset="0"/>
+              </a:rPr>
+              <a:t> </a:t>
+            </a:r>
+            <a:r>
+              <a:rPr lang="en-US" dirty="0" err="1">
                 <a:latin typeface="Arial" panose="020B0604020202020204" pitchFamily="34" charset="0"/>
                 <a:cs typeface="Arial" panose="020B0604020202020204" pitchFamily="34" charset="0"/>
               </a:rPr>
               <a:t>đấu</a:t>
             </a:r>
             <a:r>
-              <a:rPr lang="en-US" dirty="0" smtClean="0">
+              <a:rPr lang="en-US" dirty="0">
                 <a:latin typeface="Arial" panose="020B0604020202020204" pitchFamily="34" charset="0"/>
                 <a:cs typeface="Arial" panose="020B0604020202020204" pitchFamily="34" charset="0"/>
               </a:rPr>
@@ -13802,203 +13714,203 @@
           </a:p>
           <a:p>
             <a:r>
-              <a:rPr lang="en-US" dirty="0" err="1" smtClean="0">
+              <a:rPr lang="en-US" dirty="0" err="1">
                 <a:latin typeface="Arial" panose="020B0604020202020204" pitchFamily="34" charset="0"/>
                 <a:cs typeface="Arial" panose="020B0604020202020204" pitchFamily="34" charset="0"/>
               </a:rPr>
               <a:t>Sử</a:t>
             </a:r>
             <a:r>
-              <a:rPr lang="en-US" dirty="0" smtClean="0">
-                <a:latin typeface="Arial" panose="020B0604020202020204" pitchFamily="34" charset="0"/>
-                <a:cs typeface="Arial" panose="020B0604020202020204" pitchFamily="34" charset="0"/>
-              </a:rPr>
-              <a:t> </a:t>
-            </a:r>
-            <a:r>
-              <a:rPr lang="en-US" dirty="0" err="1" smtClean="0">
+              <a:rPr lang="en-US" dirty="0">
+                <a:latin typeface="Arial" panose="020B0604020202020204" pitchFamily="34" charset="0"/>
+                <a:cs typeface="Arial" panose="020B0604020202020204" pitchFamily="34" charset="0"/>
+              </a:rPr>
+              <a:t> </a:t>
+            </a:r>
+            <a:r>
+              <a:rPr lang="en-US" dirty="0" err="1">
                 <a:latin typeface="Arial" panose="020B0604020202020204" pitchFamily="34" charset="0"/>
                 <a:cs typeface="Arial" panose="020B0604020202020204" pitchFamily="34" charset="0"/>
               </a:rPr>
               <a:t>dụng</a:t>
             </a:r>
             <a:r>
-              <a:rPr lang="en-US" dirty="0" smtClean="0">
-                <a:latin typeface="Arial" panose="020B0604020202020204" pitchFamily="34" charset="0"/>
-                <a:cs typeface="Arial" panose="020B0604020202020204" pitchFamily="34" charset="0"/>
-              </a:rPr>
-              <a:t> </a:t>
-            </a:r>
-            <a:r>
-              <a:rPr lang="en-US" dirty="0" err="1" smtClean="0">
+              <a:rPr lang="en-US" dirty="0">
+                <a:latin typeface="Arial" panose="020B0604020202020204" pitchFamily="34" charset="0"/>
+                <a:cs typeface="Arial" panose="020B0604020202020204" pitchFamily="34" charset="0"/>
+              </a:rPr>
+              <a:t> </a:t>
+            </a:r>
+            <a:r>
+              <a:rPr lang="en-US" dirty="0" err="1">
                 <a:latin typeface="Arial" panose="020B0604020202020204" pitchFamily="34" charset="0"/>
                 <a:cs typeface="Arial" panose="020B0604020202020204" pitchFamily="34" charset="0"/>
               </a:rPr>
               <a:t>biến</a:t>
             </a:r>
             <a:r>
-              <a:rPr lang="en-US" dirty="0" smtClean="0">
-                <a:latin typeface="Arial" panose="020B0604020202020204" pitchFamily="34" charset="0"/>
-                <a:cs typeface="Arial" panose="020B0604020202020204" pitchFamily="34" charset="0"/>
-              </a:rPr>
-              <a:t> </a:t>
-            </a:r>
-            <a:r>
-              <a:rPr lang="en-US" dirty="0" err="1" smtClean="0">
+              <a:rPr lang="en-US" dirty="0">
+                <a:latin typeface="Arial" panose="020B0604020202020204" pitchFamily="34" charset="0"/>
+                <a:cs typeface="Arial" panose="020B0604020202020204" pitchFamily="34" charset="0"/>
+              </a:rPr>
+              <a:t> </a:t>
+            </a:r>
+            <a:r>
+              <a:rPr lang="en-US" dirty="0" err="1">
                 <a:latin typeface="Arial" panose="020B0604020202020204" pitchFamily="34" charset="0"/>
                 <a:cs typeface="Arial" panose="020B0604020202020204" pitchFamily="34" charset="0"/>
               </a:rPr>
               <a:t>phụ</a:t>
             </a:r>
             <a:r>
-              <a:rPr lang="en-US" dirty="0" smtClean="0">
-                <a:latin typeface="Arial" panose="020B0604020202020204" pitchFamily="34" charset="0"/>
-                <a:cs typeface="Arial" panose="020B0604020202020204" pitchFamily="34" charset="0"/>
-              </a:rPr>
-              <a:t> </a:t>
-            </a:r>
-            <a:r>
-              <a:rPr lang="en-US" dirty="0" err="1" smtClean="0">
+              <a:rPr lang="en-US" dirty="0">
+                <a:latin typeface="Arial" panose="020B0604020202020204" pitchFamily="34" charset="0"/>
+                <a:cs typeface="Arial" panose="020B0604020202020204" pitchFamily="34" charset="0"/>
+              </a:rPr>
+              <a:t> </a:t>
+            </a:r>
+            <a:r>
+              <a:rPr lang="en-US" dirty="0" err="1">
                 <a:latin typeface="Arial" panose="020B0604020202020204" pitchFamily="34" charset="0"/>
                 <a:cs typeface="Arial" panose="020B0604020202020204" pitchFamily="34" charset="0"/>
               </a:rPr>
               <a:t>để</a:t>
             </a:r>
             <a:r>
-              <a:rPr lang="en-US" dirty="0" smtClean="0">
-                <a:latin typeface="Arial" panose="020B0604020202020204" pitchFamily="34" charset="0"/>
-                <a:cs typeface="Arial" panose="020B0604020202020204" pitchFamily="34" charset="0"/>
-              </a:rPr>
-              <a:t> </a:t>
-            </a:r>
-            <a:r>
-              <a:rPr lang="en-US" dirty="0" err="1" smtClean="0">
+              <a:rPr lang="en-US" dirty="0">
+                <a:latin typeface="Arial" panose="020B0604020202020204" pitchFamily="34" charset="0"/>
+                <a:cs typeface="Arial" panose="020B0604020202020204" pitchFamily="34" charset="0"/>
+              </a:rPr>
+              <a:t> </a:t>
+            </a:r>
+            <a:r>
+              <a:rPr lang="en-US" dirty="0" err="1">
                 <a:latin typeface="Arial" panose="020B0604020202020204" pitchFamily="34" charset="0"/>
                 <a:cs typeface="Arial" panose="020B0604020202020204" pitchFamily="34" charset="0"/>
               </a:rPr>
               <a:t>có</a:t>
             </a:r>
             <a:r>
-              <a:rPr lang="en-US" dirty="0" smtClean="0">
-                <a:latin typeface="Arial" panose="020B0604020202020204" pitchFamily="34" charset="0"/>
-                <a:cs typeface="Arial" panose="020B0604020202020204" pitchFamily="34" charset="0"/>
-              </a:rPr>
-              <a:t> </a:t>
-            </a:r>
-            <a:r>
-              <a:rPr lang="en-US" dirty="0" err="1" smtClean="0">
+              <a:rPr lang="en-US" dirty="0">
+                <a:latin typeface="Arial" panose="020B0604020202020204" pitchFamily="34" charset="0"/>
+                <a:cs typeface="Arial" panose="020B0604020202020204" pitchFamily="34" charset="0"/>
+              </a:rPr>
+              <a:t> </a:t>
+            </a:r>
+            <a:r>
+              <a:rPr lang="en-US" dirty="0" err="1">
                 <a:latin typeface="Arial" panose="020B0604020202020204" pitchFamily="34" charset="0"/>
                 <a:cs typeface="Arial" panose="020B0604020202020204" pitchFamily="34" charset="0"/>
               </a:rPr>
               <a:t>thể</a:t>
             </a:r>
             <a:r>
-              <a:rPr lang="en-US" dirty="0" smtClean="0">
-                <a:latin typeface="Arial" panose="020B0604020202020204" pitchFamily="34" charset="0"/>
-                <a:cs typeface="Arial" panose="020B0604020202020204" pitchFamily="34" charset="0"/>
-              </a:rPr>
-              <a:t> </a:t>
-            </a:r>
-            <a:r>
-              <a:rPr lang="en-US" dirty="0" err="1" smtClean="0">
+              <a:rPr lang="en-US" dirty="0">
+                <a:latin typeface="Arial" panose="020B0604020202020204" pitchFamily="34" charset="0"/>
+                <a:cs typeface="Arial" panose="020B0604020202020204" pitchFamily="34" charset="0"/>
+              </a:rPr>
+              <a:t> </a:t>
+            </a:r>
+            <a:r>
+              <a:rPr lang="en-US" dirty="0" err="1">
                 <a:latin typeface="Arial" panose="020B0604020202020204" pitchFamily="34" charset="0"/>
                 <a:cs typeface="Arial" panose="020B0604020202020204" pitchFamily="34" charset="0"/>
               </a:rPr>
               <a:t>kết</a:t>
             </a:r>
             <a:r>
-              <a:rPr lang="en-US" dirty="0" smtClean="0">
-                <a:latin typeface="Arial" panose="020B0604020202020204" pitchFamily="34" charset="0"/>
-                <a:cs typeface="Arial" panose="020B0604020202020204" pitchFamily="34" charset="0"/>
-              </a:rPr>
-              <a:t> </a:t>
-            </a:r>
-            <a:r>
-              <a:rPr lang="en-US" dirty="0" err="1" smtClean="0">
+              <a:rPr lang="en-US" dirty="0">
+                <a:latin typeface="Arial" panose="020B0604020202020204" pitchFamily="34" charset="0"/>
+                <a:cs typeface="Arial" panose="020B0604020202020204" pitchFamily="34" charset="0"/>
+              </a:rPr>
+              <a:t> </a:t>
+            </a:r>
+            <a:r>
+              <a:rPr lang="en-US" dirty="0" err="1">
                 <a:latin typeface="Arial" panose="020B0604020202020204" pitchFamily="34" charset="0"/>
                 <a:cs typeface="Arial" panose="020B0604020202020204" pitchFamily="34" charset="0"/>
               </a:rPr>
               <a:t>thúc</a:t>
             </a:r>
             <a:r>
-              <a:rPr lang="en-US" dirty="0" smtClean="0">
-                <a:latin typeface="Arial" panose="020B0604020202020204" pitchFamily="34" charset="0"/>
-                <a:cs typeface="Arial" panose="020B0604020202020204" pitchFamily="34" charset="0"/>
-              </a:rPr>
-              <a:t> </a:t>
-            </a:r>
-            <a:r>
-              <a:rPr lang="en-US" dirty="0" err="1" smtClean="0">
+              <a:rPr lang="en-US" dirty="0">
+                <a:latin typeface="Arial" panose="020B0604020202020204" pitchFamily="34" charset="0"/>
+                <a:cs typeface="Arial" panose="020B0604020202020204" pitchFamily="34" charset="0"/>
+              </a:rPr>
+              <a:t> </a:t>
+            </a:r>
+            <a:r>
+              <a:rPr lang="en-US" dirty="0" err="1">
                 <a:latin typeface="Arial" panose="020B0604020202020204" pitchFamily="34" charset="0"/>
                 <a:cs typeface="Arial" panose="020B0604020202020204" pitchFamily="34" charset="0"/>
               </a:rPr>
               <a:t>bộ</a:t>
             </a:r>
             <a:r>
-              <a:rPr lang="en-US" dirty="0" smtClean="0">
-                <a:latin typeface="Arial" panose="020B0604020202020204" pitchFamily="34" charset="0"/>
-                <a:cs typeface="Arial" panose="020B0604020202020204" pitchFamily="34" charset="0"/>
-              </a:rPr>
-              <a:t> </a:t>
-            </a:r>
-            <a:r>
-              <a:rPr lang="en-US" dirty="0" err="1" smtClean="0">
+              <a:rPr lang="en-US" dirty="0">
+                <a:latin typeface="Arial" panose="020B0604020202020204" pitchFamily="34" charset="0"/>
+                <a:cs typeface="Arial" panose="020B0604020202020204" pitchFamily="34" charset="0"/>
+              </a:rPr>
+              <a:t> </a:t>
+            </a:r>
+            <a:r>
+              <a:rPr lang="en-US" dirty="0" err="1">
                 <a:latin typeface="Arial" panose="020B0604020202020204" pitchFamily="34" charset="0"/>
                 <a:cs typeface="Arial" panose="020B0604020202020204" pitchFamily="34" charset="0"/>
               </a:rPr>
               <a:t>đếm</a:t>
             </a:r>
             <a:r>
-              <a:rPr lang="en-US" dirty="0" smtClean="0">
-                <a:latin typeface="Arial" panose="020B0604020202020204" pitchFamily="34" charset="0"/>
-                <a:cs typeface="Arial" panose="020B0604020202020204" pitchFamily="34" charset="0"/>
-              </a:rPr>
-              <a:t> </a:t>
-            </a:r>
-            <a:r>
-              <a:rPr lang="en-US" dirty="0" err="1" smtClean="0">
+              <a:rPr lang="en-US" dirty="0">
+                <a:latin typeface="Arial" panose="020B0604020202020204" pitchFamily="34" charset="0"/>
+                <a:cs typeface="Arial" panose="020B0604020202020204" pitchFamily="34" charset="0"/>
+              </a:rPr>
+              <a:t> </a:t>
+            </a:r>
+            <a:r>
+              <a:rPr lang="en-US" dirty="0" err="1">
                 <a:latin typeface="Arial" panose="020B0604020202020204" pitchFamily="34" charset="0"/>
                 <a:cs typeface="Arial" panose="020B0604020202020204" pitchFamily="34" charset="0"/>
               </a:rPr>
               <a:t>khi</a:t>
             </a:r>
             <a:r>
-              <a:rPr lang="en-US" dirty="0" smtClean="0">
-                <a:latin typeface="Arial" panose="020B0604020202020204" pitchFamily="34" charset="0"/>
-                <a:cs typeface="Arial" panose="020B0604020202020204" pitchFamily="34" charset="0"/>
-              </a:rPr>
-              <a:t> </a:t>
-            </a:r>
-            <a:r>
-              <a:rPr lang="en-US" dirty="0" err="1" smtClean="0">
+              <a:rPr lang="en-US" dirty="0">
+                <a:latin typeface="Arial" panose="020B0604020202020204" pitchFamily="34" charset="0"/>
+                <a:cs typeface="Arial" panose="020B0604020202020204" pitchFamily="34" charset="0"/>
+              </a:rPr>
+              <a:t> </a:t>
+            </a:r>
+            <a:r>
+              <a:rPr lang="en-US" dirty="0" err="1">
                 <a:latin typeface="Arial" panose="020B0604020202020204" pitchFamily="34" charset="0"/>
                 <a:cs typeface="Arial" panose="020B0604020202020204" pitchFamily="34" charset="0"/>
               </a:rPr>
               <a:t>có</a:t>
             </a:r>
             <a:r>
-              <a:rPr lang="en-US" dirty="0" smtClean="0">
-                <a:latin typeface="Arial" panose="020B0604020202020204" pitchFamily="34" charset="0"/>
-                <a:cs typeface="Arial" panose="020B0604020202020204" pitchFamily="34" charset="0"/>
-              </a:rPr>
-              <a:t> </a:t>
-            </a:r>
-            <a:r>
-              <a:rPr lang="en-US" dirty="0" err="1" smtClean="0">
+              <a:rPr lang="en-US" dirty="0">
+                <a:latin typeface="Arial" panose="020B0604020202020204" pitchFamily="34" charset="0"/>
+                <a:cs typeface="Arial" panose="020B0604020202020204" pitchFamily="34" charset="0"/>
+              </a:rPr>
+              <a:t> </a:t>
+            </a:r>
+            <a:r>
+              <a:rPr lang="en-US" dirty="0" err="1">
                 <a:latin typeface="Arial" panose="020B0604020202020204" pitchFamily="34" charset="0"/>
                 <a:cs typeface="Arial" panose="020B0604020202020204" pitchFamily="34" charset="0"/>
               </a:rPr>
               <a:t>bên</a:t>
             </a:r>
             <a:r>
-              <a:rPr lang="en-US" dirty="0" smtClean="0">
-                <a:latin typeface="Arial" panose="020B0604020202020204" pitchFamily="34" charset="0"/>
-                <a:cs typeface="Arial" panose="020B0604020202020204" pitchFamily="34" charset="0"/>
-              </a:rPr>
-              <a:t> </a:t>
-            </a:r>
-            <a:r>
-              <a:rPr lang="en-US" dirty="0" err="1" smtClean="0">
+              <a:rPr lang="en-US" dirty="0">
+                <a:latin typeface="Arial" panose="020B0604020202020204" pitchFamily="34" charset="0"/>
+                <a:cs typeface="Arial" panose="020B0604020202020204" pitchFamily="34" charset="0"/>
+              </a:rPr>
+              <a:t> </a:t>
+            </a:r>
+            <a:r>
+              <a:rPr lang="en-US" dirty="0" err="1">
                 <a:latin typeface="Arial" panose="020B0604020202020204" pitchFamily="34" charset="0"/>
                 <a:cs typeface="Arial" panose="020B0604020202020204" pitchFamily="34" charset="0"/>
               </a:rPr>
@@ -14012,140 +13924,140 @@
               <a:t> </a:t>
             </a:r>
             <a:r>
-              <a:rPr lang="en-US" dirty="0" err="1" smtClean="0">
+              <a:rPr lang="en-US" dirty="0" err="1">
                 <a:latin typeface="Arial" panose="020B0604020202020204" pitchFamily="34" charset="0"/>
                 <a:cs typeface="Arial" panose="020B0604020202020204" pitchFamily="34" charset="0"/>
               </a:rPr>
               <a:t>và</a:t>
             </a:r>
             <a:r>
-              <a:rPr lang="en-US" dirty="0" smtClean="0">
-                <a:latin typeface="Arial" panose="020B0604020202020204" pitchFamily="34" charset="0"/>
-                <a:cs typeface="Arial" panose="020B0604020202020204" pitchFamily="34" charset="0"/>
-              </a:rPr>
-              <a:t> </a:t>
-            </a:r>
-            <a:r>
-              <a:rPr lang="en-US" dirty="0" err="1" smtClean="0">
+              <a:rPr lang="en-US" dirty="0">
+                <a:latin typeface="Arial" panose="020B0604020202020204" pitchFamily="34" charset="0"/>
+                <a:cs typeface="Arial" panose="020B0604020202020204" pitchFamily="34" charset="0"/>
+              </a:rPr>
+              <a:t> </a:t>
+            </a:r>
+            <a:r>
+              <a:rPr lang="en-US" dirty="0" err="1">
                 <a:latin typeface="Arial" panose="020B0604020202020204" pitchFamily="34" charset="0"/>
                 <a:cs typeface="Arial" panose="020B0604020202020204" pitchFamily="34" charset="0"/>
               </a:rPr>
               <a:t>bắt</a:t>
             </a:r>
             <a:r>
-              <a:rPr lang="en-US" dirty="0" smtClean="0">
-                <a:latin typeface="Arial" panose="020B0604020202020204" pitchFamily="34" charset="0"/>
-                <a:cs typeface="Arial" panose="020B0604020202020204" pitchFamily="34" charset="0"/>
-              </a:rPr>
-              <a:t> </a:t>
-            </a:r>
-            <a:r>
-              <a:rPr lang="en-US" dirty="0" err="1" smtClean="0">
+              <a:rPr lang="en-US" dirty="0">
+                <a:latin typeface="Arial" panose="020B0604020202020204" pitchFamily="34" charset="0"/>
+                <a:cs typeface="Arial" panose="020B0604020202020204" pitchFamily="34" charset="0"/>
+              </a:rPr>
+              <a:t> </a:t>
+            </a:r>
+            <a:r>
+              <a:rPr lang="en-US" dirty="0" err="1">
                 <a:latin typeface="Arial" panose="020B0604020202020204" pitchFamily="34" charset="0"/>
                 <a:cs typeface="Arial" panose="020B0604020202020204" pitchFamily="34" charset="0"/>
               </a:rPr>
               <a:t>đầu</a:t>
             </a:r>
             <a:r>
-              <a:rPr lang="en-US" dirty="0" smtClean="0">
-                <a:latin typeface="Arial" panose="020B0604020202020204" pitchFamily="34" charset="0"/>
-                <a:cs typeface="Arial" panose="020B0604020202020204" pitchFamily="34" charset="0"/>
-              </a:rPr>
-              <a:t> </a:t>
-            </a:r>
-            <a:r>
-              <a:rPr lang="en-US" dirty="0" err="1" smtClean="0">
+              <a:rPr lang="en-US" dirty="0">
+                <a:latin typeface="Arial" panose="020B0604020202020204" pitchFamily="34" charset="0"/>
+                <a:cs typeface="Arial" panose="020B0604020202020204" pitchFamily="34" charset="0"/>
+              </a:rPr>
+              <a:t> </a:t>
+            </a:r>
+            <a:r>
+              <a:rPr lang="en-US" dirty="0" err="1">
                 <a:latin typeface="Arial" panose="020B0604020202020204" pitchFamily="34" charset="0"/>
                 <a:cs typeface="Arial" panose="020B0604020202020204" pitchFamily="34" charset="0"/>
               </a:rPr>
               <a:t>đếm</a:t>
             </a:r>
             <a:r>
-              <a:rPr lang="en-US" dirty="0" smtClean="0">
-                <a:latin typeface="Arial" panose="020B0604020202020204" pitchFamily="34" charset="0"/>
-                <a:cs typeface="Arial" panose="020B0604020202020204" pitchFamily="34" charset="0"/>
-              </a:rPr>
-              <a:t> </a:t>
-            </a:r>
-            <a:r>
-              <a:rPr lang="en-US" dirty="0" err="1" smtClean="0">
+              <a:rPr lang="en-US" dirty="0">
+                <a:latin typeface="Arial" panose="020B0604020202020204" pitchFamily="34" charset="0"/>
+                <a:cs typeface="Arial" panose="020B0604020202020204" pitchFamily="34" charset="0"/>
+              </a:rPr>
+              <a:t> </a:t>
+            </a:r>
+            <a:r>
+              <a:rPr lang="en-US" dirty="0" err="1">
                 <a:latin typeface="Arial" panose="020B0604020202020204" pitchFamily="34" charset="0"/>
                 <a:cs typeface="Arial" panose="020B0604020202020204" pitchFamily="34" charset="0"/>
               </a:rPr>
               <a:t>khi</a:t>
             </a:r>
             <a:r>
-              <a:rPr lang="en-US" dirty="0" smtClean="0">
-                <a:latin typeface="Arial" panose="020B0604020202020204" pitchFamily="34" charset="0"/>
-                <a:cs typeface="Arial" panose="020B0604020202020204" pitchFamily="34" charset="0"/>
-              </a:rPr>
-              <a:t> </a:t>
-            </a:r>
-            <a:r>
-              <a:rPr lang="en-US" dirty="0" err="1" smtClean="0">
+              <a:rPr lang="en-US" dirty="0">
+                <a:latin typeface="Arial" panose="020B0604020202020204" pitchFamily="34" charset="0"/>
+                <a:cs typeface="Arial" panose="020B0604020202020204" pitchFamily="34" charset="0"/>
+              </a:rPr>
+              <a:t> </a:t>
+            </a:r>
+            <a:r>
+              <a:rPr lang="en-US" dirty="0" err="1">
                 <a:latin typeface="Arial" panose="020B0604020202020204" pitchFamily="34" charset="0"/>
                 <a:cs typeface="Arial" panose="020B0604020202020204" pitchFamily="34" charset="0"/>
               </a:rPr>
               <a:t>đánh</a:t>
             </a:r>
             <a:r>
-              <a:rPr lang="en-US" dirty="0" smtClean="0">
-                <a:latin typeface="Arial" panose="020B0604020202020204" pitchFamily="34" charset="0"/>
-                <a:cs typeface="Arial" panose="020B0604020202020204" pitchFamily="34" charset="0"/>
-              </a:rPr>
-              <a:t> </a:t>
-            </a:r>
-            <a:r>
-              <a:rPr lang="en-US" dirty="0" err="1" smtClean="0">
+              <a:rPr lang="en-US" dirty="0">
+                <a:latin typeface="Arial" panose="020B0604020202020204" pitchFamily="34" charset="0"/>
+                <a:cs typeface="Arial" panose="020B0604020202020204" pitchFamily="34" charset="0"/>
+              </a:rPr>
+              <a:t> </a:t>
+            </a:r>
+            <a:r>
+              <a:rPr lang="en-US" dirty="0" err="1">
                 <a:latin typeface="Arial" panose="020B0604020202020204" pitchFamily="34" charset="0"/>
                 <a:cs typeface="Arial" panose="020B0604020202020204" pitchFamily="34" charset="0"/>
               </a:rPr>
               <a:t>được</a:t>
             </a:r>
             <a:r>
-              <a:rPr lang="en-US" dirty="0" smtClean="0">
-                <a:latin typeface="Arial" panose="020B0604020202020204" pitchFamily="34" charset="0"/>
-                <a:cs typeface="Arial" panose="020B0604020202020204" pitchFamily="34" charset="0"/>
-              </a:rPr>
-              <a:t> </a:t>
-            </a:r>
-            <a:r>
-              <a:rPr lang="en-US" dirty="0" err="1" smtClean="0">
+              <a:rPr lang="en-US" dirty="0">
+                <a:latin typeface="Arial" panose="020B0604020202020204" pitchFamily="34" charset="0"/>
+                <a:cs typeface="Arial" panose="020B0604020202020204" pitchFamily="34" charset="0"/>
+              </a:rPr>
+              <a:t> </a:t>
+            </a:r>
+            <a:r>
+              <a:rPr lang="en-US" dirty="0" err="1">
                 <a:latin typeface="Arial" panose="020B0604020202020204" pitchFamily="34" charset="0"/>
                 <a:cs typeface="Arial" panose="020B0604020202020204" pitchFamily="34" charset="0"/>
               </a:rPr>
               <a:t>quân</a:t>
             </a:r>
             <a:r>
-              <a:rPr lang="en-US" dirty="0" smtClean="0">
-                <a:latin typeface="Arial" panose="020B0604020202020204" pitchFamily="34" charset="0"/>
-                <a:cs typeface="Arial" panose="020B0604020202020204" pitchFamily="34" charset="0"/>
-              </a:rPr>
-              <a:t> </a:t>
-            </a:r>
-            <a:r>
-              <a:rPr lang="en-US" dirty="0" err="1" smtClean="0">
+              <a:rPr lang="en-US" dirty="0">
+                <a:latin typeface="Arial" panose="020B0604020202020204" pitchFamily="34" charset="0"/>
+                <a:cs typeface="Arial" panose="020B0604020202020204" pitchFamily="34" charset="0"/>
+              </a:rPr>
+              <a:t> </a:t>
+            </a:r>
+            <a:r>
+              <a:rPr lang="en-US" dirty="0" err="1">
                 <a:latin typeface="Arial" panose="020B0604020202020204" pitchFamily="34" charset="0"/>
                 <a:cs typeface="Arial" panose="020B0604020202020204" pitchFamily="34" charset="0"/>
               </a:rPr>
               <a:t>đầu</a:t>
             </a:r>
             <a:r>
-              <a:rPr lang="en-US" dirty="0" smtClean="0">
-                <a:latin typeface="Arial" panose="020B0604020202020204" pitchFamily="34" charset="0"/>
-                <a:cs typeface="Arial" panose="020B0604020202020204" pitchFamily="34" charset="0"/>
-              </a:rPr>
-              <a:t> </a:t>
-            </a:r>
-            <a:r>
-              <a:rPr lang="en-US" dirty="0" err="1" smtClean="0">
+              <a:rPr lang="en-US" dirty="0">
+                <a:latin typeface="Arial" panose="020B0604020202020204" pitchFamily="34" charset="0"/>
+                <a:cs typeface="Arial" panose="020B0604020202020204" pitchFamily="34" charset="0"/>
+              </a:rPr>
+              <a:t> </a:t>
+            </a:r>
+            <a:r>
+              <a:rPr lang="en-US" dirty="0" err="1">
                 <a:latin typeface="Arial" panose="020B0604020202020204" pitchFamily="34" charset="0"/>
                 <a:cs typeface="Arial" panose="020B0604020202020204" pitchFamily="34" charset="0"/>
               </a:rPr>
               <a:t>tiên</a:t>
             </a:r>
             <a:r>
-              <a:rPr lang="en-US" dirty="0" smtClean="0">
+              <a:rPr lang="en-US" dirty="0">
                 <a:latin typeface="Arial" panose="020B0604020202020204" pitchFamily="34" charset="0"/>
                 <a:cs typeface="Arial" panose="020B0604020202020204" pitchFamily="34" charset="0"/>
               </a:rPr>
@@ -14194,13 +14106,6 @@
   <p:clrMapOvr>
     <a:masterClrMapping/>
   </p:clrMapOvr>
-  <p:timing>
-    <p:tnLst>
-      <p:par>
-        <p:cTn id="1" dur="indefinite" restart="never" nodeType="tmRoot"/>
-      </p:par>
-    </p:tnLst>
-  </p:timing>
 </p:sld>
 </file>
 
@@ -14237,15 +14142,15 @@
           <a:lstStyle/>
           <a:p>
             <a:r>
-              <a:rPr lang="en-US" dirty="0" err="1" smtClean="0"/>
+              <a:rPr lang="en-US" dirty="0" err="1"/>
               <a:t>Tổng</a:t>
             </a:r>
             <a:r>
-              <a:rPr lang="en-US" dirty="0" smtClean="0"/>
-              <a:t> </a:t>
-            </a:r>
-            <a:r>
-              <a:rPr lang="en-US" dirty="0" err="1" smtClean="0"/>
+              <a:rPr lang="en-US" dirty="0"/>
+              <a:t> </a:t>
+            </a:r>
+            <a:r>
+              <a:rPr lang="en-US" dirty="0" err="1"/>
               <a:t>quan</a:t>
             </a:r>
             <a:endParaRPr lang="en-US" dirty="0"/>
@@ -14299,133 +14204,133 @@
           <a:lstStyle/>
           <a:p>
             <a:r>
-              <a:rPr lang="en-US" dirty="0" smtClean="0">
+              <a:rPr lang="en-US" dirty="0">
                 <a:latin typeface="Arial" panose="020B0604020202020204" pitchFamily="34" charset="0"/>
                 <a:cs typeface="Arial" panose="020B0604020202020204" pitchFamily="34" charset="0"/>
               </a:rPr>
               <a:t>Check </a:t>
             </a:r>
             <a:r>
-              <a:rPr lang="en-US" dirty="0" err="1" smtClean="0">
+              <a:rPr lang="en-US" dirty="0" err="1">
                 <a:latin typeface="Arial" panose="020B0604020202020204" pitchFamily="34" charset="0"/>
                 <a:cs typeface="Arial" panose="020B0604020202020204" pitchFamily="34" charset="0"/>
               </a:rPr>
               <a:t>sau</a:t>
             </a:r>
             <a:r>
-              <a:rPr lang="en-US" dirty="0" smtClean="0">
-                <a:latin typeface="Arial" panose="020B0604020202020204" pitchFamily="34" charset="0"/>
-                <a:cs typeface="Arial" panose="020B0604020202020204" pitchFamily="34" charset="0"/>
-              </a:rPr>
-              <a:t> </a:t>
-            </a:r>
-            <a:r>
-              <a:rPr lang="en-US" dirty="0" err="1" smtClean="0">
+              <a:rPr lang="en-US" dirty="0">
+                <a:latin typeface="Arial" panose="020B0604020202020204" pitchFamily="34" charset="0"/>
+                <a:cs typeface="Arial" panose="020B0604020202020204" pitchFamily="34" charset="0"/>
+              </a:rPr>
+              <a:t> </a:t>
+            </a:r>
+            <a:r>
+              <a:rPr lang="en-US" dirty="0" err="1">
                 <a:latin typeface="Arial" panose="020B0604020202020204" pitchFamily="34" charset="0"/>
                 <a:cs typeface="Arial" panose="020B0604020202020204" pitchFamily="34" charset="0"/>
               </a:rPr>
               <a:t>mỗi</a:t>
             </a:r>
             <a:r>
-              <a:rPr lang="en-US" dirty="0" smtClean="0">
-                <a:latin typeface="Arial" panose="020B0604020202020204" pitchFamily="34" charset="0"/>
-                <a:cs typeface="Arial" panose="020B0604020202020204" pitchFamily="34" charset="0"/>
-              </a:rPr>
-              <a:t> </a:t>
-            </a:r>
-            <a:r>
-              <a:rPr lang="en-US" dirty="0" err="1" smtClean="0">
+              <a:rPr lang="en-US" dirty="0">
+                <a:latin typeface="Arial" panose="020B0604020202020204" pitchFamily="34" charset="0"/>
+                <a:cs typeface="Arial" panose="020B0604020202020204" pitchFamily="34" charset="0"/>
+              </a:rPr>
+              <a:t> </a:t>
+            </a:r>
+            <a:r>
+              <a:rPr lang="en-US" dirty="0" err="1">
                 <a:latin typeface="Arial" panose="020B0604020202020204" pitchFamily="34" charset="0"/>
                 <a:cs typeface="Arial" panose="020B0604020202020204" pitchFamily="34" charset="0"/>
               </a:rPr>
               <a:t>lượt</a:t>
             </a:r>
             <a:r>
-              <a:rPr lang="en-US" dirty="0" smtClean="0">
-                <a:latin typeface="Arial" panose="020B0604020202020204" pitchFamily="34" charset="0"/>
-                <a:cs typeface="Arial" panose="020B0604020202020204" pitchFamily="34" charset="0"/>
-              </a:rPr>
-              <a:t> </a:t>
-            </a:r>
-            <a:r>
-              <a:rPr lang="en-US" dirty="0" err="1" smtClean="0">
+              <a:rPr lang="en-US" dirty="0">
+                <a:latin typeface="Arial" panose="020B0604020202020204" pitchFamily="34" charset="0"/>
+                <a:cs typeface="Arial" panose="020B0604020202020204" pitchFamily="34" charset="0"/>
+              </a:rPr>
+              <a:t> </a:t>
+            </a:r>
+            <a:r>
+              <a:rPr lang="en-US" dirty="0" err="1">
                 <a:latin typeface="Arial" panose="020B0604020202020204" pitchFamily="34" charset="0"/>
                 <a:cs typeface="Arial" panose="020B0604020202020204" pitchFamily="34" charset="0"/>
               </a:rPr>
               <a:t>đánh</a:t>
             </a:r>
             <a:r>
-              <a:rPr lang="en-US" dirty="0" smtClean="0">
-                <a:latin typeface="Arial" panose="020B0604020202020204" pitchFamily="34" charset="0"/>
-                <a:cs typeface="Arial" panose="020B0604020202020204" pitchFamily="34" charset="0"/>
-              </a:rPr>
-              <a:t> </a:t>
-            </a:r>
-            <a:r>
-              <a:rPr lang="en-US" dirty="0" err="1" smtClean="0">
+              <a:rPr lang="en-US" dirty="0">
+                <a:latin typeface="Arial" panose="020B0604020202020204" pitchFamily="34" charset="0"/>
+                <a:cs typeface="Arial" panose="020B0604020202020204" pitchFamily="34" charset="0"/>
+              </a:rPr>
+              <a:t> </a:t>
+            </a:r>
+            <a:r>
+              <a:rPr lang="en-US" dirty="0" err="1">
                 <a:latin typeface="Arial" panose="020B0604020202020204" pitchFamily="34" charset="0"/>
                 <a:cs typeface="Arial" panose="020B0604020202020204" pitchFamily="34" charset="0"/>
               </a:rPr>
               <a:t>sẽ</a:t>
             </a:r>
             <a:r>
-              <a:rPr lang="en-US" dirty="0" smtClean="0">
-                <a:latin typeface="Arial" panose="020B0604020202020204" pitchFamily="34" charset="0"/>
-                <a:cs typeface="Arial" panose="020B0604020202020204" pitchFamily="34" charset="0"/>
-              </a:rPr>
-              <a:t> </a:t>
-            </a:r>
-            <a:r>
-              <a:rPr lang="en-US" dirty="0" err="1" smtClean="0">
+              <a:rPr lang="en-US" dirty="0">
+                <a:latin typeface="Arial" panose="020B0604020202020204" pitchFamily="34" charset="0"/>
+                <a:cs typeface="Arial" panose="020B0604020202020204" pitchFamily="34" charset="0"/>
+              </a:rPr>
+              <a:t> </a:t>
+            </a:r>
+            <a:r>
+              <a:rPr lang="en-US" dirty="0" err="1">
                 <a:latin typeface="Arial" panose="020B0604020202020204" pitchFamily="34" charset="0"/>
                 <a:cs typeface="Arial" panose="020B0604020202020204" pitchFamily="34" charset="0"/>
               </a:rPr>
               <a:t>có</a:t>
             </a:r>
             <a:r>
-              <a:rPr lang="en-US" dirty="0" smtClean="0">
-                <a:latin typeface="Arial" panose="020B0604020202020204" pitchFamily="34" charset="0"/>
-                <a:cs typeface="Arial" panose="020B0604020202020204" pitchFamily="34" charset="0"/>
-              </a:rPr>
-              <a:t> </a:t>
-            </a:r>
-            <a:r>
-              <a:rPr lang="en-US" dirty="0" err="1" smtClean="0">
+              <a:rPr lang="en-US" dirty="0">
+                <a:latin typeface="Arial" panose="020B0604020202020204" pitchFamily="34" charset="0"/>
+                <a:cs typeface="Arial" panose="020B0604020202020204" pitchFamily="34" charset="0"/>
+              </a:rPr>
+              <a:t> </a:t>
+            </a:r>
+            <a:r>
+              <a:rPr lang="en-US" dirty="0" err="1">
                 <a:latin typeface="Arial" panose="020B0604020202020204" pitchFamily="34" charset="0"/>
                 <a:cs typeface="Arial" panose="020B0604020202020204" pitchFamily="34" charset="0"/>
               </a:rPr>
               <a:t>tọa</a:t>
             </a:r>
             <a:r>
-              <a:rPr lang="en-US" dirty="0" smtClean="0">
-                <a:latin typeface="Arial" panose="020B0604020202020204" pitchFamily="34" charset="0"/>
-                <a:cs typeface="Arial" panose="020B0604020202020204" pitchFamily="34" charset="0"/>
-              </a:rPr>
-              <a:t> </a:t>
-            </a:r>
-            <a:r>
-              <a:rPr lang="en-US" dirty="0" err="1" smtClean="0">
+              <a:rPr lang="en-US" dirty="0">
+                <a:latin typeface="Arial" panose="020B0604020202020204" pitchFamily="34" charset="0"/>
+                <a:cs typeface="Arial" panose="020B0604020202020204" pitchFamily="34" charset="0"/>
+              </a:rPr>
+              <a:t> </a:t>
+            </a:r>
+            <a:r>
+              <a:rPr lang="en-US" dirty="0" err="1">
                 <a:latin typeface="Arial" panose="020B0604020202020204" pitchFamily="34" charset="0"/>
                 <a:cs typeface="Arial" panose="020B0604020202020204" pitchFamily="34" charset="0"/>
               </a:rPr>
               <a:t>độ</a:t>
             </a:r>
             <a:r>
-              <a:rPr lang="en-US" dirty="0" smtClean="0">
+              <a:rPr lang="en-US" dirty="0">
                 <a:latin typeface="Arial" panose="020B0604020202020204" pitchFamily="34" charset="0"/>
                 <a:cs typeface="Arial" panose="020B0604020202020204" pitchFamily="34" charset="0"/>
               </a:rPr>
               <a:t> [</a:t>
             </a:r>
             <a:r>
-              <a:rPr lang="en-US" dirty="0" err="1" smtClean="0">
+              <a:rPr lang="en-US" dirty="0" err="1">
                 <a:latin typeface="Arial" panose="020B0604020202020204" pitchFamily="34" charset="0"/>
                 <a:cs typeface="Arial" panose="020B0604020202020204" pitchFamily="34" charset="0"/>
               </a:rPr>
               <a:t>X,Y</a:t>
             </a:r>
             <a:r>
-              <a:rPr lang="en-US" dirty="0" smtClean="0">
+              <a:rPr lang="en-US" dirty="0">
                 <a:latin typeface="Arial" panose="020B0604020202020204" pitchFamily="34" charset="0"/>
                 <a:cs typeface="Arial" panose="020B0604020202020204" pitchFamily="34" charset="0"/>
               </a:rPr>
@@ -14434,189 +14339,189 @@
           </a:p>
           <a:p>
             <a:r>
-              <a:rPr lang="en-US" dirty="0" smtClean="0">
+              <a:rPr lang="en-US" dirty="0">
                 <a:latin typeface="Arial" panose="020B0604020202020204" pitchFamily="34" charset="0"/>
                 <a:cs typeface="Arial" panose="020B0604020202020204" pitchFamily="34" charset="0"/>
               </a:rPr>
               <a:t>List </a:t>
             </a:r>
             <a:r>
-              <a:rPr lang="en-US" dirty="0" err="1" smtClean="0">
+              <a:rPr lang="en-US" dirty="0" err="1">
                 <a:latin typeface="Arial" panose="020B0604020202020204" pitchFamily="34" charset="0"/>
                 <a:cs typeface="Arial" panose="020B0604020202020204" pitchFamily="34" charset="0"/>
               </a:rPr>
               <a:t>tọa</a:t>
             </a:r>
             <a:r>
-              <a:rPr lang="en-US" dirty="0" smtClean="0">
-                <a:latin typeface="Arial" panose="020B0604020202020204" pitchFamily="34" charset="0"/>
-                <a:cs typeface="Arial" panose="020B0604020202020204" pitchFamily="34" charset="0"/>
-              </a:rPr>
-              <a:t> </a:t>
-            </a:r>
-            <a:r>
-              <a:rPr lang="en-US" dirty="0" err="1" smtClean="0">
+              <a:rPr lang="en-US" dirty="0">
+                <a:latin typeface="Arial" panose="020B0604020202020204" pitchFamily="34" charset="0"/>
+                <a:cs typeface="Arial" panose="020B0604020202020204" pitchFamily="34" charset="0"/>
+              </a:rPr>
+              <a:t> </a:t>
+            </a:r>
+            <a:r>
+              <a:rPr lang="en-US" dirty="0" err="1">
                 <a:latin typeface="Arial" panose="020B0604020202020204" pitchFamily="34" charset="0"/>
                 <a:cs typeface="Arial" panose="020B0604020202020204" pitchFamily="34" charset="0"/>
               </a:rPr>
               <a:t>độ</a:t>
             </a:r>
             <a:r>
-              <a:rPr lang="en-US" dirty="0" smtClean="0">
-                <a:latin typeface="Arial" panose="020B0604020202020204" pitchFamily="34" charset="0"/>
-                <a:cs typeface="Arial" panose="020B0604020202020204" pitchFamily="34" charset="0"/>
-              </a:rPr>
-              <a:t> </a:t>
-            </a:r>
-            <a:r>
-              <a:rPr lang="en-US" dirty="0" err="1" smtClean="0">
+              <a:rPr lang="en-US" dirty="0">
+                <a:latin typeface="Arial" panose="020B0604020202020204" pitchFamily="34" charset="0"/>
+                <a:cs typeface="Arial" panose="020B0604020202020204" pitchFamily="34" charset="0"/>
+              </a:rPr>
+              <a:t> </a:t>
+            </a:r>
+            <a:r>
+              <a:rPr lang="en-US" dirty="0" err="1">
                 <a:latin typeface="Arial" panose="020B0604020202020204" pitchFamily="34" charset="0"/>
                 <a:cs typeface="Arial" panose="020B0604020202020204" pitchFamily="34" charset="0"/>
               </a:rPr>
               <a:t>của</a:t>
             </a:r>
             <a:r>
-              <a:rPr lang="en-US" dirty="0" smtClean="0">
-                <a:latin typeface="Arial" panose="020B0604020202020204" pitchFamily="34" charset="0"/>
-                <a:cs typeface="Arial" panose="020B0604020202020204" pitchFamily="34" charset="0"/>
-              </a:rPr>
-              <a:t> </a:t>
-            </a:r>
-            <a:r>
-              <a:rPr lang="en-US" dirty="0" err="1" smtClean="0">
+              <a:rPr lang="en-US" dirty="0">
+                <a:latin typeface="Arial" panose="020B0604020202020204" pitchFamily="34" charset="0"/>
+                <a:cs typeface="Arial" panose="020B0604020202020204" pitchFamily="34" charset="0"/>
+              </a:rPr>
+              <a:t> </a:t>
+            </a:r>
+            <a:r>
+              <a:rPr lang="en-US" dirty="0" err="1">
                 <a:latin typeface="Arial" panose="020B0604020202020204" pitchFamily="34" charset="0"/>
                 <a:cs typeface="Arial" panose="020B0604020202020204" pitchFamily="34" charset="0"/>
               </a:rPr>
               <a:t>các</a:t>
             </a:r>
             <a:r>
-              <a:rPr lang="en-US" dirty="0" smtClean="0">
-                <a:latin typeface="Arial" panose="020B0604020202020204" pitchFamily="34" charset="0"/>
-                <a:cs typeface="Arial" panose="020B0604020202020204" pitchFamily="34" charset="0"/>
-              </a:rPr>
-              <a:t> </a:t>
-            </a:r>
-            <a:r>
-              <a:rPr lang="en-US" dirty="0" err="1" smtClean="0">
+              <a:rPr lang="en-US" dirty="0">
+                <a:latin typeface="Arial" panose="020B0604020202020204" pitchFamily="34" charset="0"/>
+                <a:cs typeface="Arial" panose="020B0604020202020204" pitchFamily="34" charset="0"/>
+              </a:rPr>
+              <a:t> </a:t>
+            </a:r>
+            <a:r>
+              <a:rPr lang="en-US" dirty="0" err="1">
                 <a:latin typeface="Arial" panose="020B0604020202020204" pitchFamily="34" charset="0"/>
                 <a:cs typeface="Arial" panose="020B0604020202020204" pitchFamily="34" charset="0"/>
               </a:rPr>
               <a:t>quân</a:t>
             </a:r>
             <a:r>
-              <a:rPr lang="en-US" dirty="0" smtClean="0">
-                <a:latin typeface="Arial" panose="020B0604020202020204" pitchFamily="34" charset="0"/>
-                <a:cs typeface="Arial" panose="020B0604020202020204" pitchFamily="34" charset="0"/>
-              </a:rPr>
-              <a:t> </a:t>
-            </a:r>
-            <a:r>
-              <a:rPr lang="en-US" dirty="0" err="1" smtClean="0">
+              <a:rPr lang="en-US" dirty="0">
+                <a:latin typeface="Arial" panose="020B0604020202020204" pitchFamily="34" charset="0"/>
+                <a:cs typeface="Arial" panose="020B0604020202020204" pitchFamily="34" charset="0"/>
+              </a:rPr>
+              <a:t> </a:t>
+            </a:r>
+            <a:r>
+              <a:rPr lang="en-US" dirty="0" err="1">
                 <a:latin typeface="Arial" panose="020B0604020202020204" pitchFamily="34" charset="0"/>
                 <a:cs typeface="Arial" panose="020B0604020202020204" pitchFamily="34" charset="0"/>
               </a:rPr>
               <a:t>cờ</a:t>
             </a:r>
             <a:r>
-              <a:rPr lang="en-US" dirty="0" smtClean="0">
-                <a:latin typeface="Arial" panose="020B0604020202020204" pitchFamily="34" charset="0"/>
-                <a:cs typeface="Arial" panose="020B0604020202020204" pitchFamily="34" charset="0"/>
-              </a:rPr>
-              <a:t> </a:t>
-            </a:r>
-            <a:r>
-              <a:rPr lang="en-US" dirty="0" err="1" smtClean="0">
+              <a:rPr lang="en-US" dirty="0">
+                <a:latin typeface="Arial" panose="020B0604020202020204" pitchFamily="34" charset="0"/>
+                <a:cs typeface="Arial" panose="020B0604020202020204" pitchFamily="34" charset="0"/>
+              </a:rPr>
+              <a:t> </a:t>
+            </a:r>
+            <a:r>
+              <a:rPr lang="en-US" dirty="0" err="1">
                 <a:latin typeface="Arial" panose="020B0604020202020204" pitchFamily="34" charset="0"/>
                 <a:cs typeface="Arial" panose="020B0604020202020204" pitchFamily="34" charset="0"/>
               </a:rPr>
               <a:t>tồn</a:t>
             </a:r>
             <a:r>
-              <a:rPr lang="en-US" dirty="0" smtClean="0">
-                <a:latin typeface="Arial" panose="020B0604020202020204" pitchFamily="34" charset="0"/>
-                <a:cs typeface="Arial" panose="020B0604020202020204" pitchFamily="34" charset="0"/>
-              </a:rPr>
-              <a:t> </a:t>
-            </a:r>
-            <a:r>
-              <a:rPr lang="en-US" dirty="0" err="1" smtClean="0">
+              <a:rPr lang="en-US" dirty="0">
+                <a:latin typeface="Arial" panose="020B0604020202020204" pitchFamily="34" charset="0"/>
+                <a:cs typeface="Arial" panose="020B0604020202020204" pitchFamily="34" charset="0"/>
+              </a:rPr>
+              <a:t> </a:t>
+            </a:r>
+            <a:r>
+              <a:rPr lang="en-US" dirty="0" err="1">
                 <a:latin typeface="Arial" panose="020B0604020202020204" pitchFamily="34" charset="0"/>
                 <a:cs typeface="Arial" panose="020B0604020202020204" pitchFamily="34" charset="0"/>
               </a:rPr>
               <a:t>tại</a:t>
             </a:r>
             <a:r>
-              <a:rPr lang="en-US" dirty="0" smtClean="0">
-                <a:latin typeface="Arial" panose="020B0604020202020204" pitchFamily="34" charset="0"/>
-                <a:cs typeface="Arial" panose="020B0604020202020204" pitchFamily="34" charset="0"/>
-              </a:rPr>
-              <a:t> </a:t>
-            </a:r>
-            <a:r>
-              <a:rPr lang="en-US" dirty="0" err="1" smtClean="0">
+              <a:rPr lang="en-US" dirty="0">
+                <a:latin typeface="Arial" panose="020B0604020202020204" pitchFamily="34" charset="0"/>
+                <a:cs typeface="Arial" panose="020B0604020202020204" pitchFamily="34" charset="0"/>
+              </a:rPr>
+              <a:t> </a:t>
+            </a:r>
+            <a:r>
+              <a:rPr lang="en-US" dirty="0" err="1">
                 <a:latin typeface="Arial" panose="020B0604020202020204" pitchFamily="34" charset="0"/>
                 <a:cs typeface="Arial" panose="020B0604020202020204" pitchFamily="34" charset="0"/>
               </a:rPr>
               <a:t>quân</a:t>
             </a:r>
             <a:r>
-              <a:rPr lang="en-US" dirty="0" smtClean="0">
-                <a:latin typeface="Arial" panose="020B0604020202020204" pitchFamily="34" charset="0"/>
-                <a:cs typeface="Arial" panose="020B0604020202020204" pitchFamily="34" charset="0"/>
-              </a:rPr>
-              <a:t> </a:t>
-            </a:r>
-            <a:r>
-              <a:rPr lang="en-US" dirty="0" err="1" smtClean="0">
+              <a:rPr lang="en-US" dirty="0">
+                <a:latin typeface="Arial" panose="020B0604020202020204" pitchFamily="34" charset="0"/>
+                <a:cs typeface="Arial" panose="020B0604020202020204" pitchFamily="34" charset="0"/>
+              </a:rPr>
+              <a:t> </a:t>
+            </a:r>
+            <a:r>
+              <a:rPr lang="en-US" dirty="0" err="1">
                 <a:latin typeface="Arial" panose="020B0604020202020204" pitchFamily="34" charset="0"/>
                 <a:cs typeface="Arial" panose="020B0604020202020204" pitchFamily="34" charset="0"/>
               </a:rPr>
               <a:t>cờ</a:t>
             </a:r>
             <a:r>
-              <a:rPr lang="en-US" dirty="0" smtClean="0">
+              <a:rPr lang="en-US" dirty="0">
                 <a:latin typeface="Arial" panose="020B0604020202020204" pitchFamily="34" charset="0"/>
                 <a:cs typeface="Arial" panose="020B0604020202020204" pitchFamily="34" charset="0"/>
               </a:rPr>
               <a:t> ở </a:t>
             </a:r>
             <a:r>
-              <a:rPr lang="en-US" dirty="0" err="1" smtClean="0">
+              <a:rPr lang="en-US" dirty="0" err="1">
                 <a:latin typeface="Arial" panose="020B0604020202020204" pitchFamily="34" charset="0"/>
                 <a:cs typeface="Arial" panose="020B0604020202020204" pitchFamily="34" charset="0"/>
               </a:rPr>
               <a:t>các</a:t>
             </a:r>
             <a:r>
-              <a:rPr lang="en-US" dirty="0" smtClean="0">
-                <a:latin typeface="Arial" panose="020B0604020202020204" pitchFamily="34" charset="0"/>
-                <a:cs typeface="Arial" panose="020B0604020202020204" pitchFamily="34" charset="0"/>
-              </a:rPr>
-              <a:t> </a:t>
-            </a:r>
-            <a:r>
-              <a:rPr lang="en-US" dirty="0" err="1" smtClean="0">
+              <a:rPr lang="en-US" dirty="0">
+                <a:latin typeface="Arial" panose="020B0604020202020204" pitchFamily="34" charset="0"/>
+                <a:cs typeface="Arial" panose="020B0604020202020204" pitchFamily="34" charset="0"/>
+              </a:rPr>
+              <a:t> </a:t>
+            </a:r>
+            <a:r>
+              <a:rPr lang="en-US" dirty="0" err="1">
                 <a:latin typeface="Arial" panose="020B0604020202020204" pitchFamily="34" charset="0"/>
                 <a:cs typeface="Arial" panose="020B0604020202020204" pitchFamily="34" charset="0"/>
               </a:rPr>
               <a:t>tọa</a:t>
             </a:r>
             <a:r>
-              <a:rPr lang="en-US" dirty="0" smtClean="0">
-                <a:latin typeface="Arial" panose="020B0604020202020204" pitchFamily="34" charset="0"/>
-                <a:cs typeface="Arial" panose="020B0604020202020204" pitchFamily="34" charset="0"/>
-              </a:rPr>
-              <a:t> </a:t>
-            </a:r>
-            <a:r>
-              <a:rPr lang="en-US" dirty="0" err="1" smtClean="0">
+              <a:rPr lang="en-US" dirty="0">
+                <a:latin typeface="Arial" panose="020B0604020202020204" pitchFamily="34" charset="0"/>
+                <a:cs typeface="Arial" panose="020B0604020202020204" pitchFamily="34" charset="0"/>
+              </a:rPr>
+              <a:t> </a:t>
+            </a:r>
+            <a:r>
+              <a:rPr lang="en-US" dirty="0" err="1">
                 <a:latin typeface="Arial" panose="020B0604020202020204" pitchFamily="34" charset="0"/>
                 <a:cs typeface="Arial" panose="020B0604020202020204" pitchFamily="34" charset="0"/>
               </a:rPr>
               <a:t>độ</a:t>
             </a:r>
             <a:r>
-              <a:rPr lang="en-US" dirty="0" smtClean="0">
+              <a:rPr lang="en-US" dirty="0">
                 <a:latin typeface="Arial" panose="020B0604020202020204" pitchFamily="34" charset="0"/>
                 <a:cs typeface="Arial" panose="020B0604020202020204" pitchFamily="34" charset="0"/>
               </a:rPr>
@@ -14633,84 +14538,56 @@
               <a:t>	[</a:t>
             </a:r>
             <a:r>
-              <a:rPr lang="en-US" dirty="0" err="1" smtClean="0">
+              <a:rPr lang="en-US" dirty="0" err="1">
                 <a:latin typeface="Arial" panose="020B0604020202020204" pitchFamily="34" charset="0"/>
                 <a:cs typeface="Arial" panose="020B0604020202020204" pitchFamily="34" charset="0"/>
               </a:rPr>
               <a:t>X+1,Y</a:t>
             </a:r>
             <a:r>
-              <a:rPr lang="en-US" dirty="0" smtClean="0">
-                <a:latin typeface="Arial" panose="020B0604020202020204" pitchFamily="34" charset="0"/>
-                <a:cs typeface="Arial" panose="020B0604020202020204" pitchFamily="34" charset="0"/>
-              </a:rPr>
-              <a:t>],</a:t>
-            </a:r>
-            <a:r>
-              <a:rPr lang="en-US" dirty="0">
-                <a:latin typeface="Arial" panose="020B0604020202020204" pitchFamily="34" charset="0"/>
-                <a:cs typeface="Arial" panose="020B0604020202020204" pitchFamily="34" charset="0"/>
-              </a:rPr>
-              <a:t> [</a:t>
-            </a:r>
-            <a:r>
-              <a:rPr lang="en-US" dirty="0" err="1" smtClean="0">
+              <a:rPr lang="en-US" dirty="0">
+                <a:latin typeface="Arial" panose="020B0604020202020204" pitchFamily="34" charset="0"/>
+                <a:cs typeface="Arial" panose="020B0604020202020204" pitchFamily="34" charset="0"/>
+              </a:rPr>
+              <a:t>], [</a:t>
+            </a:r>
+            <a:r>
+              <a:rPr lang="en-US" dirty="0" err="1">
                 <a:latin typeface="Arial" panose="020B0604020202020204" pitchFamily="34" charset="0"/>
                 <a:cs typeface="Arial" panose="020B0604020202020204" pitchFamily="34" charset="0"/>
               </a:rPr>
               <a:t>X+2,Y</a:t>
             </a:r>
             <a:r>
-              <a:rPr lang="en-US" dirty="0" smtClean="0">
-                <a:latin typeface="Arial" panose="020B0604020202020204" pitchFamily="34" charset="0"/>
-                <a:cs typeface="Arial" panose="020B0604020202020204" pitchFamily="34" charset="0"/>
-              </a:rPr>
-              <a:t>]</a:t>
-            </a:r>
-            <a:r>
-              <a:rPr lang="en-US" dirty="0">
-                <a:latin typeface="Arial" panose="020B0604020202020204" pitchFamily="34" charset="0"/>
-                <a:cs typeface="Arial" panose="020B0604020202020204" pitchFamily="34" charset="0"/>
-              </a:rPr>
-              <a:t> </a:t>
-            </a:r>
-            <a:r>
-              <a:rPr lang="en-US" dirty="0" smtClean="0">
-                <a:latin typeface="Arial" panose="020B0604020202020204" pitchFamily="34" charset="0"/>
-                <a:cs typeface="Arial" panose="020B0604020202020204" pitchFamily="34" charset="0"/>
-              </a:rPr>
-              <a:t>,[</a:t>
-            </a:r>
-            <a:r>
-              <a:rPr lang="en-US" dirty="0" err="1" smtClean="0">
+              <a:rPr lang="en-US" dirty="0">
+                <a:latin typeface="Arial" panose="020B0604020202020204" pitchFamily="34" charset="0"/>
+                <a:cs typeface="Arial" panose="020B0604020202020204" pitchFamily="34" charset="0"/>
+              </a:rPr>
+              <a:t>] ,[</a:t>
+            </a:r>
+            <a:r>
+              <a:rPr lang="en-US" dirty="0" err="1">
                 <a:latin typeface="Arial" panose="020B0604020202020204" pitchFamily="34" charset="0"/>
                 <a:cs typeface="Arial" panose="020B0604020202020204" pitchFamily="34" charset="0"/>
               </a:rPr>
               <a:t>X+3,Y</a:t>
             </a:r>
             <a:r>
-              <a:rPr lang="en-US" dirty="0" smtClean="0">
-                <a:latin typeface="Arial" panose="020B0604020202020204" pitchFamily="34" charset="0"/>
-                <a:cs typeface="Arial" panose="020B0604020202020204" pitchFamily="34" charset="0"/>
-              </a:rPr>
-              <a:t>], </a:t>
-            </a:r>
-            <a:r>
-              <a:rPr lang="en-US" dirty="0">
-                <a:latin typeface="Arial" panose="020B0604020202020204" pitchFamily="34" charset="0"/>
-                <a:cs typeface="Arial" panose="020B0604020202020204" pitchFamily="34" charset="0"/>
-              </a:rPr>
-              <a:t>[</a:t>
-            </a:r>
-            <a:r>
-              <a:rPr lang="en-US" dirty="0" err="1" smtClean="0">
+              <a:rPr lang="en-US" dirty="0">
+                <a:latin typeface="Arial" panose="020B0604020202020204" pitchFamily="34" charset="0"/>
+                <a:cs typeface="Arial" panose="020B0604020202020204" pitchFamily="34" charset="0"/>
+              </a:rPr>
+              <a:t>], [</a:t>
+            </a:r>
+            <a:r>
+              <a:rPr lang="en-US" dirty="0" err="1">
                 <a:latin typeface="Arial" panose="020B0604020202020204" pitchFamily="34" charset="0"/>
                 <a:cs typeface="Arial" panose="020B0604020202020204" pitchFamily="34" charset="0"/>
               </a:rPr>
               <a:t>X+4,Y</a:t>
             </a:r>
             <a:r>
-              <a:rPr lang="en-US" dirty="0" smtClean="0">
+              <a:rPr lang="en-US" dirty="0">
                 <a:latin typeface="Arial" panose="020B0604020202020204" pitchFamily="34" charset="0"/>
                 <a:cs typeface="Arial" panose="020B0604020202020204" pitchFamily="34" charset="0"/>
               </a:rPr>
@@ -14720,14 +14597,14 @@
           <a:p>
             <a:pPr lvl="1"/>
             <a:r>
-              <a:rPr lang="en-US" dirty="0" err="1" smtClean="0">
+              <a:rPr lang="en-US" dirty="0" err="1">
                 <a:latin typeface="Arial" panose="020B0604020202020204" pitchFamily="34" charset="0"/>
                 <a:cs typeface="Arial" panose="020B0604020202020204" pitchFamily="34" charset="0"/>
               </a:rPr>
               <a:t>Hoặc</a:t>
             </a:r>
             <a:r>
-              <a:rPr lang="en-US" dirty="0" smtClean="0">
+              <a:rPr lang="en-US" dirty="0">
                 <a:latin typeface="Arial" panose="020B0604020202020204" pitchFamily="34" charset="0"/>
                 <a:cs typeface="Arial" panose="020B0604020202020204" pitchFamily="34" charset="0"/>
               </a:rPr>
@@ -14741,87 +14618,59 @@
                 <a:latin typeface="Arial" panose="020B0604020202020204" pitchFamily="34" charset="0"/>
                 <a:cs typeface="Arial" panose="020B0604020202020204" pitchFamily="34" charset="0"/>
               </a:rPr>
-              <a:t>	</a:t>
-            </a:r>
-            <a:r>
-              <a:rPr lang="en-US" dirty="0" smtClean="0">
-                <a:latin typeface="Arial" panose="020B0604020202020204" pitchFamily="34" charset="0"/>
-                <a:cs typeface="Arial" panose="020B0604020202020204" pitchFamily="34" charset="0"/>
-              </a:rPr>
-              <a:t>[</a:t>
-            </a:r>
-            <a:r>
-              <a:rPr lang="en-US" dirty="0" err="1" smtClean="0">
+              <a:t>	[</a:t>
+            </a:r>
+            <a:r>
+              <a:rPr lang="en-US" dirty="0" err="1">
                 <a:latin typeface="Arial" panose="020B0604020202020204" pitchFamily="34" charset="0"/>
                 <a:cs typeface="Arial" panose="020B0604020202020204" pitchFamily="34" charset="0"/>
               </a:rPr>
               <a:t>X,Y+1</a:t>
             </a:r>
             <a:r>
-              <a:rPr lang="en-US" dirty="0" smtClean="0">
-                <a:latin typeface="Arial" panose="020B0604020202020204" pitchFamily="34" charset="0"/>
-                <a:cs typeface="Arial" panose="020B0604020202020204" pitchFamily="34" charset="0"/>
-              </a:rPr>
-              <a:t>],</a:t>
-            </a:r>
-            <a:r>
-              <a:rPr lang="en-US" dirty="0">
-                <a:latin typeface="Arial" panose="020B0604020202020204" pitchFamily="34" charset="0"/>
-                <a:cs typeface="Arial" panose="020B0604020202020204" pitchFamily="34" charset="0"/>
-              </a:rPr>
-              <a:t> [</a:t>
-            </a:r>
-            <a:r>
-              <a:rPr lang="en-US" dirty="0" err="1" smtClean="0">
+              <a:rPr lang="en-US" dirty="0">
+                <a:latin typeface="Arial" panose="020B0604020202020204" pitchFamily="34" charset="0"/>
+                <a:cs typeface="Arial" panose="020B0604020202020204" pitchFamily="34" charset="0"/>
+              </a:rPr>
+              <a:t>], [</a:t>
+            </a:r>
+            <a:r>
+              <a:rPr lang="en-US" dirty="0" err="1">
                 <a:latin typeface="Arial" panose="020B0604020202020204" pitchFamily="34" charset="0"/>
                 <a:cs typeface="Arial" panose="020B0604020202020204" pitchFamily="34" charset="0"/>
               </a:rPr>
               <a:t>X,Y+2</a:t>
             </a:r>
             <a:r>
-              <a:rPr lang="en-US" dirty="0" smtClean="0">
-                <a:latin typeface="Arial" panose="020B0604020202020204" pitchFamily="34" charset="0"/>
-                <a:cs typeface="Arial" panose="020B0604020202020204" pitchFamily="34" charset="0"/>
-              </a:rPr>
-              <a:t>], </a:t>
-            </a:r>
-            <a:r>
-              <a:rPr lang="en-US" dirty="0">
-                <a:latin typeface="Arial" panose="020B0604020202020204" pitchFamily="34" charset="0"/>
-                <a:cs typeface="Arial" panose="020B0604020202020204" pitchFamily="34" charset="0"/>
-              </a:rPr>
-              <a:t>[</a:t>
-            </a:r>
-            <a:r>
-              <a:rPr lang="en-US" dirty="0" err="1" smtClean="0">
+              <a:rPr lang="en-US" dirty="0">
+                <a:latin typeface="Arial" panose="020B0604020202020204" pitchFamily="34" charset="0"/>
+                <a:cs typeface="Arial" panose="020B0604020202020204" pitchFamily="34" charset="0"/>
+              </a:rPr>
+              <a:t>], [</a:t>
+            </a:r>
+            <a:r>
+              <a:rPr lang="en-US" dirty="0" err="1">
                 <a:latin typeface="Arial" panose="020B0604020202020204" pitchFamily="34" charset="0"/>
                 <a:cs typeface="Arial" panose="020B0604020202020204" pitchFamily="34" charset="0"/>
               </a:rPr>
               <a:t>X,Y+3</a:t>
             </a:r>
             <a:r>
-              <a:rPr lang="en-US" dirty="0" smtClean="0">
-                <a:latin typeface="Arial" panose="020B0604020202020204" pitchFamily="34" charset="0"/>
-                <a:cs typeface="Arial" panose="020B0604020202020204" pitchFamily="34" charset="0"/>
-              </a:rPr>
-              <a:t>], </a:t>
-            </a:r>
-            <a:r>
-              <a:rPr lang="en-US" dirty="0">
-                <a:latin typeface="Arial" panose="020B0604020202020204" pitchFamily="34" charset="0"/>
-                <a:cs typeface="Arial" panose="020B0604020202020204" pitchFamily="34" charset="0"/>
-              </a:rPr>
-              <a:t>[</a:t>
-            </a:r>
-            <a:r>
-              <a:rPr lang="en-US" dirty="0" err="1" smtClean="0">
+              <a:rPr lang="en-US" dirty="0">
+                <a:latin typeface="Arial" panose="020B0604020202020204" pitchFamily="34" charset="0"/>
+                <a:cs typeface="Arial" panose="020B0604020202020204" pitchFamily="34" charset="0"/>
+              </a:rPr>
+              <a:t>], [</a:t>
+            </a:r>
+            <a:r>
+              <a:rPr lang="en-US" dirty="0" err="1">
                 <a:latin typeface="Arial" panose="020B0604020202020204" pitchFamily="34" charset="0"/>
                 <a:cs typeface="Arial" panose="020B0604020202020204" pitchFamily="34" charset="0"/>
               </a:rPr>
               <a:t>X,Y+4</a:t>
             </a:r>
             <a:r>
-              <a:rPr lang="en-US" dirty="0" smtClean="0">
+              <a:rPr lang="en-US" dirty="0">
                 <a:latin typeface="Arial" panose="020B0604020202020204" pitchFamily="34" charset="0"/>
                 <a:cs typeface="Arial" panose="020B0604020202020204" pitchFamily="34" charset="0"/>
               </a:rPr>
@@ -14855,7 +14704,7 @@
               <a:t>	[</a:t>
             </a:r>
             <a:r>
-              <a:rPr lang="en-US" dirty="0" err="1" smtClean="0">
+              <a:rPr lang="en-US" dirty="0" err="1">
                 <a:latin typeface="Arial" panose="020B0604020202020204" pitchFamily="34" charset="0"/>
                 <a:cs typeface="Arial" panose="020B0604020202020204" pitchFamily="34" charset="0"/>
               </a:rPr>
@@ -14869,7 +14718,7 @@
               <a:t>], [</a:t>
             </a:r>
             <a:r>
-              <a:rPr lang="en-US" dirty="0" err="1" smtClean="0">
+              <a:rPr lang="en-US" dirty="0" err="1">
                 <a:latin typeface="Arial" panose="020B0604020202020204" pitchFamily="34" charset="0"/>
                 <a:cs typeface="Arial" panose="020B0604020202020204" pitchFamily="34" charset="0"/>
               </a:rPr>
@@ -14883,7 +14732,7 @@
               <a:t>], [</a:t>
             </a:r>
             <a:r>
-              <a:rPr lang="en-US" dirty="0" err="1" smtClean="0">
+              <a:rPr lang="en-US" dirty="0" err="1">
                 <a:latin typeface="Arial" panose="020B0604020202020204" pitchFamily="34" charset="0"/>
                 <a:cs typeface="Arial" panose="020B0604020202020204" pitchFamily="34" charset="0"/>
               </a:rPr>
@@ -14897,14 +14746,14 @@
               <a:t>], [</a:t>
             </a:r>
             <a:r>
-              <a:rPr lang="en-US" dirty="0" err="1" smtClean="0">
+              <a:rPr lang="en-US" dirty="0" err="1">
                 <a:latin typeface="Arial" panose="020B0604020202020204" pitchFamily="34" charset="0"/>
                 <a:cs typeface="Arial" panose="020B0604020202020204" pitchFamily="34" charset="0"/>
               </a:rPr>
               <a:t>X+4,Y+4</a:t>
             </a:r>
             <a:r>
-              <a:rPr lang="en-US" dirty="0" smtClean="0">
+              <a:rPr lang="en-US" dirty="0">
                 <a:latin typeface="Arial" panose="020B0604020202020204" pitchFamily="34" charset="0"/>
                 <a:cs typeface="Arial" panose="020B0604020202020204" pitchFamily="34" charset="0"/>
               </a:rPr>
@@ -14935,108 +14784,59 @@
                 <a:latin typeface="Arial" panose="020B0604020202020204" pitchFamily="34" charset="0"/>
                 <a:cs typeface="Arial" panose="020B0604020202020204" pitchFamily="34" charset="0"/>
               </a:rPr>
-              <a:t>	[</a:t>
-            </a:r>
-            <a:r>
-              <a:rPr lang="en-US" dirty="0" smtClean="0">
-                <a:latin typeface="Arial" panose="020B0604020202020204" pitchFamily="34" charset="0"/>
-                <a:cs typeface="Arial" panose="020B0604020202020204" pitchFamily="34" charset="0"/>
-              </a:rPr>
-              <a:t>X-</a:t>
-            </a:r>
-            <a:r>
-              <a:rPr lang="en-US" dirty="0" err="1" smtClean="0">
+              <a:t>	[X-</a:t>
+            </a:r>
+            <a:r>
+              <a:rPr lang="en-US" dirty="0" err="1">
                 <a:latin typeface="Arial" panose="020B0604020202020204" pitchFamily="34" charset="0"/>
                 <a:cs typeface="Arial" panose="020B0604020202020204" pitchFamily="34" charset="0"/>
               </a:rPr>
               <a:t>1,Y</a:t>
             </a:r>
             <a:r>
-              <a:rPr lang="en-US" dirty="0" smtClean="0">
-                <a:latin typeface="Arial" panose="020B0604020202020204" pitchFamily="34" charset="0"/>
-                <a:cs typeface="Arial" panose="020B0604020202020204" pitchFamily="34" charset="0"/>
-              </a:rPr>
-              <a:t>-1</a:t>
-            </a:r>
-            <a:r>
-              <a:rPr lang="en-US" dirty="0">
-                <a:latin typeface="Arial" panose="020B0604020202020204" pitchFamily="34" charset="0"/>
-                <a:cs typeface="Arial" panose="020B0604020202020204" pitchFamily="34" charset="0"/>
-              </a:rPr>
-              <a:t>], [</a:t>
-            </a:r>
-            <a:r>
-              <a:rPr lang="en-US" dirty="0" smtClean="0">
-                <a:latin typeface="Arial" panose="020B0604020202020204" pitchFamily="34" charset="0"/>
-                <a:cs typeface="Arial" panose="020B0604020202020204" pitchFamily="34" charset="0"/>
-              </a:rPr>
-              <a:t>X-</a:t>
-            </a:r>
-            <a:r>
-              <a:rPr lang="en-US" dirty="0" err="1" smtClean="0">
+              <a:rPr lang="en-US" dirty="0">
+                <a:latin typeface="Arial" panose="020B0604020202020204" pitchFamily="34" charset="0"/>
+                <a:cs typeface="Arial" panose="020B0604020202020204" pitchFamily="34" charset="0"/>
+              </a:rPr>
+              <a:t>-1], [X-</a:t>
+            </a:r>
+            <a:r>
+              <a:rPr lang="en-US" dirty="0" err="1">
                 <a:latin typeface="Arial" panose="020B0604020202020204" pitchFamily="34" charset="0"/>
                 <a:cs typeface="Arial" panose="020B0604020202020204" pitchFamily="34" charset="0"/>
               </a:rPr>
               <a:t>2,Y</a:t>
             </a:r>
             <a:r>
-              <a:rPr lang="en-US" dirty="0" smtClean="0">
-                <a:latin typeface="Arial" panose="020B0604020202020204" pitchFamily="34" charset="0"/>
-                <a:cs typeface="Arial" panose="020B0604020202020204" pitchFamily="34" charset="0"/>
-              </a:rPr>
-              <a:t>-2</a:t>
-            </a:r>
-            <a:r>
-              <a:rPr lang="en-US" dirty="0">
-                <a:latin typeface="Arial" panose="020B0604020202020204" pitchFamily="34" charset="0"/>
-                <a:cs typeface="Arial" panose="020B0604020202020204" pitchFamily="34" charset="0"/>
-              </a:rPr>
-              <a:t>], [</a:t>
-            </a:r>
-            <a:r>
-              <a:rPr lang="en-US" dirty="0" smtClean="0">
-                <a:latin typeface="Arial" panose="020B0604020202020204" pitchFamily="34" charset="0"/>
-                <a:cs typeface="Arial" panose="020B0604020202020204" pitchFamily="34" charset="0"/>
-              </a:rPr>
-              <a:t>X-</a:t>
-            </a:r>
-            <a:r>
-              <a:rPr lang="en-US" dirty="0" err="1" smtClean="0">
+              <a:rPr lang="en-US" dirty="0">
+                <a:latin typeface="Arial" panose="020B0604020202020204" pitchFamily="34" charset="0"/>
+                <a:cs typeface="Arial" panose="020B0604020202020204" pitchFamily="34" charset="0"/>
+              </a:rPr>
+              <a:t>-2], [X-</a:t>
+            </a:r>
+            <a:r>
+              <a:rPr lang="en-US" dirty="0" err="1">
                 <a:latin typeface="Arial" panose="020B0604020202020204" pitchFamily="34" charset="0"/>
                 <a:cs typeface="Arial" panose="020B0604020202020204" pitchFamily="34" charset="0"/>
               </a:rPr>
               <a:t>3,Y</a:t>
             </a:r>
             <a:r>
-              <a:rPr lang="en-US" dirty="0" smtClean="0">
-                <a:latin typeface="Arial" panose="020B0604020202020204" pitchFamily="34" charset="0"/>
-                <a:cs typeface="Arial" panose="020B0604020202020204" pitchFamily="34" charset="0"/>
-              </a:rPr>
-              <a:t>-3</a:t>
-            </a:r>
-            <a:r>
-              <a:rPr lang="en-US" dirty="0">
-                <a:latin typeface="Arial" panose="020B0604020202020204" pitchFamily="34" charset="0"/>
-                <a:cs typeface="Arial" panose="020B0604020202020204" pitchFamily="34" charset="0"/>
-              </a:rPr>
-              <a:t>], [</a:t>
-            </a:r>
-            <a:r>
-              <a:rPr lang="en-US" dirty="0" smtClean="0">
-                <a:latin typeface="Arial" panose="020B0604020202020204" pitchFamily="34" charset="0"/>
-                <a:cs typeface="Arial" panose="020B0604020202020204" pitchFamily="34" charset="0"/>
-              </a:rPr>
-              <a:t>X-</a:t>
-            </a:r>
-            <a:r>
-              <a:rPr lang="en-US" dirty="0" err="1" smtClean="0">
+              <a:rPr lang="en-US" dirty="0">
+                <a:latin typeface="Arial" panose="020B0604020202020204" pitchFamily="34" charset="0"/>
+                <a:cs typeface="Arial" panose="020B0604020202020204" pitchFamily="34" charset="0"/>
+              </a:rPr>
+              <a:t>-3], [X-</a:t>
+            </a:r>
+            <a:r>
+              <a:rPr lang="en-US" dirty="0" err="1">
                 <a:latin typeface="Arial" panose="020B0604020202020204" pitchFamily="34" charset="0"/>
                 <a:cs typeface="Arial" panose="020B0604020202020204" pitchFamily="34" charset="0"/>
               </a:rPr>
               <a:t>4,Y</a:t>
             </a:r>
             <a:r>
-              <a:rPr lang="en-US" dirty="0" smtClean="0">
+              <a:rPr lang="en-US" dirty="0">
                 <a:latin typeface="Arial" panose="020B0604020202020204" pitchFamily="34" charset="0"/>
                 <a:cs typeface="Arial" panose="020B0604020202020204" pitchFamily="34" charset="0"/>
               </a:rPr>
@@ -15045,160 +14845,6 @@
           </a:p>
           <a:p>
             <a:pPr lvl="1"/>
-            <a:endParaRPr lang="en-US" dirty="0" smtClean="0">
-              <a:latin typeface="Arial" panose="020B0604020202020204" pitchFamily="34" charset="0"/>
-              <a:cs typeface="Arial" panose="020B0604020202020204" pitchFamily="34" charset="0"/>
-            </a:endParaRPr>
-          </a:p>
-          <a:p>
-            <a:pPr lvl="1"/>
-            <a:r>
-              <a:rPr lang="en-US" dirty="0" err="1" smtClean="0">
-                <a:latin typeface="Arial" panose="020B0604020202020204" pitchFamily="34" charset="0"/>
-                <a:cs typeface="Arial" panose="020B0604020202020204" pitchFamily="34" charset="0"/>
-              </a:rPr>
-              <a:t>Sẽ</a:t>
-            </a:r>
-            <a:r>
-              <a:rPr lang="en-US" dirty="0" smtClean="0">
-                <a:latin typeface="Arial" panose="020B0604020202020204" pitchFamily="34" charset="0"/>
-                <a:cs typeface="Arial" panose="020B0604020202020204" pitchFamily="34" charset="0"/>
-              </a:rPr>
-              <a:t> </a:t>
-            </a:r>
-            <a:r>
-              <a:rPr lang="en-US" dirty="0" err="1" smtClean="0">
-                <a:latin typeface="Arial" panose="020B0604020202020204" pitchFamily="34" charset="0"/>
-                <a:cs typeface="Arial" panose="020B0604020202020204" pitchFamily="34" charset="0"/>
-              </a:rPr>
-              <a:t>được</a:t>
-            </a:r>
-            <a:r>
-              <a:rPr lang="en-US" dirty="0" smtClean="0">
-                <a:latin typeface="Arial" panose="020B0604020202020204" pitchFamily="34" charset="0"/>
-                <a:cs typeface="Arial" panose="020B0604020202020204" pitchFamily="34" charset="0"/>
-              </a:rPr>
-              <a:t> </a:t>
-            </a:r>
-            <a:r>
-              <a:rPr lang="en-US" dirty="0" err="1" smtClean="0">
-                <a:latin typeface="Arial" panose="020B0604020202020204" pitchFamily="34" charset="0"/>
-                <a:cs typeface="Arial" panose="020B0604020202020204" pitchFamily="34" charset="0"/>
-              </a:rPr>
-              <a:t>tính</a:t>
-            </a:r>
-            <a:r>
-              <a:rPr lang="en-US" dirty="0" smtClean="0">
-                <a:latin typeface="Arial" panose="020B0604020202020204" pitchFamily="34" charset="0"/>
-                <a:cs typeface="Arial" panose="020B0604020202020204" pitchFamily="34" charset="0"/>
-              </a:rPr>
-              <a:t> </a:t>
-            </a:r>
-            <a:r>
-              <a:rPr lang="en-US" dirty="0" err="1" smtClean="0">
-                <a:latin typeface="Arial" panose="020B0604020202020204" pitchFamily="34" charset="0"/>
-                <a:cs typeface="Arial" panose="020B0604020202020204" pitchFamily="34" charset="0"/>
-              </a:rPr>
-              <a:t>là</a:t>
-            </a:r>
-            <a:r>
-              <a:rPr lang="en-US" dirty="0" smtClean="0">
-                <a:latin typeface="Arial" panose="020B0604020202020204" pitchFamily="34" charset="0"/>
-                <a:cs typeface="Arial" panose="020B0604020202020204" pitchFamily="34" charset="0"/>
-              </a:rPr>
-              <a:t> </a:t>
-            </a:r>
-            <a:r>
-              <a:rPr lang="en-US" dirty="0" err="1" smtClean="0">
-                <a:latin typeface="Arial" panose="020B0604020202020204" pitchFamily="34" charset="0"/>
-                <a:cs typeface="Arial" panose="020B0604020202020204" pitchFamily="34" charset="0"/>
-              </a:rPr>
-              <a:t>thắng</a:t>
-            </a:r>
-            <a:r>
-              <a:rPr lang="en-US" dirty="0" smtClean="0">
-                <a:latin typeface="Arial" panose="020B0604020202020204" pitchFamily="34" charset="0"/>
-                <a:cs typeface="Arial" panose="020B0604020202020204" pitchFamily="34" charset="0"/>
-              </a:rPr>
-              <a:t> </a:t>
-            </a:r>
-            <a:r>
-              <a:rPr lang="en-US" dirty="0" err="1" smtClean="0">
-                <a:latin typeface="Arial" panose="020B0604020202020204" pitchFamily="34" charset="0"/>
-                <a:cs typeface="Arial" panose="020B0604020202020204" pitchFamily="34" charset="0"/>
-              </a:rPr>
-              <a:t>ván</a:t>
-            </a:r>
-            <a:r>
-              <a:rPr lang="en-US" dirty="0" smtClean="0">
-                <a:latin typeface="Arial" panose="020B0604020202020204" pitchFamily="34" charset="0"/>
-                <a:cs typeface="Arial" panose="020B0604020202020204" pitchFamily="34" charset="0"/>
-              </a:rPr>
-              <a:t> </a:t>
-            </a:r>
-            <a:r>
-              <a:rPr lang="en-US" dirty="0" err="1" smtClean="0">
-                <a:latin typeface="Arial" panose="020B0604020202020204" pitchFamily="34" charset="0"/>
-                <a:cs typeface="Arial" panose="020B0604020202020204" pitchFamily="34" charset="0"/>
-              </a:rPr>
-              <a:t>đấu</a:t>
-            </a:r>
-            <a:r>
-              <a:rPr lang="en-US" dirty="0" smtClean="0">
-                <a:latin typeface="Arial" panose="020B0604020202020204" pitchFamily="34" charset="0"/>
-                <a:cs typeface="Arial" panose="020B0604020202020204" pitchFamily="34" charset="0"/>
-              </a:rPr>
-              <a:t> </a:t>
-            </a:r>
-            <a:r>
-              <a:rPr lang="en-US" dirty="0" err="1" smtClean="0">
-                <a:latin typeface="Arial" panose="020B0604020202020204" pitchFamily="34" charset="0"/>
-                <a:cs typeface="Arial" panose="020B0604020202020204" pitchFamily="34" charset="0"/>
-              </a:rPr>
-              <a:t>và</a:t>
-            </a:r>
-            <a:r>
-              <a:rPr lang="en-US" dirty="0" smtClean="0">
-                <a:latin typeface="Arial" panose="020B0604020202020204" pitchFamily="34" charset="0"/>
-                <a:cs typeface="Arial" panose="020B0604020202020204" pitchFamily="34" charset="0"/>
-              </a:rPr>
-              <a:t> </a:t>
-            </a:r>
-            <a:r>
-              <a:rPr lang="en-US" dirty="0" err="1" smtClean="0">
-                <a:latin typeface="Arial" panose="020B0604020202020204" pitchFamily="34" charset="0"/>
-                <a:cs typeface="Arial" panose="020B0604020202020204" pitchFamily="34" charset="0"/>
-              </a:rPr>
-              <a:t>được</a:t>
-            </a:r>
-            <a:r>
-              <a:rPr lang="en-US" dirty="0" smtClean="0">
-                <a:latin typeface="Arial" panose="020B0604020202020204" pitchFamily="34" charset="0"/>
-                <a:cs typeface="Arial" panose="020B0604020202020204" pitchFamily="34" charset="0"/>
-              </a:rPr>
-              <a:t> </a:t>
-            </a:r>
-            <a:r>
-              <a:rPr lang="en-US" dirty="0" err="1" smtClean="0">
-                <a:latin typeface="Arial" panose="020B0604020202020204" pitchFamily="34" charset="0"/>
-                <a:cs typeface="Arial" panose="020B0604020202020204" pitchFamily="34" charset="0"/>
-              </a:rPr>
-              <a:t>cộng</a:t>
-            </a:r>
-            <a:r>
-              <a:rPr lang="en-US" dirty="0" smtClean="0">
-                <a:latin typeface="Arial" panose="020B0604020202020204" pitchFamily="34" charset="0"/>
-                <a:cs typeface="Arial" panose="020B0604020202020204" pitchFamily="34" charset="0"/>
-              </a:rPr>
-              <a:t> </a:t>
-            </a:r>
-            <a:r>
-              <a:rPr lang="en-US" dirty="0" err="1" smtClean="0">
-                <a:latin typeface="Arial" panose="020B0604020202020204" pitchFamily="34" charset="0"/>
-                <a:cs typeface="Arial" panose="020B0604020202020204" pitchFamily="34" charset="0"/>
-              </a:rPr>
-              <a:t>điểm</a:t>
-            </a:r>
             <a:endParaRPr lang="en-US" dirty="0">
               <a:latin typeface="Arial" panose="020B0604020202020204" pitchFamily="34" charset="0"/>
               <a:cs typeface="Arial" panose="020B0604020202020204" pitchFamily="34" charset="0"/>
@@ -15206,7 +14852,161 @@
           </a:p>
           <a:p>
             <a:pPr lvl="1"/>
-            <a:endParaRPr lang="en-US" dirty="0" smtClean="0">
+            <a:r>
+              <a:rPr lang="en-US" dirty="0" err="1">
+                <a:latin typeface="Arial" panose="020B0604020202020204" pitchFamily="34" charset="0"/>
+                <a:cs typeface="Arial" panose="020B0604020202020204" pitchFamily="34" charset="0"/>
+              </a:rPr>
+              <a:t>Sẽ</a:t>
+            </a:r>
+            <a:r>
+              <a:rPr lang="en-US" dirty="0">
+                <a:latin typeface="Arial" panose="020B0604020202020204" pitchFamily="34" charset="0"/>
+                <a:cs typeface="Arial" panose="020B0604020202020204" pitchFamily="34" charset="0"/>
+              </a:rPr>
+              <a:t> </a:t>
+            </a:r>
+            <a:r>
+              <a:rPr lang="en-US" dirty="0" err="1">
+                <a:latin typeface="Arial" panose="020B0604020202020204" pitchFamily="34" charset="0"/>
+                <a:cs typeface="Arial" panose="020B0604020202020204" pitchFamily="34" charset="0"/>
+              </a:rPr>
+              <a:t>được</a:t>
+            </a:r>
+            <a:r>
+              <a:rPr lang="en-US" dirty="0">
+                <a:latin typeface="Arial" panose="020B0604020202020204" pitchFamily="34" charset="0"/>
+                <a:cs typeface="Arial" panose="020B0604020202020204" pitchFamily="34" charset="0"/>
+              </a:rPr>
+              <a:t> </a:t>
+            </a:r>
+            <a:r>
+              <a:rPr lang="en-US" dirty="0" err="1">
+                <a:latin typeface="Arial" panose="020B0604020202020204" pitchFamily="34" charset="0"/>
+                <a:cs typeface="Arial" panose="020B0604020202020204" pitchFamily="34" charset="0"/>
+              </a:rPr>
+              <a:t>tính</a:t>
+            </a:r>
+            <a:r>
+              <a:rPr lang="en-US" dirty="0">
+                <a:latin typeface="Arial" panose="020B0604020202020204" pitchFamily="34" charset="0"/>
+                <a:cs typeface="Arial" panose="020B0604020202020204" pitchFamily="34" charset="0"/>
+              </a:rPr>
+              <a:t> </a:t>
+            </a:r>
+            <a:r>
+              <a:rPr lang="en-US" dirty="0" err="1">
+                <a:latin typeface="Arial" panose="020B0604020202020204" pitchFamily="34" charset="0"/>
+                <a:cs typeface="Arial" panose="020B0604020202020204" pitchFamily="34" charset="0"/>
+              </a:rPr>
+              <a:t>là</a:t>
+            </a:r>
+            <a:r>
+              <a:rPr lang="en-US" dirty="0">
+                <a:latin typeface="Arial" panose="020B0604020202020204" pitchFamily="34" charset="0"/>
+                <a:cs typeface="Arial" panose="020B0604020202020204" pitchFamily="34" charset="0"/>
+              </a:rPr>
+              <a:t> </a:t>
+            </a:r>
+            <a:r>
+              <a:rPr lang="en-US" dirty="0" err="1">
+                <a:latin typeface="Arial" panose="020B0604020202020204" pitchFamily="34" charset="0"/>
+                <a:cs typeface="Arial" panose="020B0604020202020204" pitchFamily="34" charset="0"/>
+              </a:rPr>
+              <a:t>thắng</a:t>
+            </a:r>
+            <a:r>
+              <a:rPr lang="en-US" dirty="0">
+                <a:latin typeface="Arial" panose="020B0604020202020204" pitchFamily="34" charset="0"/>
+                <a:cs typeface="Arial" panose="020B0604020202020204" pitchFamily="34" charset="0"/>
+              </a:rPr>
+              <a:t> </a:t>
+            </a:r>
+            <a:r>
+              <a:rPr lang="en-US" dirty="0" err="1">
+                <a:latin typeface="Arial" panose="020B0604020202020204" pitchFamily="34" charset="0"/>
+                <a:cs typeface="Arial" panose="020B0604020202020204" pitchFamily="34" charset="0"/>
+              </a:rPr>
+              <a:t>ván</a:t>
+            </a:r>
+            <a:r>
+              <a:rPr lang="en-US" dirty="0">
+                <a:latin typeface="Arial" panose="020B0604020202020204" pitchFamily="34" charset="0"/>
+                <a:cs typeface="Arial" panose="020B0604020202020204" pitchFamily="34" charset="0"/>
+              </a:rPr>
+              <a:t> </a:t>
+            </a:r>
+            <a:r>
+              <a:rPr lang="en-US" dirty="0" err="1">
+                <a:latin typeface="Arial" panose="020B0604020202020204" pitchFamily="34" charset="0"/>
+                <a:cs typeface="Arial" panose="020B0604020202020204" pitchFamily="34" charset="0"/>
+              </a:rPr>
+              <a:t>đấu</a:t>
+            </a:r>
+            <a:r>
+              <a:rPr lang="en-US" dirty="0">
+                <a:latin typeface="Arial" panose="020B0604020202020204" pitchFamily="34" charset="0"/>
+                <a:cs typeface="Arial" panose="020B0604020202020204" pitchFamily="34" charset="0"/>
+              </a:rPr>
+              <a:t> </a:t>
+            </a:r>
+            <a:r>
+              <a:rPr lang="en-US" dirty="0" err="1">
+                <a:latin typeface="Arial" panose="020B0604020202020204" pitchFamily="34" charset="0"/>
+                <a:cs typeface="Arial" panose="020B0604020202020204" pitchFamily="34" charset="0"/>
+              </a:rPr>
+              <a:t>và</a:t>
+            </a:r>
+            <a:r>
+              <a:rPr lang="en-US" dirty="0">
+                <a:latin typeface="Arial" panose="020B0604020202020204" pitchFamily="34" charset="0"/>
+                <a:cs typeface="Arial" panose="020B0604020202020204" pitchFamily="34" charset="0"/>
+              </a:rPr>
+              <a:t> </a:t>
+            </a:r>
+            <a:r>
+              <a:rPr lang="en-US" dirty="0" err="1">
+                <a:latin typeface="Arial" panose="020B0604020202020204" pitchFamily="34" charset="0"/>
+                <a:cs typeface="Arial" panose="020B0604020202020204" pitchFamily="34" charset="0"/>
+              </a:rPr>
+              <a:t>được</a:t>
+            </a:r>
+            <a:r>
+              <a:rPr lang="en-US" dirty="0">
+                <a:latin typeface="Arial" panose="020B0604020202020204" pitchFamily="34" charset="0"/>
+                <a:cs typeface="Arial" panose="020B0604020202020204" pitchFamily="34" charset="0"/>
+              </a:rPr>
+              <a:t> </a:t>
+            </a:r>
+            <a:r>
+              <a:rPr lang="en-US" dirty="0" err="1">
+                <a:latin typeface="Arial" panose="020B0604020202020204" pitchFamily="34" charset="0"/>
+                <a:cs typeface="Arial" panose="020B0604020202020204" pitchFamily="34" charset="0"/>
+              </a:rPr>
+              <a:t>cộng</a:t>
+            </a:r>
+            <a:r>
+              <a:rPr lang="en-US" dirty="0">
+                <a:latin typeface="Arial" panose="020B0604020202020204" pitchFamily="34" charset="0"/>
+                <a:cs typeface="Arial" panose="020B0604020202020204" pitchFamily="34" charset="0"/>
+              </a:rPr>
+              <a:t> </a:t>
+            </a:r>
+            <a:r>
+              <a:rPr lang="en-US" dirty="0" err="1">
+                <a:latin typeface="Arial" panose="020B0604020202020204" pitchFamily="34" charset="0"/>
+                <a:cs typeface="Arial" panose="020B0604020202020204" pitchFamily="34" charset="0"/>
+              </a:rPr>
+              <a:t>điểm</a:t>
+            </a:r>
+            <a:endParaRPr lang="en-US" dirty="0">
+              <a:latin typeface="Arial" panose="020B0604020202020204" pitchFamily="34" charset="0"/>
+              <a:cs typeface="Arial" panose="020B0604020202020204" pitchFamily="34" charset="0"/>
+            </a:endParaRPr>
+          </a:p>
+          <a:p>
+            <a:pPr lvl="1"/>
+            <a:endParaRPr lang="en-US" dirty="0">
               <a:latin typeface="Arial" panose="020B0604020202020204" pitchFamily="34" charset="0"/>
               <a:cs typeface="Arial" panose="020B0604020202020204" pitchFamily="34" charset="0"/>
             </a:endParaRPr>
@@ -15253,13 +15053,6 @@
   <p:clrMapOvr>
     <a:masterClrMapping/>
   </p:clrMapOvr>
-  <p:timing>
-    <p:tnLst>
-      <p:par>
-        <p:cTn id="1" dur="indefinite" restart="never" nodeType="tmRoot"/>
-      </p:par>
-    </p:tnLst>
-  </p:timing>
 </p:sld>
 </file>
 
@@ -16055,13 +15848,13 @@
 
 <file path=customXml/item1.xml><?xml version="1.0" encoding="utf-8"?>
 <Control xmlns="http://schemas.microsoft.com/VisualStudio/2011/storyboarding/control">
-  <Id Name="System.Storyboarding.Icons.Video" Revision="1" Stencil="System.Storyboarding.Icons" StencilVersion="0.1"/>
+  <Id Name="System.Storyboarding.Icons.Flag" Revision="1" Stencil="System.Storyboarding.Icons" StencilVersion="0.1"/>
 </Control>
 </file>
 
 <file path=customXml/item10.xml><?xml version="1.0" encoding="utf-8"?>
 <Control xmlns="http://schemas.microsoft.com/VisualStudio/2011/storyboarding/control">
-  <Id Name="System.Storyboarding.Icons.ShoppingCart" Revision="1" Stencil="System.Storyboarding.Icons" StencilVersion="0.1"/>
+  <Id Name="System.Storyboarding.Icons.User" Revision="1" Stencil="System.Storyboarding.Icons" StencilVersion="0.1"/>
 </Control>
 </file>
 
@@ -16073,55 +15866,55 @@
 
 <file path=customXml/item12.xml><?xml version="1.0" encoding="utf-8"?>
 <Control xmlns="http://schemas.microsoft.com/VisualStudio/2011/storyboarding/control">
-  <Id Name="System.Storyboarding.WindowsAppIcons.Zoom" Revision="1" Stencil="System.Storyboarding.WindowsAppIcons" StencilVersion="0.1"/>
+  <Id Name="System.Storyboarding.WindowsAppIcons.Emoji" Revision="1" Stencil="System.Storyboarding.WindowsAppIcons" StencilVersion="0.1"/>
 </Control>
 </file>
 
 <file path=customXml/item13.xml><?xml version="1.0" encoding="utf-8"?>
 <Control xmlns="http://schemas.microsoft.com/VisualStudio/2011/storyboarding/control">
-  <Id Name="494adc7e-b793-486b-a227-896c38fa1ea8" Revision="1" Stencil="System.MyShapes" StencilVersion="1.0"/>
+  <Id Name="System.Storyboarding.WindowsAppIcons.Documents" Revision="1" Stencil="System.Storyboarding.WindowsAppIcons" StencilVersion="0.1"/>
 </Control>
 </file>
 
 <file path=customXml/item14.xml><?xml version="1.0" encoding="utf-8"?>
 <Control xmlns="http://schemas.microsoft.com/VisualStudio/2011/storyboarding/control">
-  <Id Name="System.Storyboarding.WindowsAppIcons.Emoji" Revision="1" Stencil="System.Storyboarding.WindowsAppIcons" StencilVersion="0.1"/>
+  <Id Name="System.Storyboarding.Icons.Lock" Revision="1" Stencil="System.Storyboarding.Icons" StencilVersion="0.1"/>
 </Control>
 </file>
 
 <file path=customXml/item15.xml><?xml version="1.0" encoding="utf-8"?>
 <Control xmlns="http://schemas.microsoft.com/VisualStudio/2011/storyboarding/control">
-  <Id Name="System.Storyboarding.WindowsAppIcons.Zoom" Revision="1" Stencil="System.Storyboarding.WindowsAppIcons" StencilVersion="0.1"/>
+  <Id Name="System.Storyboarding.WindowsAppIcons.Donotwant" Revision="1" Stencil="System.Storyboarding.WindowsAppIcons" StencilVersion="0.1"/>
 </Control>
 </file>
 
 <file path=customXml/item16.xml><?xml version="1.0" encoding="utf-8"?>
 <Control xmlns="http://schemas.microsoft.com/VisualStudio/2011/storyboarding/control">
-  <Id Name="System.Storyboarding.WindowsAppIcons.Shuffle" Revision="1" Stencil="System.Storyboarding.WindowsAppIcons" StencilVersion="0.1"/>
+  <Id Name="System.Storyboarding.Icons.File" Revision="1" Stencil="System.Storyboarding.Icons" StencilVersion="0.1"/>
 </Control>
 </file>
 
 <file path=customXml/item17.xml><?xml version="1.0" encoding="utf-8"?>
+<Control xmlns="http://schemas.microsoft.com/VisualStudio/2011/storyboarding/control">
+  <Id Name="System.Storyboarding.WindowsAppIcons.Sort" Revision="1" Stencil="System.Storyboarding.WindowsAppIcons" StencilVersion="0.1"/>
+</Control>
+</file>
+
+<file path=customXml/item18.xml><?xml version="1.0" encoding="utf-8"?>
 <Control xmlns="http://schemas.microsoft.com/VisualStudio/2011/storyboarding/control">
   <Id Name="8d1d15e7-09c3-45f6-944b-e26ce75e8b9e" RevisionId="26877799-5fd1-4de6-830e-e7328b90fd22" Stencil="172d6d98-e5c9-42e9-a209-79f7a94bbd38" StencilRevisionId="00000000-0000-0000-0000-000000000000" StencilVersion="0.0"/>
 </Control>
 </file>
 
-<file path=customXml/item18.xml><?xml version="1.0" encoding="utf-8"?>
-<Control xmlns="http://schemas.microsoft.com/VisualStudio/2011/storyboarding/control">
-  <Id Name="System.Storyboarding.Icons.Image" Revision="1" Stencil="System.Storyboarding.Icons" StencilVersion="0.1"/>
-</Control>
-</file>
-
 <file path=customXml/item19.xml><?xml version="1.0" encoding="utf-8"?>
 <Control xmlns="http://schemas.microsoft.com/VisualStudio/2011/storyboarding/control">
-  <Id Name="System.Storyboarding.Icons.ShoppingCart" Revision="1" Stencil="System.Storyboarding.Icons" StencilVersion="0.1"/>
+  <Id Name="System.Storyboarding.Icons.Microphone" Revision="1" Stencil="System.Storyboarding.Icons" StencilVersion="0.1"/>
 </Control>
 </file>
 
 <file path=customXml/item2.xml><?xml version="1.0" encoding="utf-8"?>
 <Control xmlns="http://schemas.microsoft.com/VisualStudio/2011/storyboarding/control">
-  <Id Name="System.Storyboarding.Icons.Camera" Revision="1" Stencil="System.Storyboarding.Icons" StencilVersion="0.1"/>
+  <Id Name="System.Storyboarding.WindowsAppIcons.Undo" Revision="1" Stencil="System.Storyboarding.WindowsAppIcons" StencilVersion="0.1"/>
 </Control>
 </file>
 
@@ -16133,37 +15926,37 @@
 
 <file path=customXml/item21.xml><?xml version="1.0" encoding="utf-8"?>
 <Control xmlns="http://schemas.microsoft.com/VisualStudio/2011/storyboarding/control">
-  <Id Name="System.Storyboarding.WindowsAppIcons.Mail" Revision="1" Stencil="System.Storyboarding.WindowsAppIcons" StencilVersion="0.1"/>
+  <Id Name="System.Storyboarding.WindowsAppIcons.Documents" Revision="1" Stencil="System.Storyboarding.WindowsAppIcons" StencilVersion="0.1"/>
 </Control>
 </file>
 
 <file path=customXml/item22.xml><?xml version="1.0" encoding="utf-8"?>
+<Control xmlns="http://schemas.microsoft.com/VisualStudio/2011/storyboarding/control">
+  <Id Name="System.Storyboarding.WindowsAppIcons.Like" Revision="1" Stencil="System.Storyboarding.WindowsAppIcons" StencilVersion="0.1"/>
+</Control>
+</file>
+
+<file path=customXml/item23.xml><?xml version="1.0" encoding="utf-8"?>
 <Control xmlns="http://schemas.microsoft.com/VisualStudio/2011/storyboarding/control">
   <Id Name="System.Storyboarding.WindowsAppIcons.Sort" Revision="1" Stencil="System.Storyboarding.WindowsAppIcons" StencilVersion="0.1"/>
 </Control>
 </file>
 
-<file path=customXml/item23.xml><?xml version="1.0" encoding="utf-8"?>
-<Control xmlns="http://schemas.microsoft.com/VisualStudio/2011/storyboarding/control">
-  <Id Name="System.Storyboarding.Icons.File" Revision="1" Stencil="System.Storyboarding.Icons" StencilVersion="0.1"/>
-</Control>
-</file>
-
 <file path=customXml/item24.xml><?xml version="1.0" encoding="utf-8"?>
 <Control xmlns="http://schemas.microsoft.com/VisualStudio/2011/storyboarding/control">
-  <Id Name="8d1d15e7-09c3-45f6-944b-e26ce75e8b9e" RevisionId="26877799-5fd1-4de6-830e-e7328b90fd22" Stencil="172d6d98-e5c9-42e9-a209-79f7a94bbd38" StencilRevisionId="00000000-0000-0000-0000-000000000000" StencilVersion="0.0"/>
+  <Id Name="System.Storyboarding.WindowsAppIcons.Donotwant" Revision="1" Stencil="System.Storyboarding.WindowsAppIcons" StencilVersion="0.1"/>
 </Control>
 </file>
 
 <file path=customXml/item25.xml><?xml version="1.0" encoding="utf-8"?>
 <Control xmlns="http://schemas.microsoft.com/VisualStudio/2011/storyboarding/control">
-  <Id Name="System.Storyboarding.WindowsAppIcons.Happy" Revision="1" Stencil="System.Storyboarding.WindowsAppIcons" StencilVersion="0.1"/>
+  <Id Name="System.Storyboarding.Icons.ShoppingCart" Revision="1" Stencil="System.Storyboarding.Icons" StencilVersion="0.1"/>
 </Control>
 </file>
 
 <file path=customXml/item26.xml><?xml version="1.0" encoding="utf-8"?>
 <Control xmlns="http://schemas.microsoft.com/VisualStudio/2011/storyboarding/control">
-  <Id Name="System.Storyboarding.WindowsAppIcons.Web" Revision="1" Stencil="System.Storyboarding.WindowsAppIcons" StencilVersion="0.1"/>
+  <Id Name="System.Storyboarding.WindowsAppIcons.Sort" Revision="1" Stencil="System.Storyboarding.WindowsAppIcons" StencilVersion="0.1"/>
 </Control>
 </file>
 
@@ -16175,31 +15968,31 @@
 
 <file path=customXml/item28.xml><?xml version="1.0" encoding="utf-8"?>
 <Control xmlns="http://schemas.microsoft.com/VisualStudio/2011/storyboarding/control">
-  <Id Name="System.Storyboarding.Icons.Video" Revision="1" Stencil="System.Storyboarding.Icons" StencilVersion="0.1"/>
+  <Id Name="System.Storyboarding.WindowsAppIcons.Retweet" Revision="1" Stencil="System.Storyboarding.WindowsAppIcons" StencilVersion="0.1"/>
 </Control>
 </file>
 
 <file path=customXml/item29.xml><?xml version="1.0" encoding="utf-8"?>
 <Control xmlns="http://schemas.microsoft.com/VisualStudio/2011/storyboarding/control">
-  <Id Name="System.Storyboarding.Icons.User" Revision="1" Stencil="System.Storyboarding.Icons" StencilVersion="0.1"/>
+  <Id Name="System.Storyboarding.WindowsAppIcons.Retweet" Revision="1" Stencil="System.Storyboarding.WindowsAppIcons" StencilVersion="0.1"/>
 </Control>
 </file>
 
 <file path=customXml/item3.xml><?xml version="1.0" encoding="utf-8"?>
 <Control xmlns="http://schemas.microsoft.com/VisualStudio/2011/storyboarding/control">
-  <Id Name="System.Storyboarding.Icons.Image" Revision="1" Stencil="System.Storyboarding.Icons" StencilVersion="0.1"/>
+  <Id Name="System.Storyboarding.WindowsAppIcons.Hyperlink" Revision="1" Stencil="System.Storyboarding.WindowsAppIcons" StencilVersion="0.1"/>
 </Control>
 </file>
 
 <file path=customXml/item30.xml><?xml version="1.0" encoding="utf-8"?>
 <Control xmlns="http://schemas.microsoft.com/VisualStudio/2011/storyboarding/control">
-  <Id Name="System.Storyboarding.Icons.ShoppingCart" Revision="1" Stencil="System.Storyboarding.Icons" StencilVersion="0.1"/>
+  <Id Name="System.Storyboarding.WindowsAppIcons.Donotwant" Revision="1" Stencil="System.Storyboarding.WindowsAppIcons" StencilVersion="0.1"/>
 </Control>
 </file>
 
 <file path=customXml/item31.xml><?xml version="1.0" encoding="utf-8"?>
 <Control xmlns="http://schemas.microsoft.com/VisualStudio/2011/storyboarding/control">
-  <Id Name="System.Storyboarding.WindowsAppIcons.Shuffle" Revision="1" Stencil="System.Storyboarding.WindowsAppIcons" StencilVersion="0.1"/>
+  <Id Name="System.Storyboarding.Icons.Video" Revision="1" Stencil="System.Storyboarding.Icons" StencilVersion="0.1"/>
 </Control>
 </file>
 
@@ -16211,127 +16004,127 @@
 
 <file path=customXml/item33.xml><?xml version="1.0" encoding="utf-8"?>
 <Control xmlns="http://schemas.microsoft.com/VisualStudio/2011/storyboarding/control">
-  <Id Name="System.Storyboarding.Icons.Video" Revision="1" Stencil="System.Storyboarding.Icons" StencilVersion="0.1"/>
+  <Id Name="System.Storyboarding.Icons.ShoppingCart" Revision="1" Stencil="System.Storyboarding.Icons" StencilVersion="0.1"/>
 </Control>
 </file>
 
 <file path=customXml/item34.xml><?xml version="1.0" encoding="utf-8"?>
-<Control xmlns="http://schemas.microsoft.com/VisualStudio/2011/storyboarding/control">
-  <Id Name="System.Storyboarding.WindowsAppIcons.Undo" Revision="1" Stencil="System.Storyboarding.WindowsAppIcons" StencilVersion="0.1"/>
-</Control>
-</file>
-
-<file path=customXml/item35.xml><?xml version="1.0" encoding="utf-8"?>
 <Control xmlns="http://schemas.microsoft.com/VisualStudio/2011/storyboarding/control">
   <Id Name="System.Storyboarding.Icons.Call" Revision="1" Stencil="System.Storyboarding.Icons" StencilVersion="0.1"/>
 </Control>
 </file>
 
+<file path=customXml/item35.xml><?xml version="1.0" encoding="utf-8"?>
+<Control xmlns="http://schemas.microsoft.com/VisualStudio/2011/storyboarding/control">
+  <Id Name="8d1d15e7-09c3-45f6-944b-e26ce75e8b9e" RevisionId="26877799-5fd1-4de6-830e-e7328b90fd22" Stencil="172d6d98-e5c9-42e9-a209-79f7a94bbd38" StencilRevisionId="00000000-0000-0000-0000-000000000000" StencilVersion="0.0"/>
+</Control>
+</file>
+
 <file path=customXml/item36.xml><?xml version="1.0" encoding="utf-8"?>
 <Control xmlns="http://schemas.microsoft.com/VisualStudio/2011/storyboarding/control">
-  <Id Name="System.Storyboarding.WindowsAppIcons.Retweet" Revision="1" Stencil="System.Storyboarding.WindowsAppIcons" StencilVersion="0.1"/>
+  <Id Name="System.Storyboarding.Icons.Video" Revision="1" Stencil="System.Storyboarding.Icons" StencilVersion="0.1"/>
 </Control>
 </file>
 
 <file path=customXml/item37.xml><?xml version="1.0" encoding="utf-8"?>
 <Control xmlns="http://schemas.microsoft.com/VisualStudio/2011/storyboarding/control">
-  <Id Name="System.Storyboarding.WindowsAppIcons.Documents" Revision="1" Stencil="System.Storyboarding.WindowsAppIcons" StencilVersion="0.1"/>
+  <Id Name="System.Storyboarding.Icons.Error" Revision="1" Stencil="System.Storyboarding.Icons" StencilVersion="0.1"/>
 </Control>
 </file>
 
 <file path=customXml/item38.xml><?xml version="1.0" encoding="utf-8"?>
+<Control xmlns="http://schemas.microsoft.com/VisualStudio/2011/storyboarding/control">
+  <Id Name="System.Storyboarding.WindowsAppIcons.Emoji" Revision="1" Stencil="System.Storyboarding.WindowsAppIcons" StencilVersion="0.1"/>
+</Control>
+</file>
+
+<file path=customXml/item39.xml><?xml version="1.0" encoding="utf-8"?>
 <Control xmlns="http://schemas.microsoft.com/VisualStudio/2011/storyboarding/control">
   <Id Name="System.Storyboarding.WindowsAppIcons.Donotwant" Revision="1" Stencil="System.Storyboarding.WindowsAppIcons" StencilVersion="0.1"/>
 </Control>
 </file>
 
-<file path=customXml/item39.xml><?xml version="1.0" encoding="utf-8"?>
+<file path=customXml/item4.xml><?xml version="1.0" encoding="utf-8"?>
 <Control xmlns="http://schemas.microsoft.com/VisualStudio/2011/storyboarding/control">
-  <Id Name="System.Storyboarding.WindowsAppIcons.Edit" Revision="1" Stencil="System.Storyboarding.WindowsAppIcons" StencilVersion="0.1"/>
+  <Id Name="System.Storyboarding.Icons.Unlock" Revision="1" Stencil="System.Storyboarding.Icons" StencilVersion="0.1"/>
 </Control>
 </file>
 
-<file path=customXml/item4.xml><?xml version="1.0" encoding="utf-8"?>
+<file path=customXml/item40.xml><?xml version="1.0" encoding="utf-8"?>
+<Control xmlns="http://schemas.microsoft.com/VisualStudio/2011/storyboarding/control">
+  <Id Name="8d1d15e7-09c3-45f6-944b-e26ce75e8b9e" RevisionId="26877799-5fd1-4de6-830e-e7328b90fd22" Stencil="172d6d98-e5c9-42e9-a209-79f7a94bbd38" StencilRevisionId="00000000-0000-0000-0000-000000000000" StencilVersion="0.0"/>
+</Control>
+</file>
+
+<file path=customXml/item41.xml><?xml version="1.0" encoding="utf-8"?>
+<Control xmlns="http://schemas.microsoft.com/VisualStudio/2011/storyboarding/control">
+  <Id Name="System.Storyboarding.WindowsAppIcons.Emoji" Revision="1" Stencil="System.Storyboarding.WindowsAppIcons" StencilVersion="0.1"/>
+</Control>
+</file>
+
+<file path=customXml/item42.xml><?xml version="1.0" encoding="utf-8"?>
+<Control xmlns="http://schemas.microsoft.com/VisualStudio/2011/storyboarding/control">
+  <Id Name="System.Storyboarding.Icons.Image" Revision="1" Stencil="System.Storyboarding.Icons" StencilVersion="0.1"/>
+</Control>
+</file>
+
+<file path=customXml/item43.xml><?xml version="1.0" encoding="utf-8"?>
 <Control xmlns="http://schemas.microsoft.com/VisualStudio/2011/storyboarding/control">
   <Id Name="System.Storyboarding.WindowsAppIcons.Zoom" Revision="1" Stencil="System.Storyboarding.WindowsAppIcons" StencilVersion="0.1"/>
 </Control>
 </file>
 
-<file path=customXml/item40.xml><?xml version="1.0" encoding="utf-8"?>
+<file path=customXml/item44.xml><?xml version="1.0" encoding="utf-8"?>
 <Control xmlns="http://schemas.microsoft.com/VisualStudio/2011/storyboarding/control">
-  <Id Name="System.Storyboarding.Icons.Microphone" Revision="1" Stencil="System.Storyboarding.Icons" StencilVersion="0.1"/>
+  <Id Name="8d1d15e7-09c3-45f6-944b-e26ce75e8b9e" RevisionId="26877799-5fd1-4de6-830e-e7328b90fd22" Stencil="172d6d98-e5c9-42e9-a209-79f7a94bbd38" StencilRevisionId="00000000-0000-0000-0000-000000000000" StencilVersion="0.0"/>
 </Control>
 </file>
 
-<file path=customXml/item41.xml><?xml version="1.0" encoding="utf-8"?>
+<file path=customXml/item45.xml><?xml version="1.0" encoding="utf-8"?>
+<Control xmlns="http://schemas.microsoft.com/VisualStudio/2011/storyboarding/control">
+  <Id Name="System.Storyboarding.WindowsAppIcons.Happy" Revision="1" Stencil="System.Storyboarding.WindowsAppIcons" StencilVersion="0.1"/>
+</Control>
+</file>
+
+<file path=customXml/item46.xml><?xml version="1.0" encoding="utf-8"?>
+<Control xmlns="http://schemas.microsoft.com/VisualStudio/2011/storyboarding/control">
+  <Id Name="System.Storyboarding.Icons.Video" Revision="1" Stencil="System.Storyboarding.Icons" StencilVersion="0.1"/>
+</Control>
+</file>
+
+<file path=customXml/item47.xml><?xml version="1.0" encoding="utf-8"?>
 <Control xmlns="http://schemas.microsoft.com/VisualStudio/2011/storyboarding/control">
   <Id Name="System.Storyboarding.WindowsAppIcons.Donotwant" Revision="1" Stencil="System.Storyboarding.WindowsAppIcons" StencilVersion="0.1"/>
 </Control>
 </file>
 
-<file path=customXml/item42.xml><?xml version="1.0" encoding="utf-8"?>
-<Control xmlns="http://schemas.microsoft.com/VisualStudio/2011/storyboarding/control">
-  <Id Name="System.Storyboarding.WindowsAppIcons.Retweet" Revision="1" Stencil="System.Storyboarding.WindowsAppIcons" StencilVersion="0.1"/>
-</Control>
-</file>
-
-<file path=customXml/item43.xml><?xml version="1.0" encoding="utf-8"?>
-<Control xmlns="http://schemas.microsoft.com/VisualStudio/2011/storyboarding/control">
-  <Id Name="System.Storyboarding.WindowsAppIcons.Retweet" Revision="1" Stencil="System.Storyboarding.WindowsAppIcons" StencilVersion="0.1"/>
-</Control>
-</file>
-
-<file path=customXml/item44.xml><?xml version="1.0" encoding="utf-8"?>
-<Control xmlns="http://schemas.microsoft.com/VisualStudio/2011/storyboarding/control">
-  <Id Name="System.Storyboarding.WindowsAppIcons.Retweet" Revision="1" Stencil="System.Storyboarding.WindowsAppIcons" StencilVersion="0.1"/>
-</Control>
-</file>
-
-<file path=customXml/item45.xml><?xml version="1.0" encoding="utf-8"?>
-<Control xmlns="http://schemas.microsoft.com/VisualStudio/2011/storyboarding/control">
-  <Id Name="System.Storyboarding.WindowsAppIcons.Shuffle" Revision="1" Stencil="System.Storyboarding.WindowsAppIcons" StencilVersion="0.1"/>
-</Control>
-</file>
-
-<file path=customXml/item46.xml><?xml version="1.0" encoding="utf-8"?>
+<file path=customXml/item48.xml><?xml version="1.0" encoding="utf-8"?>
 <Control xmlns="http://schemas.microsoft.com/VisualStudio/2011/storyboarding/control">
   <Id Name="System.Storyboarding.WindowsAppIcons.Sort" Revision="1" Stencil="System.Storyboarding.WindowsAppIcons" StencilVersion="0.1"/>
 </Control>
 </file>
 
-<file path=customXml/item47.xml><?xml version="1.0" encoding="utf-8"?>
+<file path=customXml/item49.xml><?xml version="1.0" encoding="utf-8"?>
 <Control xmlns="http://schemas.microsoft.com/VisualStudio/2011/storyboarding/control">
-  <Id Name="System.Storyboarding.Icons.User" Revision="1" Stencil="System.Storyboarding.Icons" StencilVersion="0.1"/>
+  <Id Name="System.Storyboarding.Icons.HandCursor" Revision="1" Stencil="System.Storyboarding.Icons" StencilVersion="0.1"/>
 </Control>
 </file>
 
-<file path=customXml/item48.xml><?xml version="1.0" encoding="utf-8"?>
+<file path=customXml/item5.xml><?xml version="1.0" encoding="utf-8"?>
 <Control xmlns="http://schemas.microsoft.com/VisualStudio/2011/storyboarding/control">
-  <Id Name="System.Storyboarding.WindowsAppIcons.Retweet" Revision="1" Stencil="System.Storyboarding.WindowsAppIcons" StencilVersion="0.1"/>
+  <Id Name="System.Storyboarding.WindowsAppIcons.Zoom" Revision="1" Stencil="System.Storyboarding.WindowsAppIcons" StencilVersion="0.1"/>
 </Control>
 </file>
 
-<file path=customXml/item49.xml><?xml version="1.0" encoding="utf-8"?>
+<file path=customXml/item50.xml><?xml version="1.0" encoding="utf-8"?>
 <Control xmlns="http://schemas.microsoft.com/VisualStudio/2011/storyboarding/control">
   <Id Name="System.Storyboarding.WindowsAppIcons.Donotwant" Revision="1" Stencil="System.Storyboarding.WindowsAppIcons" StencilVersion="0.1"/>
 </Control>
 </file>
 
-<file path=customXml/item5.xml><?xml version="1.0" encoding="utf-8"?>
-<Control xmlns="http://schemas.microsoft.com/VisualStudio/2011/storyboarding/control">
-  <Id Name="System.Storyboarding.WindowsAppIcons.Like" Revision="1" Stencil="System.Storyboarding.WindowsAppIcons" StencilVersion="0.1"/>
-</Control>
-</file>
-
-<file path=customXml/item50.xml><?xml version="1.0" encoding="utf-8"?>
-<Control xmlns="http://schemas.microsoft.com/VisualStudio/2011/storyboarding/control">
-  <Id Name="System.Storyboarding.WindowsAppIcons.Hyperlink" Revision="1" Stencil="System.Storyboarding.WindowsAppIcons" StencilVersion="0.1"/>
-</Control>
-</file>
-
 <file path=customXml/item51.xml><?xml version="1.0" encoding="utf-8"?>
 <Control xmlns="http://schemas.microsoft.com/VisualStudio/2011/storyboarding/control">
-  <Id Name="8d1d15e7-09c3-45f6-944b-e26ce75e8b9e" RevisionId="26877799-5fd1-4de6-830e-e7328b90fd22" Stencil="172d6d98-e5c9-42e9-a209-79f7a94bbd38" StencilRevisionId="00000000-0000-0000-0000-000000000000" StencilVersion="0.0"/>
+  <Id Name="System.Storyboarding.WindowsAppIcons.Shuffle" Revision="1" Stencil="System.Storyboarding.WindowsAppIcons" StencilVersion="0.1"/>
 </Control>
 </file>
 
@@ -16343,7 +16136,7 @@
 
 <file path=customXml/item53.xml><?xml version="1.0" encoding="utf-8"?>
 <Control xmlns="http://schemas.microsoft.com/VisualStudio/2011/storyboarding/control">
-  <Id Name="System.Storyboarding.Icons.Lock" Revision="1" Stencil="System.Storyboarding.Icons" StencilVersion="0.1"/>
+  <Id Name="System.Storyboarding.WindowsAppIcons.Sort" Revision="1" Stencil="System.Storyboarding.WindowsAppIcons" StencilVersion="0.1"/>
 </Control>
 </file>
 
@@ -16355,61 +16148,61 @@
 
 <file path=customXml/item55.xml><?xml version="1.0" encoding="utf-8"?>
 <Control xmlns="http://schemas.microsoft.com/VisualStudio/2011/storyboarding/control">
-  <Id Name="System.Storyboarding.Icons.Unlock" Revision="1" Stencil="System.Storyboarding.Icons" StencilVersion="0.1"/>
+  <Id Name="System.Storyboarding.Icons.Video" Revision="1" Stencil="System.Storyboarding.Icons" StencilVersion="0.1"/>
 </Control>
 </file>
 
 <file path=customXml/item56.xml><?xml version="1.0" encoding="utf-8"?>
 <Control xmlns="http://schemas.microsoft.com/VisualStudio/2011/storyboarding/control">
-  <Id Name="8d1d15e7-09c3-45f6-944b-e26ce75e8b9e" RevisionId="26877799-5fd1-4de6-830e-e7328b90fd22" Stencil="172d6d98-e5c9-42e9-a209-79f7a94bbd38" StencilRevisionId="00000000-0000-0000-0000-000000000000" StencilVersion="0.0"/>
+  <Id Name="System.Storyboarding.WindowsAppIcons.Mail" Revision="1" Stencil="System.Storyboarding.WindowsAppIcons" StencilVersion="0.1"/>
 </Control>
 </file>
 
 <file path=customXml/item57.xml><?xml version="1.0" encoding="utf-8"?>
 <Control xmlns="http://schemas.microsoft.com/VisualStudio/2011/storyboarding/control">
-  <Id Name="System.Storyboarding.WindowsAppIcons.Sort" Revision="1" Stencil="System.Storyboarding.WindowsAppIcons" StencilVersion="0.1"/>
+  <Id Name="System.Storyboarding.WindowsAppIcons.Documents" Revision="1" Stencil="System.Storyboarding.WindowsAppIcons" StencilVersion="0.1"/>
 </Control>
 </file>
 
 <file path=customXml/item58.xml><?xml version="1.0" encoding="utf-8"?>
 <Control xmlns="http://schemas.microsoft.com/VisualStudio/2011/storyboarding/control">
-  <Id Name="System.Storyboarding.WindowsAppIcons.Donotwant" Revision="1" Stencil="System.Storyboarding.WindowsAppIcons" StencilVersion="0.1"/>
+  <Id Name="System.Storyboarding.Icons.Video" Revision="1" Stencil="System.Storyboarding.Icons" StencilVersion="0.1"/>
 </Control>
 </file>
 
 <file path=customXml/item59.xml><?xml version="1.0" encoding="utf-8"?>
-<Control xmlns="http://schemas.microsoft.com/VisualStudio/2011/storyboarding/control">
-  <Id Name="System.Storyboarding.Icons.HandCursor" Revision="1" Stencil="System.Storyboarding.Icons" StencilVersion="0.1"/>
-</Control>
-</file>
-
-<file path=customXml/item6.xml><?xml version="1.0" encoding="utf-8"?>
 <Control xmlns="http://schemas.microsoft.com/VisualStudio/2011/storyboarding/control">
   <Id Name="System.Storyboarding.WindowsAppIcons.Web" Revision="1" Stencil="System.Storyboarding.WindowsAppIcons" StencilVersion="0.1"/>
 </Control>
 </file>
 
+<file path=customXml/item6.xml><?xml version="1.0" encoding="utf-8"?>
+<Control xmlns="http://schemas.microsoft.com/VisualStudio/2011/storyboarding/control">
+  <Id Name="System.Storyboarding.WindowsAppIcons.Zoom" Revision="1" Stencil="System.Storyboarding.WindowsAppIcons" StencilVersion="0.1"/>
+</Control>
+</file>
+
 <file path=customXml/item60.xml><?xml version="1.0" encoding="utf-8"?>
 <Control xmlns="http://schemas.microsoft.com/VisualStudio/2011/storyboarding/control">
-  <Id Name="System.Storyboarding.WindowsAppIcons.Sort" Revision="1" Stencil="System.Storyboarding.WindowsAppIcons" StencilVersion="0.1"/>
+  <Id Name="System.Storyboarding.WindowsAppIcons.Zoom" Revision="1" Stencil="System.Storyboarding.WindowsAppIcons" StencilVersion="0.1"/>
 </Control>
 </file>
 
 <file path=customXml/item61.xml><?xml version="1.0" encoding="utf-8"?>
 <Control xmlns="http://schemas.microsoft.com/VisualStudio/2011/storyboarding/control">
-  <Id Name="System.Storyboarding.WindowsAppIcons.Sort" Revision="1" Stencil="System.Storyboarding.WindowsAppIcons" StencilVersion="0.1"/>
+  <Id Name="System.Storyboarding.Icons.File" Revision="1" Stencil="System.Storyboarding.Icons" StencilVersion="0.1"/>
 </Control>
 </file>
 
 <file path=customXml/item62.xml><?xml version="1.0" encoding="utf-8"?>
 <Control xmlns="http://schemas.microsoft.com/VisualStudio/2011/storyboarding/control">
-  <Id Name="System.Storyboarding.WindowsAppIcons.Sort" Revision="1" Stencil="System.Storyboarding.WindowsAppIcons" StencilVersion="0.1"/>
+  <Id Name="System.Storyboarding.Icons.Video" Revision="1" Stencil="System.Storyboarding.Icons" StencilVersion="0.1"/>
 </Control>
 </file>
 
 <file path=customXml/item63.xml><?xml version="1.0" encoding="utf-8"?>
 <Control xmlns="http://schemas.microsoft.com/VisualStudio/2011/storyboarding/control">
-  <Id Name="System.Storyboarding.WindowsAppIcons.Like" Revision="1" Stencil="System.Storyboarding.WindowsAppIcons" StencilVersion="0.1"/>
+  <Id Name="System.Storyboarding.WindowsAppIcons.Retweet" Revision="1" Stencil="System.Storyboarding.WindowsAppIcons" StencilVersion="0.1"/>
 </Control>
 </file>
 
@@ -16421,43 +16214,43 @@
 
 <file path=customXml/item65.xml><?xml version="1.0" encoding="utf-8"?>
 <Control xmlns="http://schemas.microsoft.com/VisualStudio/2011/storyboarding/control">
-  <Id Name="System.Storyboarding.WindowsAppIcons.Donotwant" Revision="1" Stencil="System.Storyboarding.WindowsAppIcons" StencilVersion="0.1"/>
+  <Id Name="System.Storyboarding.WindowsAppIcons.Sort" Revision="1" Stencil="System.Storyboarding.WindowsAppIcons" StencilVersion="0.1"/>
 </Control>
 </file>
 
 <file path=customXml/item66.xml><?xml version="1.0" encoding="utf-8"?>
 <Control xmlns="http://schemas.microsoft.com/VisualStudio/2011/storyboarding/control">
-  <Id Name="System.Storyboarding.WindowsAppIcons.Documents" Revision="1" Stencil="System.Storyboarding.WindowsAppIcons" StencilVersion="0.1"/>
+  <Id Name="System.Storyboarding.Icons.ShoppingCart" Revision="1" Stencil="System.Storyboarding.Icons" StencilVersion="0.1"/>
 </Control>
 </file>
 
 <file path=customXml/item67.xml><?xml version="1.0" encoding="utf-8"?>
+<Control xmlns="http://schemas.microsoft.com/VisualStudio/2011/storyboarding/control">
+  <Id Name="System.Storyboarding.WindowsAppIcons.Shuffle" Revision="1" Stencil="System.Storyboarding.WindowsAppIcons" StencilVersion="0.1"/>
+</Control>
+</file>
+
+<file path=customXml/item68.xml><?xml version="1.0" encoding="utf-8"?>
+<Control xmlns="http://schemas.microsoft.com/VisualStudio/2011/storyboarding/control">
+  <Id Name="System.Storyboarding.WindowsAppIcons.Retweet" Revision="1" Stencil="System.Storyboarding.WindowsAppIcons" StencilVersion="0.1"/>
+</Control>
+</file>
+
+<file path=customXml/item69.xml><?xml version="1.0" encoding="utf-8"?>
 <Control xmlns="http://schemas.microsoft.com/VisualStudio/2011/storyboarding/control">
   <Id Name="System.Storyboarding.WindowsAppIcons.Donotwant" Revision="1" Stencil="System.Storyboarding.WindowsAppIcons" StencilVersion="0.1"/>
 </Control>
 </file>
 
-<file path=customXml/item68.xml><?xml version="1.0" encoding="utf-8"?>
-<Control xmlns="http://schemas.microsoft.com/VisualStudio/2011/storyboarding/control">
-  <Id Name="System.Storyboarding.Icons.ShoppingCart" Revision="1" Stencil="System.Storyboarding.Icons" StencilVersion="0.1"/>
-</Control>
-</file>
-
-<file path=customXml/item69.xml><?xml version="1.0" encoding="utf-8"?>
-<Control xmlns="http://schemas.microsoft.com/VisualStudio/2011/storyboarding/control">
-  <Id Name="System.Storyboarding.Icons.Video" Revision="1" Stencil="System.Storyboarding.Icons" StencilVersion="0.1"/>
-</Control>
-</file>
-
 <file path=customXml/item7.xml><?xml version="1.0" encoding="utf-8"?>
 <Control xmlns="http://schemas.microsoft.com/VisualStudio/2011/storyboarding/control">
-  <Id Name="System.Storyboarding.WindowsAppIcons.Zoom" Revision="1" Stencil="System.Storyboarding.WindowsAppIcons" StencilVersion="0.1"/>
+  <Id Name="System.Storyboarding.WindowsAppIcons.Donotwant" Revision="1" Stencil="System.Storyboarding.WindowsAppIcons" StencilVersion="0.1"/>
 </Control>
 </file>
 
 <file path=customXml/item70.xml><?xml version="1.0" encoding="utf-8"?>
 <Control xmlns="http://schemas.microsoft.com/VisualStudio/2011/storyboarding/control">
-  <Id Name="System.Storyboarding.Icons.Video" Revision="1" Stencil="System.Storyboarding.Icons" StencilVersion="0.1"/>
+  <Id Name="System.Storyboarding.WindowsAppIcons.Sort" Revision="1" Stencil="System.Storyboarding.WindowsAppIcons" StencilVersion="0.1"/>
 </Control>
 </file>
 
@@ -16469,102 +16262,102 @@
 
 <file path=customXml/item72.xml><?xml version="1.0" encoding="utf-8"?>
 <Control xmlns="http://schemas.microsoft.com/VisualStudio/2011/storyboarding/control">
-  <Id Name="System.Storyboarding.WindowsAppIcons.Emoji" Revision="1" Stencil="System.Storyboarding.WindowsAppIcons" StencilVersion="0.1"/>
+  <Id Name="System.Storyboarding.Icons.File" Revision="1" Stencil="System.Storyboarding.Icons" StencilVersion="0.1"/>
 </Control>
 </file>
 
 <file path=customXml/item73.xml><?xml version="1.0" encoding="utf-8"?>
 <Control xmlns="http://schemas.microsoft.com/VisualStudio/2011/storyboarding/control">
-  <Id Name="System.Storyboarding.Icons.File" Revision="1" Stencil="System.Storyboarding.Icons" StencilVersion="0.1"/>
+  <Id Name="System.Storyboarding.WindowsAppIcons.Documents" Revision="1" Stencil="System.Storyboarding.WindowsAppIcons" StencilVersion="0.1"/>
 </Control>
 </file>
 
 <file path=customXml/item74.xml><?xml version="1.0" encoding="utf-8"?>
 <Control xmlns="http://schemas.microsoft.com/VisualStudio/2011/storyboarding/control">
-  <Id Name="System.Storyboarding.Icons.File" Revision="1" Stencil="System.Storyboarding.Icons" StencilVersion="0.1"/>
+  <Id Name="System.Storyboarding.WindowsAppIcons.Shuffle" Revision="1" Stencil="System.Storyboarding.WindowsAppIcons" StencilVersion="0.1"/>
 </Control>
 </file>
 
 <file path=customXml/item75.xml><?xml version="1.0" encoding="utf-8"?>
+<Control xmlns="http://schemas.microsoft.com/VisualStudio/2011/storyboarding/control">
+  <Id Name="System.Storyboarding.WindowsAppIcons.Zoom" Revision="1" Stencil="System.Storyboarding.WindowsAppIcons" StencilVersion="0.1"/>
+</Control>
+</file>
+
+<file path=customXml/item76.xml><?xml version="1.0" encoding="utf-8"?>
+<Control xmlns="http://schemas.microsoft.com/VisualStudio/2011/storyboarding/control">
+  <Id Name="System.Storyboarding.Icons.Lock" Revision="1" Stencil="System.Storyboarding.Icons" StencilVersion="0.1"/>
+</Control>
+</file>
+
+<file path=customXml/item77.xml><?xml version="1.0" encoding="utf-8"?>
+<Control xmlns="http://schemas.microsoft.com/VisualStudio/2011/storyboarding/control">
+  <Id Name="494adc7e-b793-486b-a227-896c38fa1ea8" Revision="1" Stencil="System.MyShapes" StencilVersion="1.0"/>
+</Control>
+</file>
+
+<file path=customXml/item78.xml><?xml version="1.0" encoding="utf-8"?>
+<Control xmlns="http://schemas.microsoft.com/VisualStudio/2011/storyboarding/control">
+  <Id Name="System.Storyboarding.Icons.Image" Revision="1" Stencil="System.Storyboarding.Icons" StencilVersion="0.1"/>
+</Control>
+</file>
+
+<file path=customXml/item79.xml><?xml version="1.0" encoding="utf-8"?>
+<Control xmlns="http://schemas.microsoft.com/VisualStudio/2011/storyboarding/control">
+  <Id Name="System.Storyboarding.WindowsAppIcons.Edit" Revision="1" Stencil="System.Storyboarding.WindowsAppIcons" StencilVersion="0.1"/>
+</Control>
+</file>
+
+<file path=customXml/item8.xml><?xml version="1.0" encoding="utf-8"?>
+<Control xmlns="http://schemas.microsoft.com/VisualStudio/2011/storyboarding/control">
+  <Id Name="System.Storyboarding.WindowsAppIcons.Shuffle" Revision="1" Stencil="System.Storyboarding.WindowsAppIcons" StencilVersion="0.1"/>
+</Control>
+</file>
+
+<file path=customXml/item80.xml><?xml version="1.0" encoding="utf-8"?>
+<Control xmlns="http://schemas.microsoft.com/VisualStudio/2011/storyboarding/control">
+  <Id Name="System.Storyboarding.WindowsAppIcons.Web" Revision="1" Stencil="System.Storyboarding.WindowsAppIcons" StencilVersion="0.1"/>
+</Control>
+</file>
+
+<file path=customXml/item81.xml><?xml version="1.0" encoding="utf-8"?>
 <Control xmlns="http://schemas.microsoft.com/VisualStudio/2011/storyboarding/control">
   <Id Name="System.Storyboarding.WindowsAppIcons.Mail" Revision="1" Stencil="System.Storyboarding.WindowsAppIcons" StencilVersion="0.1"/>
 </Control>
 </file>
 
-<file path=customXml/item76.xml><?xml version="1.0" encoding="utf-8"?>
-<Control xmlns="http://schemas.microsoft.com/VisualStudio/2011/storyboarding/control">
-  <Id Name="System.Storyboarding.WindowsAppIcons.Zoom" Revision="1" Stencil="System.Storyboarding.WindowsAppIcons" StencilVersion="0.1"/>
-</Control>
-</file>
-
-<file path=customXml/item77.xml><?xml version="1.0" encoding="utf-8"?>
-<Control xmlns="http://schemas.microsoft.com/VisualStudio/2011/storyboarding/control">
-  <Id Name="System.Storyboarding.Icons.Video" Revision="1" Stencil="System.Storyboarding.Icons" StencilVersion="0.1"/>
-</Control>
-</file>
-
-<file path=customXml/item78.xml><?xml version="1.0" encoding="utf-8"?>
-<Control xmlns="http://schemas.microsoft.com/VisualStudio/2011/storyboarding/control">
-  <Id Name="System.Storyboarding.WindowsAppIcons.Documents" Revision="1" Stencil="System.Storyboarding.WindowsAppIcons" StencilVersion="0.1"/>
-</Control>
-</file>
-
-<file path=customXml/item79.xml><?xml version="1.0" encoding="utf-8"?>
-<Control xmlns="http://schemas.microsoft.com/VisualStudio/2011/storyboarding/control">
-  <Id Name="System.Storyboarding.WindowsAppIcons.Sort" Revision="1" Stencil="System.Storyboarding.WindowsAppIcons" StencilVersion="0.1"/>
-</Control>
-</file>
-
-<file path=customXml/item8.xml><?xml version="1.0" encoding="utf-8"?>
-<Control xmlns="http://schemas.microsoft.com/VisualStudio/2011/storyboarding/control">
-  <Id Name="System.Storyboarding.WindowsAppIcons.Donotwant" Revision="1" Stencil="System.Storyboarding.WindowsAppIcons" StencilVersion="0.1"/>
-</Control>
-</file>
-
-<file path=customXml/item80.xml><?xml version="1.0" encoding="utf-8"?>
-<Control xmlns="http://schemas.microsoft.com/VisualStudio/2011/storyboarding/control">
-  <Id Name="System.Storyboarding.Icons.Error" Revision="1" Stencil="System.Storyboarding.Icons" StencilVersion="0.1"/>
-</Control>
-</file>
-
-<file path=customXml/item81.xml><?xml version="1.0" encoding="utf-8"?>
-<Control xmlns="http://schemas.microsoft.com/VisualStudio/2011/storyboarding/control">
-  <Id Name="System.Storyboarding.WindowsAppIcons.Shuffle" Revision="1" Stencil="System.Storyboarding.WindowsAppIcons" StencilVersion="0.1"/>
-</Control>
-</file>
-
 <file path=customXml/item82.xml><?xml version="1.0" encoding="utf-8"?>
 <Control xmlns="http://schemas.microsoft.com/VisualStudio/2011/storyboarding/control">
-  <Id Name="System.Storyboarding.WindowsAppIcons.Donotwant" Revision="1" Stencil="System.Storyboarding.WindowsAppIcons" StencilVersion="0.1"/>
+  <Id Name="System.Storyboarding.WindowsAppIcons.Retweet" Revision="1" Stencil="System.Storyboarding.WindowsAppIcons" StencilVersion="0.1"/>
 </Control>
 </file>
 
 <file path=customXml/item83.xml><?xml version="1.0" encoding="utf-8"?>
 <Control xmlns="http://schemas.microsoft.com/VisualStudio/2011/storyboarding/control">
-  <Id Name="System.Storyboarding.WindowsAppIcons.Documents" Revision="1" Stencil="System.Storyboarding.WindowsAppIcons" StencilVersion="0.1"/>
+  <Id Name="System.Storyboarding.Icons.User" Revision="1" Stencil="System.Storyboarding.Icons" StencilVersion="0.1"/>
 </Control>
 </file>
 
 <file path=customXml/item84.xml><?xml version="1.0" encoding="utf-8"?>
 <Control xmlns="http://schemas.microsoft.com/VisualStudio/2011/storyboarding/control">
-  <Id Name="System.Storyboarding.Icons.Flag" Revision="1" Stencil="System.Storyboarding.Icons" StencilVersion="0.1"/>
+  <Id Name="System.Storyboarding.WindowsAppIcons.Like" Revision="1" Stencil="System.Storyboarding.WindowsAppIcons" StencilVersion="0.1"/>
 </Control>
 </file>
 
 <file path=customXml/item85.xml><?xml version="1.0" encoding="utf-8"?>
 <Control xmlns="http://schemas.microsoft.com/VisualStudio/2011/storyboarding/control">
-  <Id Name="System.Storyboarding.WindowsAppIcons.Emoji" Revision="1" Stencil="System.Storyboarding.WindowsAppIcons" StencilVersion="0.1"/>
+  <Id Name="System.Storyboarding.Icons.ShoppingCart" Revision="1" Stencil="System.Storyboarding.Icons" StencilVersion="0.1"/>
 </Control>
 </file>
 
 <file path=customXml/item9.xml><?xml version="1.0" encoding="utf-8"?>
 <Control xmlns="http://schemas.microsoft.com/VisualStudio/2011/storyboarding/control">
-  <Id Name="System.Storyboarding.Icons.Lock" Revision="1" Stencil="System.Storyboarding.Icons" StencilVersion="0.1"/>
+  <Id Name="System.Storyboarding.Icons.Camera" Revision="1" Stencil="System.Storyboarding.Icons" StencilVersion="0.1"/>
 </Control>
 </file>
 
 <file path=customXml/itemProps1.xml><?xml version="1.0" encoding="utf-8"?>
-<ds:datastoreItem xmlns:ds="http://schemas.openxmlformats.org/officeDocument/2006/customXml" ds:itemID="{D2273C08-F76E-40A9-82B6-D576C245CBC1}">
+<ds:datastoreItem xmlns:ds="http://schemas.openxmlformats.org/officeDocument/2006/customXml" ds:itemID="{918B4BBC-15E9-4DD8-94F0-B66E28B9BF1B}">
   <ds:schemaRefs>
     <ds:schemaRef ds:uri="http://schemas.microsoft.com/VisualStudio/2011/storyboarding/control"/>
   </ds:schemaRefs>
@@ -16572,7 +16365,7 @@
 </file>
 
 <file path=customXml/itemProps10.xml><?xml version="1.0" encoding="utf-8"?>
-<ds:datastoreItem xmlns:ds="http://schemas.openxmlformats.org/officeDocument/2006/customXml" ds:itemID="{835FC548-FB45-485F-A415-438C50626A82}">
+<ds:datastoreItem xmlns:ds="http://schemas.openxmlformats.org/officeDocument/2006/customXml" ds:itemID="{E17DBEC3-6EA6-47EB-A088-19A74FB47D82}">
   <ds:schemaRefs>
     <ds:schemaRef ds:uri="http://schemas.microsoft.com/VisualStudio/2011/storyboarding/control"/>
   </ds:schemaRefs>
@@ -16588,7 +16381,7 @@
 </file>
 
 <file path=customXml/itemProps12.xml><?xml version="1.0" encoding="utf-8"?>
-<ds:datastoreItem xmlns:ds="http://schemas.openxmlformats.org/officeDocument/2006/customXml" ds:itemID="{A48F12F7-AFA2-4DDC-B2E2-9533388E8E36}">
+<ds:datastoreItem xmlns:ds="http://schemas.openxmlformats.org/officeDocument/2006/customXml" ds:itemID="{87AE78B2-87FE-44C4-B7B8-2C0D3CFE1A48}">
   <ds:schemaRefs>
     <ds:schemaRef ds:uri="http://schemas.microsoft.com/VisualStudio/2011/storyboarding/control"/>
   </ds:schemaRefs>
@@ -16596,7 +16389,7 @@
 </file>
 
 <file path=customXml/itemProps13.xml><?xml version="1.0" encoding="utf-8"?>
-<ds:datastoreItem xmlns:ds="http://schemas.openxmlformats.org/officeDocument/2006/customXml" ds:itemID="{4C50E241-568C-4E3C-93A4-49441F1807E1}">
+<ds:datastoreItem xmlns:ds="http://schemas.openxmlformats.org/officeDocument/2006/customXml" ds:itemID="{460AA643-8087-4391-9249-24BEFF81DB0C}">
   <ds:schemaRefs>
     <ds:schemaRef ds:uri="http://schemas.microsoft.com/VisualStudio/2011/storyboarding/control"/>
   </ds:schemaRefs>
@@ -16604,7 +16397,7 @@
 </file>
 
 <file path=customXml/itemProps14.xml><?xml version="1.0" encoding="utf-8"?>
-<ds:datastoreItem xmlns:ds="http://schemas.openxmlformats.org/officeDocument/2006/customXml" ds:itemID="{E1B5950F-E814-4E91-BC7C-01708F18330E}">
+<ds:datastoreItem xmlns:ds="http://schemas.openxmlformats.org/officeDocument/2006/customXml" ds:itemID="{A950AEE5-D2CD-4066-90AF-21D75A63E43A}">
   <ds:schemaRefs>
     <ds:schemaRef ds:uri="http://schemas.microsoft.com/VisualStudio/2011/storyboarding/control"/>
   </ds:schemaRefs>
@@ -16612,7 +16405,7 @@
 </file>
 
 <file path=customXml/itemProps15.xml><?xml version="1.0" encoding="utf-8"?>
-<ds:datastoreItem xmlns:ds="http://schemas.openxmlformats.org/officeDocument/2006/customXml" ds:itemID="{4A3EB743-9280-42B8-A4B1-A5747EC1A26F}">
+<ds:datastoreItem xmlns:ds="http://schemas.openxmlformats.org/officeDocument/2006/customXml" ds:itemID="{39788FF8-FA50-47D6-A778-D1828EEB4DEF}">
   <ds:schemaRefs>
     <ds:schemaRef ds:uri="http://schemas.microsoft.com/VisualStudio/2011/storyboarding/control"/>
   </ds:schemaRefs>
@@ -16620,7 +16413,7 @@
 </file>
 
 <file path=customXml/itemProps16.xml><?xml version="1.0" encoding="utf-8"?>
-<ds:datastoreItem xmlns:ds="http://schemas.openxmlformats.org/officeDocument/2006/customXml" ds:itemID="{5E2C8009-F26F-4AB3-A8E7-CF1A61688F05}">
+<ds:datastoreItem xmlns:ds="http://schemas.openxmlformats.org/officeDocument/2006/customXml" ds:itemID="{9F9CA8C5-F19F-4EBC-AA47-25BC44F24A2C}">
   <ds:schemaRefs>
     <ds:schemaRef ds:uri="http://schemas.microsoft.com/VisualStudio/2011/storyboarding/control"/>
   </ds:schemaRefs>
@@ -16628,7 +16421,7 @@
 </file>
 
 <file path=customXml/itemProps17.xml><?xml version="1.0" encoding="utf-8"?>
-<ds:datastoreItem xmlns:ds="http://schemas.openxmlformats.org/officeDocument/2006/customXml" ds:itemID="{82A03F8E-D41D-44A0-99C2-583EF4E9A803}">
+<ds:datastoreItem xmlns:ds="http://schemas.openxmlformats.org/officeDocument/2006/customXml" ds:itemID="{7C886715-E970-4EA9-9B8A-2889AC28ECFA}">
   <ds:schemaRefs>
     <ds:schemaRef ds:uri="http://schemas.microsoft.com/VisualStudio/2011/storyboarding/control"/>
   </ds:schemaRefs>
@@ -16636,7 +16429,7 @@
 </file>
 
 <file path=customXml/itemProps18.xml><?xml version="1.0" encoding="utf-8"?>
-<ds:datastoreItem xmlns:ds="http://schemas.openxmlformats.org/officeDocument/2006/customXml" ds:itemID="{46D23C07-4CD3-443D-8216-94BA2E1AE648}">
+<ds:datastoreItem xmlns:ds="http://schemas.openxmlformats.org/officeDocument/2006/customXml" ds:itemID="{5F44C66F-D520-4A8E-8E17-A305F1E598AD}">
   <ds:schemaRefs>
     <ds:schemaRef ds:uri="http://schemas.microsoft.com/VisualStudio/2011/storyboarding/control"/>
   </ds:schemaRefs>
@@ -16644,6 +16437,62 @@
 </file>
 
 <file path=customXml/itemProps19.xml><?xml version="1.0" encoding="utf-8"?>
+<ds:datastoreItem xmlns:ds="http://schemas.openxmlformats.org/officeDocument/2006/customXml" ds:itemID="{754FA485-AB97-4089-804F-2A4637149D95}">
+  <ds:schemaRefs>
+    <ds:schemaRef ds:uri="http://schemas.microsoft.com/VisualStudio/2011/storyboarding/control"/>
+  </ds:schemaRefs>
+</ds:datastoreItem>
+</file>
+
+<file path=customXml/itemProps2.xml><?xml version="1.0" encoding="utf-8"?>
+<ds:datastoreItem xmlns:ds="http://schemas.openxmlformats.org/officeDocument/2006/customXml" ds:itemID="{E478923A-8834-4A7D-AE25-518FAF817293}">
+  <ds:schemaRefs>
+    <ds:schemaRef ds:uri="http://schemas.microsoft.com/VisualStudio/2011/storyboarding/control"/>
+  </ds:schemaRefs>
+</ds:datastoreItem>
+</file>
+
+<file path=customXml/itemProps20.xml><?xml version="1.0" encoding="utf-8"?>
+<ds:datastoreItem xmlns:ds="http://schemas.openxmlformats.org/officeDocument/2006/customXml" ds:itemID="{3B26A355-6EFC-4EAD-BF31-BA5EECC8C217}">
+  <ds:schemaRefs>
+    <ds:schemaRef ds:uri="http://schemas.microsoft.com/VisualStudio/2011/storyboarding/control"/>
+  </ds:schemaRefs>
+</ds:datastoreItem>
+</file>
+
+<file path=customXml/itemProps21.xml><?xml version="1.0" encoding="utf-8"?>
+<ds:datastoreItem xmlns:ds="http://schemas.openxmlformats.org/officeDocument/2006/customXml" ds:itemID="{CA3B79F1-182D-4F88-BC96-72B4B52A4FF7}">
+  <ds:schemaRefs>
+    <ds:schemaRef ds:uri="http://schemas.microsoft.com/VisualStudio/2011/storyboarding/control"/>
+  </ds:schemaRefs>
+</ds:datastoreItem>
+</file>
+
+<file path=customXml/itemProps22.xml><?xml version="1.0" encoding="utf-8"?>
+<ds:datastoreItem xmlns:ds="http://schemas.openxmlformats.org/officeDocument/2006/customXml" ds:itemID="{9F980F4E-5FB1-43F7-9677-643032884DF3}">
+  <ds:schemaRefs>
+    <ds:schemaRef ds:uri="http://schemas.microsoft.com/VisualStudio/2011/storyboarding/control"/>
+  </ds:schemaRefs>
+</ds:datastoreItem>
+</file>
+
+<file path=customXml/itemProps23.xml><?xml version="1.0" encoding="utf-8"?>
+<ds:datastoreItem xmlns:ds="http://schemas.openxmlformats.org/officeDocument/2006/customXml" ds:itemID="{DDBAB122-6856-40D8-9D31-D1A361BC7535}">
+  <ds:schemaRefs>
+    <ds:schemaRef ds:uri="http://schemas.microsoft.com/VisualStudio/2011/storyboarding/control"/>
+  </ds:schemaRefs>
+</ds:datastoreItem>
+</file>
+
+<file path=customXml/itemProps24.xml><?xml version="1.0" encoding="utf-8"?>
+<ds:datastoreItem xmlns:ds="http://schemas.openxmlformats.org/officeDocument/2006/customXml" ds:itemID="{962441A4-92BA-4A01-AC7E-7921F9E4C3BD}">
+  <ds:schemaRefs>
+    <ds:schemaRef ds:uri="http://schemas.microsoft.com/VisualStudio/2011/storyboarding/control"/>
+  </ds:schemaRefs>
+</ds:datastoreItem>
+</file>
+
+<file path=customXml/itemProps25.xml><?xml version="1.0" encoding="utf-8"?>
 <ds:datastoreItem xmlns:ds="http://schemas.openxmlformats.org/officeDocument/2006/customXml" ds:itemID="{845F89BE-BD2A-4F29-A253-F1D46359C6E8}">
   <ds:schemaRefs>
     <ds:schemaRef ds:uri="http://schemas.microsoft.com/VisualStudio/2011/storyboarding/control"/>
@@ -16651,64 +16500,8 @@
 </ds:datastoreItem>
 </file>
 
-<file path=customXml/itemProps2.xml><?xml version="1.0" encoding="utf-8"?>
-<ds:datastoreItem xmlns:ds="http://schemas.openxmlformats.org/officeDocument/2006/customXml" ds:itemID="{92327A92-2C4F-4E3E-BE50-AB201A6A57C9}">
-  <ds:schemaRefs>
-    <ds:schemaRef ds:uri="http://schemas.microsoft.com/VisualStudio/2011/storyboarding/control"/>
-  </ds:schemaRefs>
-</ds:datastoreItem>
-</file>
-
-<file path=customXml/itemProps20.xml><?xml version="1.0" encoding="utf-8"?>
-<ds:datastoreItem xmlns:ds="http://schemas.openxmlformats.org/officeDocument/2006/customXml" ds:itemID="{B2A392FB-142C-4FF2-AA16-1F9C5B72C51C}">
-  <ds:schemaRefs>
-    <ds:schemaRef ds:uri="http://schemas.microsoft.com/VisualStudio/2011/storyboarding/control"/>
-  </ds:schemaRefs>
-</ds:datastoreItem>
-</file>
-
-<file path=customXml/itemProps21.xml><?xml version="1.0" encoding="utf-8"?>
-<ds:datastoreItem xmlns:ds="http://schemas.openxmlformats.org/officeDocument/2006/customXml" ds:itemID="{95F872E1-0CB0-4F81-86EF-1E4CA3643121}">
-  <ds:schemaRefs>
-    <ds:schemaRef ds:uri="http://schemas.microsoft.com/VisualStudio/2011/storyboarding/control"/>
-  </ds:schemaRefs>
-</ds:datastoreItem>
-</file>
-
-<file path=customXml/itemProps22.xml><?xml version="1.0" encoding="utf-8"?>
+<file path=customXml/itemProps26.xml><?xml version="1.0" encoding="utf-8"?>
 <ds:datastoreItem xmlns:ds="http://schemas.openxmlformats.org/officeDocument/2006/customXml" ds:itemID="{AF394B06-3D1E-4CD1-82B0-02001FB69B29}">
-  <ds:schemaRefs>
-    <ds:schemaRef ds:uri="http://schemas.microsoft.com/VisualStudio/2011/storyboarding/control"/>
-  </ds:schemaRefs>
-</ds:datastoreItem>
-</file>
-
-<file path=customXml/itemProps23.xml><?xml version="1.0" encoding="utf-8"?>
-<ds:datastoreItem xmlns:ds="http://schemas.openxmlformats.org/officeDocument/2006/customXml" ds:itemID="{DDB9D839-F688-4253-87CF-2AD4250A7191}">
-  <ds:schemaRefs>
-    <ds:schemaRef ds:uri="http://schemas.microsoft.com/VisualStudio/2011/storyboarding/control"/>
-  </ds:schemaRefs>
-</ds:datastoreItem>
-</file>
-
-<file path=customXml/itemProps24.xml><?xml version="1.0" encoding="utf-8"?>
-<ds:datastoreItem xmlns:ds="http://schemas.openxmlformats.org/officeDocument/2006/customXml" ds:itemID="{5F44C66F-D520-4A8E-8E17-A305F1E598AD}">
-  <ds:schemaRefs>
-    <ds:schemaRef ds:uri="http://schemas.microsoft.com/VisualStudio/2011/storyboarding/control"/>
-  </ds:schemaRefs>
-</ds:datastoreItem>
-</file>
-
-<file path=customXml/itemProps25.xml><?xml version="1.0" encoding="utf-8"?>
-<ds:datastoreItem xmlns:ds="http://schemas.openxmlformats.org/officeDocument/2006/customXml" ds:itemID="{3EE23C9E-EA14-45CA-A8EB-8CF0974A333D}">
-  <ds:schemaRefs>
-    <ds:schemaRef ds:uri="http://schemas.microsoft.com/VisualStudio/2011/storyboarding/control"/>
-  </ds:schemaRefs>
-</ds:datastoreItem>
-</file>
-
-<file path=customXml/itemProps26.xml><?xml version="1.0" encoding="utf-8"?>
-<ds:datastoreItem xmlns:ds="http://schemas.openxmlformats.org/officeDocument/2006/customXml" ds:itemID="{9193ABC3-698A-416E-9A8D-50303824CE47}">
   <ds:schemaRefs>
     <ds:schemaRef ds:uri="http://schemas.microsoft.com/VisualStudio/2011/storyboarding/control"/>
   </ds:schemaRefs>
@@ -16724,6 +16517,310 @@
 </file>
 
 <file path=customXml/itemProps28.xml><?xml version="1.0" encoding="utf-8"?>
+<ds:datastoreItem xmlns:ds="http://schemas.openxmlformats.org/officeDocument/2006/customXml" ds:itemID="{7BCA9379-D390-44C9-9573-0CC0A6BC683B}">
+  <ds:schemaRefs>
+    <ds:schemaRef ds:uri="http://schemas.microsoft.com/VisualStudio/2011/storyboarding/control"/>
+  </ds:schemaRefs>
+</ds:datastoreItem>
+</file>
+
+<file path=customXml/itemProps29.xml><?xml version="1.0" encoding="utf-8"?>
+<ds:datastoreItem xmlns:ds="http://schemas.openxmlformats.org/officeDocument/2006/customXml" ds:itemID="{6287A83F-C641-4743-BAC2-419C74C2BDEE}">
+  <ds:schemaRefs>
+    <ds:schemaRef ds:uri="http://schemas.microsoft.com/VisualStudio/2011/storyboarding/control"/>
+  </ds:schemaRefs>
+</ds:datastoreItem>
+</file>
+
+<file path=customXml/itemProps3.xml><?xml version="1.0" encoding="utf-8"?>
+<ds:datastoreItem xmlns:ds="http://schemas.openxmlformats.org/officeDocument/2006/customXml" ds:itemID="{ADE0CD05-7FCE-4B89-8BC4-15F09D85C810}">
+  <ds:schemaRefs>
+    <ds:schemaRef ds:uri="http://schemas.microsoft.com/VisualStudio/2011/storyboarding/control"/>
+  </ds:schemaRefs>
+</ds:datastoreItem>
+</file>
+
+<file path=customXml/itemProps30.xml><?xml version="1.0" encoding="utf-8"?>
+<ds:datastoreItem xmlns:ds="http://schemas.openxmlformats.org/officeDocument/2006/customXml" ds:itemID="{BF3C2A5E-FCDF-4A08-9CA3-4D1CBFACAE7B}">
+  <ds:schemaRefs>
+    <ds:schemaRef ds:uri="http://schemas.microsoft.com/VisualStudio/2011/storyboarding/control"/>
+  </ds:schemaRefs>
+</ds:datastoreItem>
+</file>
+
+<file path=customXml/itemProps31.xml><?xml version="1.0" encoding="utf-8"?>
+<ds:datastoreItem xmlns:ds="http://schemas.openxmlformats.org/officeDocument/2006/customXml" ds:itemID="{E38B9171-FD9B-4A4D-8BE7-D85367259339}">
+  <ds:schemaRefs>
+    <ds:schemaRef ds:uri="http://schemas.microsoft.com/VisualStudio/2011/storyboarding/control"/>
+  </ds:schemaRefs>
+</ds:datastoreItem>
+</file>
+
+<file path=customXml/itemProps32.xml><?xml version="1.0" encoding="utf-8"?>
+<ds:datastoreItem xmlns:ds="http://schemas.openxmlformats.org/officeDocument/2006/customXml" ds:itemID="{E1B5950F-E814-4E91-BC7C-01708F18330E}">
+  <ds:schemaRefs>
+    <ds:schemaRef ds:uri="http://schemas.microsoft.com/VisualStudio/2011/storyboarding/control"/>
+  </ds:schemaRefs>
+</ds:datastoreItem>
+</file>
+
+<file path=customXml/itemProps33.xml><?xml version="1.0" encoding="utf-8"?>
+<ds:datastoreItem xmlns:ds="http://schemas.openxmlformats.org/officeDocument/2006/customXml" ds:itemID="{859C70C3-EEF0-422B-B60E-B5CB58D90C7E}">
+  <ds:schemaRefs>
+    <ds:schemaRef ds:uri="http://schemas.microsoft.com/VisualStudio/2011/storyboarding/control"/>
+  </ds:schemaRefs>
+</ds:datastoreItem>
+</file>
+
+<file path=customXml/itemProps34.xml><?xml version="1.0" encoding="utf-8"?>
+<ds:datastoreItem xmlns:ds="http://schemas.openxmlformats.org/officeDocument/2006/customXml" ds:itemID="{D33474AC-DFE4-45B2-9A3A-26B7322EAEBE}">
+  <ds:schemaRefs>
+    <ds:schemaRef ds:uri="http://schemas.microsoft.com/VisualStudio/2011/storyboarding/control"/>
+  </ds:schemaRefs>
+</ds:datastoreItem>
+</file>
+
+<file path=customXml/itemProps35.xml><?xml version="1.0" encoding="utf-8"?>
+<ds:datastoreItem xmlns:ds="http://schemas.openxmlformats.org/officeDocument/2006/customXml" ds:itemID="{E17D1E45-3082-44F6-A97A-4760B287D29A}">
+  <ds:schemaRefs>
+    <ds:schemaRef ds:uri="http://schemas.microsoft.com/VisualStudio/2011/storyboarding/control"/>
+  </ds:schemaRefs>
+</ds:datastoreItem>
+</file>
+
+<file path=customXml/itemProps36.xml><?xml version="1.0" encoding="utf-8"?>
+<ds:datastoreItem xmlns:ds="http://schemas.openxmlformats.org/officeDocument/2006/customXml" ds:itemID="{542021B4-41C5-430E-BB37-48C43D02B48D}">
+  <ds:schemaRefs>
+    <ds:schemaRef ds:uri="http://schemas.microsoft.com/VisualStudio/2011/storyboarding/control"/>
+  </ds:schemaRefs>
+</ds:datastoreItem>
+</file>
+
+<file path=customXml/itemProps37.xml><?xml version="1.0" encoding="utf-8"?>
+<ds:datastoreItem xmlns:ds="http://schemas.openxmlformats.org/officeDocument/2006/customXml" ds:itemID="{9E38241F-B898-4727-A9FC-43C08D55817A}">
+  <ds:schemaRefs>
+    <ds:schemaRef ds:uri="http://schemas.microsoft.com/VisualStudio/2011/storyboarding/control"/>
+  </ds:schemaRefs>
+</ds:datastoreItem>
+</file>
+
+<file path=customXml/itemProps38.xml><?xml version="1.0" encoding="utf-8"?>
+<ds:datastoreItem xmlns:ds="http://schemas.openxmlformats.org/officeDocument/2006/customXml" ds:itemID="{CDC1BA3B-0878-4607-B1AA-79F85069306E}">
+  <ds:schemaRefs>
+    <ds:schemaRef ds:uri="http://schemas.microsoft.com/VisualStudio/2011/storyboarding/control"/>
+  </ds:schemaRefs>
+</ds:datastoreItem>
+</file>
+
+<file path=customXml/itemProps39.xml><?xml version="1.0" encoding="utf-8"?>
+<ds:datastoreItem xmlns:ds="http://schemas.openxmlformats.org/officeDocument/2006/customXml" ds:itemID="{C8458326-9616-490C-BB01-748CDB7294C0}">
+  <ds:schemaRefs>
+    <ds:schemaRef ds:uri="http://schemas.microsoft.com/VisualStudio/2011/storyboarding/control"/>
+  </ds:schemaRefs>
+</ds:datastoreItem>
+</file>
+
+<file path=customXml/itemProps4.xml><?xml version="1.0" encoding="utf-8"?>
+<ds:datastoreItem xmlns:ds="http://schemas.openxmlformats.org/officeDocument/2006/customXml" ds:itemID="{0B1A2077-0726-4808-BB42-9D413FF4D01C}">
+  <ds:schemaRefs>
+    <ds:schemaRef ds:uri="http://schemas.microsoft.com/VisualStudio/2011/storyboarding/control"/>
+  </ds:schemaRefs>
+</ds:datastoreItem>
+</file>
+
+<file path=customXml/itemProps40.xml><?xml version="1.0" encoding="utf-8"?>
+<ds:datastoreItem xmlns:ds="http://schemas.openxmlformats.org/officeDocument/2006/customXml" ds:itemID="{67862349-397D-49A9-94E6-785F28CC908E}">
+  <ds:schemaRefs>
+    <ds:schemaRef ds:uri="http://schemas.microsoft.com/VisualStudio/2011/storyboarding/control"/>
+  </ds:schemaRefs>
+</ds:datastoreItem>
+</file>
+
+<file path=customXml/itemProps41.xml><?xml version="1.0" encoding="utf-8"?>
+<ds:datastoreItem xmlns:ds="http://schemas.openxmlformats.org/officeDocument/2006/customXml" ds:itemID="{C4D76CB4-2E2A-4DC8-9C1B-784A49E20349}">
+  <ds:schemaRefs>
+    <ds:schemaRef ds:uri="http://schemas.microsoft.com/VisualStudio/2011/storyboarding/control"/>
+  </ds:schemaRefs>
+</ds:datastoreItem>
+</file>
+
+<file path=customXml/itemProps42.xml><?xml version="1.0" encoding="utf-8"?>
+<ds:datastoreItem xmlns:ds="http://schemas.openxmlformats.org/officeDocument/2006/customXml" ds:itemID="{3772E1FB-0818-405D-8AE0-EEBEFA8F8059}">
+  <ds:schemaRefs>
+    <ds:schemaRef ds:uri="http://schemas.microsoft.com/VisualStudio/2011/storyboarding/control"/>
+  </ds:schemaRefs>
+</ds:datastoreItem>
+</file>
+
+<file path=customXml/itemProps43.xml><?xml version="1.0" encoding="utf-8"?>
+<ds:datastoreItem xmlns:ds="http://schemas.openxmlformats.org/officeDocument/2006/customXml" ds:itemID="{A48F12F7-AFA2-4DDC-B2E2-9533388E8E36}">
+  <ds:schemaRefs>
+    <ds:schemaRef ds:uri="http://schemas.microsoft.com/VisualStudio/2011/storyboarding/control"/>
+  </ds:schemaRefs>
+</ds:datastoreItem>
+</file>
+
+<file path=customXml/itemProps44.xml><?xml version="1.0" encoding="utf-8"?>
+<ds:datastoreItem xmlns:ds="http://schemas.openxmlformats.org/officeDocument/2006/customXml" ds:itemID="{82A03F8E-D41D-44A0-99C2-583EF4E9A803}">
+  <ds:schemaRefs>
+    <ds:schemaRef ds:uri="http://schemas.microsoft.com/VisualStudio/2011/storyboarding/control"/>
+  </ds:schemaRefs>
+</ds:datastoreItem>
+</file>
+
+<file path=customXml/itemProps45.xml><?xml version="1.0" encoding="utf-8"?>
+<ds:datastoreItem xmlns:ds="http://schemas.openxmlformats.org/officeDocument/2006/customXml" ds:itemID="{3EE23C9E-EA14-45CA-A8EB-8CF0974A333D}">
+  <ds:schemaRefs>
+    <ds:schemaRef ds:uri="http://schemas.microsoft.com/VisualStudio/2011/storyboarding/control"/>
+  </ds:schemaRefs>
+</ds:datastoreItem>
+</file>
+
+<file path=customXml/itemProps46.xml><?xml version="1.0" encoding="utf-8"?>
+<ds:datastoreItem xmlns:ds="http://schemas.openxmlformats.org/officeDocument/2006/customXml" ds:itemID="{753B3042-74A3-44E0-8AC0-E5BED1D73BD3}">
+  <ds:schemaRefs>
+    <ds:schemaRef ds:uri="http://schemas.microsoft.com/VisualStudio/2011/storyboarding/control"/>
+  </ds:schemaRefs>
+</ds:datastoreItem>
+</file>
+
+<file path=customXml/itemProps47.xml><?xml version="1.0" encoding="utf-8"?>
+<ds:datastoreItem xmlns:ds="http://schemas.openxmlformats.org/officeDocument/2006/customXml" ds:itemID="{BDC404D5-F4FE-4A73-9820-11F6298F7183}">
+  <ds:schemaRefs>
+    <ds:schemaRef ds:uri="http://schemas.microsoft.com/VisualStudio/2011/storyboarding/control"/>
+  </ds:schemaRefs>
+</ds:datastoreItem>
+</file>
+
+<file path=customXml/itemProps48.xml><?xml version="1.0" encoding="utf-8"?>
+<ds:datastoreItem xmlns:ds="http://schemas.openxmlformats.org/officeDocument/2006/customXml" ds:itemID="{7F0A77A4-FB2F-472E-86DB-FDF32D0C8B9B}">
+  <ds:schemaRefs>
+    <ds:schemaRef ds:uri="http://schemas.microsoft.com/VisualStudio/2011/storyboarding/control"/>
+  </ds:schemaRefs>
+</ds:datastoreItem>
+</file>
+
+<file path=customXml/itemProps49.xml><?xml version="1.0" encoding="utf-8"?>
+<ds:datastoreItem xmlns:ds="http://schemas.openxmlformats.org/officeDocument/2006/customXml" ds:itemID="{63A76C51-5857-43DE-AB8F-D35566BEF648}">
+  <ds:schemaRefs>
+    <ds:schemaRef ds:uri="http://schemas.microsoft.com/VisualStudio/2011/storyboarding/control"/>
+  </ds:schemaRefs>
+</ds:datastoreItem>
+</file>
+
+<file path=customXml/itemProps5.xml><?xml version="1.0" encoding="utf-8"?>
+<ds:datastoreItem xmlns:ds="http://schemas.openxmlformats.org/officeDocument/2006/customXml" ds:itemID="{85A2A2B8-4FC9-44A7-97AD-8B1E2F4B64A7}">
+  <ds:schemaRefs>
+    <ds:schemaRef ds:uri="http://schemas.microsoft.com/VisualStudio/2011/storyboarding/control"/>
+  </ds:schemaRefs>
+</ds:datastoreItem>
+</file>
+
+<file path=customXml/itemProps50.xml><?xml version="1.0" encoding="utf-8"?>
+<ds:datastoreItem xmlns:ds="http://schemas.openxmlformats.org/officeDocument/2006/customXml" ds:itemID="{831166F3-CB2E-4A5F-88C9-108F4A1FDA1C}">
+  <ds:schemaRefs>
+    <ds:schemaRef ds:uri="http://schemas.microsoft.com/VisualStudio/2011/storyboarding/control"/>
+  </ds:schemaRefs>
+</ds:datastoreItem>
+</file>
+
+<file path=customXml/itemProps51.xml><?xml version="1.0" encoding="utf-8"?>
+<ds:datastoreItem xmlns:ds="http://schemas.openxmlformats.org/officeDocument/2006/customXml" ds:itemID="{B2A392FB-142C-4FF2-AA16-1F9C5B72C51C}">
+  <ds:schemaRefs>
+    <ds:schemaRef ds:uri="http://schemas.microsoft.com/VisualStudio/2011/storyboarding/control"/>
+  </ds:schemaRefs>
+</ds:datastoreItem>
+</file>
+
+<file path=customXml/itemProps52.xml><?xml version="1.0" encoding="utf-8"?>
+<ds:datastoreItem xmlns:ds="http://schemas.openxmlformats.org/officeDocument/2006/customXml" ds:itemID="{2CA7CEBC-75AE-4357-B797-70F719240F30}">
+  <ds:schemaRefs>
+    <ds:schemaRef ds:uri="http://schemas.microsoft.com/VisualStudio/2011/storyboarding/control"/>
+  </ds:schemaRefs>
+</ds:datastoreItem>
+</file>
+
+<file path=customXml/itemProps53.xml><?xml version="1.0" encoding="utf-8"?>
+<ds:datastoreItem xmlns:ds="http://schemas.openxmlformats.org/officeDocument/2006/customXml" ds:itemID="{8FBB6B9F-2BCB-4FCD-BA98-2054BD1BB169}">
+  <ds:schemaRefs>
+    <ds:schemaRef ds:uri="http://schemas.microsoft.com/VisualStudio/2011/storyboarding/control"/>
+  </ds:schemaRefs>
+</ds:datastoreItem>
+</file>
+
+<file path=customXml/itemProps54.xml><?xml version="1.0" encoding="utf-8"?>
+<ds:datastoreItem xmlns:ds="http://schemas.openxmlformats.org/officeDocument/2006/customXml" ds:itemID="{81BFF67A-270F-42CC-B062-6BC51FD90781}">
+  <ds:schemaRefs>
+    <ds:schemaRef ds:uri="http://schemas.microsoft.com/VisualStudio/2011/storyboarding/control"/>
+  </ds:schemaRefs>
+</ds:datastoreItem>
+</file>
+
+<file path=customXml/itemProps55.xml><?xml version="1.0" encoding="utf-8"?>
+<ds:datastoreItem xmlns:ds="http://schemas.openxmlformats.org/officeDocument/2006/customXml" ds:itemID="{696C991D-78C9-4F2A-A849-A46A365360C5}">
+  <ds:schemaRefs>
+    <ds:schemaRef ds:uri="http://schemas.microsoft.com/VisualStudio/2011/storyboarding/control"/>
+  </ds:schemaRefs>
+</ds:datastoreItem>
+</file>
+
+<file path=customXml/itemProps56.xml><?xml version="1.0" encoding="utf-8"?>
+<ds:datastoreItem xmlns:ds="http://schemas.openxmlformats.org/officeDocument/2006/customXml" ds:itemID="{C018F783-FE18-458E-9314-719375E7F988}">
+  <ds:schemaRefs>
+    <ds:schemaRef ds:uri="http://schemas.microsoft.com/VisualStudio/2011/storyboarding/control"/>
+  </ds:schemaRefs>
+</ds:datastoreItem>
+</file>
+
+<file path=customXml/itemProps57.xml><?xml version="1.0" encoding="utf-8"?>
+<ds:datastoreItem xmlns:ds="http://schemas.openxmlformats.org/officeDocument/2006/customXml" ds:itemID="{CA1537B1-1E6C-41D8-8190-D69D73A2D2B6}">
+  <ds:schemaRefs>
+    <ds:schemaRef ds:uri="http://schemas.microsoft.com/VisualStudio/2011/storyboarding/control"/>
+  </ds:schemaRefs>
+</ds:datastoreItem>
+</file>
+
+<file path=customXml/itemProps58.xml><?xml version="1.0" encoding="utf-8"?>
+<ds:datastoreItem xmlns:ds="http://schemas.openxmlformats.org/officeDocument/2006/customXml" ds:itemID="{D2273C08-F76E-40A9-82B6-D576C245CBC1}">
+  <ds:schemaRefs>
+    <ds:schemaRef ds:uri="http://schemas.microsoft.com/VisualStudio/2011/storyboarding/control"/>
+  </ds:schemaRefs>
+</ds:datastoreItem>
+</file>
+
+<file path=customXml/itemProps59.xml><?xml version="1.0" encoding="utf-8"?>
+<ds:datastoreItem xmlns:ds="http://schemas.openxmlformats.org/officeDocument/2006/customXml" ds:itemID="{D47F23C8-C6F8-4100-9184-88E3C9CAC6C7}">
+  <ds:schemaRefs>
+    <ds:schemaRef ds:uri="http://schemas.microsoft.com/VisualStudio/2011/storyboarding/control"/>
+  </ds:schemaRefs>
+</ds:datastoreItem>
+</file>
+
+<file path=customXml/itemProps6.xml><?xml version="1.0" encoding="utf-8"?>
+<ds:datastoreItem xmlns:ds="http://schemas.openxmlformats.org/officeDocument/2006/customXml" ds:itemID="{6926CAEF-442B-4352-88AE-281C478A273F}">
+  <ds:schemaRefs>
+    <ds:schemaRef ds:uri="http://schemas.microsoft.com/VisualStudio/2011/storyboarding/control"/>
+  </ds:schemaRefs>
+</ds:datastoreItem>
+</file>
+
+<file path=customXml/itemProps60.xml><?xml version="1.0" encoding="utf-8"?>
+<ds:datastoreItem xmlns:ds="http://schemas.openxmlformats.org/officeDocument/2006/customXml" ds:itemID="{4A3EB743-9280-42B8-A4B1-A5747EC1A26F}">
+  <ds:schemaRefs>
+    <ds:schemaRef ds:uri="http://schemas.microsoft.com/VisualStudio/2011/storyboarding/control"/>
+  </ds:schemaRefs>
+</ds:datastoreItem>
+</file>
+
+<file path=customXml/itemProps61.xml><?xml version="1.0" encoding="utf-8"?>
+<ds:datastoreItem xmlns:ds="http://schemas.openxmlformats.org/officeDocument/2006/customXml" ds:itemID="{DDB9D839-F688-4253-87CF-2AD4250A7191}">
+  <ds:schemaRefs>
+    <ds:schemaRef ds:uri="http://schemas.microsoft.com/VisualStudio/2011/storyboarding/control"/>
+  </ds:schemaRefs>
+</ds:datastoreItem>
+</file>
+
+<file path=customXml/itemProps62.xml><?xml version="1.0" encoding="utf-8"?>
 <ds:datastoreItem xmlns:ds="http://schemas.openxmlformats.org/officeDocument/2006/customXml" ds:itemID="{8FA4A0EB-B8CE-4A9E-B6FD-732C84E8788A}">
   <ds:schemaRefs>
     <ds:schemaRef ds:uri="http://schemas.microsoft.com/VisualStudio/2011/storyboarding/control"/>
@@ -16731,31 +16828,39 @@
 </ds:datastoreItem>
 </file>
 
-<file path=customXml/itemProps29.xml><?xml version="1.0" encoding="utf-8"?>
-<ds:datastoreItem xmlns:ds="http://schemas.openxmlformats.org/officeDocument/2006/customXml" ds:itemID="{E17DBEC3-6EA6-47EB-A088-19A74FB47D82}">
+<file path=customXml/itemProps63.xml><?xml version="1.0" encoding="utf-8"?>
+<ds:datastoreItem xmlns:ds="http://schemas.openxmlformats.org/officeDocument/2006/customXml" ds:itemID="{E12306F5-1BFA-44FB-9462-43FF16CED144}">
   <ds:schemaRefs>
     <ds:schemaRef ds:uri="http://schemas.microsoft.com/VisualStudio/2011/storyboarding/control"/>
   </ds:schemaRefs>
 </ds:datastoreItem>
 </file>
 
-<file path=customXml/itemProps3.xml><?xml version="1.0" encoding="utf-8"?>
-<ds:datastoreItem xmlns:ds="http://schemas.openxmlformats.org/officeDocument/2006/customXml" ds:itemID="{3772E1FB-0818-405D-8AE0-EEBEFA8F8059}">
+<file path=customXml/itemProps64.xml><?xml version="1.0" encoding="utf-8"?>
+<ds:datastoreItem xmlns:ds="http://schemas.openxmlformats.org/officeDocument/2006/customXml" ds:itemID="{7E3CC2A9-7859-4723-9ADD-23351EC7DE72}">
   <ds:schemaRefs>
     <ds:schemaRef ds:uri="http://schemas.microsoft.com/VisualStudio/2011/storyboarding/control"/>
   </ds:schemaRefs>
 </ds:datastoreItem>
 </file>
 
-<file path=customXml/itemProps30.xml><?xml version="1.0" encoding="utf-8"?>
-<ds:datastoreItem xmlns:ds="http://schemas.openxmlformats.org/officeDocument/2006/customXml" ds:itemID="{859C70C3-EEF0-422B-B60E-B5CB58D90C7E}">
+<file path=customXml/itemProps65.xml><?xml version="1.0" encoding="utf-8"?>
+<ds:datastoreItem xmlns:ds="http://schemas.openxmlformats.org/officeDocument/2006/customXml" ds:itemID="{F954C0C9-3256-4BE2-A05A-4ACC0E686797}">
   <ds:schemaRefs>
     <ds:schemaRef ds:uri="http://schemas.microsoft.com/VisualStudio/2011/storyboarding/control"/>
   </ds:schemaRefs>
 </ds:datastoreItem>
 </file>
 
-<file path=customXml/itemProps31.xml><?xml version="1.0" encoding="utf-8"?>
+<file path=customXml/itemProps66.xml><?xml version="1.0" encoding="utf-8"?>
+<ds:datastoreItem xmlns:ds="http://schemas.openxmlformats.org/officeDocument/2006/customXml" ds:itemID="{835FC548-FB45-485F-A415-438C50626A82}">
+  <ds:schemaRefs>
+    <ds:schemaRef ds:uri="http://schemas.microsoft.com/VisualStudio/2011/storyboarding/control"/>
+  </ds:schemaRefs>
+</ds:datastoreItem>
+</file>
+
+<file path=customXml/itemProps67.xml><?xml version="1.0" encoding="utf-8"?>
 <ds:datastoreItem xmlns:ds="http://schemas.openxmlformats.org/officeDocument/2006/customXml" ds:itemID="{9FAC8FC3-F673-4F0B-B89A-B5F58E45CB27}">
   <ds:schemaRefs>
     <ds:schemaRef ds:uri="http://schemas.microsoft.com/VisualStudio/2011/storyboarding/control"/>
@@ -16763,63 +16868,103 @@
 </ds:datastoreItem>
 </file>
 
-<file path=customXml/itemProps32.xml><?xml version="1.0" encoding="utf-8"?>
-<ds:datastoreItem xmlns:ds="http://schemas.openxmlformats.org/officeDocument/2006/customXml" ds:itemID="{87AE78B2-87FE-44C4-B7B8-2C0D3CFE1A48}">
+<file path=customXml/itemProps68.xml><?xml version="1.0" encoding="utf-8"?>
+<ds:datastoreItem xmlns:ds="http://schemas.openxmlformats.org/officeDocument/2006/customXml" ds:itemID="{3A3FFDEF-9490-47B2-9FE8-802341BF238F}">
   <ds:schemaRefs>
     <ds:schemaRef ds:uri="http://schemas.microsoft.com/VisualStudio/2011/storyboarding/control"/>
   </ds:schemaRefs>
 </ds:datastoreItem>
 </file>
 
-<file path=customXml/itemProps33.xml><?xml version="1.0" encoding="utf-8"?>
-<ds:datastoreItem xmlns:ds="http://schemas.openxmlformats.org/officeDocument/2006/customXml" ds:itemID="{753B3042-74A3-44E0-8AC0-E5BED1D73BD3}">
+<file path=customXml/itemProps69.xml><?xml version="1.0" encoding="utf-8"?>
+<ds:datastoreItem xmlns:ds="http://schemas.openxmlformats.org/officeDocument/2006/customXml" ds:itemID="{B776CB94-E11D-48B1-BE54-F1044B2DCA1D}">
   <ds:schemaRefs>
     <ds:schemaRef ds:uri="http://schemas.microsoft.com/VisualStudio/2011/storyboarding/control"/>
   </ds:schemaRefs>
 </ds:datastoreItem>
 </file>
 
-<file path=customXml/itemProps34.xml><?xml version="1.0" encoding="utf-8"?>
-<ds:datastoreItem xmlns:ds="http://schemas.openxmlformats.org/officeDocument/2006/customXml" ds:itemID="{E478923A-8834-4A7D-AE25-518FAF817293}">
+<file path=customXml/itemProps7.xml><?xml version="1.0" encoding="utf-8"?>
+<ds:datastoreItem xmlns:ds="http://schemas.openxmlformats.org/officeDocument/2006/customXml" ds:itemID="{7DBF3541-1133-4B0E-88A9-9802D40870E5}">
   <ds:schemaRefs>
     <ds:schemaRef ds:uri="http://schemas.microsoft.com/VisualStudio/2011/storyboarding/control"/>
   </ds:schemaRefs>
 </ds:datastoreItem>
 </file>
 
-<file path=customXml/itemProps35.xml><?xml version="1.0" encoding="utf-8"?>
-<ds:datastoreItem xmlns:ds="http://schemas.openxmlformats.org/officeDocument/2006/customXml" ds:itemID="{D33474AC-DFE4-45B2-9A3A-26B7322EAEBE}">
+<file path=customXml/itemProps70.xml><?xml version="1.0" encoding="utf-8"?>
+<ds:datastoreItem xmlns:ds="http://schemas.openxmlformats.org/officeDocument/2006/customXml" ds:itemID="{C544FC8B-9C31-4F73-964B-02A6ADE1EB38}">
   <ds:schemaRefs>
     <ds:schemaRef ds:uri="http://schemas.microsoft.com/VisualStudio/2011/storyboarding/control"/>
   </ds:schemaRefs>
 </ds:datastoreItem>
 </file>
 
-<file path=customXml/itemProps36.xml><?xml version="1.0" encoding="utf-8"?>
-<ds:datastoreItem xmlns:ds="http://schemas.openxmlformats.org/officeDocument/2006/customXml" ds:itemID="{E12306F5-1BFA-44FB-9462-43FF16CED144}">
+<file path=customXml/itemProps71.xml><?xml version="1.0" encoding="utf-8"?>
+<ds:datastoreItem xmlns:ds="http://schemas.openxmlformats.org/officeDocument/2006/customXml" ds:itemID="{DB71CF41-626B-46F7-8A8D-45D50B080CE7}">
   <ds:schemaRefs>
     <ds:schemaRef ds:uri="http://schemas.microsoft.com/VisualStudio/2011/storyboarding/control"/>
   </ds:schemaRefs>
 </ds:datastoreItem>
 </file>
 
-<file path=customXml/itemProps37.xml><?xml version="1.0" encoding="utf-8"?>
-<ds:datastoreItem xmlns:ds="http://schemas.openxmlformats.org/officeDocument/2006/customXml" ds:itemID="{460AA643-8087-4391-9249-24BEFF81DB0C}">
+<file path=customXml/itemProps72.xml><?xml version="1.0" encoding="utf-8"?>
+<ds:datastoreItem xmlns:ds="http://schemas.openxmlformats.org/officeDocument/2006/customXml" ds:itemID="{5AA1EF4E-FE9C-4B98-90B8-98F2EAFD3652}">
   <ds:schemaRefs>
     <ds:schemaRef ds:uri="http://schemas.microsoft.com/VisualStudio/2011/storyboarding/control"/>
   </ds:schemaRefs>
 </ds:datastoreItem>
 </file>
 
-<file path=customXml/itemProps38.xml><?xml version="1.0" encoding="utf-8"?>
-<ds:datastoreItem xmlns:ds="http://schemas.openxmlformats.org/officeDocument/2006/customXml" ds:itemID="{BDC404D5-F4FE-4A73-9820-11F6298F7183}">
+<file path=customXml/itemProps73.xml><?xml version="1.0" encoding="utf-8"?>
+<ds:datastoreItem xmlns:ds="http://schemas.openxmlformats.org/officeDocument/2006/customXml" ds:itemID="{C0BE94E4-266A-4842-8844-81C48B9C1BA9}">
   <ds:schemaRefs>
     <ds:schemaRef ds:uri="http://schemas.microsoft.com/VisualStudio/2011/storyboarding/control"/>
   </ds:schemaRefs>
 </ds:datastoreItem>
 </file>
 
-<file path=customXml/itemProps39.xml><?xml version="1.0" encoding="utf-8"?>
+<file path=customXml/itemProps74.xml><?xml version="1.0" encoding="utf-8"?>
+<ds:datastoreItem xmlns:ds="http://schemas.openxmlformats.org/officeDocument/2006/customXml" ds:itemID="{036EA84D-8573-4356-82D1-07A54E20C06C}">
+  <ds:schemaRefs>
+    <ds:schemaRef ds:uri="http://schemas.microsoft.com/VisualStudio/2011/storyboarding/control"/>
+  </ds:schemaRefs>
+</ds:datastoreItem>
+</file>
+
+<file path=customXml/itemProps75.xml><?xml version="1.0" encoding="utf-8"?>
+<ds:datastoreItem xmlns:ds="http://schemas.openxmlformats.org/officeDocument/2006/customXml" ds:itemID="{1D922207-507D-47AE-84F6-B2BB29516D28}">
+  <ds:schemaRefs>
+    <ds:schemaRef ds:uri="http://schemas.microsoft.com/VisualStudio/2011/storyboarding/control"/>
+  </ds:schemaRefs>
+</ds:datastoreItem>
+</file>
+
+<file path=customXml/itemProps76.xml><?xml version="1.0" encoding="utf-8"?>
+<ds:datastoreItem xmlns:ds="http://schemas.openxmlformats.org/officeDocument/2006/customXml" ds:itemID="{FA95A5AE-DC4D-4B32-ABDB-6A0FDD44AC54}">
+  <ds:schemaRefs>
+    <ds:schemaRef ds:uri="http://schemas.microsoft.com/VisualStudio/2011/storyboarding/control"/>
+  </ds:schemaRefs>
+</ds:datastoreItem>
+</file>
+
+<file path=customXml/itemProps77.xml><?xml version="1.0" encoding="utf-8"?>
+<ds:datastoreItem xmlns:ds="http://schemas.openxmlformats.org/officeDocument/2006/customXml" ds:itemID="{4C50E241-568C-4E3C-93A4-49441F1807E1}">
+  <ds:schemaRefs>
+    <ds:schemaRef ds:uri="http://schemas.microsoft.com/VisualStudio/2011/storyboarding/control"/>
+  </ds:schemaRefs>
+</ds:datastoreItem>
+</file>
+
+<file path=customXml/itemProps78.xml><?xml version="1.0" encoding="utf-8"?>
+<ds:datastoreItem xmlns:ds="http://schemas.openxmlformats.org/officeDocument/2006/customXml" ds:itemID="{46D23C07-4CD3-443D-8216-94BA2E1AE648}">
+  <ds:schemaRefs>
+    <ds:schemaRef ds:uri="http://schemas.microsoft.com/VisualStudio/2011/storyboarding/control"/>
+  </ds:schemaRefs>
+</ds:datastoreItem>
+</file>
+
+<file path=customXml/itemProps79.xml><?xml version="1.0" encoding="utf-8"?>
 <ds:datastoreItem xmlns:ds="http://schemas.openxmlformats.org/officeDocument/2006/customXml" ds:itemID="{C545487A-88C3-46A0-93E1-F5ED8843DBE1}">
   <ds:schemaRefs>
     <ds:schemaRef ds:uri="http://schemas.microsoft.com/VisualStudio/2011/storyboarding/control"/>
@@ -16827,31 +16972,31 @@
 </ds:datastoreItem>
 </file>
 
-<file path=customXml/itemProps4.xml><?xml version="1.0" encoding="utf-8"?>
-<ds:datastoreItem xmlns:ds="http://schemas.openxmlformats.org/officeDocument/2006/customXml" ds:itemID="{1D922207-507D-47AE-84F6-B2BB29516D28}">
+<file path=customXml/itemProps8.xml><?xml version="1.0" encoding="utf-8"?>
+<ds:datastoreItem xmlns:ds="http://schemas.openxmlformats.org/officeDocument/2006/customXml" ds:itemID="{5E2C8009-F26F-4AB3-A8E7-CF1A61688F05}">
   <ds:schemaRefs>
     <ds:schemaRef ds:uri="http://schemas.microsoft.com/VisualStudio/2011/storyboarding/control"/>
   </ds:schemaRefs>
 </ds:datastoreItem>
 </file>
 
-<file path=customXml/itemProps40.xml><?xml version="1.0" encoding="utf-8"?>
-<ds:datastoreItem xmlns:ds="http://schemas.openxmlformats.org/officeDocument/2006/customXml" ds:itemID="{754FA485-AB97-4089-804F-2A4637149D95}">
+<file path=customXml/itemProps80.xml><?xml version="1.0" encoding="utf-8"?>
+<ds:datastoreItem xmlns:ds="http://schemas.openxmlformats.org/officeDocument/2006/customXml" ds:itemID="{9193ABC3-698A-416E-9A8D-50303824CE47}">
   <ds:schemaRefs>
     <ds:schemaRef ds:uri="http://schemas.microsoft.com/VisualStudio/2011/storyboarding/control"/>
   </ds:schemaRefs>
 </ds:datastoreItem>
 </file>
 
-<file path=customXml/itemProps41.xml><?xml version="1.0" encoding="utf-8"?>
-<ds:datastoreItem xmlns:ds="http://schemas.openxmlformats.org/officeDocument/2006/customXml" ds:itemID="{2CA7CEBC-75AE-4357-B797-70F719240F30}">
+<file path=customXml/itemProps81.xml><?xml version="1.0" encoding="utf-8"?>
+<ds:datastoreItem xmlns:ds="http://schemas.openxmlformats.org/officeDocument/2006/customXml" ds:itemID="{95F872E1-0CB0-4F81-86EF-1E4CA3643121}">
   <ds:schemaRefs>
     <ds:schemaRef ds:uri="http://schemas.microsoft.com/VisualStudio/2011/storyboarding/control"/>
   </ds:schemaRefs>
 </ds:datastoreItem>
 </file>
 
-<file path=customXml/itemProps42.xml><?xml version="1.0" encoding="utf-8"?>
+<file path=customXml/itemProps82.xml><?xml version="1.0" encoding="utf-8"?>
 <ds:datastoreItem xmlns:ds="http://schemas.openxmlformats.org/officeDocument/2006/customXml" ds:itemID="{DC6AC60C-8189-4EE8-8A83-C3FA3B19AC5E}">
   <ds:schemaRefs>
     <ds:schemaRef ds:uri="http://schemas.microsoft.com/VisualStudio/2011/storyboarding/control"/>
@@ -16859,39 +17004,7 @@
 </ds:datastoreItem>
 </file>
 
-<file path=customXml/itemProps43.xml><?xml version="1.0" encoding="utf-8"?>
-<ds:datastoreItem xmlns:ds="http://schemas.openxmlformats.org/officeDocument/2006/customXml" ds:itemID="{7BCA9379-D390-44C9-9573-0CC0A6BC683B}">
-  <ds:schemaRefs>
-    <ds:schemaRef ds:uri="http://schemas.microsoft.com/VisualStudio/2011/storyboarding/control"/>
-  </ds:schemaRefs>
-</ds:datastoreItem>
-</file>
-
-<file path=customXml/itemProps44.xml><?xml version="1.0" encoding="utf-8"?>
-<ds:datastoreItem xmlns:ds="http://schemas.openxmlformats.org/officeDocument/2006/customXml" ds:itemID="{3A3FFDEF-9490-47B2-9FE8-802341BF238F}">
-  <ds:schemaRefs>
-    <ds:schemaRef ds:uri="http://schemas.microsoft.com/VisualStudio/2011/storyboarding/control"/>
-  </ds:schemaRefs>
-</ds:datastoreItem>
-</file>
-
-<file path=customXml/itemProps45.xml><?xml version="1.0" encoding="utf-8"?>
-<ds:datastoreItem xmlns:ds="http://schemas.openxmlformats.org/officeDocument/2006/customXml" ds:itemID="{3B26A355-6EFC-4EAD-BF31-BA5EECC8C217}">
-  <ds:schemaRefs>
-    <ds:schemaRef ds:uri="http://schemas.microsoft.com/VisualStudio/2011/storyboarding/control"/>
-  </ds:schemaRefs>
-</ds:datastoreItem>
-</file>
-
-<file path=customXml/itemProps46.xml><?xml version="1.0" encoding="utf-8"?>
-<ds:datastoreItem xmlns:ds="http://schemas.openxmlformats.org/officeDocument/2006/customXml" ds:itemID="{7F0A77A4-FB2F-472E-86DB-FDF32D0C8B9B}">
-  <ds:schemaRefs>
-    <ds:schemaRef ds:uri="http://schemas.microsoft.com/VisualStudio/2011/storyboarding/control"/>
-  </ds:schemaRefs>
-</ds:datastoreItem>
-</file>
-
-<file path=customXml/itemProps47.xml><?xml version="1.0" encoding="utf-8"?>
+<file path=customXml/itemProps83.xml><?xml version="1.0" encoding="utf-8"?>
 <ds:datastoreItem xmlns:ds="http://schemas.openxmlformats.org/officeDocument/2006/customXml" ds:itemID="{8FD354EB-E344-41C0-B626-11AD377EB9FE}">
   <ds:schemaRefs>
     <ds:schemaRef ds:uri="http://schemas.microsoft.com/VisualStudio/2011/storyboarding/control"/>
@@ -16899,143 +17012,7 @@
 </ds:datastoreItem>
 </file>
 
-<file path=customXml/itemProps48.xml><?xml version="1.0" encoding="utf-8"?>
-<ds:datastoreItem xmlns:ds="http://schemas.openxmlformats.org/officeDocument/2006/customXml" ds:itemID="{6287A83F-C641-4743-BAC2-419C74C2BDEE}">
-  <ds:schemaRefs>
-    <ds:schemaRef ds:uri="http://schemas.microsoft.com/VisualStudio/2011/storyboarding/control"/>
-  </ds:schemaRefs>
-</ds:datastoreItem>
-</file>
-
-<file path=customXml/itemProps49.xml><?xml version="1.0" encoding="utf-8"?>
-<ds:datastoreItem xmlns:ds="http://schemas.openxmlformats.org/officeDocument/2006/customXml" ds:itemID="{7E3CC2A9-7859-4723-9ADD-23351EC7DE72}">
-  <ds:schemaRefs>
-    <ds:schemaRef ds:uri="http://schemas.microsoft.com/VisualStudio/2011/storyboarding/control"/>
-  </ds:schemaRefs>
-</ds:datastoreItem>
-</file>
-
-<file path=customXml/itemProps5.xml><?xml version="1.0" encoding="utf-8"?>
-<ds:datastoreItem xmlns:ds="http://schemas.openxmlformats.org/officeDocument/2006/customXml" ds:itemID="{9F980F4E-5FB1-43F7-9677-643032884DF3}">
-  <ds:schemaRefs>
-    <ds:schemaRef ds:uri="http://schemas.microsoft.com/VisualStudio/2011/storyboarding/control"/>
-  </ds:schemaRefs>
-</ds:datastoreItem>
-</file>
-
-<file path=customXml/itemProps50.xml><?xml version="1.0" encoding="utf-8"?>
-<ds:datastoreItem xmlns:ds="http://schemas.openxmlformats.org/officeDocument/2006/customXml" ds:itemID="{ADE0CD05-7FCE-4B89-8BC4-15F09D85C810}">
-  <ds:schemaRefs>
-    <ds:schemaRef ds:uri="http://schemas.microsoft.com/VisualStudio/2011/storyboarding/control"/>
-  </ds:schemaRefs>
-</ds:datastoreItem>
-</file>
-
-<file path=customXml/itemProps51.xml><?xml version="1.0" encoding="utf-8"?>
-<ds:datastoreItem xmlns:ds="http://schemas.openxmlformats.org/officeDocument/2006/customXml" ds:itemID="{67862349-397D-49A9-94E6-785F28CC908E}">
-  <ds:schemaRefs>
-    <ds:schemaRef ds:uri="http://schemas.microsoft.com/VisualStudio/2011/storyboarding/control"/>
-  </ds:schemaRefs>
-</ds:datastoreItem>
-</file>
-
-<file path=customXml/itemProps52.xml><?xml version="1.0" encoding="utf-8"?>
-<ds:datastoreItem xmlns:ds="http://schemas.openxmlformats.org/officeDocument/2006/customXml" ds:itemID="{B776CB94-E11D-48B1-BE54-F1044B2DCA1D}">
-  <ds:schemaRefs>
-    <ds:schemaRef ds:uri="http://schemas.microsoft.com/VisualStudio/2011/storyboarding/control"/>
-  </ds:schemaRefs>
-</ds:datastoreItem>
-</file>
-
-<file path=customXml/itemProps53.xml><?xml version="1.0" encoding="utf-8"?>
-<ds:datastoreItem xmlns:ds="http://schemas.openxmlformats.org/officeDocument/2006/customXml" ds:itemID="{A950AEE5-D2CD-4066-90AF-21D75A63E43A}">
-  <ds:schemaRefs>
-    <ds:schemaRef ds:uri="http://schemas.microsoft.com/VisualStudio/2011/storyboarding/control"/>
-  </ds:schemaRefs>
-</ds:datastoreItem>
-</file>
-
-<file path=customXml/itemProps54.xml><?xml version="1.0" encoding="utf-8"?>
-<ds:datastoreItem xmlns:ds="http://schemas.openxmlformats.org/officeDocument/2006/customXml" ds:itemID="{8FBB6B9F-2BCB-4FCD-BA98-2054BD1BB169}">
-  <ds:schemaRefs>
-    <ds:schemaRef ds:uri="http://schemas.microsoft.com/VisualStudio/2011/storyboarding/control"/>
-  </ds:schemaRefs>
-</ds:datastoreItem>
-</file>
-
-<file path=customXml/itemProps55.xml><?xml version="1.0" encoding="utf-8"?>
-<ds:datastoreItem xmlns:ds="http://schemas.openxmlformats.org/officeDocument/2006/customXml" ds:itemID="{0B1A2077-0726-4808-BB42-9D413FF4D01C}">
-  <ds:schemaRefs>
-    <ds:schemaRef ds:uri="http://schemas.microsoft.com/VisualStudio/2011/storyboarding/control"/>
-  </ds:schemaRefs>
-</ds:datastoreItem>
-</file>
-
-<file path=customXml/itemProps56.xml><?xml version="1.0" encoding="utf-8"?>
-<ds:datastoreItem xmlns:ds="http://schemas.openxmlformats.org/officeDocument/2006/customXml" ds:itemID="{E17D1E45-3082-44F6-A97A-4760B287D29A}">
-  <ds:schemaRefs>
-    <ds:schemaRef ds:uri="http://schemas.microsoft.com/VisualStudio/2011/storyboarding/control"/>
-  </ds:schemaRefs>
-</ds:datastoreItem>
-</file>
-
-<file path=customXml/itemProps57.xml><?xml version="1.0" encoding="utf-8"?>
-<ds:datastoreItem xmlns:ds="http://schemas.openxmlformats.org/officeDocument/2006/customXml" ds:itemID="{F954C0C9-3256-4BE2-A05A-4ACC0E686797}">
-  <ds:schemaRefs>
-    <ds:schemaRef ds:uri="http://schemas.microsoft.com/VisualStudio/2011/storyboarding/control"/>
-  </ds:schemaRefs>
-</ds:datastoreItem>
-</file>
-
-<file path=customXml/itemProps58.xml><?xml version="1.0" encoding="utf-8"?>
-<ds:datastoreItem xmlns:ds="http://schemas.openxmlformats.org/officeDocument/2006/customXml" ds:itemID="{39788FF8-FA50-47D6-A778-D1828EEB4DEF}">
-  <ds:schemaRefs>
-    <ds:schemaRef ds:uri="http://schemas.microsoft.com/VisualStudio/2011/storyboarding/control"/>
-  </ds:schemaRefs>
-</ds:datastoreItem>
-</file>
-
-<file path=customXml/itemProps59.xml><?xml version="1.0" encoding="utf-8"?>
-<ds:datastoreItem xmlns:ds="http://schemas.openxmlformats.org/officeDocument/2006/customXml" ds:itemID="{63A76C51-5857-43DE-AB8F-D35566BEF648}">
-  <ds:schemaRefs>
-    <ds:schemaRef ds:uri="http://schemas.microsoft.com/VisualStudio/2011/storyboarding/control"/>
-  </ds:schemaRefs>
-</ds:datastoreItem>
-</file>
-
-<file path=customXml/itemProps6.xml><?xml version="1.0" encoding="utf-8"?>
-<ds:datastoreItem xmlns:ds="http://schemas.openxmlformats.org/officeDocument/2006/customXml" ds:itemID="{D47F23C8-C6F8-4100-9184-88E3C9CAC6C7}">
-  <ds:schemaRefs>
-    <ds:schemaRef ds:uri="http://schemas.microsoft.com/VisualStudio/2011/storyboarding/control"/>
-  </ds:schemaRefs>
-</ds:datastoreItem>
-</file>
-
-<file path=customXml/itemProps60.xml><?xml version="1.0" encoding="utf-8"?>
-<ds:datastoreItem xmlns:ds="http://schemas.openxmlformats.org/officeDocument/2006/customXml" ds:itemID="{C544FC8B-9C31-4F73-964B-02A6ADE1EB38}">
-  <ds:schemaRefs>
-    <ds:schemaRef ds:uri="http://schemas.microsoft.com/VisualStudio/2011/storyboarding/control"/>
-  </ds:schemaRefs>
-</ds:datastoreItem>
-</file>
-
-<file path=customXml/itemProps61.xml><?xml version="1.0" encoding="utf-8"?>
-<ds:datastoreItem xmlns:ds="http://schemas.openxmlformats.org/officeDocument/2006/customXml" ds:itemID="{DDBAB122-6856-40D8-9D31-D1A361BC7535}">
-  <ds:schemaRefs>
-    <ds:schemaRef ds:uri="http://schemas.microsoft.com/VisualStudio/2011/storyboarding/control"/>
-  </ds:schemaRefs>
-</ds:datastoreItem>
-</file>
-
-<file path=customXml/itemProps62.xml><?xml version="1.0" encoding="utf-8"?>
-<ds:datastoreItem xmlns:ds="http://schemas.openxmlformats.org/officeDocument/2006/customXml" ds:itemID="{81BFF67A-270F-42CC-B062-6BC51FD90781}">
-  <ds:schemaRefs>
-    <ds:schemaRef ds:uri="http://schemas.microsoft.com/VisualStudio/2011/storyboarding/control"/>
-  </ds:schemaRefs>
-</ds:datastoreItem>
-</file>
-
-<file path=customXml/itemProps63.xml><?xml version="1.0" encoding="utf-8"?>
+<file path=customXml/itemProps84.xml><?xml version="1.0" encoding="utf-8"?>
 <ds:datastoreItem xmlns:ds="http://schemas.openxmlformats.org/officeDocument/2006/customXml" ds:itemID="{EA3A4C90-8C00-481B-BE4A-0E2A37F04ACE}">
   <ds:schemaRefs>
     <ds:schemaRef ds:uri="http://schemas.microsoft.com/VisualStudio/2011/storyboarding/control"/>
@@ -17043,39 +17020,7 @@
 </ds:datastoreItem>
 </file>
 
-<file path=customXml/itemProps64.xml><?xml version="1.0" encoding="utf-8"?>
-<ds:datastoreItem xmlns:ds="http://schemas.openxmlformats.org/officeDocument/2006/customXml" ds:itemID="{BF3C2A5E-FCDF-4A08-9CA3-4D1CBFACAE7B}">
-  <ds:schemaRefs>
-    <ds:schemaRef ds:uri="http://schemas.microsoft.com/VisualStudio/2011/storyboarding/control"/>
-  </ds:schemaRefs>
-</ds:datastoreItem>
-</file>
-
-<file path=customXml/itemProps65.xml><?xml version="1.0" encoding="utf-8"?>
-<ds:datastoreItem xmlns:ds="http://schemas.openxmlformats.org/officeDocument/2006/customXml" ds:itemID="{DB71CF41-626B-46F7-8A8D-45D50B080CE7}">
-  <ds:schemaRefs>
-    <ds:schemaRef ds:uri="http://schemas.microsoft.com/VisualStudio/2011/storyboarding/control"/>
-  </ds:schemaRefs>
-</ds:datastoreItem>
-</file>
-
-<file path=customXml/itemProps66.xml><?xml version="1.0" encoding="utf-8"?>
-<ds:datastoreItem xmlns:ds="http://schemas.openxmlformats.org/officeDocument/2006/customXml" ds:itemID="{CA3B79F1-182D-4F88-BC96-72B4B52A4FF7}">
-  <ds:schemaRefs>
-    <ds:schemaRef ds:uri="http://schemas.microsoft.com/VisualStudio/2011/storyboarding/control"/>
-  </ds:schemaRefs>
-</ds:datastoreItem>
-</file>
-
-<file path=customXml/itemProps67.xml><?xml version="1.0" encoding="utf-8"?>
-<ds:datastoreItem xmlns:ds="http://schemas.openxmlformats.org/officeDocument/2006/customXml" ds:itemID="{831166F3-CB2E-4A5F-88C9-108F4A1FDA1C}">
-  <ds:schemaRefs>
-    <ds:schemaRef ds:uri="http://schemas.microsoft.com/VisualStudio/2011/storyboarding/control"/>
-  </ds:schemaRefs>
-</ds:datastoreItem>
-</file>
-
-<file path=customXml/itemProps68.xml><?xml version="1.0" encoding="utf-8"?>
+<file path=customXml/itemProps85.xml><?xml version="1.0" encoding="utf-8"?>
 <ds:datastoreItem xmlns:ds="http://schemas.openxmlformats.org/officeDocument/2006/customXml" ds:itemID="{4764113E-F21D-48EB-B47D-A649E055AB35}">
   <ds:schemaRefs>
     <ds:schemaRef ds:uri="http://schemas.microsoft.com/VisualStudio/2011/storyboarding/control"/>
@@ -17083,160 +17028,8 @@
 </ds:datastoreItem>
 </file>
 
-<file path=customXml/itemProps69.xml><?xml version="1.0" encoding="utf-8"?>
-<ds:datastoreItem xmlns:ds="http://schemas.openxmlformats.org/officeDocument/2006/customXml" ds:itemID="{E38B9171-FD9B-4A4D-8BE7-D85367259339}">
-  <ds:schemaRefs>
-    <ds:schemaRef ds:uri="http://schemas.microsoft.com/VisualStudio/2011/storyboarding/control"/>
-  </ds:schemaRefs>
-</ds:datastoreItem>
-</file>
-
-<file path=customXml/itemProps7.xml><?xml version="1.0" encoding="utf-8"?>
-<ds:datastoreItem xmlns:ds="http://schemas.openxmlformats.org/officeDocument/2006/customXml" ds:itemID="{6926CAEF-442B-4352-88AE-281C478A273F}">
-  <ds:schemaRefs>
-    <ds:schemaRef ds:uri="http://schemas.microsoft.com/VisualStudio/2011/storyboarding/control"/>
-  </ds:schemaRefs>
-</ds:datastoreItem>
-</file>
-
-<file path=customXml/itemProps70.xml><?xml version="1.0" encoding="utf-8"?>
-<ds:datastoreItem xmlns:ds="http://schemas.openxmlformats.org/officeDocument/2006/customXml" ds:itemID="{696C991D-78C9-4F2A-A849-A46A365360C5}">
-  <ds:schemaRefs>
-    <ds:schemaRef ds:uri="http://schemas.microsoft.com/VisualStudio/2011/storyboarding/control"/>
-  </ds:schemaRefs>
-</ds:datastoreItem>
-</file>
-
-<file path=customXml/itemProps71.xml><?xml version="1.0" encoding="utf-8"?>
-<ds:datastoreItem xmlns:ds="http://schemas.openxmlformats.org/officeDocument/2006/customXml" ds:itemID="{7DBF3541-1133-4B0E-88A9-9802D40870E5}">
-  <ds:schemaRefs>
-    <ds:schemaRef ds:uri="http://schemas.microsoft.com/VisualStudio/2011/storyboarding/control"/>
-  </ds:schemaRefs>
-</ds:datastoreItem>
-</file>
-
-<file path=customXml/itemProps72.xml><?xml version="1.0" encoding="utf-8"?>
-<ds:datastoreItem xmlns:ds="http://schemas.openxmlformats.org/officeDocument/2006/customXml" ds:itemID="{C4D76CB4-2E2A-4DC8-9C1B-784A49E20349}">
-  <ds:schemaRefs>
-    <ds:schemaRef ds:uri="http://schemas.microsoft.com/VisualStudio/2011/storyboarding/control"/>
-  </ds:schemaRefs>
-</ds:datastoreItem>
-</file>
-
-<file path=customXml/itemProps73.xml><?xml version="1.0" encoding="utf-8"?>
-<ds:datastoreItem xmlns:ds="http://schemas.openxmlformats.org/officeDocument/2006/customXml" ds:itemID="{5AA1EF4E-FE9C-4B98-90B8-98F2EAFD3652}">
-  <ds:schemaRefs>
-    <ds:schemaRef ds:uri="http://schemas.microsoft.com/VisualStudio/2011/storyboarding/control"/>
-  </ds:schemaRefs>
-</ds:datastoreItem>
-</file>
-
-<file path=customXml/itemProps74.xml><?xml version="1.0" encoding="utf-8"?>
-<ds:datastoreItem xmlns:ds="http://schemas.openxmlformats.org/officeDocument/2006/customXml" ds:itemID="{9F9CA8C5-F19F-4EBC-AA47-25BC44F24A2C}">
-  <ds:schemaRefs>
-    <ds:schemaRef ds:uri="http://schemas.microsoft.com/VisualStudio/2011/storyboarding/control"/>
-  </ds:schemaRefs>
-</ds:datastoreItem>
-</file>
-
-<file path=customXml/itemProps75.xml><?xml version="1.0" encoding="utf-8"?>
-<ds:datastoreItem xmlns:ds="http://schemas.openxmlformats.org/officeDocument/2006/customXml" ds:itemID="{C018F783-FE18-458E-9314-719375E7F988}">
-  <ds:schemaRefs>
-    <ds:schemaRef ds:uri="http://schemas.microsoft.com/VisualStudio/2011/storyboarding/control"/>
-  </ds:schemaRefs>
-</ds:datastoreItem>
-</file>
-
-<file path=customXml/itemProps76.xml><?xml version="1.0" encoding="utf-8"?>
-<ds:datastoreItem xmlns:ds="http://schemas.openxmlformats.org/officeDocument/2006/customXml" ds:itemID="{85A2A2B8-4FC9-44A7-97AD-8B1E2F4B64A7}">
-  <ds:schemaRefs>
-    <ds:schemaRef ds:uri="http://schemas.microsoft.com/VisualStudio/2011/storyboarding/control"/>
-  </ds:schemaRefs>
-</ds:datastoreItem>
-</file>
-
-<file path=customXml/itemProps77.xml><?xml version="1.0" encoding="utf-8"?>
-<ds:datastoreItem xmlns:ds="http://schemas.openxmlformats.org/officeDocument/2006/customXml" ds:itemID="{542021B4-41C5-430E-BB37-48C43D02B48D}">
-  <ds:schemaRefs>
-    <ds:schemaRef ds:uri="http://schemas.microsoft.com/VisualStudio/2011/storyboarding/control"/>
-  </ds:schemaRefs>
-</ds:datastoreItem>
-</file>
-
-<file path=customXml/itemProps78.xml><?xml version="1.0" encoding="utf-8"?>
-<ds:datastoreItem xmlns:ds="http://schemas.openxmlformats.org/officeDocument/2006/customXml" ds:itemID="{C0BE94E4-266A-4842-8844-81C48B9C1BA9}">
-  <ds:schemaRefs>
-    <ds:schemaRef ds:uri="http://schemas.microsoft.com/VisualStudio/2011/storyboarding/control"/>
-  </ds:schemaRefs>
-</ds:datastoreItem>
-</file>
-
-<file path=customXml/itemProps79.xml><?xml version="1.0" encoding="utf-8"?>
-<ds:datastoreItem xmlns:ds="http://schemas.openxmlformats.org/officeDocument/2006/customXml" ds:itemID="{7C886715-E970-4EA9-9B8A-2889AC28ECFA}">
-  <ds:schemaRefs>
-    <ds:schemaRef ds:uri="http://schemas.microsoft.com/VisualStudio/2011/storyboarding/control"/>
-  </ds:schemaRefs>
-</ds:datastoreItem>
-</file>
-
-<file path=customXml/itemProps8.xml><?xml version="1.0" encoding="utf-8"?>
-<ds:datastoreItem xmlns:ds="http://schemas.openxmlformats.org/officeDocument/2006/customXml" ds:itemID="{C8458326-9616-490C-BB01-748CDB7294C0}">
-  <ds:schemaRefs>
-    <ds:schemaRef ds:uri="http://schemas.microsoft.com/VisualStudio/2011/storyboarding/control"/>
-  </ds:schemaRefs>
-</ds:datastoreItem>
-</file>
-
-<file path=customXml/itemProps80.xml><?xml version="1.0" encoding="utf-8"?>
-<ds:datastoreItem xmlns:ds="http://schemas.openxmlformats.org/officeDocument/2006/customXml" ds:itemID="{9E38241F-B898-4727-A9FC-43C08D55817A}">
-  <ds:schemaRefs>
-    <ds:schemaRef ds:uri="http://schemas.microsoft.com/VisualStudio/2011/storyboarding/control"/>
-  </ds:schemaRefs>
-</ds:datastoreItem>
-</file>
-
-<file path=customXml/itemProps81.xml><?xml version="1.0" encoding="utf-8"?>
-<ds:datastoreItem xmlns:ds="http://schemas.openxmlformats.org/officeDocument/2006/customXml" ds:itemID="{036EA84D-8573-4356-82D1-07A54E20C06C}">
-  <ds:schemaRefs>
-    <ds:schemaRef ds:uri="http://schemas.microsoft.com/VisualStudio/2011/storyboarding/control"/>
-  </ds:schemaRefs>
-</ds:datastoreItem>
-</file>
-
-<file path=customXml/itemProps82.xml><?xml version="1.0" encoding="utf-8"?>
-<ds:datastoreItem xmlns:ds="http://schemas.openxmlformats.org/officeDocument/2006/customXml" ds:itemID="{962441A4-92BA-4A01-AC7E-7921F9E4C3BD}">
-  <ds:schemaRefs>
-    <ds:schemaRef ds:uri="http://schemas.microsoft.com/VisualStudio/2011/storyboarding/control"/>
-  </ds:schemaRefs>
-</ds:datastoreItem>
-</file>
-
-<file path=customXml/itemProps83.xml><?xml version="1.0" encoding="utf-8"?>
-<ds:datastoreItem xmlns:ds="http://schemas.openxmlformats.org/officeDocument/2006/customXml" ds:itemID="{CA1537B1-1E6C-41D8-8190-D69D73A2D2B6}">
-  <ds:schemaRefs>
-    <ds:schemaRef ds:uri="http://schemas.microsoft.com/VisualStudio/2011/storyboarding/control"/>
-  </ds:schemaRefs>
-</ds:datastoreItem>
-</file>
-
-<file path=customXml/itemProps84.xml><?xml version="1.0" encoding="utf-8"?>
-<ds:datastoreItem xmlns:ds="http://schemas.openxmlformats.org/officeDocument/2006/customXml" ds:itemID="{918B4BBC-15E9-4DD8-94F0-B66E28B9BF1B}">
-  <ds:schemaRefs>
-    <ds:schemaRef ds:uri="http://schemas.microsoft.com/VisualStudio/2011/storyboarding/control"/>
-  </ds:schemaRefs>
-</ds:datastoreItem>
-</file>
-
-<file path=customXml/itemProps85.xml><?xml version="1.0" encoding="utf-8"?>
-<ds:datastoreItem xmlns:ds="http://schemas.openxmlformats.org/officeDocument/2006/customXml" ds:itemID="{CDC1BA3B-0878-4607-B1AA-79F85069306E}">
-  <ds:schemaRefs>
-    <ds:schemaRef ds:uri="http://schemas.microsoft.com/VisualStudio/2011/storyboarding/control"/>
-  </ds:schemaRefs>
-</ds:datastoreItem>
-</file>
-
 <file path=customXml/itemProps9.xml><?xml version="1.0" encoding="utf-8"?>
-<ds:datastoreItem xmlns:ds="http://schemas.openxmlformats.org/officeDocument/2006/customXml" ds:itemID="{FA95A5AE-DC4D-4B32-ABDB-6A0FDD44AC54}">
+<ds:datastoreItem xmlns:ds="http://schemas.openxmlformats.org/officeDocument/2006/customXml" ds:itemID="{92327A92-2C4F-4E3E-BE50-AB201A6A57C9}">
   <ds:schemaRefs>
     <ds:schemaRef ds:uri="http://schemas.microsoft.com/VisualStudio/2011/storyboarding/control"/>
   </ds:schemaRefs>
